--- a/tutorial/ja/images/figures.pptx
+++ b/tutorial/ja/images/figures.pptx
@@ -243,7 +243,7 @@
           <a:p>
             <a:fld id="{E6FC79EB-3D47-AA48-B2B1-4222865B35CA}" type="datetimeFigureOut">
               <a:rPr kumimoji="1" lang="ja-JP" altLang="en-US" smtClean="0"/>
-              <a:t>2016/4/14</a:t>
+              <a:t>2016/5/15</a:t>
             </a:fld>
             <a:endParaRPr kumimoji="1" lang="ja-JP" altLang="en-US"/>
           </a:p>
@@ -445,7 +445,7 @@
           <a:p>
             <a:fld id="{E6FC79EB-3D47-AA48-B2B1-4222865B35CA}" type="datetimeFigureOut">
               <a:rPr kumimoji="1" lang="ja-JP" altLang="en-US" smtClean="0"/>
-              <a:t>2016/4/14</a:t>
+              <a:t>2016/5/15</a:t>
             </a:fld>
             <a:endParaRPr kumimoji="1" lang="ja-JP" altLang="en-US"/>
           </a:p>
@@ -657,7 +657,7 @@
           <a:p>
             <a:fld id="{E6FC79EB-3D47-AA48-B2B1-4222865B35CA}" type="datetimeFigureOut">
               <a:rPr kumimoji="1" lang="ja-JP" altLang="en-US" smtClean="0"/>
-              <a:t>2016/4/14</a:t>
+              <a:t>2016/5/15</a:t>
             </a:fld>
             <a:endParaRPr kumimoji="1" lang="ja-JP" altLang="en-US"/>
           </a:p>
@@ -859,7 +859,7 @@
           <a:p>
             <a:fld id="{E6FC79EB-3D47-AA48-B2B1-4222865B35CA}" type="datetimeFigureOut">
               <a:rPr kumimoji="1" lang="ja-JP" altLang="en-US" smtClean="0"/>
-              <a:t>2016/4/14</a:t>
+              <a:t>2016/5/15</a:t>
             </a:fld>
             <a:endParaRPr kumimoji="1" lang="ja-JP" altLang="en-US"/>
           </a:p>
@@ -1105,7 +1105,7 @@
           <a:p>
             <a:fld id="{E6FC79EB-3D47-AA48-B2B1-4222865B35CA}" type="datetimeFigureOut">
               <a:rPr kumimoji="1" lang="ja-JP" altLang="en-US" smtClean="0"/>
-              <a:t>2016/4/14</a:t>
+              <a:t>2016/5/15</a:t>
             </a:fld>
             <a:endParaRPr kumimoji="1" lang="ja-JP" altLang="en-US"/>
           </a:p>
@@ -1401,7 +1401,7 @@
           <a:p>
             <a:fld id="{E6FC79EB-3D47-AA48-B2B1-4222865B35CA}" type="datetimeFigureOut">
               <a:rPr kumimoji="1" lang="ja-JP" altLang="en-US" smtClean="0"/>
-              <a:t>2016/4/14</a:t>
+              <a:t>2016/5/15</a:t>
             </a:fld>
             <a:endParaRPr kumimoji="1" lang="ja-JP" altLang="en-US"/>
           </a:p>
@@ -1832,7 +1832,7 @@
           <a:p>
             <a:fld id="{E6FC79EB-3D47-AA48-B2B1-4222865B35CA}" type="datetimeFigureOut">
               <a:rPr kumimoji="1" lang="ja-JP" altLang="en-US" smtClean="0"/>
-              <a:t>2016/4/14</a:t>
+              <a:t>2016/5/15</a:t>
             </a:fld>
             <a:endParaRPr kumimoji="1" lang="ja-JP" altLang="en-US"/>
           </a:p>
@@ -1950,7 +1950,7 @@
           <a:p>
             <a:fld id="{E6FC79EB-3D47-AA48-B2B1-4222865B35CA}" type="datetimeFigureOut">
               <a:rPr kumimoji="1" lang="ja-JP" altLang="en-US" smtClean="0"/>
-              <a:t>2016/4/14</a:t>
+              <a:t>2016/5/15</a:t>
             </a:fld>
             <a:endParaRPr kumimoji="1" lang="ja-JP" altLang="en-US"/>
           </a:p>
@@ -2045,7 +2045,7 @@
           <a:p>
             <a:fld id="{E6FC79EB-3D47-AA48-B2B1-4222865B35CA}" type="datetimeFigureOut">
               <a:rPr kumimoji="1" lang="ja-JP" altLang="en-US" smtClean="0"/>
-              <a:t>2016/4/14</a:t>
+              <a:t>2016/5/15</a:t>
             </a:fld>
             <a:endParaRPr kumimoji="1" lang="ja-JP" altLang="en-US"/>
           </a:p>
@@ -2354,7 +2354,7 @@
           <a:p>
             <a:fld id="{E6FC79EB-3D47-AA48-B2B1-4222865B35CA}" type="datetimeFigureOut">
               <a:rPr kumimoji="1" lang="ja-JP" altLang="en-US" smtClean="0"/>
-              <a:t>2016/4/14</a:t>
+              <a:t>2016/5/15</a:t>
             </a:fld>
             <a:endParaRPr kumimoji="1" lang="ja-JP" altLang="en-US"/>
           </a:p>
@@ -2607,7 +2607,7 @@
           <a:p>
             <a:fld id="{E6FC79EB-3D47-AA48-B2B1-4222865B35CA}" type="datetimeFigureOut">
               <a:rPr kumimoji="1" lang="ja-JP" altLang="en-US" smtClean="0"/>
-              <a:t>2016/4/14</a:t>
+              <a:t>2016/5/15</a:t>
             </a:fld>
             <a:endParaRPr kumimoji="1" lang="ja-JP" altLang="en-US"/>
           </a:p>
@@ -2852,7 +2852,7 @@
           <a:p>
             <a:fld id="{E6FC79EB-3D47-AA48-B2B1-4222865B35CA}" type="datetimeFigureOut">
               <a:rPr kumimoji="1" lang="ja-JP" altLang="en-US" smtClean="0"/>
-              <a:t>2016/4/14</a:t>
+              <a:t>2016/5/15</a:t>
             </a:fld>
             <a:endParaRPr kumimoji="1" lang="ja-JP" altLang="en-US"/>
           </a:p>
@@ -4164,7 +4164,7 @@
         </p:nvSpPr>
         <p:spPr>
           <a:xfrm>
-            <a:off x="2887932" y="4061326"/>
+            <a:off x="2900632" y="4074026"/>
             <a:ext cx="742511" cy="276999"/>
           </a:xfrm>
           <a:prstGeom prst="rect">
@@ -4253,7 +4253,7 @@
         </p:nvSpPr>
         <p:spPr>
           <a:xfrm>
-            <a:off x="2914670" y="4728085"/>
+            <a:off x="2901970" y="4740785"/>
             <a:ext cx="742511" cy="276999"/>
           </a:xfrm>
           <a:prstGeom prst="rect">
@@ -4302,7 +4302,7 @@
         </p:nvSpPr>
         <p:spPr>
           <a:xfrm>
-            <a:off x="3138002" y="4312189"/>
+            <a:off x="3138002" y="4324889"/>
             <a:ext cx="211138" cy="163106"/>
           </a:xfrm>
           <a:prstGeom prst="rect">
@@ -4342,7 +4342,7 @@
         </p:nvSpPr>
         <p:spPr>
           <a:xfrm>
-            <a:off x="3138002" y="4980517"/>
+            <a:off x="3138002" y="4993217"/>
             <a:ext cx="211138" cy="163106"/>
           </a:xfrm>
           <a:prstGeom prst="rect">
@@ -5480,6 +5480,417 @@
           </a:fontRef>
         </p:style>
       </p:cxnSp>
+      <p:sp>
+        <p:nvSpPr>
+          <p:cNvPr id="56" name="正方形/長方形 55"/>
+          <p:cNvSpPr/>
+          <p:nvPr/>
+        </p:nvSpPr>
+        <p:spPr>
+          <a:xfrm>
+            <a:off x="3803815" y="2969257"/>
+            <a:ext cx="211138" cy="163106"/>
+          </a:xfrm>
+          <a:prstGeom prst="rect">
+            <a:avLst/>
+          </a:prstGeom>
+        </p:spPr>
+        <p:style>
+          <a:lnRef idx="2">
+            <a:schemeClr val="accent4">
+              <a:shade val="50000"/>
+            </a:schemeClr>
+          </a:lnRef>
+          <a:fillRef idx="1">
+            <a:schemeClr val="accent4"/>
+          </a:fillRef>
+          <a:effectRef idx="0">
+            <a:schemeClr val="accent4"/>
+          </a:effectRef>
+          <a:fontRef idx="minor">
+            <a:schemeClr val="lt1"/>
+          </a:fontRef>
+        </p:style>
+        <p:txBody>
+          <a:bodyPr rtlCol="0" anchor="ctr"/>
+          <a:lstStyle/>
+          <a:p>
+            <a:pPr algn="ctr"/>
+            <a:endParaRPr kumimoji="1" lang="ja-JP" altLang="en-US"/>
+          </a:p>
+        </p:txBody>
+      </p:sp>
+      <p:sp>
+        <p:nvSpPr>
+          <p:cNvPr id="58" name="テキスト ボックス 57"/>
+          <p:cNvSpPr txBox="1"/>
+          <p:nvPr/>
+        </p:nvSpPr>
+        <p:spPr>
+          <a:xfrm>
+            <a:off x="3561380" y="3073807"/>
+            <a:ext cx="742511" cy="276999"/>
+          </a:xfrm>
+          <a:prstGeom prst="rect">
+            <a:avLst/>
+          </a:prstGeom>
+          <a:noFill/>
+        </p:spPr>
+        <p:txBody>
+          <a:bodyPr wrap="none" rtlCol="0">
+            <a:spAutoFit/>
+          </a:bodyPr>
+          <a:lstStyle/>
+          <a:p>
+            <a:r>
+              <a:rPr kumimoji="1" lang="ja-JP" altLang="en-US" sz="1200" dirty="0" smtClean="0">
+                <a:latin typeface="HGPSoeiKakugothicUB" charset="-128"/>
+                <a:ea typeface="HGPSoeiKakugothicUB" charset="-128"/>
+                <a:cs typeface="HGPSoeiKakugothicUB" charset="-128"/>
+              </a:rPr>
+              <a:t>センサ</a:t>
+            </a:r>
+            <a:r>
+              <a:rPr kumimoji="1" lang="en-US" altLang="ja-JP" sz="1200" dirty="0" smtClean="0">
+                <a:latin typeface="HGPSoeiKakugothicUB" charset="-128"/>
+                <a:ea typeface="HGPSoeiKakugothicUB" charset="-128"/>
+                <a:cs typeface="HGPSoeiKakugothicUB" charset="-128"/>
+              </a:rPr>
+              <a:t>S</a:t>
+            </a:r>
+            <a:r>
+              <a:rPr kumimoji="1" lang="en-US" altLang="ja-JP" sz="1200" baseline="-25000" dirty="0" smtClean="0">
+                <a:latin typeface="HGPSoeiKakugothicUB" charset="-128"/>
+                <a:ea typeface="HGPSoeiKakugothicUB" charset="-128"/>
+                <a:cs typeface="HGPSoeiKakugothicUB" charset="-128"/>
+              </a:rPr>
+              <a:t>2</a:t>
+            </a:r>
+          </a:p>
+        </p:txBody>
+      </p:sp>
+      <p:grpSp>
+        <p:nvGrpSpPr>
+          <p:cNvPr id="59" name="図形グループ 58"/>
+          <p:cNvGrpSpPr/>
+          <p:nvPr/>
+        </p:nvGrpSpPr>
+        <p:grpSpPr>
+          <a:xfrm rot="-2700000">
+            <a:off x="3686523" y="2781240"/>
+            <a:ext cx="445723" cy="445723"/>
+            <a:chOff x="4742656" y="4758033"/>
+            <a:chExt cx="1100138" cy="1100138"/>
+          </a:xfrm>
+        </p:grpSpPr>
+        <p:sp>
+          <p:nvSpPr>
+            <p:cNvPr id="60" name="円弧 59"/>
+            <p:cNvSpPr/>
+            <p:nvPr/>
+          </p:nvSpPr>
+          <p:spPr>
+            <a:xfrm>
+              <a:off x="5010150" y="5025527"/>
+              <a:ext cx="565150" cy="565150"/>
+            </a:xfrm>
+            <a:prstGeom prst="arc">
+              <a:avLst/>
+            </a:prstGeom>
+            <a:ln w="28575">
+              <a:solidFill>
+                <a:schemeClr val="tx1"/>
+              </a:solidFill>
+            </a:ln>
+          </p:spPr>
+          <p:style>
+            <a:lnRef idx="1">
+              <a:schemeClr val="accent1"/>
+            </a:lnRef>
+            <a:fillRef idx="0">
+              <a:schemeClr val="accent1"/>
+            </a:fillRef>
+            <a:effectRef idx="0">
+              <a:schemeClr val="accent1"/>
+            </a:effectRef>
+            <a:fontRef idx="minor">
+              <a:schemeClr val="tx1"/>
+            </a:fontRef>
+          </p:style>
+          <p:txBody>
+            <a:bodyPr rtlCol="0" anchor="ctr"/>
+            <a:lstStyle/>
+            <a:p>
+              <a:pPr algn="ctr"/>
+              <a:endParaRPr kumimoji="1" lang="ja-JP" altLang="en-US"/>
+            </a:p>
+          </p:txBody>
+        </p:sp>
+        <p:sp>
+          <p:nvSpPr>
+            <p:cNvPr id="61" name="円弧 60"/>
+            <p:cNvSpPr/>
+            <p:nvPr/>
+          </p:nvSpPr>
+          <p:spPr>
+            <a:xfrm>
+              <a:off x="4879975" y="4895352"/>
+              <a:ext cx="825500" cy="825500"/>
+            </a:xfrm>
+            <a:prstGeom prst="arc">
+              <a:avLst/>
+            </a:prstGeom>
+            <a:ln w="28575">
+              <a:solidFill>
+                <a:schemeClr val="tx1"/>
+              </a:solidFill>
+            </a:ln>
+          </p:spPr>
+          <p:style>
+            <a:lnRef idx="1">
+              <a:schemeClr val="accent1"/>
+            </a:lnRef>
+            <a:fillRef idx="0">
+              <a:schemeClr val="accent1"/>
+            </a:fillRef>
+            <a:effectRef idx="0">
+              <a:schemeClr val="accent1"/>
+            </a:effectRef>
+            <a:fontRef idx="minor">
+              <a:schemeClr val="tx1"/>
+            </a:fontRef>
+          </p:style>
+          <p:txBody>
+            <a:bodyPr rtlCol="0" anchor="ctr"/>
+            <a:lstStyle/>
+            <a:p>
+              <a:pPr algn="ctr"/>
+              <a:endParaRPr kumimoji="1" lang="ja-JP" altLang="en-US"/>
+            </a:p>
+          </p:txBody>
+        </p:sp>
+        <p:sp>
+          <p:nvSpPr>
+            <p:cNvPr id="64" name="円弧 63"/>
+            <p:cNvSpPr/>
+            <p:nvPr/>
+          </p:nvSpPr>
+          <p:spPr>
+            <a:xfrm>
+              <a:off x="4742656" y="4758033"/>
+              <a:ext cx="1100138" cy="1100138"/>
+            </a:xfrm>
+            <a:prstGeom prst="arc">
+              <a:avLst/>
+            </a:prstGeom>
+            <a:ln w="28575">
+              <a:solidFill>
+                <a:schemeClr val="tx1"/>
+              </a:solidFill>
+            </a:ln>
+          </p:spPr>
+          <p:style>
+            <a:lnRef idx="1">
+              <a:schemeClr val="accent1"/>
+            </a:lnRef>
+            <a:fillRef idx="0">
+              <a:schemeClr val="accent1"/>
+            </a:fillRef>
+            <a:effectRef idx="0">
+              <a:schemeClr val="accent1"/>
+            </a:effectRef>
+            <a:fontRef idx="minor">
+              <a:schemeClr val="tx1"/>
+            </a:fontRef>
+          </p:style>
+          <p:txBody>
+            <a:bodyPr rtlCol="0" anchor="ctr"/>
+            <a:lstStyle/>
+            <a:p>
+              <a:pPr algn="ctr"/>
+              <a:endParaRPr kumimoji="1" lang="ja-JP" altLang="en-US"/>
+            </a:p>
+          </p:txBody>
+        </p:sp>
+      </p:grpSp>
+      <p:sp>
+        <p:nvSpPr>
+          <p:cNvPr id="66" name="テキスト ボックス 65"/>
+          <p:cNvSpPr txBox="1"/>
+          <p:nvPr/>
+        </p:nvSpPr>
+        <p:spPr>
+          <a:xfrm>
+            <a:off x="4550051" y="2235749"/>
+            <a:ext cx="742511" cy="276999"/>
+          </a:xfrm>
+          <a:prstGeom prst="rect">
+            <a:avLst/>
+          </a:prstGeom>
+          <a:noFill/>
+        </p:spPr>
+        <p:txBody>
+          <a:bodyPr wrap="none" rtlCol="0">
+            <a:spAutoFit/>
+          </a:bodyPr>
+          <a:lstStyle/>
+          <a:p>
+            <a:r>
+              <a:rPr kumimoji="1" lang="ja-JP" altLang="en-US" sz="1200" dirty="0" smtClean="0">
+                <a:latin typeface="HGPSoeiKakugothicUB" charset="-128"/>
+                <a:ea typeface="HGPSoeiKakugothicUB" charset="-128"/>
+                <a:cs typeface="HGPSoeiKakugothicUB" charset="-128"/>
+              </a:rPr>
+              <a:t>センサ</a:t>
+            </a:r>
+            <a:r>
+              <a:rPr kumimoji="1" lang="en-US" altLang="ja-JP" sz="1200" dirty="0" smtClean="0">
+                <a:latin typeface="HGPSoeiKakugothicUB" charset="-128"/>
+                <a:ea typeface="HGPSoeiKakugothicUB" charset="-128"/>
+                <a:cs typeface="HGPSoeiKakugothicUB" charset="-128"/>
+              </a:rPr>
+              <a:t>S</a:t>
+            </a:r>
+            <a:r>
+              <a:rPr kumimoji="1" lang="en-US" altLang="ja-JP" sz="1200" baseline="-25000" dirty="0" smtClean="0">
+                <a:latin typeface="HGPSoeiKakugothicUB" charset="-128"/>
+                <a:ea typeface="HGPSoeiKakugothicUB" charset="-128"/>
+                <a:cs typeface="HGPSoeiKakugothicUB" charset="-128"/>
+              </a:rPr>
+              <a:t>3</a:t>
+            </a:r>
+          </a:p>
+        </p:txBody>
+      </p:sp>
+      <p:sp>
+        <p:nvSpPr>
+          <p:cNvPr id="67" name="テキスト ボックス 66"/>
+          <p:cNvSpPr txBox="1"/>
+          <p:nvPr/>
+        </p:nvSpPr>
+        <p:spPr>
+          <a:xfrm>
+            <a:off x="4551389" y="2915208"/>
+            <a:ext cx="742511" cy="276999"/>
+          </a:xfrm>
+          <a:prstGeom prst="rect">
+            <a:avLst/>
+          </a:prstGeom>
+          <a:noFill/>
+        </p:spPr>
+        <p:txBody>
+          <a:bodyPr wrap="none" rtlCol="0">
+            <a:spAutoFit/>
+          </a:bodyPr>
+          <a:lstStyle/>
+          <a:p>
+            <a:r>
+              <a:rPr kumimoji="1" lang="ja-JP" altLang="en-US" sz="1200" dirty="0" smtClean="0">
+                <a:latin typeface="HGPSoeiKakugothicUB" charset="-128"/>
+                <a:ea typeface="HGPSoeiKakugothicUB" charset="-128"/>
+                <a:cs typeface="HGPSoeiKakugothicUB" charset="-128"/>
+              </a:rPr>
+              <a:t>センサ</a:t>
+            </a:r>
+            <a:r>
+              <a:rPr kumimoji="1" lang="en-US" altLang="ja-JP" sz="1200" dirty="0" smtClean="0">
+                <a:latin typeface="HGPSoeiKakugothicUB" charset="-128"/>
+                <a:ea typeface="HGPSoeiKakugothicUB" charset="-128"/>
+                <a:cs typeface="HGPSoeiKakugothicUB" charset="-128"/>
+              </a:rPr>
+              <a:t>S</a:t>
+            </a:r>
+            <a:r>
+              <a:rPr kumimoji="1" lang="en-US" altLang="ja-JP" sz="1200" baseline="-25000" dirty="0" smtClean="0">
+                <a:latin typeface="HGPSoeiKakugothicUB" charset="-128"/>
+                <a:ea typeface="HGPSoeiKakugothicUB" charset="-128"/>
+                <a:cs typeface="HGPSoeiKakugothicUB" charset="-128"/>
+              </a:rPr>
+              <a:t>4</a:t>
+            </a:r>
+          </a:p>
+        </p:txBody>
+      </p:sp>
+      <p:sp>
+        <p:nvSpPr>
+          <p:cNvPr id="68" name="正方形/長方形 67"/>
+          <p:cNvSpPr/>
+          <p:nvPr/>
+        </p:nvSpPr>
+        <p:spPr>
+          <a:xfrm>
+            <a:off x="4787421" y="2486612"/>
+            <a:ext cx="211138" cy="163106"/>
+          </a:xfrm>
+          <a:prstGeom prst="rect">
+            <a:avLst/>
+          </a:prstGeom>
+        </p:spPr>
+        <p:style>
+          <a:lnRef idx="2">
+            <a:schemeClr val="accent4">
+              <a:shade val="50000"/>
+            </a:schemeClr>
+          </a:lnRef>
+          <a:fillRef idx="1">
+            <a:schemeClr val="accent4"/>
+          </a:fillRef>
+          <a:effectRef idx="0">
+            <a:schemeClr val="accent4"/>
+          </a:effectRef>
+          <a:fontRef idx="minor">
+            <a:schemeClr val="lt1"/>
+          </a:fontRef>
+        </p:style>
+        <p:txBody>
+          <a:bodyPr rtlCol="0" anchor="ctr"/>
+          <a:lstStyle/>
+          <a:p>
+            <a:pPr algn="ctr"/>
+            <a:endParaRPr kumimoji="1" lang="ja-JP" altLang="en-US"/>
+          </a:p>
+        </p:txBody>
+      </p:sp>
+      <p:sp>
+        <p:nvSpPr>
+          <p:cNvPr id="69" name="正方形/長方形 68"/>
+          <p:cNvSpPr/>
+          <p:nvPr/>
+        </p:nvSpPr>
+        <p:spPr>
+          <a:xfrm>
+            <a:off x="4787421" y="3167640"/>
+            <a:ext cx="211138" cy="163106"/>
+          </a:xfrm>
+          <a:prstGeom prst="rect">
+            <a:avLst/>
+          </a:prstGeom>
+        </p:spPr>
+        <p:style>
+          <a:lnRef idx="2">
+            <a:schemeClr val="accent4">
+              <a:shade val="50000"/>
+            </a:schemeClr>
+          </a:lnRef>
+          <a:fillRef idx="1">
+            <a:schemeClr val="accent4"/>
+          </a:fillRef>
+          <a:effectRef idx="0">
+            <a:schemeClr val="accent4"/>
+          </a:effectRef>
+          <a:fontRef idx="minor">
+            <a:schemeClr val="lt1"/>
+          </a:fontRef>
+        </p:style>
+        <p:txBody>
+          <a:bodyPr rtlCol="0" anchor="ctr"/>
+          <a:lstStyle/>
+          <a:p>
+            <a:pPr algn="ctr"/>
+            <a:endParaRPr kumimoji="1" lang="ja-JP" altLang="en-US"/>
+          </a:p>
+        </p:txBody>
+      </p:sp>
     </p:spTree>
     <p:extLst>
       <p:ext uri="{BB962C8B-B14F-4D97-AF65-F5344CB8AC3E}">

--- a/tutorial/ja/images/figures.pptx
+++ b/tutorial/ja/images/figures.pptx
@@ -6,6 +6,7 @@
   </p:sldMasterIdLst>
   <p:sldIdLst>
     <p:sldId id="256" r:id="rId2"/>
+    <p:sldId id="257" r:id="rId3"/>
   </p:sldIdLst>
   <p:sldSz cx="12192000" cy="6858000"/>
   <p:notesSz cx="6858000" cy="9144000"/>
@@ -243,7 +244,7 @@
           <a:p>
             <a:fld id="{E6FC79EB-3D47-AA48-B2B1-4222865B35CA}" type="datetimeFigureOut">
               <a:rPr kumimoji="1" lang="ja-JP" altLang="en-US" smtClean="0"/>
-              <a:t>2016/5/15</a:t>
+              <a:t>2016/8/24</a:t>
             </a:fld>
             <a:endParaRPr kumimoji="1" lang="ja-JP" altLang="en-US"/>
           </a:p>
@@ -445,7 +446,7 @@
           <a:p>
             <a:fld id="{E6FC79EB-3D47-AA48-B2B1-4222865B35CA}" type="datetimeFigureOut">
               <a:rPr kumimoji="1" lang="ja-JP" altLang="en-US" smtClean="0"/>
-              <a:t>2016/5/15</a:t>
+              <a:t>2016/8/24</a:t>
             </a:fld>
             <a:endParaRPr kumimoji="1" lang="ja-JP" altLang="en-US"/>
           </a:p>
@@ -657,7 +658,7 @@
           <a:p>
             <a:fld id="{E6FC79EB-3D47-AA48-B2B1-4222865B35CA}" type="datetimeFigureOut">
               <a:rPr kumimoji="1" lang="ja-JP" altLang="en-US" smtClean="0"/>
-              <a:t>2016/5/15</a:t>
+              <a:t>2016/8/24</a:t>
             </a:fld>
             <a:endParaRPr kumimoji="1" lang="ja-JP" altLang="en-US"/>
           </a:p>
@@ -859,7 +860,7 @@
           <a:p>
             <a:fld id="{E6FC79EB-3D47-AA48-B2B1-4222865B35CA}" type="datetimeFigureOut">
               <a:rPr kumimoji="1" lang="ja-JP" altLang="en-US" smtClean="0"/>
-              <a:t>2016/5/15</a:t>
+              <a:t>2016/8/24</a:t>
             </a:fld>
             <a:endParaRPr kumimoji="1" lang="ja-JP" altLang="en-US"/>
           </a:p>
@@ -1105,7 +1106,7 @@
           <a:p>
             <a:fld id="{E6FC79EB-3D47-AA48-B2B1-4222865B35CA}" type="datetimeFigureOut">
               <a:rPr kumimoji="1" lang="ja-JP" altLang="en-US" smtClean="0"/>
-              <a:t>2016/5/15</a:t>
+              <a:t>2016/8/24</a:t>
             </a:fld>
             <a:endParaRPr kumimoji="1" lang="ja-JP" altLang="en-US"/>
           </a:p>
@@ -1401,7 +1402,7 @@
           <a:p>
             <a:fld id="{E6FC79EB-3D47-AA48-B2B1-4222865B35CA}" type="datetimeFigureOut">
               <a:rPr kumimoji="1" lang="ja-JP" altLang="en-US" smtClean="0"/>
-              <a:t>2016/5/15</a:t>
+              <a:t>2016/8/24</a:t>
             </a:fld>
             <a:endParaRPr kumimoji="1" lang="ja-JP" altLang="en-US"/>
           </a:p>
@@ -1832,7 +1833,7 @@
           <a:p>
             <a:fld id="{E6FC79EB-3D47-AA48-B2B1-4222865B35CA}" type="datetimeFigureOut">
               <a:rPr kumimoji="1" lang="ja-JP" altLang="en-US" smtClean="0"/>
-              <a:t>2016/5/15</a:t>
+              <a:t>2016/8/24</a:t>
             </a:fld>
             <a:endParaRPr kumimoji="1" lang="ja-JP" altLang="en-US"/>
           </a:p>
@@ -1950,7 +1951,7 @@
           <a:p>
             <a:fld id="{E6FC79EB-3D47-AA48-B2B1-4222865B35CA}" type="datetimeFigureOut">
               <a:rPr kumimoji="1" lang="ja-JP" altLang="en-US" smtClean="0"/>
-              <a:t>2016/5/15</a:t>
+              <a:t>2016/8/24</a:t>
             </a:fld>
             <a:endParaRPr kumimoji="1" lang="ja-JP" altLang="en-US"/>
           </a:p>
@@ -2045,7 +2046,7 @@
           <a:p>
             <a:fld id="{E6FC79EB-3D47-AA48-B2B1-4222865B35CA}" type="datetimeFigureOut">
               <a:rPr kumimoji="1" lang="ja-JP" altLang="en-US" smtClean="0"/>
-              <a:t>2016/5/15</a:t>
+              <a:t>2016/8/24</a:t>
             </a:fld>
             <a:endParaRPr kumimoji="1" lang="ja-JP" altLang="en-US"/>
           </a:p>
@@ -2354,7 +2355,7 @@
           <a:p>
             <a:fld id="{E6FC79EB-3D47-AA48-B2B1-4222865B35CA}" type="datetimeFigureOut">
               <a:rPr kumimoji="1" lang="ja-JP" altLang="en-US" smtClean="0"/>
-              <a:t>2016/5/15</a:t>
+              <a:t>2016/8/24</a:t>
             </a:fld>
             <a:endParaRPr kumimoji="1" lang="ja-JP" altLang="en-US"/>
           </a:p>
@@ -2607,7 +2608,7 @@
           <a:p>
             <a:fld id="{E6FC79EB-3D47-AA48-B2B1-4222865B35CA}" type="datetimeFigureOut">
               <a:rPr kumimoji="1" lang="ja-JP" altLang="en-US" smtClean="0"/>
-              <a:t>2016/5/15</a:t>
+              <a:t>2016/8/24</a:t>
             </a:fld>
             <a:endParaRPr kumimoji="1" lang="ja-JP" altLang="en-US"/>
           </a:p>
@@ -2852,7 +2853,7 @@
           <a:p>
             <a:fld id="{E6FC79EB-3D47-AA48-B2B1-4222865B35CA}" type="datetimeFigureOut">
               <a:rPr kumimoji="1" lang="ja-JP" altLang="en-US" smtClean="0"/>
-              <a:t>2016/5/15</a:t>
+              <a:t>2016/8/24</a:t>
             </a:fld>
             <a:endParaRPr kumimoji="1" lang="ja-JP" altLang="en-US"/>
           </a:p>
@@ -5904,6 +5905,3149 @@
 </p:sld>
 </file>
 
+<file path=ppt/slides/slide2.xml><?xml version="1.0" encoding="utf-8"?>
+<p:sld xmlns:a="http://schemas.openxmlformats.org/drawingml/2006/main" xmlns:r="http://schemas.openxmlformats.org/officeDocument/2006/relationships" xmlns:p="http://schemas.openxmlformats.org/presentationml/2006/main">
+  <p:cSld>
+    <p:spTree>
+      <p:nvGrpSpPr>
+        <p:cNvPr id="1" name=""/>
+        <p:cNvGrpSpPr/>
+        <p:nvPr/>
+      </p:nvGrpSpPr>
+      <p:grpSpPr>
+        <a:xfrm>
+          <a:off x="0" y="0"/>
+          <a:ext cx="0" cy="0"/>
+          <a:chOff x="0" y="0"/>
+          <a:chExt cx="0" cy="0"/>
+        </a:xfrm>
+      </p:grpSpPr>
+      <p:sp>
+        <p:nvSpPr>
+          <p:cNvPr id="4" name="角丸四角形 3"/>
+          <p:cNvSpPr/>
+          <p:nvPr/>
+        </p:nvSpPr>
+        <p:spPr>
+          <a:xfrm>
+            <a:off x="3197151" y="584200"/>
+            <a:ext cx="5840589" cy="3241488"/>
+          </a:xfrm>
+          <a:prstGeom prst="roundRect">
+            <a:avLst/>
+          </a:prstGeom>
+          <a:ln w="57150"/>
+        </p:spPr>
+        <p:style>
+          <a:lnRef idx="2">
+            <a:schemeClr val="accent1"/>
+          </a:lnRef>
+          <a:fillRef idx="1">
+            <a:schemeClr val="lt1"/>
+          </a:fillRef>
+          <a:effectRef idx="0">
+            <a:schemeClr val="accent1"/>
+          </a:effectRef>
+          <a:fontRef idx="minor">
+            <a:schemeClr val="dk1"/>
+          </a:fontRef>
+        </p:style>
+        <p:txBody>
+          <a:bodyPr rtlCol="0" anchor="t"/>
+          <a:lstStyle/>
+          <a:p>
+            <a:pPr algn="ctr"/>
+            <a:r>
+              <a:rPr lang="en-US" altLang="ja-JP" sz="2400" b="1" dirty="0" err="1" smtClean="0">
+                <a:solidFill>
+                  <a:schemeClr val="accent1"/>
+                </a:solidFill>
+              </a:rPr>
+              <a:t>EverySense</a:t>
+            </a:r>
+            <a:r>
+              <a:rPr lang="en-US" altLang="ja-JP" sz="2400" b="1" dirty="0" smtClean="0">
+                <a:solidFill>
+                  <a:schemeClr val="accent1"/>
+                </a:solidFill>
+              </a:rPr>
+              <a:t> Server</a:t>
+            </a:r>
+            <a:endParaRPr kumimoji="1" lang="ja-JP" altLang="en-US" sz="2400" b="1" dirty="0">
+              <a:solidFill>
+                <a:schemeClr val="accent1"/>
+              </a:solidFill>
+            </a:endParaRPr>
+          </a:p>
+        </p:txBody>
+      </p:sp>
+      <p:grpSp>
+        <p:nvGrpSpPr>
+          <p:cNvPr id="20" name="図形グループ 19"/>
+          <p:cNvGrpSpPr/>
+          <p:nvPr/>
+        </p:nvGrpSpPr>
+        <p:grpSpPr>
+          <a:xfrm>
+            <a:off x="1963666" y="3076225"/>
+            <a:ext cx="292100" cy="647700"/>
+            <a:chOff x="5181600" y="3937000"/>
+            <a:chExt cx="292100" cy="647700"/>
+          </a:xfrm>
+        </p:grpSpPr>
+        <p:sp>
+          <p:nvSpPr>
+            <p:cNvPr id="2" name="円/楕円 1"/>
+            <p:cNvSpPr/>
+            <p:nvPr/>
+          </p:nvSpPr>
+          <p:spPr>
+            <a:xfrm>
+              <a:off x="5181600" y="3937000"/>
+              <a:ext cx="292100" cy="292100"/>
+            </a:xfrm>
+            <a:prstGeom prst="ellipse">
+              <a:avLst/>
+            </a:prstGeom>
+          </p:spPr>
+          <p:style>
+            <a:lnRef idx="2">
+              <a:schemeClr val="accent1">
+                <a:shade val="50000"/>
+              </a:schemeClr>
+            </a:lnRef>
+            <a:fillRef idx="1">
+              <a:schemeClr val="accent1"/>
+            </a:fillRef>
+            <a:effectRef idx="0">
+              <a:schemeClr val="accent1"/>
+            </a:effectRef>
+            <a:fontRef idx="minor">
+              <a:schemeClr val="lt1"/>
+            </a:fontRef>
+          </p:style>
+          <p:txBody>
+            <a:bodyPr rtlCol="0" anchor="ctr"/>
+            <a:lstStyle/>
+            <a:p>
+              <a:pPr algn="ctr"/>
+              <a:endParaRPr kumimoji="1" lang="ja-JP" altLang="en-US"/>
+            </a:p>
+          </p:txBody>
+        </p:sp>
+        <p:cxnSp>
+          <p:nvCxnSpPr>
+            <p:cNvPr id="5" name="直線コネクタ 4"/>
+            <p:cNvCxnSpPr>
+              <a:stCxn id="2" idx="4"/>
+            </p:cNvCxnSpPr>
+            <p:nvPr/>
+          </p:nvCxnSpPr>
+          <p:spPr>
+            <a:xfrm>
+              <a:off x="5327650" y="4229100"/>
+              <a:ext cx="0" cy="241300"/>
+            </a:xfrm>
+            <a:prstGeom prst="line">
+              <a:avLst/>
+            </a:prstGeom>
+            <a:ln w="38100"/>
+          </p:spPr>
+          <p:style>
+            <a:lnRef idx="1">
+              <a:schemeClr val="accent1"/>
+            </a:lnRef>
+            <a:fillRef idx="0">
+              <a:schemeClr val="accent1"/>
+            </a:fillRef>
+            <a:effectRef idx="0">
+              <a:schemeClr val="accent1"/>
+            </a:effectRef>
+            <a:fontRef idx="minor">
+              <a:schemeClr val="tx1"/>
+            </a:fontRef>
+          </p:style>
+        </p:cxnSp>
+        <p:cxnSp>
+          <p:nvCxnSpPr>
+            <p:cNvPr id="10" name="直線コネクタ 9"/>
+            <p:cNvCxnSpPr/>
+            <p:nvPr/>
+          </p:nvCxnSpPr>
+          <p:spPr>
+            <a:xfrm>
+              <a:off x="5327650" y="4470400"/>
+              <a:ext cx="117475" cy="114300"/>
+            </a:xfrm>
+            <a:prstGeom prst="line">
+              <a:avLst/>
+            </a:prstGeom>
+            <a:ln w="38100"/>
+          </p:spPr>
+          <p:style>
+            <a:lnRef idx="1">
+              <a:schemeClr val="accent1"/>
+            </a:lnRef>
+            <a:fillRef idx="0">
+              <a:schemeClr val="accent1"/>
+            </a:fillRef>
+            <a:effectRef idx="0">
+              <a:schemeClr val="accent1"/>
+            </a:effectRef>
+            <a:fontRef idx="minor">
+              <a:schemeClr val="tx1"/>
+            </a:fontRef>
+          </p:style>
+        </p:cxnSp>
+        <p:cxnSp>
+          <p:nvCxnSpPr>
+            <p:cNvPr id="17" name="直線コネクタ 16"/>
+            <p:cNvCxnSpPr/>
+            <p:nvPr/>
+          </p:nvCxnSpPr>
+          <p:spPr>
+            <a:xfrm flipH="1">
+              <a:off x="5210175" y="4470400"/>
+              <a:ext cx="117475" cy="114300"/>
+            </a:xfrm>
+            <a:prstGeom prst="line">
+              <a:avLst/>
+            </a:prstGeom>
+            <a:ln w="38100"/>
+          </p:spPr>
+          <p:style>
+            <a:lnRef idx="1">
+              <a:schemeClr val="accent1"/>
+            </a:lnRef>
+            <a:fillRef idx="0">
+              <a:schemeClr val="accent1"/>
+            </a:fillRef>
+            <a:effectRef idx="0">
+              <a:schemeClr val="accent1"/>
+            </a:effectRef>
+            <a:fontRef idx="minor">
+              <a:schemeClr val="tx1"/>
+            </a:fontRef>
+          </p:style>
+        </p:cxnSp>
+        <p:cxnSp>
+          <p:nvCxnSpPr>
+            <p:cNvPr id="18" name="直線コネクタ 17"/>
+            <p:cNvCxnSpPr/>
+            <p:nvPr/>
+          </p:nvCxnSpPr>
+          <p:spPr>
+            <a:xfrm>
+              <a:off x="5327650" y="4292600"/>
+              <a:ext cx="117475" cy="114300"/>
+            </a:xfrm>
+            <a:prstGeom prst="line">
+              <a:avLst/>
+            </a:prstGeom>
+            <a:ln w="38100"/>
+          </p:spPr>
+          <p:style>
+            <a:lnRef idx="1">
+              <a:schemeClr val="accent1"/>
+            </a:lnRef>
+            <a:fillRef idx="0">
+              <a:schemeClr val="accent1"/>
+            </a:fillRef>
+            <a:effectRef idx="0">
+              <a:schemeClr val="accent1"/>
+            </a:effectRef>
+            <a:fontRef idx="minor">
+              <a:schemeClr val="tx1"/>
+            </a:fontRef>
+          </p:style>
+        </p:cxnSp>
+        <p:cxnSp>
+          <p:nvCxnSpPr>
+            <p:cNvPr id="19" name="直線コネクタ 18"/>
+            <p:cNvCxnSpPr/>
+            <p:nvPr/>
+          </p:nvCxnSpPr>
+          <p:spPr>
+            <a:xfrm flipH="1">
+              <a:off x="5210175" y="4292600"/>
+              <a:ext cx="117475" cy="114300"/>
+            </a:xfrm>
+            <a:prstGeom prst="line">
+              <a:avLst/>
+            </a:prstGeom>
+            <a:ln w="38100"/>
+          </p:spPr>
+          <p:style>
+            <a:lnRef idx="1">
+              <a:schemeClr val="accent1"/>
+            </a:lnRef>
+            <a:fillRef idx="0">
+              <a:schemeClr val="accent1"/>
+            </a:fillRef>
+            <a:effectRef idx="0">
+              <a:schemeClr val="accent1"/>
+            </a:effectRef>
+            <a:fontRef idx="minor">
+              <a:schemeClr val="tx1"/>
+            </a:fontRef>
+          </p:style>
+        </p:cxnSp>
+      </p:grpSp>
+      <p:sp>
+        <p:nvSpPr>
+          <p:cNvPr id="21" name="テキスト ボックス 20"/>
+          <p:cNvSpPr txBox="1"/>
+          <p:nvPr/>
+        </p:nvSpPr>
+        <p:spPr>
+          <a:xfrm>
+            <a:off x="1680271" y="2553005"/>
+            <a:ext cx="1003801" cy="461665"/>
+          </a:xfrm>
+          <a:prstGeom prst="rect">
+            <a:avLst/>
+          </a:prstGeom>
+          <a:noFill/>
+        </p:spPr>
+        <p:txBody>
+          <a:bodyPr wrap="none" rtlCol="0">
+            <a:spAutoFit/>
+          </a:bodyPr>
+          <a:lstStyle/>
+          <a:p>
+            <a:r>
+              <a:rPr kumimoji="1" lang="ja-JP" altLang="en-US" sz="1200" dirty="0" smtClean="0">
+                <a:latin typeface="HGPSoeiKakugothicUB" charset="-128"/>
+                <a:ea typeface="HGPSoeiKakugothicUB" charset="-128"/>
+                <a:cs typeface="HGPSoeiKakugothicUB" charset="-128"/>
+              </a:rPr>
+              <a:t>ファーム</a:t>
+            </a:r>
+            <a:endParaRPr kumimoji="1" lang="en-US" altLang="ja-JP" sz="1200" dirty="0" smtClean="0">
+              <a:latin typeface="HGPSoeiKakugothicUB" charset="-128"/>
+              <a:ea typeface="HGPSoeiKakugothicUB" charset="-128"/>
+              <a:cs typeface="HGPSoeiKakugothicUB" charset="-128"/>
+            </a:endParaRPr>
+          </a:p>
+          <a:p>
+            <a:r>
+              <a:rPr kumimoji="1" lang="ja-JP" altLang="en-US" sz="1200" dirty="0" smtClean="0">
+                <a:latin typeface="HGPSoeiKakugothicUB" charset="-128"/>
+                <a:ea typeface="HGPSoeiKakugothicUB" charset="-128"/>
+                <a:cs typeface="HGPSoeiKakugothicUB" charset="-128"/>
+              </a:rPr>
+              <a:t>オーナー</a:t>
+            </a:r>
+            <a:r>
+              <a:rPr kumimoji="1" lang="en-US" altLang="ja-JP" sz="1200" dirty="0" smtClean="0">
+                <a:latin typeface="HGPSoeiKakugothicUB" charset="-128"/>
+                <a:ea typeface="HGPSoeiKakugothicUB" charset="-128"/>
+                <a:cs typeface="HGPSoeiKakugothicUB" charset="-128"/>
+              </a:rPr>
+              <a:t> FO</a:t>
+            </a:r>
+            <a:r>
+              <a:rPr kumimoji="1" lang="en-US" altLang="ja-JP" sz="1200" baseline="-25000" dirty="0" smtClean="0">
+                <a:latin typeface="HGPSoeiKakugothicUB" charset="-128"/>
+                <a:ea typeface="HGPSoeiKakugothicUB" charset="-128"/>
+                <a:cs typeface="HGPSoeiKakugothicUB" charset="-128"/>
+              </a:rPr>
+              <a:t>1</a:t>
+            </a:r>
+            <a:endParaRPr kumimoji="1" lang="ja-JP" altLang="en-US" sz="1200" baseline="-25000" dirty="0">
+              <a:latin typeface="HGPSoeiKakugothicUB" charset="-128"/>
+              <a:ea typeface="HGPSoeiKakugothicUB" charset="-128"/>
+              <a:cs typeface="HGPSoeiKakugothicUB" charset="-128"/>
+            </a:endParaRPr>
+          </a:p>
+        </p:txBody>
+      </p:sp>
+      <p:sp>
+        <p:nvSpPr>
+          <p:cNvPr id="28" name="正方形/長方形 27"/>
+          <p:cNvSpPr/>
+          <p:nvPr/>
+        </p:nvSpPr>
+        <p:spPr>
+          <a:xfrm>
+            <a:off x="1951130" y="4222141"/>
+            <a:ext cx="609600" cy="418170"/>
+          </a:xfrm>
+          <a:prstGeom prst="rect">
+            <a:avLst/>
+          </a:prstGeom>
+        </p:spPr>
+        <p:style>
+          <a:lnRef idx="2">
+            <a:schemeClr val="accent2">
+              <a:shade val="50000"/>
+            </a:schemeClr>
+          </a:lnRef>
+          <a:fillRef idx="1">
+            <a:schemeClr val="accent2"/>
+          </a:fillRef>
+          <a:effectRef idx="0">
+            <a:schemeClr val="accent2"/>
+          </a:effectRef>
+          <a:fontRef idx="minor">
+            <a:schemeClr val="lt1"/>
+          </a:fontRef>
+        </p:style>
+        <p:txBody>
+          <a:bodyPr rtlCol="0" anchor="ctr"/>
+          <a:lstStyle/>
+          <a:p>
+            <a:pPr algn="ctr"/>
+            <a:endParaRPr kumimoji="1" lang="ja-JP" altLang="en-US"/>
+          </a:p>
+        </p:txBody>
+      </p:sp>
+      <p:sp>
+        <p:nvSpPr>
+          <p:cNvPr id="29" name="テキスト ボックス 28"/>
+          <p:cNvSpPr txBox="1"/>
+          <p:nvPr/>
+        </p:nvSpPr>
+        <p:spPr>
+          <a:xfrm>
+            <a:off x="1770787" y="3933295"/>
+            <a:ext cx="930063" cy="276999"/>
+          </a:xfrm>
+          <a:prstGeom prst="rect">
+            <a:avLst/>
+          </a:prstGeom>
+          <a:noFill/>
+        </p:spPr>
+        <p:txBody>
+          <a:bodyPr wrap="none" rtlCol="0">
+            <a:spAutoFit/>
+          </a:bodyPr>
+          <a:lstStyle/>
+          <a:p>
+            <a:r>
+              <a:rPr kumimoji="1" lang="ja-JP" altLang="en-US" sz="1200" dirty="0" smtClean="0">
+                <a:latin typeface="HGPSoeiKakugothicUB" charset="-128"/>
+                <a:ea typeface="HGPSoeiKakugothicUB" charset="-128"/>
+                <a:cs typeface="HGPSoeiKakugothicUB" charset="-128"/>
+              </a:rPr>
+              <a:t>デバイス</a:t>
+            </a:r>
+            <a:r>
+              <a:rPr kumimoji="1" lang="en-US" altLang="ja-JP" sz="1200" dirty="0" smtClean="0">
+                <a:latin typeface="HGPSoeiKakugothicUB" charset="-128"/>
+                <a:ea typeface="HGPSoeiKakugothicUB" charset="-128"/>
+                <a:cs typeface="HGPSoeiKakugothicUB" charset="-128"/>
+              </a:rPr>
+              <a:t> D</a:t>
+            </a:r>
+            <a:r>
+              <a:rPr kumimoji="1" lang="en-US" altLang="ja-JP" sz="1200" baseline="-25000" dirty="0" smtClean="0">
+                <a:latin typeface="HGPSoeiKakugothicUB" charset="-128"/>
+                <a:ea typeface="HGPSoeiKakugothicUB" charset="-128"/>
+                <a:cs typeface="HGPSoeiKakugothicUB" charset="-128"/>
+              </a:rPr>
+              <a:t>1</a:t>
+            </a:r>
+            <a:endParaRPr lang="en-US" altLang="ja-JP" sz="1200" baseline="-25000" dirty="0">
+              <a:latin typeface="HGPSoeiKakugothicUB" charset="-128"/>
+              <a:ea typeface="HGPSoeiKakugothicUB" charset="-128"/>
+              <a:cs typeface="HGPSoeiKakugothicUB" charset="-128"/>
+            </a:endParaRPr>
+          </a:p>
+        </p:txBody>
+      </p:sp>
+      <p:sp>
+        <p:nvSpPr>
+          <p:cNvPr id="30" name="正方形/長方形 29"/>
+          <p:cNvSpPr/>
+          <p:nvPr/>
+        </p:nvSpPr>
+        <p:spPr>
+          <a:xfrm>
+            <a:off x="2127658" y="4433566"/>
+            <a:ext cx="211138" cy="163106"/>
+          </a:xfrm>
+          <a:prstGeom prst="rect">
+            <a:avLst/>
+          </a:prstGeom>
+        </p:spPr>
+        <p:style>
+          <a:lnRef idx="2">
+            <a:schemeClr val="accent4">
+              <a:shade val="50000"/>
+            </a:schemeClr>
+          </a:lnRef>
+          <a:fillRef idx="1">
+            <a:schemeClr val="accent4"/>
+          </a:fillRef>
+          <a:effectRef idx="0">
+            <a:schemeClr val="accent4"/>
+          </a:effectRef>
+          <a:fontRef idx="minor">
+            <a:schemeClr val="lt1"/>
+          </a:fontRef>
+        </p:style>
+        <p:txBody>
+          <a:bodyPr rtlCol="0" anchor="ctr"/>
+          <a:lstStyle/>
+          <a:p>
+            <a:pPr algn="ctr"/>
+            <a:endParaRPr kumimoji="1" lang="ja-JP" altLang="en-US"/>
+          </a:p>
+        </p:txBody>
+      </p:sp>
+      <p:sp>
+        <p:nvSpPr>
+          <p:cNvPr id="31" name="テキスト ボックス 30"/>
+          <p:cNvSpPr txBox="1"/>
+          <p:nvPr/>
+        </p:nvSpPr>
+        <p:spPr>
+          <a:xfrm>
+            <a:off x="1885223" y="4181004"/>
+            <a:ext cx="742511" cy="276999"/>
+          </a:xfrm>
+          <a:prstGeom prst="rect">
+            <a:avLst/>
+          </a:prstGeom>
+          <a:noFill/>
+        </p:spPr>
+        <p:txBody>
+          <a:bodyPr wrap="none" rtlCol="0">
+            <a:spAutoFit/>
+          </a:bodyPr>
+          <a:lstStyle/>
+          <a:p>
+            <a:r>
+              <a:rPr kumimoji="1" lang="ja-JP" altLang="en-US" sz="1200" dirty="0" smtClean="0">
+                <a:latin typeface="HGPSoeiKakugothicUB" charset="-128"/>
+                <a:ea typeface="HGPSoeiKakugothicUB" charset="-128"/>
+                <a:cs typeface="HGPSoeiKakugothicUB" charset="-128"/>
+              </a:rPr>
+              <a:t>センサ</a:t>
+            </a:r>
+            <a:r>
+              <a:rPr kumimoji="1" lang="en-US" altLang="ja-JP" sz="1200" dirty="0" smtClean="0">
+                <a:latin typeface="HGPSoeiKakugothicUB" charset="-128"/>
+                <a:ea typeface="HGPSoeiKakugothicUB" charset="-128"/>
+                <a:cs typeface="HGPSoeiKakugothicUB" charset="-128"/>
+              </a:rPr>
+              <a:t>S</a:t>
+            </a:r>
+            <a:r>
+              <a:rPr kumimoji="1" lang="en-US" altLang="ja-JP" sz="1200" baseline="-25000" dirty="0" smtClean="0">
+                <a:latin typeface="HGPSoeiKakugothicUB" charset="-128"/>
+                <a:ea typeface="HGPSoeiKakugothicUB" charset="-128"/>
+                <a:cs typeface="HGPSoeiKakugothicUB" charset="-128"/>
+              </a:rPr>
+              <a:t>1</a:t>
+            </a:r>
+          </a:p>
+        </p:txBody>
+      </p:sp>
+      <p:sp>
+        <p:nvSpPr>
+          <p:cNvPr id="32" name="正方形/長方形 31"/>
+          <p:cNvSpPr/>
+          <p:nvPr/>
+        </p:nvSpPr>
+        <p:spPr>
+          <a:xfrm>
+            <a:off x="2127658" y="4920641"/>
+            <a:ext cx="211138" cy="163106"/>
+          </a:xfrm>
+          <a:prstGeom prst="rect">
+            <a:avLst/>
+          </a:prstGeom>
+        </p:spPr>
+        <p:style>
+          <a:lnRef idx="2">
+            <a:schemeClr val="accent4">
+              <a:shade val="50000"/>
+            </a:schemeClr>
+          </a:lnRef>
+          <a:fillRef idx="1">
+            <a:schemeClr val="accent4"/>
+          </a:fillRef>
+          <a:effectRef idx="0">
+            <a:schemeClr val="accent4"/>
+          </a:effectRef>
+          <a:fontRef idx="minor">
+            <a:schemeClr val="lt1"/>
+          </a:fontRef>
+        </p:style>
+        <p:txBody>
+          <a:bodyPr rtlCol="0" anchor="ctr"/>
+          <a:lstStyle/>
+          <a:p>
+            <a:pPr algn="ctr"/>
+            <a:endParaRPr kumimoji="1" lang="ja-JP" altLang="en-US"/>
+          </a:p>
+        </p:txBody>
+      </p:sp>
+      <p:sp>
+        <p:nvSpPr>
+          <p:cNvPr id="33" name="テキスト ボックス 32"/>
+          <p:cNvSpPr txBox="1"/>
+          <p:nvPr/>
+        </p:nvSpPr>
+        <p:spPr>
+          <a:xfrm>
+            <a:off x="1885223" y="5025191"/>
+            <a:ext cx="742511" cy="276999"/>
+          </a:xfrm>
+          <a:prstGeom prst="rect">
+            <a:avLst/>
+          </a:prstGeom>
+          <a:noFill/>
+        </p:spPr>
+        <p:txBody>
+          <a:bodyPr wrap="none" rtlCol="0">
+            <a:spAutoFit/>
+          </a:bodyPr>
+          <a:lstStyle/>
+          <a:p>
+            <a:r>
+              <a:rPr kumimoji="1" lang="ja-JP" altLang="en-US" sz="1200" dirty="0" smtClean="0">
+                <a:latin typeface="HGPSoeiKakugothicUB" charset="-128"/>
+                <a:ea typeface="HGPSoeiKakugothicUB" charset="-128"/>
+                <a:cs typeface="HGPSoeiKakugothicUB" charset="-128"/>
+              </a:rPr>
+              <a:t>センサ</a:t>
+            </a:r>
+            <a:r>
+              <a:rPr kumimoji="1" lang="en-US" altLang="ja-JP" sz="1200" dirty="0" smtClean="0">
+                <a:latin typeface="HGPSoeiKakugothicUB" charset="-128"/>
+                <a:ea typeface="HGPSoeiKakugothicUB" charset="-128"/>
+                <a:cs typeface="HGPSoeiKakugothicUB" charset="-128"/>
+              </a:rPr>
+              <a:t>S</a:t>
+            </a:r>
+            <a:r>
+              <a:rPr kumimoji="1" lang="en-US" altLang="ja-JP" sz="1200" baseline="-25000" dirty="0" smtClean="0">
+                <a:latin typeface="HGPSoeiKakugothicUB" charset="-128"/>
+                <a:ea typeface="HGPSoeiKakugothicUB" charset="-128"/>
+                <a:cs typeface="HGPSoeiKakugothicUB" charset="-128"/>
+              </a:rPr>
+              <a:t>2</a:t>
+            </a:r>
+          </a:p>
+        </p:txBody>
+      </p:sp>
+      <p:sp>
+        <p:nvSpPr>
+          <p:cNvPr id="34" name="テキスト ボックス 33"/>
+          <p:cNvSpPr txBox="1"/>
+          <p:nvPr/>
+        </p:nvSpPr>
+        <p:spPr>
+          <a:xfrm>
+            <a:off x="2778540" y="3930942"/>
+            <a:ext cx="930063" cy="276999"/>
+          </a:xfrm>
+          <a:prstGeom prst="rect">
+            <a:avLst/>
+          </a:prstGeom>
+          <a:noFill/>
+        </p:spPr>
+        <p:txBody>
+          <a:bodyPr wrap="none" rtlCol="0">
+            <a:spAutoFit/>
+          </a:bodyPr>
+          <a:lstStyle/>
+          <a:p>
+            <a:r>
+              <a:rPr kumimoji="1" lang="ja-JP" altLang="en-US" sz="1200" dirty="0" smtClean="0">
+                <a:latin typeface="HGPSoeiKakugothicUB" charset="-128"/>
+                <a:ea typeface="HGPSoeiKakugothicUB" charset="-128"/>
+                <a:cs typeface="HGPSoeiKakugothicUB" charset="-128"/>
+              </a:rPr>
+              <a:t>デバイス</a:t>
+            </a:r>
+            <a:r>
+              <a:rPr kumimoji="1" lang="en-US" altLang="ja-JP" sz="1200" dirty="0" smtClean="0">
+                <a:latin typeface="HGPSoeiKakugothicUB" charset="-128"/>
+                <a:ea typeface="HGPSoeiKakugothicUB" charset="-128"/>
+                <a:cs typeface="HGPSoeiKakugothicUB" charset="-128"/>
+              </a:rPr>
+              <a:t> D</a:t>
+            </a:r>
+            <a:r>
+              <a:rPr lang="en-US" altLang="ja-JP" sz="1200" baseline="-25000" dirty="0">
+                <a:latin typeface="HGPSoeiKakugothicUB" charset="-128"/>
+                <a:ea typeface="HGPSoeiKakugothicUB" charset="-128"/>
+                <a:cs typeface="HGPSoeiKakugothicUB" charset="-128"/>
+              </a:rPr>
+              <a:t>2</a:t>
+            </a:r>
+            <a:endParaRPr kumimoji="1" lang="en-US" altLang="ja-JP" sz="1200" baseline="-25000" dirty="0" smtClean="0">
+              <a:latin typeface="HGPSoeiKakugothicUB" charset="-128"/>
+              <a:ea typeface="HGPSoeiKakugothicUB" charset="-128"/>
+              <a:cs typeface="HGPSoeiKakugothicUB" charset="-128"/>
+            </a:endParaRPr>
+          </a:p>
+        </p:txBody>
+      </p:sp>
+      <p:grpSp>
+        <p:nvGrpSpPr>
+          <p:cNvPr id="39" name="図形グループ 38"/>
+          <p:cNvGrpSpPr/>
+          <p:nvPr/>
+        </p:nvGrpSpPr>
+        <p:grpSpPr>
+          <a:xfrm rot="-2700000">
+            <a:off x="2010366" y="4732624"/>
+            <a:ext cx="445723" cy="445723"/>
+            <a:chOff x="4742656" y="4758033"/>
+            <a:chExt cx="1100138" cy="1100138"/>
+          </a:xfrm>
+        </p:grpSpPr>
+        <p:sp>
+          <p:nvSpPr>
+            <p:cNvPr id="36" name="円弧 35"/>
+            <p:cNvSpPr/>
+            <p:nvPr/>
+          </p:nvSpPr>
+          <p:spPr>
+            <a:xfrm>
+              <a:off x="5010150" y="5025527"/>
+              <a:ext cx="565150" cy="565150"/>
+            </a:xfrm>
+            <a:prstGeom prst="arc">
+              <a:avLst/>
+            </a:prstGeom>
+            <a:ln w="28575">
+              <a:solidFill>
+                <a:schemeClr val="tx1"/>
+              </a:solidFill>
+            </a:ln>
+          </p:spPr>
+          <p:style>
+            <a:lnRef idx="1">
+              <a:schemeClr val="accent1"/>
+            </a:lnRef>
+            <a:fillRef idx="0">
+              <a:schemeClr val="accent1"/>
+            </a:fillRef>
+            <a:effectRef idx="0">
+              <a:schemeClr val="accent1"/>
+            </a:effectRef>
+            <a:fontRef idx="minor">
+              <a:schemeClr val="tx1"/>
+            </a:fontRef>
+          </p:style>
+          <p:txBody>
+            <a:bodyPr rtlCol="0" anchor="ctr"/>
+            <a:lstStyle/>
+            <a:p>
+              <a:pPr algn="ctr"/>
+              <a:endParaRPr kumimoji="1" lang="ja-JP" altLang="en-US"/>
+            </a:p>
+          </p:txBody>
+        </p:sp>
+        <p:sp>
+          <p:nvSpPr>
+            <p:cNvPr id="37" name="円弧 36"/>
+            <p:cNvSpPr/>
+            <p:nvPr/>
+          </p:nvSpPr>
+          <p:spPr>
+            <a:xfrm>
+              <a:off x="4879975" y="4895352"/>
+              <a:ext cx="825500" cy="825500"/>
+            </a:xfrm>
+            <a:prstGeom prst="arc">
+              <a:avLst/>
+            </a:prstGeom>
+            <a:ln w="28575">
+              <a:solidFill>
+                <a:schemeClr val="tx1"/>
+              </a:solidFill>
+            </a:ln>
+          </p:spPr>
+          <p:style>
+            <a:lnRef idx="1">
+              <a:schemeClr val="accent1"/>
+            </a:lnRef>
+            <a:fillRef idx="0">
+              <a:schemeClr val="accent1"/>
+            </a:fillRef>
+            <a:effectRef idx="0">
+              <a:schemeClr val="accent1"/>
+            </a:effectRef>
+            <a:fontRef idx="minor">
+              <a:schemeClr val="tx1"/>
+            </a:fontRef>
+          </p:style>
+          <p:txBody>
+            <a:bodyPr rtlCol="0" anchor="ctr"/>
+            <a:lstStyle/>
+            <a:p>
+              <a:pPr algn="ctr"/>
+              <a:endParaRPr kumimoji="1" lang="ja-JP" altLang="en-US"/>
+            </a:p>
+          </p:txBody>
+        </p:sp>
+        <p:sp>
+          <p:nvSpPr>
+            <p:cNvPr id="38" name="円弧 37"/>
+            <p:cNvSpPr/>
+            <p:nvPr/>
+          </p:nvSpPr>
+          <p:spPr>
+            <a:xfrm>
+              <a:off x="4742656" y="4758033"/>
+              <a:ext cx="1100138" cy="1100138"/>
+            </a:xfrm>
+            <a:prstGeom prst="arc">
+              <a:avLst/>
+            </a:prstGeom>
+            <a:ln w="28575">
+              <a:solidFill>
+                <a:schemeClr val="tx1"/>
+              </a:solidFill>
+            </a:ln>
+          </p:spPr>
+          <p:style>
+            <a:lnRef idx="1">
+              <a:schemeClr val="accent1"/>
+            </a:lnRef>
+            <a:fillRef idx="0">
+              <a:schemeClr val="accent1"/>
+            </a:fillRef>
+            <a:effectRef idx="0">
+              <a:schemeClr val="accent1"/>
+            </a:effectRef>
+            <a:fontRef idx="minor">
+              <a:schemeClr val="tx1"/>
+            </a:fontRef>
+          </p:style>
+          <p:txBody>
+            <a:bodyPr rtlCol="0" anchor="ctr"/>
+            <a:lstStyle/>
+            <a:p>
+              <a:pPr algn="ctr"/>
+              <a:endParaRPr kumimoji="1" lang="ja-JP" altLang="en-US"/>
+            </a:p>
+          </p:txBody>
+        </p:sp>
+      </p:grpSp>
+      <p:sp>
+        <p:nvSpPr>
+          <p:cNvPr id="40" name="テキスト ボックス 39"/>
+          <p:cNvSpPr txBox="1"/>
+          <p:nvPr/>
+        </p:nvSpPr>
+        <p:spPr>
+          <a:xfrm>
+            <a:off x="2778540" y="4600801"/>
+            <a:ext cx="962123" cy="276999"/>
+          </a:xfrm>
+          <a:prstGeom prst="rect">
+            <a:avLst/>
+          </a:prstGeom>
+          <a:noFill/>
+        </p:spPr>
+        <p:txBody>
+          <a:bodyPr wrap="none" rtlCol="0">
+            <a:spAutoFit/>
+          </a:bodyPr>
+          <a:lstStyle/>
+          <a:p>
+            <a:r>
+              <a:rPr kumimoji="1" lang="ja-JP" altLang="en-US" sz="1200" dirty="0" smtClean="0">
+                <a:latin typeface="HGPSoeiKakugothicUB" charset="-128"/>
+                <a:ea typeface="HGPSoeiKakugothicUB" charset="-128"/>
+                <a:cs typeface="HGPSoeiKakugothicUB" charset="-128"/>
+              </a:rPr>
+              <a:t>デバイス</a:t>
+            </a:r>
+            <a:r>
+              <a:rPr kumimoji="1" lang="en-US" altLang="ja-JP" sz="1200" dirty="0" smtClean="0">
+                <a:latin typeface="HGPSoeiKakugothicUB" charset="-128"/>
+                <a:ea typeface="HGPSoeiKakugothicUB" charset="-128"/>
+                <a:cs typeface="HGPSoeiKakugothicUB" charset="-128"/>
+              </a:rPr>
+              <a:t> D</a:t>
+            </a:r>
+            <a:r>
+              <a:rPr kumimoji="1" lang="en-US" altLang="ja-JP" sz="1200" baseline="-25000" dirty="0" smtClean="0">
+                <a:latin typeface="HGPSoeiKakugothicUB" charset="-128"/>
+                <a:ea typeface="HGPSoeiKakugothicUB" charset="-128"/>
+                <a:cs typeface="HGPSoeiKakugothicUB" charset="-128"/>
+              </a:rPr>
+              <a:t>3</a:t>
+            </a:r>
+          </a:p>
+        </p:txBody>
+      </p:sp>
+      <p:sp>
+        <p:nvSpPr>
+          <p:cNvPr id="41" name="正方形/長方形 40"/>
+          <p:cNvSpPr/>
+          <p:nvPr/>
+        </p:nvSpPr>
+        <p:spPr>
+          <a:xfrm>
+            <a:off x="2953839" y="4191363"/>
+            <a:ext cx="609600" cy="448948"/>
+          </a:xfrm>
+          <a:prstGeom prst="rect">
+            <a:avLst/>
+          </a:prstGeom>
+        </p:spPr>
+        <p:style>
+          <a:lnRef idx="2">
+            <a:schemeClr val="accent2">
+              <a:shade val="50000"/>
+            </a:schemeClr>
+          </a:lnRef>
+          <a:fillRef idx="1">
+            <a:schemeClr val="accent2"/>
+          </a:fillRef>
+          <a:effectRef idx="0">
+            <a:schemeClr val="accent2"/>
+          </a:effectRef>
+          <a:fontRef idx="minor">
+            <a:schemeClr val="lt1"/>
+          </a:fontRef>
+        </p:style>
+        <p:txBody>
+          <a:bodyPr rtlCol="0" anchor="ctr"/>
+          <a:lstStyle/>
+          <a:p>
+            <a:pPr algn="ctr"/>
+            <a:endParaRPr kumimoji="1" lang="ja-JP" altLang="en-US"/>
+          </a:p>
+        </p:txBody>
+      </p:sp>
+      <p:sp>
+        <p:nvSpPr>
+          <p:cNvPr id="42" name="テキスト ボックス 41"/>
+          <p:cNvSpPr txBox="1"/>
+          <p:nvPr/>
+        </p:nvSpPr>
+        <p:spPr>
+          <a:xfrm>
+            <a:off x="2900632" y="4162926"/>
+            <a:ext cx="742511" cy="276999"/>
+          </a:xfrm>
+          <a:prstGeom prst="rect">
+            <a:avLst/>
+          </a:prstGeom>
+          <a:noFill/>
+        </p:spPr>
+        <p:txBody>
+          <a:bodyPr wrap="none" rtlCol="0">
+            <a:spAutoFit/>
+          </a:bodyPr>
+          <a:lstStyle/>
+          <a:p>
+            <a:r>
+              <a:rPr kumimoji="1" lang="ja-JP" altLang="en-US" sz="1200" dirty="0" smtClean="0">
+                <a:latin typeface="HGPSoeiKakugothicUB" charset="-128"/>
+                <a:ea typeface="HGPSoeiKakugothicUB" charset="-128"/>
+                <a:cs typeface="HGPSoeiKakugothicUB" charset="-128"/>
+              </a:rPr>
+              <a:t>センサ</a:t>
+            </a:r>
+            <a:r>
+              <a:rPr kumimoji="1" lang="en-US" altLang="ja-JP" sz="1200" dirty="0" smtClean="0">
+                <a:latin typeface="HGPSoeiKakugothicUB" charset="-128"/>
+                <a:ea typeface="HGPSoeiKakugothicUB" charset="-128"/>
+                <a:cs typeface="HGPSoeiKakugothicUB" charset="-128"/>
+              </a:rPr>
+              <a:t>S</a:t>
+            </a:r>
+            <a:r>
+              <a:rPr kumimoji="1" lang="en-US" altLang="ja-JP" sz="1200" baseline="-25000" dirty="0" smtClean="0">
+                <a:latin typeface="HGPSoeiKakugothicUB" charset="-128"/>
+                <a:ea typeface="HGPSoeiKakugothicUB" charset="-128"/>
+                <a:cs typeface="HGPSoeiKakugothicUB" charset="-128"/>
+              </a:rPr>
+              <a:t>3</a:t>
+            </a:r>
+          </a:p>
+        </p:txBody>
+      </p:sp>
+      <p:sp>
+        <p:nvSpPr>
+          <p:cNvPr id="43" name="正方形/長方形 42"/>
+          <p:cNvSpPr/>
+          <p:nvPr/>
+        </p:nvSpPr>
+        <p:spPr>
+          <a:xfrm>
+            <a:off x="2953839" y="4848286"/>
+            <a:ext cx="609600" cy="470922"/>
+          </a:xfrm>
+          <a:prstGeom prst="rect">
+            <a:avLst/>
+          </a:prstGeom>
+        </p:spPr>
+        <p:style>
+          <a:lnRef idx="2">
+            <a:schemeClr val="accent2">
+              <a:shade val="50000"/>
+            </a:schemeClr>
+          </a:lnRef>
+          <a:fillRef idx="1">
+            <a:schemeClr val="accent2"/>
+          </a:fillRef>
+          <a:effectRef idx="0">
+            <a:schemeClr val="accent2"/>
+          </a:effectRef>
+          <a:fontRef idx="minor">
+            <a:schemeClr val="lt1"/>
+          </a:fontRef>
+        </p:style>
+        <p:txBody>
+          <a:bodyPr rtlCol="0" anchor="ctr"/>
+          <a:lstStyle/>
+          <a:p>
+            <a:pPr algn="ctr"/>
+            <a:endParaRPr kumimoji="1" lang="ja-JP" altLang="en-US"/>
+          </a:p>
+        </p:txBody>
+      </p:sp>
+      <p:sp>
+        <p:nvSpPr>
+          <p:cNvPr id="44" name="テキスト ボックス 43"/>
+          <p:cNvSpPr txBox="1"/>
+          <p:nvPr/>
+        </p:nvSpPr>
+        <p:spPr>
+          <a:xfrm>
+            <a:off x="2901970" y="4829685"/>
+            <a:ext cx="742511" cy="276999"/>
+          </a:xfrm>
+          <a:prstGeom prst="rect">
+            <a:avLst/>
+          </a:prstGeom>
+          <a:noFill/>
+        </p:spPr>
+        <p:txBody>
+          <a:bodyPr wrap="none" rtlCol="0">
+            <a:spAutoFit/>
+          </a:bodyPr>
+          <a:lstStyle/>
+          <a:p>
+            <a:r>
+              <a:rPr kumimoji="1" lang="ja-JP" altLang="en-US" sz="1200" dirty="0" smtClean="0">
+                <a:latin typeface="HGPSoeiKakugothicUB" charset="-128"/>
+                <a:ea typeface="HGPSoeiKakugothicUB" charset="-128"/>
+                <a:cs typeface="HGPSoeiKakugothicUB" charset="-128"/>
+              </a:rPr>
+              <a:t>センサ</a:t>
+            </a:r>
+            <a:r>
+              <a:rPr kumimoji="1" lang="en-US" altLang="ja-JP" sz="1200" dirty="0" smtClean="0">
+                <a:latin typeface="HGPSoeiKakugothicUB" charset="-128"/>
+                <a:ea typeface="HGPSoeiKakugothicUB" charset="-128"/>
+                <a:cs typeface="HGPSoeiKakugothicUB" charset="-128"/>
+              </a:rPr>
+              <a:t>S</a:t>
+            </a:r>
+            <a:r>
+              <a:rPr kumimoji="1" lang="en-US" altLang="ja-JP" sz="1200" baseline="-25000" dirty="0" smtClean="0">
+                <a:latin typeface="HGPSoeiKakugothicUB" charset="-128"/>
+                <a:ea typeface="HGPSoeiKakugothicUB" charset="-128"/>
+                <a:cs typeface="HGPSoeiKakugothicUB" charset="-128"/>
+              </a:rPr>
+              <a:t>4</a:t>
+            </a:r>
+          </a:p>
+        </p:txBody>
+      </p:sp>
+      <p:sp>
+        <p:nvSpPr>
+          <p:cNvPr id="45" name="正方形/長方形 44"/>
+          <p:cNvSpPr/>
+          <p:nvPr/>
+        </p:nvSpPr>
+        <p:spPr>
+          <a:xfrm>
+            <a:off x="3138002" y="4413789"/>
+            <a:ext cx="211138" cy="163106"/>
+          </a:xfrm>
+          <a:prstGeom prst="rect">
+            <a:avLst/>
+          </a:prstGeom>
+        </p:spPr>
+        <p:style>
+          <a:lnRef idx="2">
+            <a:schemeClr val="accent4">
+              <a:shade val="50000"/>
+            </a:schemeClr>
+          </a:lnRef>
+          <a:fillRef idx="1">
+            <a:schemeClr val="accent4"/>
+          </a:fillRef>
+          <a:effectRef idx="0">
+            <a:schemeClr val="accent4"/>
+          </a:effectRef>
+          <a:fontRef idx="minor">
+            <a:schemeClr val="lt1"/>
+          </a:fontRef>
+        </p:style>
+        <p:txBody>
+          <a:bodyPr rtlCol="0" anchor="ctr"/>
+          <a:lstStyle/>
+          <a:p>
+            <a:pPr algn="ctr"/>
+            <a:endParaRPr kumimoji="1" lang="ja-JP" altLang="en-US"/>
+          </a:p>
+        </p:txBody>
+      </p:sp>
+      <p:sp>
+        <p:nvSpPr>
+          <p:cNvPr id="46" name="正方形/長方形 45"/>
+          <p:cNvSpPr/>
+          <p:nvPr/>
+        </p:nvSpPr>
+        <p:spPr>
+          <a:xfrm>
+            <a:off x="3138002" y="5082117"/>
+            <a:ext cx="211138" cy="163106"/>
+          </a:xfrm>
+          <a:prstGeom prst="rect">
+            <a:avLst/>
+          </a:prstGeom>
+        </p:spPr>
+        <p:style>
+          <a:lnRef idx="2">
+            <a:schemeClr val="accent4">
+              <a:shade val="50000"/>
+            </a:schemeClr>
+          </a:lnRef>
+          <a:fillRef idx="1">
+            <a:schemeClr val="accent4"/>
+          </a:fillRef>
+          <a:effectRef idx="0">
+            <a:schemeClr val="accent4"/>
+          </a:effectRef>
+          <a:fontRef idx="minor">
+            <a:schemeClr val="lt1"/>
+          </a:fontRef>
+        </p:style>
+        <p:txBody>
+          <a:bodyPr rtlCol="0" anchor="ctr"/>
+          <a:lstStyle/>
+          <a:p>
+            <a:pPr algn="ctr"/>
+            <a:endParaRPr kumimoji="1" lang="ja-JP" altLang="en-US"/>
+          </a:p>
+        </p:txBody>
+      </p:sp>
+      <p:sp>
+        <p:nvSpPr>
+          <p:cNvPr id="47" name="角丸四角形 46"/>
+          <p:cNvSpPr/>
+          <p:nvPr/>
+        </p:nvSpPr>
+        <p:spPr>
+          <a:xfrm>
+            <a:off x="3453017" y="1981286"/>
+            <a:ext cx="923627" cy="1565955"/>
+          </a:xfrm>
+          <a:prstGeom prst="roundRect">
+            <a:avLst/>
+          </a:prstGeom>
+        </p:spPr>
+        <p:style>
+          <a:lnRef idx="2">
+            <a:schemeClr val="accent1">
+              <a:shade val="50000"/>
+            </a:schemeClr>
+          </a:lnRef>
+          <a:fillRef idx="1">
+            <a:schemeClr val="accent1"/>
+          </a:fillRef>
+          <a:effectRef idx="0">
+            <a:schemeClr val="accent1"/>
+          </a:effectRef>
+          <a:fontRef idx="minor">
+            <a:schemeClr val="lt1"/>
+          </a:fontRef>
+        </p:style>
+        <p:txBody>
+          <a:bodyPr rtlCol="0" anchor="ctr"/>
+          <a:lstStyle/>
+          <a:p>
+            <a:pPr algn="ctr"/>
+            <a:endParaRPr kumimoji="1" lang="ja-JP" altLang="en-US"/>
+          </a:p>
+        </p:txBody>
+      </p:sp>
+      <p:sp>
+        <p:nvSpPr>
+          <p:cNvPr id="48" name="テキスト ボックス 47"/>
+          <p:cNvSpPr txBox="1"/>
+          <p:nvPr/>
+        </p:nvSpPr>
+        <p:spPr>
+          <a:xfrm>
+            <a:off x="3442611" y="1708117"/>
+            <a:ext cx="886781" cy="276999"/>
+          </a:xfrm>
+          <a:prstGeom prst="rect">
+            <a:avLst/>
+          </a:prstGeom>
+          <a:noFill/>
+        </p:spPr>
+        <p:txBody>
+          <a:bodyPr wrap="none" rtlCol="0">
+            <a:spAutoFit/>
+          </a:bodyPr>
+          <a:lstStyle/>
+          <a:p>
+            <a:r>
+              <a:rPr kumimoji="1" lang="ja-JP" altLang="en-US" sz="1200" dirty="0" smtClean="0">
+                <a:latin typeface="HGPSoeiKakugothicUB" charset="-128"/>
+                <a:ea typeface="HGPSoeiKakugothicUB" charset="-128"/>
+                <a:cs typeface="HGPSoeiKakugothicUB" charset="-128"/>
+              </a:rPr>
+              <a:t>ファーム</a:t>
+            </a:r>
+            <a:r>
+              <a:rPr kumimoji="1" lang="en-US" altLang="ja-JP" sz="1200" dirty="0" smtClean="0">
+                <a:latin typeface="HGPSoeiKakugothicUB" charset="-128"/>
+                <a:ea typeface="HGPSoeiKakugothicUB" charset="-128"/>
+                <a:cs typeface="HGPSoeiKakugothicUB" charset="-128"/>
+              </a:rPr>
+              <a:t> F</a:t>
+            </a:r>
+            <a:r>
+              <a:rPr kumimoji="1" lang="en-US" altLang="ja-JP" sz="1200" baseline="-25000" dirty="0" smtClean="0">
+                <a:latin typeface="HGPSoeiKakugothicUB" charset="-128"/>
+                <a:ea typeface="HGPSoeiKakugothicUB" charset="-128"/>
+                <a:cs typeface="HGPSoeiKakugothicUB" charset="-128"/>
+              </a:rPr>
+              <a:t>1</a:t>
+            </a:r>
+          </a:p>
+        </p:txBody>
+      </p:sp>
+      <p:sp>
+        <p:nvSpPr>
+          <p:cNvPr id="49" name="テキスト ボックス 48"/>
+          <p:cNvSpPr txBox="1"/>
+          <p:nvPr/>
+        </p:nvSpPr>
+        <p:spPr>
+          <a:xfrm>
+            <a:off x="4495310" y="1708116"/>
+            <a:ext cx="886781" cy="276999"/>
+          </a:xfrm>
+          <a:prstGeom prst="rect">
+            <a:avLst/>
+          </a:prstGeom>
+          <a:noFill/>
+        </p:spPr>
+        <p:txBody>
+          <a:bodyPr wrap="none" rtlCol="0">
+            <a:spAutoFit/>
+          </a:bodyPr>
+          <a:lstStyle/>
+          <a:p>
+            <a:r>
+              <a:rPr kumimoji="1" lang="ja-JP" altLang="en-US" sz="1200" dirty="0" smtClean="0">
+                <a:latin typeface="HGPSoeiKakugothicUB" charset="-128"/>
+                <a:ea typeface="HGPSoeiKakugothicUB" charset="-128"/>
+                <a:cs typeface="HGPSoeiKakugothicUB" charset="-128"/>
+              </a:rPr>
+              <a:t>ファーム</a:t>
+            </a:r>
+            <a:r>
+              <a:rPr kumimoji="1" lang="en-US" altLang="ja-JP" sz="1200" dirty="0" smtClean="0">
+                <a:latin typeface="HGPSoeiKakugothicUB" charset="-128"/>
+                <a:ea typeface="HGPSoeiKakugothicUB" charset="-128"/>
+                <a:cs typeface="HGPSoeiKakugothicUB" charset="-128"/>
+              </a:rPr>
+              <a:t> F</a:t>
+            </a:r>
+            <a:r>
+              <a:rPr kumimoji="1" lang="en-US" altLang="ja-JP" sz="1200" baseline="-25000" dirty="0" smtClean="0">
+                <a:latin typeface="HGPSoeiKakugothicUB" charset="-128"/>
+                <a:ea typeface="HGPSoeiKakugothicUB" charset="-128"/>
+                <a:cs typeface="HGPSoeiKakugothicUB" charset="-128"/>
+              </a:rPr>
+              <a:t>2</a:t>
+            </a:r>
+          </a:p>
+        </p:txBody>
+      </p:sp>
+      <p:sp>
+        <p:nvSpPr>
+          <p:cNvPr id="50" name="角丸四角形 49"/>
+          <p:cNvSpPr/>
+          <p:nvPr/>
+        </p:nvSpPr>
+        <p:spPr>
+          <a:xfrm>
+            <a:off x="4495310" y="1981286"/>
+            <a:ext cx="923627" cy="1565955"/>
+          </a:xfrm>
+          <a:prstGeom prst="roundRect">
+            <a:avLst/>
+          </a:prstGeom>
+        </p:spPr>
+        <p:style>
+          <a:lnRef idx="2">
+            <a:schemeClr val="accent1">
+              <a:shade val="50000"/>
+            </a:schemeClr>
+          </a:lnRef>
+          <a:fillRef idx="1">
+            <a:schemeClr val="accent1"/>
+          </a:fillRef>
+          <a:effectRef idx="0">
+            <a:schemeClr val="accent1"/>
+          </a:effectRef>
+          <a:fontRef idx="minor">
+            <a:schemeClr val="lt1"/>
+          </a:fontRef>
+        </p:style>
+        <p:txBody>
+          <a:bodyPr rtlCol="0" anchor="ctr"/>
+          <a:lstStyle/>
+          <a:p>
+            <a:pPr algn="ctr"/>
+            <a:endParaRPr kumimoji="1" lang="ja-JP" altLang="en-US"/>
+          </a:p>
+        </p:txBody>
+      </p:sp>
+      <p:sp>
+        <p:nvSpPr>
+          <p:cNvPr id="51" name="正方形/長方形 50"/>
+          <p:cNvSpPr/>
+          <p:nvPr/>
+        </p:nvSpPr>
+        <p:spPr>
+          <a:xfrm>
+            <a:off x="3603904" y="2289063"/>
+            <a:ext cx="609600" cy="418170"/>
+          </a:xfrm>
+          <a:prstGeom prst="rect">
+            <a:avLst/>
+          </a:prstGeom>
+        </p:spPr>
+        <p:style>
+          <a:lnRef idx="2">
+            <a:schemeClr val="accent2">
+              <a:shade val="50000"/>
+            </a:schemeClr>
+          </a:lnRef>
+          <a:fillRef idx="1">
+            <a:schemeClr val="accent2"/>
+          </a:fillRef>
+          <a:effectRef idx="0">
+            <a:schemeClr val="accent2"/>
+          </a:effectRef>
+          <a:fontRef idx="minor">
+            <a:schemeClr val="lt1"/>
+          </a:fontRef>
+        </p:style>
+        <p:txBody>
+          <a:bodyPr rtlCol="0" anchor="ctr"/>
+          <a:lstStyle/>
+          <a:p>
+            <a:pPr algn="ctr"/>
+            <a:endParaRPr kumimoji="1" lang="ja-JP" altLang="en-US"/>
+          </a:p>
+        </p:txBody>
+      </p:sp>
+      <p:sp>
+        <p:nvSpPr>
+          <p:cNvPr id="52" name="テキスト ボックス 51"/>
+          <p:cNvSpPr txBox="1"/>
+          <p:nvPr/>
+        </p:nvSpPr>
+        <p:spPr>
+          <a:xfrm>
+            <a:off x="3455093" y="2000217"/>
+            <a:ext cx="930063" cy="276999"/>
+          </a:xfrm>
+          <a:prstGeom prst="rect">
+            <a:avLst/>
+          </a:prstGeom>
+          <a:noFill/>
+        </p:spPr>
+        <p:txBody>
+          <a:bodyPr wrap="none" rtlCol="0">
+            <a:spAutoFit/>
+          </a:bodyPr>
+          <a:lstStyle/>
+          <a:p>
+            <a:r>
+              <a:rPr kumimoji="1" lang="ja-JP" altLang="en-US" sz="1200" dirty="0" smtClean="0">
+                <a:latin typeface="HGPSoeiKakugothicUB" charset="-128"/>
+                <a:ea typeface="HGPSoeiKakugothicUB" charset="-128"/>
+                <a:cs typeface="HGPSoeiKakugothicUB" charset="-128"/>
+              </a:rPr>
+              <a:t>デバイス</a:t>
+            </a:r>
+            <a:r>
+              <a:rPr kumimoji="1" lang="en-US" altLang="ja-JP" sz="1200" dirty="0" smtClean="0">
+                <a:latin typeface="HGPSoeiKakugothicUB" charset="-128"/>
+                <a:ea typeface="HGPSoeiKakugothicUB" charset="-128"/>
+                <a:cs typeface="HGPSoeiKakugothicUB" charset="-128"/>
+              </a:rPr>
+              <a:t> D</a:t>
+            </a:r>
+            <a:r>
+              <a:rPr kumimoji="1" lang="en-US" altLang="ja-JP" sz="1200" baseline="-25000" dirty="0" smtClean="0">
+                <a:latin typeface="HGPSoeiKakugothicUB" charset="-128"/>
+                <a:ea typeface="HGPSoeiKakugothicUB" charset="-128"/>
+                <a:cs typeface="HGPSoeiKakugothicUB" charset="-128"/>
+              </a:rPr>
+              <a:t>1</a:t>
+            </a:r>
+          </a:p>
+        </p:txBody>
+      </p:sp>
+      <p:sp>
+        <p:nvSpPr>
+          <p:cNvPr id="57" name="テキスト ボックス 56"/>
+          <p:cNvSpPr txBox="1"/>
+          <p:nvPr/>
+        </p:nvSpPr>
+        <p:spPr>
+          <a:xfrm>
+            <a:off x="4478612" y="1997864"/>
+            <a:ext cx="930063" cy="276999"/>
+          </a:xfrm>
+          <a:prstGeom prst="rect">
+            <a:avLst/>
+          </a:prstGeom>
+          <a:noFill/>
+        </p:spPr>
+        <p:txBody>
+          <a:bodyPr wrap="none" rtlCol="0">
+            <a:spAutoFit/>
+          </a:bodyPr>
+          <a:lstStyle/>
+          <a:p>
+            <a:r>
+              <a:rPr kumimoji="1" lang="ja-JP" altLang="en-US" sz="1200" dirty="0" smtClean="0">
+                <a:latin typeface="HGPSoeiKakugothicUB" charset="-128"/>
+                <a:ea typeface="HGPSoeiKakugothicUB" charset="-128"/>
+                <a:cs typeface="HGPSoeiKakugothicUB" charset="-128"/>
+              </a:rPr>
+              <a:t>デバイス</a:t>
+            </a:r>
+            <a:r>
+              <a:rPr kumimoji="1" lang="en-US" altLang="ja-JP" sz="1200" dirty="0" smtClean="0">
+                <a:latin typeface="HGPSoeiKakugothicUB" charset="-128"/>
+                <a:ea typeface="HGPSoeiKakugothicUB" charset="-128"/>
+                <a:cs typeface="HGPSoeiKakugothicUB" charset="-128"/>
+              </a:rPr>
+              <a:t> D</a:t>
+            </a:r>
+            <a:r>
+              <a:rPr lang="en-US" altLang="ja-JP" sz="1200" baseline="-25000" dirty="0">
+                <a:latin typeface="HGPSoeiKakugothicUB" charset="-128"/>
+                <a:ea typeface="HGPSoeiKakugothicUB" charset="-128"/>
+                <a:cs typeface="HGPSoeiKakugothicUB" charset="-128"/>
+              </a:rPr>
+              <a:t>2</a:t>
+            </a:r>
+            <a:endParaRPr kumimoji="1" lang="en-US" altLang="ja-JP" sz="1200" baseline="-25000" dirty="0" smtClean="0">
+              <a:latin typeface="HGPSoeiKakugothicUB" charset="-128"/>
+              <a:ea typeface="HGPSoeiKakugothicUB" charset="-128"/>
+              <a:cs typeface="HGPSoeiKakugothicUB" charset="-128"/>
+            </a:endParaRPr>
+          </a:p>
+        </p:txBody>
+      </p:sp>
+      <p:sp>
+        <p:nvSpPr>
+          <p:cNvPr id="62" name="テキスト ボックス 61"/>
+          <p:cNvSpPr txBox="1"/>
+          <p:nvPr/>
+        </p:nvSpPr>
+        <p:spPr>
+          <a:xfrm>
+            <a:off x="4478612" y="2667723"/>
+            <a:ext cx="962123" cy="276999"/>
+          </a:xfrm>
+          <a:prstGeom prst="rect">
+            <a:avLst/>
+          </a:prstGeom>
+          <a:noFill/>
+        </p:spPr>
+        <p:txBody>
+          <a:bodyPr wrap="none" rtlCol="0">
+            <a:spAutoFit/>
+          </a:bodyPr>
+          <a:lstStyle/>
+          <a:p>
+            <a:r>
+              <a:rPr kumimoji="1" lang="ja-JP" altLang="en-US" sz="1200" dirty="0" smtClean="0">
+                <a:latin typeface="HGPSoeiKakugothicUB" charset="-128"/>
+                <a:ea typeface="HGPSoeiKakugothicUB" charset="-128"/>
+                <a:cs typeface="HGPSoeiKakugothicUB" charset="-128"/>
+              </a:rPr>
+              <a:t>デバイス</a:t>
+            </a:r>
+            <a:r>
+              <a:rPr kumimoji="1" lang="en-US" altLang="ja-JP" sz="1200" dirty="0" smtClean="0">
+                <a:latin typeface="HGPSoeiKakugothicUB" charset="-128"/>
+                <a:ea typeface="HGPSoeiKakugothicUB" charset="-128"/>
+                <a:cs typeface="HGPSoeiKakugothicUB" charset="-128"/>
+              </a:rPr>
+              <a:t> D</a:t>
+            </a:r>
+            <a:r>
+              <a:rPr kumimoji="1" lang="en-US" altLang="ja-JP" sz="1200" baseline="-25000" dirty="0" smtClean="0">
+                <a:latin typeface="HGPSoeiKakugothicUB" charset="-128"/>
+                <a:ea typeface="HGPSoeiKakugothicUB" charset="-128"/>
+                <a:cs typeface="HGPSoeiKakugothicUB" charset="-128"/>
+              </a:rPr>
+              <a:t>3</a:t>
+            </a:r>
+          </a:p>
+        </p:txBody>
+      </p:sp>
+      <p:sp>
+        <p:nvSpPr>
+          <p:cNvPr id="63" name="正方形/長方形 62"/>
+          <p:cNvSpPr/>
+          <p:nvPr/>
+        </p:nvSpPr>
+        <p:spPr>
+          <a:xfrm>
+            <a:off x="4606613" y="2246134"/>
+            <a:ext cx="609600" cy="448948"/>
+          </a:xfrm>
+          <a:prstGeom prst="rect">
+            <a:avLst/>
+          </a:prstGeom>
+        </p:spPr>
+        <p:style>
+          <a:lnRef idx="2">
+            <a:schemeClr val="accent2">
+              <a:shade val="50000"/>
+            </a:schemeClr>
+          </a:lnRef>
+          <a:fillRef idx="1">
+            <a:schemeClr val="accent2"/>
+          </a:fillRef>
+          <a:effectRef idx="0">
+            <a:schemeClr val="accent2"/>
+          </a:effectRef>
+          <a:fontRef idx="minor">
+            <a:schemeClr val="lt1"/>
+          </a:fontRef>
+        </p:style>
+        <p:txBody>
+          <a:bodyPr rtlCol="0" anchor="ctr"/>
+          <a:lstStyle/>
+          <a:p>
+            <a:pPr algn="ctr"/>
+            <a:endParaRPr kumimoji="1" lang="ja-JP" altLang="en-US"/>
+          </a:p>
+        </p:txBody>
+      </p:sp>
+      <p:sp>
+        <p:nvSpPr>
+          <p:cNvPr id="65" name="正方形/長方形 64"/>
+          <p:cNvSpPr/>
+          <p:nvPr/>
+        </p:nvSpPr>
+        <p:spPr>
+          <a:xfrm>
+            <a:off x="4606613" y="2915208"/>
+            <a:ext cx="609600" cy="470922"/>
+          </a:xfrm>
+          <a:prstGeom prst="rect">
+            <a:avLst/>
+          </a:prstGeom>
+        </p:spPr>
+        <p:style>
+          <a:lnRef idx="2">
+            <a:schemeClr val="accent2">
+              <a:shade val="50000"/>
+            </a:schemeClr>
+          </a:lnRef>
+          <a:fillRef idx="1">
+            <a:schemeClr val="accent2"/>
+          </a:fillRef>
+          <a:effectRef idx="0">
+            <a:schemeClr val="accent2"/>
+          </a:effectRef>
+          <a:fontRef idx="minor">
+            <a:schemeClr val="lt1"/>
+          </a:fontRef>
+        </p:style>
+        <p:txBody>
+          <a:bodyPr rtlCol="0" anchor="ctr"/>
+          <a:lstStyle/>
+          <a:p>
+            <a:pPr algn="ctr"/>
+            <a:endParaRPr kumimoji="1" lang="ja-JP" altLang="en-US"/>
+          </a:p>
+        </p:txBody>
+      </p:sp>
+      <p:cxnSp>
+        <p:nvCxnSpPr>
+          <p:cNvPr id="70" name="直線矢印コネクタ 69"/>
+          <p:cNvCxnSpPr>
+            <a:stCxn id="28" idx="3"/>
+            <a:endCxn id="51" idx="1"/>
+          </p:cNvCxnSpPr>
+          <p:nvPr/>
+        </p:nvCxnSpPr>
+        <p:spPr>
+          <a:xfrm flipV="1">
+            <a:off x="2560730" y="2498148"/>
+            <a:ext cx="1043174" cy="1933078"/>
+          </a:xfrm>
+          <a:prstGeom prst="straightConnector1">
+            <a:avLst/>
+          </a:prstGeom>
+          <a:ln>
+            <a:solidFill>
+              <a:schemeClr val="tx1"/>
+            </a:solidFill>
+            <a:headEnd type="none" w="med" len="med"/>
+            <a:tailEnd type="arrow" w="med" len="med"/>
+          </a:ln>
+        </p:spPr>
+        <p:style>
+          <a:lnRef idx="1">
+            <a:schemeClr val="accent1"/>
+          </a:lnRef>
+          <a:fillRef idx="0">
+            <a:schemeClr val="accent1"/>
+          </a:fillRef>
+          <a:effectRef idx="0">
+            <a:schemeClr val="accent1"/>
+          </a:effectRef>
+          <a:fontRef idx="minor">
+            <a:schemeClr val="tx1"/>
+          </a:fontRef>
+        </p:style>
+      </p:cxnSp>
+      <p:cxnSp>
+        <p:nvCxnSpPr>
+          <p:cNvPr id="71" name="直線矢印コネクタ 70"/>
+          <p:cNvCxnSpPr>
+            <a:stCxn id="41" idx="3"/>
+            <a:endCxn id="63" idx="1"/>
+          </p:cNvCxnSpPr>
+          <p:nvPr/>
+        </p:nvCxnSpPr>
+        <p:spPr>
+          <a:xfrm flipV="1">
+            <a:off x="3563439" y="2470608"/>
+            <a:ext cx="1043174" cy="1945229"/>
+          </a:xfrm>
+          <a:prstGeom prst="straightConnector1">
+            <a:avLst/>
+          </a:prstGeom>
+          <a:ln>
+            <a:solidFill>
+              <a:schemeClr val="tx1"/>
+            </a:solidFill>
+            <a:headEnd type="none" w="med" len="med"/>
+            <a:tailEnd type="arrow" w="med" len="med"/>
+          </a:ln>
+        </p:spPr>
+        <p:style>
+          <a:lnRef idx="1">
+            <a:schemeClr val="accent1"/>
+          </a:lnRef>
+          <a:fillRef idx="0">
+            <a:schemeClr val="accent1"/>
+          </a:fillRef>
+          <a:effectRef idx="0">
+            <a:schemeClr val="accent1"/>
+          </a:effectRef>
+          <a:fontRef idx="minor">
+            <a:schemeClr val="tx1"/>
+          </a:fontRef>
+        </p:style>
+      </p:cxnSp>
+      <p:cxnSp>
+        <p:nvCxnSpPr>
+          <p:cNvPr id="74" name="直線矢印コネクタ 73"/>
+          <p:cNvCxnSpPr>
+            <a:stCxn id="43" idx="3"/>
+            <a:endCxn id="65" idx="1"/>
+          </p:cNvCxnSpPr>
+          <p:nvPr/>
+        </p:nvCxnSpPr>
+        <p:spPr>
+          <a:xfrm flipV="1">
+            <a:off x="3563439" y="3150669"/>
+            <a:ext cx="1043174" cy="1933078"/>
+          </a:xfrm>
+          <a:prstGeom prst="straightConnector1">
+            <a:avLst/>
+          </a:prstGeom>
+          <a:ln>
+            <a:solidFill>
+              <a:schemeClr val="tx1"/>
+            </a:solidFill>
+            <a:headEnd type="none" w="med" len="med"/>
+            <a:tailEnd type="arrow" w="med" len="med"/>
+          </a:ln>
+        </p:spPr>
+        <p:style>
+          <a:lnRef idx="1">
+            <a:schemeClr val="accent1"/>
+          </a:lnRef>
+          <a:fillRef idx="0">
+            <a:schemeClr val="accent1"/>
+          </a:fillRef>
+          <a:effectRef idx="0">
+            <a:schemeClr val="accent1"/>
+          </a:effectRef>
+          <a:fontRef idx="minor">
+            <a:schemeClr val="tx1"/>
+          </a:fontRef>
+        </p:style>
+      </p:cxnSp>
+      <p:sp>
+        <p:nvSpPr>
+          <p:cNvPr id="80" name="正方形/長方形 79"/>
+          <p:cNvSpPr/>
+          <p:nvPr/>
+        </p:nvSpPr>
+        <p:spPr>
+          <a:xfrm>
+            <a:off x="7609487" y="2214465"/>
+            <a:ext cx="644934" cy="512286"/>
+          </a:xfrm>
+          <a:prstGeom prst="rect">
+            <a:avLst/>
+          </a:prstGeom>
+        </p:spPr>
+        <p:style>
+          <a:lnRef idx="2">
+            <a:schemeClr val="accent6">
+              <a:shade val="50000"/>
+            </a:schemeClr>
+          </a:lnRef>
+          <a:fillRef idx="1">
+            <a:schemeClr val="accent6"/>
+          </a:fillRef>
+          <a:effectRef idx="0">
+            <a:schemeClr val="accent6"/>
+          </a:effectRef>
+          <a:fontRef idx="minor">
+            <a:schemeClr val="lt1"/>
+          </a:fontRef>
+        </p:style>
+        <p:txBody>
+          <a:bodyPr rtlCol="0" anchor="ctr"/>
+          <a:lstStyle/>
+          <a:p>
+            <a:pPr algn="ctr"/>
+            <a:endParaRPr kumimoji="1" lang="ja-JP" altLang="en-US"/>
+          </a:p>
+        </p:txBody>
+      </p:sp>
+      <p:sp>
+        <p:nvSpPr>
+          <p:cNvPr id="81" name="テキスト ボックス 80"/>
+          <p:cNvSpPr txBox="1"/>
+          <p:nvPr/>
+        </p:nvSpPr>
+        <p:spPr>
+          <a:xfrm>
+            <a:off x="7581476" y="1930553"/>
+            <a:ext cx="772969" cy="276999"/>
+          </a:xfrm>
+          <a:prstGeom prst="rect">
+            <a:avLst/>
+          </a:prstGeom>
+          <a:noFill/>
+        </p:spPr>
+        <p:txBody>
+          <a:bodyPr wrap="none" rtlCol="0">
+            <a:spAutoFit/>
+          </a:bodyPr>
+          <a:lstStyle/>
+          <a:p>
+            <a:r>
+              <a:rPr kumimoji="1" lang="ja-JP" altLang="en-US" sz="1200" dirty="0" smtClean="0">
+                <a:latin typeface="HGPSoeiKakugothicUB" charset="-128"/>
+                <a:ea typeface="HGPSoeiKakugothicUB" charset="-128"/>
+                <a:cs typeface="HGPSoeiKakugothicUB" charset="-128"/>
+              </a:rPr>
+              <a:t>レシピ</a:t>
+            </a:r>
+            <a:r>
+              <a:rPr kumimoji="1" lang="en-US" altLang="ja-JP" sz="1200" dirty="0" smtClean="0">
+                <a:latin typeface="HGPSoeiKakugothicUB" charset="-128"/>
+                <a:ea typeface="HGPSoeiKakugothicUB" charset="-128"/>
+                <a:cs typeface="HGPSoeiKakugothicUB" charset="-128"/>
+              </a:rPr>
+              <a:t> R</a:t>
+            </a:r>
+            <a:r>
+              <a:rPr kumimoji="1" lang="en-US" altLang="ja-JP" sz="1200" baseline="-25000" dirty="0" smtClean="0">
+                <a:latin typeface="HGPSoeiKakugothicUB" charset="-128"/>
+                <a:ea typeface="HGPSoeiKakugothicUB" charset="-128"/>
+                <a:cs typeface="HGPSoeiKakugothicUB" charset="-128"/>
+              </a:rPr>
+              <a:t>1</a:t>
+            </a:r>
+          </a:p>
+        </p:txBody>
+      </p:sp>
+      <p:grpSp>
+        <p:nvGrpSpPr>
+          <p:cNvPr id="82" name="図形グループ 81"/>
+          <p:cNvGrpSpPr/>
+          <p:nvPr/>
+        </p:nvGrpSpPr>
+        <p:grpSpPr>
+          <a:xfrm>
+            <a:off x="9483548" y="3062280"/>
+            <a:ext cx="292100" cy="647700"/>
+            <a:chOff x="5181600" y="3937000"/>
+            <a:chExt cx="292100" cy="647700"/>
+          </a:xfrm>
+        </p:grpSpPr>
+        <p:sp>
+          <p:nvSpPr>
+            <p:cNvPr id="83" name="円/楕円 82"/>
+            <p:cNvSpPr/>
+            <p:nvPr/>
+          </p:nvSpPr>
+          <p:spPr>
+            <a:xfrm>
+              <a:off x="5181600" y="3937000"/>
+              <a:ext cx="292100" cy="292100"/>
+            </a:xfrm>
+            <a:prstGeom prst="ellipse">
+              <a:avLst/>
+            </a:prstGeom>
+          </p:spPr>
+          <p:style>
+            <a:lnRef idx="2">
+              <a:schemeClr val="accent6">
+                <a:shade val="50000"/>
+              </a:schemeClr>
+            </a:lnRef>
+            <a:fillRef idx="1">
+              <a:schemeClr val="accent6"/>
+            </a:fillRef>
+            <a:effectRef idx="0">
+              <a:schemeClr val="accent6"/>
+            </a:effectRef>
+            <a:fontRef idx="minor">
+              <a:schemeClr val="lt1"/>
+            </a:fontRef>
+          </p:style>
+          <p:txBody>
+            <a:bodyPr rtlCol="0" anchor="ctr"/>
+            <a:lstStyle/>
+            <a:p>
+              <a:pPr algn="ctr"/>
+              <a:endParaRPr kumimoji="1" lang="ja-JP" altLang="en-US"/>
+            </a:p>
+          </p:txBody>
+        </p:sp>
+        <p:cxnSp>
+          <p:nvCxnSpPr>
+            <p:cNvPr id="84" name="直線コネクタ 83"/>
+            <p:cNvCxnSpPr/>
+            <p:nvPr/>
+          </p:nvCxnSpPr>
+          <p:spPr>
+            <a:xfrm>
+              <a:off x="5327650" y="4229100"/>
+              <a:ext cx="0" cy="241300"/>
+            </a:xfrm>
+            <a:prstGeom prst="line">
+              <a:avLst/>
+            </a:prstGeom>
+            <a:ln w="38100">
+              <a:solidFill>
+                <a:schemeClr val="accent6"/>
+              </a:solidFill>
+            </a:ln>
+          </p:spPr>
+          <p:style>
+            <a:lnRef idx="1">
+              <a:schemeClr val="accent1"/>
+            </a:lnRef>
+            <a:fillRef idx="0">
+              <a:schemeClr val="accent1"/>
+            </a:fillRef>
+            <a:effectRef idx="0">
+              <a:schemeClr val="accent1"/>
+            </a:effectRef>
+            <a:fontRef idx="minor">
+              <a:schemeClr val="tx1"/>
+            </a:fontRef>
+          </p:style>
+        </p:cxnSp>
+        <p:cxnSp>
+          <p:nvCxnSpPr>
+            <p:cNvPr id="85" name="直線コネクタ 84"/>
+            <p:cNvCxnSpPr/>
+            <p:nvPr/>
+          </p:nvCxnSpPr>
+          <p:spPr>
+            <a:xfrm>
+              <a:off x="5327650" y="4470400"/>
+              <a:ext cx="117475" cy="114300"/>
+            </a:xfrm>
+            <a:prstGeom prst="line">
+              <a:avLst/>
+            </a:prstGeom>
+            <a:ln w="38100">
+              <a:solidFill>
+                <a:schemeClr val="accent6"/>
+              </a:solidFill>
+            </a:ln>
+          </p:spPr>
+          <p:style>
+            <a:lnRef idx="1">
+              <a:schemeClr val="accent1"/>
+            </a:lnRef>
+            <a:fillRef idx="0">
+              <a:schemeClr val="accent1"/>
+            </a:fillRef>
+            <a:effectRef idx="0">
+              <a:schemeClr val="accent1"/>
+            </a:effectRef>
+            <a:fontRef idx="minor">
+              <a:schemeClr val="tx1"/>
+            </a:fontRef>
+          </p:style>
+        </p:cxnSp>
+        <p:cxnSp>
+          <p:nvCxnSpPr>
+            <p:cNvPr id="86" name="直線コネクタ 85"/>
+            <p:cNvCxnSpPr/>
+            <p:nvPr/>
+          </p:nvCxnSpPr>
+          <p:spPr>
+            <a:xfrm flipH="1">
+              <a:off x="5210175" y="4470400"/>
+              <a:ext cx="117475" cy="114300"/>
+            </a:xfrm>
+            <a:prstGeom prst="line">
+              <a:avLst/>
+            </a:prstGeom>
+            <a:ln w="38100">
+              <a:solidFill>
+                <a:schemeClr val="accent6"/>
+              </a:solidFill>
+            </a:ln>
+          </p:spPr>
+          <p:style>
+            <a:lnRef idx="1">
+              <a:schemeClr val="accent1"/>
+            </a:lnRef>
+            <a:fillRef idx="0">
+              <a:schemeClr val="accent1"/>
+            </a:fillRef>
+            <a:effectRef idx="0">
+              <a:schemeClr val="accent1"/>
+            </a:effectRef>
+            <a:fontRef idx="minor">
+              <a:schemeClr val="tx1"/>
+            </a:fontRef>
+          </p:style>
+        </p:cxnSp>
+        <p:cxnSp>
+          <p:nvCxnSpPr>
+            <p:cNvPr id="87" name="直線コネクタ 86"/>
+            <p:cNvCxnSpPr/>
+            <p:nvPr/>
+          </p:nvCxnSpPr>
+          <p:spPr>
+            <a:xfrm>
+              <a:off x="5327650" y="4292600"/>
+              <a:ext cx="117475" cy="114300"/>
+            </a:xfrm>
+            <a:prstGeom prst="line">
+              <a:avLst/>
+            </a:prstGeom>
+            <a:ln w="38100">
+              <a:solidFill>
+                <a:schemeClr val="accent6"/>
+              </a:solidFill>
+            </a:ln>
+          </p:spPr>
+          <p:style>
+            <a:lnRef idx="1">
+              <a:schemeClr val="accent1"/>
+            </a:lnRef>
+            <a:fillRef idx="0">
+              <a:schemeClr val="accent1"/>
+            </a:fillRef>
+            <a:effectRef idx="0">
+              <a:schemeClr val="accent1"/>
+            </a:effectRef>
+            <a:fontRef idx="minor">
+              <a:schemeClr val="tx1"/>
+            </a:fontRef>
+          </p:style>
+        </p:cxnSp>
+        <p:cxnSp>
+          <p:nvCxnSpPr>
+            <p:cNvPr id="88" name="直線コネクタ 87"/>
+            <p:cNvCxnSpPr/>
+            <p:nvPr/>
+          </p:nvCxnSpPr>
+          <p:spPr>
+            <a:xfrm flipH="1">
+              <a:off x="5210175" y="4292600"/>
+              <a:ext cx="117475" cy="114300"/>
+            </a:xfrm>
+            <a:prstGeom prst="line">
+              <a:avLst/>
+            </a:prstGeom>
+            <a:ln w="38100">
+              <a:solidFill>
+                <a:schemeClr val="accent6"/>
+              </a:solidFill>
+            </a:ln>
+          </p:spPr>
+          <p:style>
+            <a:lnRef idx="1">
+              <a:schemeClr val="accent1"/>
+            </a:lnRef>
+            <a:fillRef idx="0">
+              <a:schemeClr val="accent1"/>
+            </a:fillRef>
+            <a:effectRef idx="0">
+              <a:schemeClr val="accent1"/>
+            </a:effectRef>
+            <a:fontRef idx="minor">
+              <a:schemeClr val="tx1"/>
+            </a:fontRef>
+          </p:style>
+        </p:cxnSp>
+      </p:grpSp>
+      <p:sp>
+        <p:nvSpPr>
+          <p:cNvPr id="89" name="テキスト ボックス 88"/>
+          <p:cNvSpPr txBox="1"/>
+          <p:nvPr/>
+        </p:nvSpPr>
+        <p:spPr>
+          <a:xfrm>
+            <a:off x="9208036" y="2600615"/>
+            <a:ext cx="1013419" cy="461665"/>
+          </a:xfrm>
+          <a:prstGeom prst="rect">
+            <a:avLst/>
+          </a:prstGeom>
+          <a:noFill/>
+        </p:spPr>
+        <p:txBody>
+          <a:bodyPr wrap="none" rtlCol="0">
+            <a:spAutoFit/>
+          </a:bodyPr>
+          <a:lstStyle/>
+          <a:p>
+            <a:r>
+              <a:rPr kumimoji="1" lang="ja-JP" altLang="en-US" sz="1200" dirty="0" smtClean="0">
+                <a:latin typeface="HGPSoeiKakugothicUB" charset="-128"/>
+                <a:ea typeface="HGPSoeiKakugothicUB" charset="-128"/>
+                <a:cs typeface="HGPSoeiKakugothicUB" charset="-128"/>
+              </a:rPr>
+              <a:t>レストラン</a:t>
+            </a:r>
+            <a:endParaRPr kumimoji="1" lang="en-US" altLang="ja-JP" sz="1200" dirty="0" smtClean="0">
+              <a:latin typeface="HGPSoeiKakugothicUB" charset="-128"/>
+              <a:ea typeface="HGPSoeiKakugothicUB" charset="-128"/>
+              <a:cs typeface="HGPSoeiKakugothicUB" charset="-128"/>
+            </a:endParaRPr>
+          </a:p>
+          <a:p>
+            <a:r>
+              <a:rPr lang="ja-JP" altLang="en-US" sz="1200" dirty="0" smtClean="0">
+                <a:latin typeface="HGPSoeiKakugothicUB" charset="-128"/>
+                <a:ea typeface="HGPSoeiKakugothicUB" charset="-128"/>
+                <a:cs typeface="HGPSoeiKakugothicUB" charset="-128"/>
+              </a:rPr>
+              <a:t>オーナー</a:t>
+            </a:r>
+            <a:r>
+              <a:rPr kumimoji="1" lang="en-US" altLang="ja-JP" sz="1200" dirty="0" smtClean="0">
+                <a:latin typeface="HGPSoeiKakugothicUB" charset="-128"/>
+                <a:ea typeface="HGPSoeiKakugothicUB" charset="-128"/>
+                <a:cs typeface="HGPSoeiKakugothicUB" charset="-128"/>
+              </a:rPr>
+              <a:t> RO</a:t>
+            </a:r>
+            <a:r>
+              <a:rPr kumimoji="1" lang="en-US" altLang="ja-JP" sz="1200" baseline="-25000" dirty="0" smtClean="0">
+                <a:latin typeface="HGPSoeiKakugothicUB" charset="-128"/>
+                <a:ea typeface="HGPSoeiKakugothicUB" charset="-128"/>
+                <a:cs typeface="HGPSoeiKakugothicUB" charset="-128"/>
+              </a:rPr>
+              <a:t>1</a:t>
+            </a:r>
+            <a:endParaRPr kumimoji="1" lang="ja-JP" altLang="en-US" sz="1200" baseline="-25000" dirty="0">
+              <a:latin typeface="HGPSoeiKakugothicUB" charset="-128"/>
+              <a:ea typeface="HGPSoeiKakugothicUB" charset="-128"/>
+              <a:cs typeface="HGPSoeiKakugothicUB" charset="-128"/>
+            </a:endParaRPr>
+          </a:p>
+        </p:txBody>
+      </p:sp>
+      <p:cxnSp>
+        <p:nvCxnSpPr>
+          <p:cNvPr id="92" name="直線矢印コネクタ 91"/>
+          <p:cNvCxnSpPr>
+            <a:stCxn id="63" idx="3"/>
+          </p:cNvCxnSpPr>
+          <p:nvPr/>
+        </p:nvCxnSpPr>
+        <p:spPr>
+          <a:xfrm>
+            <a:off x="5216213" y="2470608"/>
+            <a:ext cx="842667" cy="0"/>
+          </a:xfrm>
+          <a:prstGeom prst="straightConnector1">
+            <a:avLst/>
+          </a:prstGeom>
+          <a:ln>
+            <a:solidFill>
+              <a:schemeClr val="tx1"/>
+            </a:solidFill>
+            <a:headEnd type="none" w="med" len="med"/>
+            <a:tailEnd type="arrow" w="med" len="med"/>
+          </a:ln>
+        </p:spPr>
+        <p:style>
+          <a:lnRef idx="1">
+            <a:schemeClr val="accent1"/>
+          </a:lnRef>
+          <a:fillRef idx="0">
+            <a:schemeClr val="accent1"/>
+          </a:fillRef>
+          <a:effectRef idx="0">
+            <a:schemeClr val="accent1"/>
+          </a:effectRef>
+          <a:fontRef idx="minor">
+            <a:schemeClr val="tx1"/>
+          </a:fontRef>
+        </p:style>
+      </p:cxnSp>
+      <p:cxnSp>
+        <p:nvCxnSpPr>
+          <p:cNvPr id="95" name="直線矢印コネクタ 94"/>
+          <p:cNvCxnSpPr>
+            <a:stCxn id="80" idx="3"/>
+          </p:cNvCxnSpPr>
+          <p:nvPr/>
+        </p:nvCxnSpPr>
+        <p:spPr>
+          <a:xfrm>
+            <a:off x="8254421" y="2470608"/>
+            <a:ext cx="819553" cy="1340424"/>
+          </a:xfrm>
+          <a:prstGeom prst="straightConnector1">
+            <a:avLst/>
+          </a:prstGeom>
+          <a:ln>
+            <a:solidFill>
+              <a:schemeClr val="tx1"/>
+            </a:solidFill>
+            <a:headEnd type="none" w="med" len="med"/>
+            <a:tailEnd type="arrow" w="med" len="med"/>
+          </a:ln>
+        </p:spPr>
+        <p:style>
+          <a:lnRef idx="1">
+            <a:schemeClr val="accent1"/>
+          </a:lnRef>
+          <a:fillRef idx="0">
+            <a:schemeClr val="accent1"/>
+          </a:fillRef>
+          <a:effectRef idx="0">
+            <a:schemeClr val="accent1"/>
+          </a:effectRef>
+          <a:fontRef idx="minor">
+            <a:schemeClr val="tx1"/>
+          </a:fontRef>
+        </p:style>
+      </p:cxnSp>
+      <p:sp>
+        <p:nvSpPr>
+          <p:cNvPr id="99" name="テキスト ボックス 98"/>
+          <p:cNvSpPr txBox="1"/>
+          <p:nvPr/>
+        </p:nvSpPr>
+        <p:spPr>
+          <a:xfrm>
+            <a:off x="8884659" y="3849776"/>
+            <a:ext cx="903324" cy="369332"/>
+          </a:xfrm>
+          <a:prstGeom prst="rect">
+            <a:avLst/>
+          </a:prstGeom>
+          <a:noFill/>
+        </p:spPr>
+        <p:txBody>
+          <a:bodyPr wrap="square" rtlCol="0">
+            <a:spAutoFit/>
+          </a:bodyPr>
+          <a:lstStyle/>
+          <a:p>
+            <a:r>
+              <a:rPr kumimoji="1" lang="ja-JP" altLang="en-US" smtClean="0"/>
+              <a:t>データ</a:t>
+            </a:r>
+            <a:endParaRPr kumimoji="1" lang="ja-JP" altLang="en-US" dirty="0"/>
+          </a:p>
+        </p:txBody>
+      </p:sp>
+      <p:cxnSp>
+        <p:nvCxnSpPr>
+          <p:cNvPr id="100" name="直線矢印コネクタ 99"/>
+          <p:cNvCxnSpPr>
+            <a:stCxn id="65" idx="3"/>
+          </p:cNvCxnSpPr>
+          <p:nvPr/>
+        </p:nvCxnSpPr>
+        <p:spPr>
+          <a:xfrm flipV="1">
+            <a:off x="5216213" y="2559323"/>
+            <a:ext cx="842667" cy="591346"/>
+          </a:xfrm>
+          <a:prstGeom prst="straightConnector1">
+            <a:avLst/>
+          </a:prstGeom>
+          <a:ln>
+            <a:solidFill>
+              <a:schemeClr val="tx1"/>
+            </a:solidFill>
+            <a:headEnd type="none" w="med" len="med"/>
+            <a:tailEnd type="arrow" w="med" len="med"/>
+          </a:ln>
+        </p:spPr>
+        <p:style>
+          <a:lnRef idx="1">
+            <a:schemeClr val="accent1"/>
+          </a:lnRef>
+          <a:fillRef idx="0">
+            <a:schemeClr val="accent1"/>
+          </a:fillRef>
+          <a:effectRef idx="0">
+            <a:schemeClr val="accent1"/>
+          </a:effectRef>
+          <a:fontRef idx="minor">
+            <a:schemeClr val="tx1"/>
+          </a:fontRef>
+        </p:style>
+      </p:cxnSp>
+      <p:sp>
+        <p:nvSpPr>
+          <p:cNvPr id="56" name="正方形/長方形 55"/>
+          <p:cNvSpPr/>
+          <p:nvPr/>
+        </p:nvSpPr>
+        <p:spPr>
+          <a:xfrm>
+            <a:off x="3803815" y="2969257"/>
+            <a:ext cx="211138" cy="163106"/>
+          </a:xfrm>
+          <a:prstGeom prst="rect">
+            <a:avLst/>
+          </a:prstGeom>
+        </p:spPr>
+        <p:style>
+          <a:lnRef idx="2">
+            <a:schemeClr val="accent4">
+              <a:shade val="50000"/>
+            </a:schemeClr>
+          </a:lnRef>
+          <a:fillRef idx="1">
+            <a:schemeClr val="accent4"/>
+          </a:fillRef>
+          <a:effectRef idx="0">
+            <a:schemeClr val="accent4"/>
+          </a:effectRef>
+          <a:fontRef idx="minor">
+            <a:schemeClr val="lt1"/>
+          </a:fontRef>
+        </p:style>
+        <p:txBody>
+          <a:bodyPr rtlCol="0" anchor="ctr"/>
+          <a:lstStyle/>
+          <a:p>
+            <a:pPr algn="ctr"/>
+            <a:endParaRPr kumimoji="1" lang="ja-JP" altLang="en-US"/>
+          </a:p>
+        </p:txBody>
+      </p:sp>
+      <p:sp>
+        <p:nvSpPr>
+          <p:cNvPr id="58" name="テキスト ボックス 57"/>
+          <p:cNvSpPr txBox="1"/>
+          <p:nvPr/>
+        </p:nvSpPr>
+        <p:spPr>
+          <a:xfrm>
+            <a:off x="3561380" y="3073807"/>
+            <a:ext cx="742511" cy="276999"/>
+          </a:xfrm>
+          <a:prstGeom prst="rect">
+            <a:avLst/>
+          </a:prstGeom>
+          <a:noFill/>
+        </p:spPr>
+        <p:txBody>
+          <a:bodyPr wrap="none" rtlCol="0">
+            <a:spAutoFit/>
+          </a:bodyPr>
+          <a:lstStyle/>
+          <a:p>
+            <a:r>
+              <a:rPr kumimoji="1" lang="ja-JP" altLang="en-US" sz="1200" dirty="0" smtClean="0">
+                <a:latin typeface="HGPSoeiKakugothicUB" charset="-128"/>
+                <a:ea typeface="HGPSoeiKakugothicUB" charset="-128"/>
+                <a:cs typeface="HGPSoeiKakugothicUB" charset="-128"/>
+              </a:rPr>
+              <a:t>センサ</a:t>
+            </a:r>
+            <a:r>
+              <a:rPr kumimoji="1" lang="en-US" altLang="ja-JP" sz="1200" dirty="0" smtClean="0">
+                <a:latin typeface="HGPSoeiKakugothicUB" charset="-128"/>
+                <a:ea typeface="HGPSoeiKakugothicUB" charset="-128"/>
+                <a:cs typeface="HGPSoeiKakugothicUB" charset="-128"/>
+              </a:rPr>
+              <a:t>S</a:t>
+            </a:r>
+            <a:r>
+              <a:rPr kumimoji="1" lang="en-US" altLang="ja-JP" sz="1200" baseline="-25000" dirty="0" smtClean="0">
+                <a:latin typeface="HGPSoeiKakugothicUB" charset="-128"/>
+                <a:ea typeface="HGPSoeiKakugothicUB" charset="-128"/>
+                <a:cs typeface="HGPSoeiKakugothicUB" charset="-128"/>
+              </a:rPr>
+              <a:t>2</a:t>
+            </a:r>
+          </a:p>
+        </p:txBody>
+      </p:sp>
+      <p:grpSp>
+        <p:nvGrpSpPr>
+          <p:cNvPr id="59" name="図形グループ 58"/>
+          <p:cNvGrpSpPr/>
+          <p:nvPr/>
+        </p:nvGrpSpPr>
+        <p:grpSpPr>
+          <a:xfrm rot="-2700000">
+            <a:off x="3686523" y="2781240"/>
+            <a:ext cx="445723" cy="445723"/>
+            <a:chOff x="4742656" y="4758033"/>
+            <a:chExt cx="1100138" cy="1100138"/>
+          </a:xfrm>
+        </p:grpSpPr>
+        <p:sp>
+          <p:nvSpPr>
+            <p:cNvPr id="60" name="円弧 59"/>
+            <p:cNvSpPr/>
+            <p:nvPr/>
+          </p:nvSpPr>
+          <p:spPr>
+            <a:xfrm>
+              <a:off x="5010150" y="5025527"/>
+              <a:ext cx="565150" cy="565150"/>
+            </a:xfrm>
+            <a:prstGeom prst="arc">
+              <a:avLst/>
+            </a:prstGeom>
+            <a:ln w="28575">
+              <a:solidFill>
+                <a:schemeClr val="tx1"/>
+              </a:solidFill>
+            </a:ln>
+          </p:spPr>
+          <p:style>
+            <a:lnRef idx="1">
+              <a:schemeClr val="accent1"/>
+            </a:lnRef>
+            <a:fillRef idx="0">
+              <a:schemeClr val="accent1"/>
+            </a:fillRef>
+            <a:effectRef idx="0">
+              <a:schemeClr val="accent1"/>
+            </a:effectRef>
+            <a:fontRef idx="minor">
+              <a:schemeClr val="tx1"/>
+            </a:fontRef>
+          </p:style>
+          <p:txBody>
+            <a:bodyPr rtlCol="0" anchor="ctr"/>
+            <a:lstStyle/>
+            <a:p>
+              <a:pPr algn="ctr"/>
+              <a:endParaRPr kumimoji="1" lang="ja-JP" altLang="en-US"/>
+            </a:p>
+          </p:txBody>
+        </p:sp>
+        <p:sp>
+          <p:nvSpPr>
+            <p:cNvPr id="61" name="円弧 60"/>
+            <p:cNvSpPr/>
+            <p:nvPr/>
+          </p:nvSpPr>
+          <p:spPr>
+            <a:xfrm>
+              <a:off x="4879975" y="4895352"/>
+              <a:ext cx="825500" cy="825500"/>
+            </a:xfrm>
+            <a:prstGeom prst="arc">
+              <a:avLst/>
+            </a:prstGeom>
+            <a:ln w="28575">
+              <a:solidFill>
+                <a:schemeClr val="tx1"/>
+              </a:solidFill>
+            </a:ln>
+          </p:spPr>
+          <p:style>
+            <a:lnRef idx="1">
+              <a:schemeClr val="accent1"/>
+            </a:lnRef>
+            <a:fillRef idx="0">
+              <a:schemeClr val="accent1"/>
+            </a:fillRef>
+            <a:effectRef idx="0">
+              <a:schemeClr val="accent1"/>
+            </a:effectRef>
+            <a:fontRef idx="minor">
+              <a:schemeClr val="tx1"/>
+            </a:fontRef>
+          </p:style>
+          <p:txBody>
+            <a:bodyPr rtlCol="0" anchor="ctr"/>
+            <a:lstStyle/>
+            <a:p>
+              <a:pPr algn="ctr"/>
+              <a:endParaRPr kumimoji="1" lang="ja-JP" altLang="en-US"/>
+            </a:p>
+          </p:txBody>
+        </p:sp>
+        <p:sp>
+          <p:nvSpPr>
+            <p:cNvPr id="64" name="円弧 63"/>
+            <p:cNvSpPr/>
+            <p:nvPr/>
+          </p:nvSpPr>
+          <p:spPr>
+            <a:xfrm>
+              <a:off x="4742656" y="4758033"/>
+              <a:ext cx="1100138" cy="1100138"/>
+            </a:xfrm>
+            <a:prstGeom prst="arc">
+              <a:avLst/>
+            </a:prstGeom>
+            <a:ln w="28575">
+              <a:solidFill>
+                <a:schemeClr val="tx1"/>
+              </a:solidFill>
+            </a:ln>
+          </p:spPr>
+          <p:style>
+            <a:lnRef idx="1">
+              <a:schemeClr val="accent1"/>
+            </a:lnRef>
+            <a:fillRef idx="0">
+              <a:schemeClr val="accent1"/>
+            </a:fillRef>
+            <a:effectRef idx="0">
+              <a:schemeClr val="accent1"/>
+            </a:effectRef>
+            <a:fontRef idx="minor">
+              <a:schemeClr val="tx1"/>
+            </a:fontRef>
+          </p:style>
+          <p:txBody>
+            <a:bodyPr rtlCol="0" anchor="ctr"/>
+            <a:lstStyle/>
+            <a:p>
+              <a:pPr algn="ctr"/>
+              <a:endParaRPr kumimoji="1" lang="ja-JP" altLang="en-US"/>
+            </a:p>
+          </p:txBody>
+        </p:sp>
+      </p:grpSp>
+      <p:sp>
+        <p:nvSpPr>
+          <p:cNvPr id="66" name="テキスト ボックス 65"/>
+          <p:cNvSpPr txBox="1"/>
+          <p:nvPr/>
+        </p:nvSpPr>
+        <p:spPr>
+          <a:xfrm>
+            <a:off x="4550051" y="2235749"/>
+            <a:ext cx="742511" cy="276999"/>
+          </a:xfrm>
+          <a:prstGeom prst="rect">
+            <a:avLst/>
+          </a:prstGeom>
+          <a:noFill/>
+        </p:spPr>
+        <p:txBody>
+          <a:bodyPr wrap="none" rtlCol="0">
+            <a:spAutoFit/>
+          </a:bodyPr>
+          <a:lstStyle/>
+          <a:p>
+            <a:r>
+              <a:rPr kumimoji="1" lang="ja-JP" altLang="en-US" sz="1200" dirty="0" smtClean="0">
+                <a:latin typeface="HGPSoeiKakugothicUB" charset="-128"/>
+                <a:ea typeface="HGPSoeiKakugothicUB" charset="-128"/>
+                <a:cs typeface="HGPSoeiKakugothicUB" charset="-128"/>
+              </a:rPr>
+              <a:t>センサ</a:t>
+            </a:r>
+            <a:r>
+              <a:rPr kumimoji="1" lang="en-US" altLang="ja-JP" sz="1200" dirty="0" smtClean="0">
+                <a:latin typeface="HGPSoeiKakugothicUB" charset="-128"/>
+                <a:ea typeface="HGPSoeiKakugothicUB" charset="-128"/>
+                <a:cs typeface="HGPSoeiKakugothicUB" charset="-128"/>
+              </a:rPr>
+              <a:t>S</a:t>
+            </a:r>
+            <a:r>
+              <a:rPr kumimoji="1" lang="en-US" altLang="ja-JP" sz="1200" baseline="-25000" dirty="0" smtClean="0">
+                <a:latin typeface="HGPSoeiKakugothicUB" charset="-128"/>
+                <a:ea typeface="HGPSoeiKakugothicUB" charset="-128"/>
+                <a:cs typeface="HGPSoeiKakugothicUB" charset="-128"/>
+              </a:rPr>
+              <a:t>3</a:t>
+            </a:r>
+          </a:p>
+        </p:txBody>
+      </p:sp>
+      <p:sp>
+        <p:nvSpPr>
+          <p:cNvPr id="67" name="テキスト ボックス 66"/>
+          <p:cNvSpPr txBox="1"/>
+          <p:nvPr/>
+        </p:nvSpPr>
+        <p:spPr>
+          <a:xfrm>
+            <a:off x="4551389" y="2915208"/>
+            <a:ext cx="742511" cy="276999"/>
+          </a:xfrm>
+          <a:prstGeom prst="rect">
+            <a:avLst/>
+          </a:prstGeom>
+          <a:noFill/>
+        </p:spPr>
+        <p:txBody>
+          <a:bodyPr wrap="none" rtlCol="0">
+            <a:spAutoFit/>
+          </a:bodyPr>
+          <a:lstStyle/>
+          <a:p>
+            <a:r>
+              <a:rPr kumimoji="1" lang="ja-JP" altLang="en-US" sz="1200" dirty="0" smtClean="0">
+                <a:latin typeface="HGPSoeiKakugothicUB" charset="-128"/>
+                <a:ea typeface="HGPSoeiKakugothicUB" charset="-128"/>
+                <a:cs typeface="HGPSoeiKakugothicUB" charset="-128"/>
+              </a:rPr>
+              <a:t>センサ</a:t>
+            </a:r>
+            <a:r>
+              <a:rPr kumimoji="1" lang="en-US" altLang="ja-JP" sz="1200" dirty="0" smtClean="0">
+                <a:latin typeface="HGPSoeiKakugothicUB" charset="-128"/>
+                <a:ea typeface="HGPSoeiKakugothicUB" charset="-128"/>
+                <a:cs typeface="HGPSoeiKakugothicUB" charset="-128"/>
+              </a:rPr>
+              <a:t>S</a:t>
+            </a:r>
+            <a:r>
+              <a:rPr kumimoji="1" lang="en-US" altLang="ja-JP" sz="1200" baseline="-25000" dirty="0" smtClean="0">
+                <a:latin typeface="HGPSoeiKakugothicUB" charset="-128"/>
+                <a:ea typeface="HGPSoeiKakugothicUB" charset="-128"/>
+                <a:cs typeface="HGPSoeiKakugothicUB" charset="-128"/>
+              </a:rPr>
+              <a:t>4</a:t>
+            </a:r>
+          </a:p>
+        </p:txBody>
+      </p:sp>
+      <p:sp>
+        <p:nvSpPr>
+          <p:cNvPr id="68" name="正方形/長方形 67"/>
+          <p:cNvSpPr/>
+          <p:nvPr/>
+        </p:nvSpPr>
+        <p:spPr>
+          <a:xfrm>
+            <a:off x="4787421" y="2486612"/>
+            <a:ext cx="211138" cy="163106"/>
+          </a:xfrm>
+          <a:prstGeom prst="rect">
+            <a:avLst/>
+          </a:prstGeom>
+        </p:spPr>
+        <p:style>
+          <a:lnRef idx="2">
+            <a:schemeClr val="accent4">
+              <a:shade val="50000"/>
+            </a:schemeClr>
+          </a:lnRef>
+          <a:fillRef idx="1">
+            <a:schemeClr val="accent4"/>
+          </a:fillRef>
+          <a:effectRef idx="0">
+            <a:schemeClr val="accent4"/>
+          </a:effectRef>
+          <a:fontRef idx="minor">
+            <a:schemeClr val="lt1"/>
+          </a:fontRef>
+        </p:style>
+        <p:txBody>
+          <a:bodyPr rtlCol="0" anchor="ctr"/>
+          <a:lstStyle/>
+          <a:p>
+            <a:pPr algn="ctr"/>
+            <a:endParaRPr kumimoji="1" lang="ja-JP" altLang="en-US"/>
+          </a:p>
+        </p:txBody>
+      </p:sp>
+      <p:sp>
+        <p:nvSpPr>
+          <p:cNvPr id="69" name="正方形/長方形 68"/>
+          <p:cNvSpPr/>
+          <p:nvPr/>
+        </p:nvSpPr>
+        <p:spPr>
+          <a:xfrm>
+            <a:off x="4787421" y="3167640"/>
+            <a:ext cx="211138" cy="163106"/>
+          </a:xfrm>
+          <a:prstGeom prst="rect">
+            <a:avLst/>
+          </a:prstGeom>
+        </p:spPr>
+        <p:style>
+          <a:lnRef idx="2">
+            <a:schemeClr val="accent4">
+              <a:shade val="50000"/>
+            </a:schemeClr>
+          </a:lnRef>
+          <a:fillRef idx="1">
+            <a:schemeClr val="accent4"/>
+          </a:fillRef>
+          <a:effectRef idx="0">
+            <a:schemeClr val="accent4"/>
+          </a:effectRef>
+          <a:fontRef idx="minor">
+            <a:schemeClr val="lt1"/>
+          </a:fontRef>
+        </p:style>
+        <p:txBody>
+          <a:bodyPr rtlCol="0" anchor="ctr"/>
+          <a:lstStyle/>
+          <a:p>
+            <a:pPr algn="ctr"/>
+            <a:endParaRPr kumimoji="1" lang="ja-JP" altLang="en-US"/>
+          </a:p>
+        </p:txBody>
+      </p:sp>
+      <p:sp>
+        <p:nvSpPr>
+          <p:cNvPr id="6" name="正方形/長方形 5"/>
+          <p:cNvSpPr/>
+          <p:nvPr/>
+        </p:nvSpPr>
+        <p:spPr>
+          <a:xfrm>
+            <a:off x="7217367" y="1719952"/>
+            <a:ext cx="1629199" cy="1901509"/>
+          </a:xfrm>
+          <a:prstGeom prst="rect">
+            <a:avLst/>
+          </a:prstGeom>
+          <a:noFill/>
+          <a:ln>
+            <a:solidFill>
+              <a:schemeClr val="tx1"/>
+            </a:solidFill>
+            <a:prstDash val="sysDash"/>
+          </a:ln>
+        </p:spPr>
+        <p:style>
+          <a:lnRef idx="2">
+            <a:schemeClr val="accent1">
+              <a:shade val="50000"/>
+            </a:schemeClr>
+          </a:lnRef>
+          <a:fillRef idx="1">
+            <a:schemeClr val="accent1"/>
+          </a:fillRef>
+          <a:effectRef idx="0">
+            <a:schemeClr val="accent1"/>
+          </a:effectRef>
+          <a:fontRef idx="minor">
+            <a:schemeClr val="lt1"/>
+          </a:fontRef>
+        </p:style>
+        <p:txBody>
+          <a:bodyPr rtlCol="0" anchor="ctr"/>
+          <a:lstStyle/>
+          <a:p>
+            <a:pPr algn="ctr"/>
+            <a:endParaRPr kumimoji="1" lang="ja-JP" altLang="en-US"/>
+          </a:p>
+        </p:txBody>
+      </p:sp>
+      <p:sp>
+        <p:nvSpPr>
+          <p:cNvPr id="72" name="テキスト ボックス 71"/>
+          <p:cNvSpPr txBox="1"/>
+          <p:nvPr/>
+        </p:nvSpPr>
+        <p:spPr>
+          <a:xfrm>
+            <a:off x="7134837" y="1425477"/>
+            <a:ext cx="949299" cy="276999"/>
+          </a:xfrm>
+          <a:prstGeom prst="rect">
+            <a:avLst/>
+          </a:prstGeom>
+          <a:noFill/>
+        </p:spPr>
+        <p:txBody>
+          <a:bodyPr wrap="none" rtlCol="0">
+            <a:spAutoFit/>
+          </a:bodyPr>
+          <a:lstStyle/>
+          <a:p>
+            <a:r>
+              <a:rPr kumimoji="1" lang="en-US" altLang="ja-JP" sz="1200" dirty="0" smtClean="0">
+                <a:latin typeface="HGPSoeiKakugothicUB" charset="-128"/>
+                <a:ea typeface="HGPSoeiKakugothicUB" charset="-128"/>
+                <a:cs typeface="HGPSoeiKakugothicUB" charset="-128"/>
+              </a:rPr>
+              <a:t>RO</a:t>
+            </a:r>
+            <a:r>
+              <a:rPr kumimoji="1" lang="en-US" altLang="ja-JP" sz="1200" baseline="-25000" dirty="0" smtClean="0">
+                <a:latin typeface="HGPSoeiKakugothicUB" charset="-128"/>
+                <a:ea typeface="HGPSoeiKakugothicUB" charset="-128"/>
+                <a:cs typeface="HGPSoeiKakugothicUB" charset="-128"/>
+              </a:rPr>
+              <a:t>1</a:t>
+            </a:r>
+            <a:r>
+              <a:rPr lang="ja-JP" altLang="en-US" sz="1200" dirty="0">
+                <a:latin typeface="HGPSoeiKakugothicUB" charset="-128"/>
+                <a:ea typeface="HGPSoeiKakugothicUB" charset="-128"/>
+                <a:cs typeface="HGPSoeiKakugothicUB" charset="-128"/>
+              </a:rPr>
+              <a:t>のビュー</a:t>
+            </a:r>
+            <a:endParaRPr kumimoji="1" lang="ja-JP" altLang="en-US" sz="1200" baseline="-25000" dirty="0">
+              <a:latin typeface="HGPSoeiKakugothicUB" charset="-128"/>
+              <a:ea typeface="HGPSoeiKakugothicUB" charset="-128"/>
+              <a:cs typeface="HGPSoeiKakugothicUB" charset="-128"/>
+            </a:endParaRPr>
+          </a:p>
+        </p:txBody>
+      </p:sp>
+      <p:sp>
+        <p:nvSpPr>
+          <p:cNvPr id="73" name="正方形/長方形 72"/>
+          <p:cNvSpPr/>
+          <p:nvPr/>
+        </p:nvSpPr>
+        <p:spPr>
+          <a:xfrm>
+            <a:off x="3397258" y="1718372"/>
+            <a:ext cx="3702633" cy="1901509"/>
+          </a:xfrm>
+          <a:prstGeom prst="rect">
+            <a:avLst/>
+          </a:prstGeom>
+          <a:noFill/>
+          <a:ln>
+            <a:solidFill>
+              <a:schemeClr val="tx1"/>
+            </a:solidFill>
+            <a:prstDash val="sysDash"/>
+          </a:ln>
+        </p:spPr>
+        <p:style>
+          <a:lnRef idx="2">
+            <a:schemeClr val="accent1">
+              <a:shade val="50000"/>
+            </a:schemeClr>
+          </a:lnRef>
+          <a:fillRef idx="1">
+            <a:schemeClr val="accent1"/>
+          </a:fillRef>
+          <a:effectRef idx="0">
+            <a:schemeClr val="accent1"/>
+          </a:effectRef>
+          <a:fontRef idx="minor">
+            <a:schemeClr val="lt1"/>
+          </a:fontRef>
+        </p:style>
+        <p:txBody>
+          <a:bodyPr rtlCol="0" anchor="ctr"/>
+          <a:lstStyle/>
+          <a:p>
+            <a:pPr algn="ctr"/>
+            <a:endParaRPr kumimoji="1" lang="ja-JP" altLang="en-US"/>
+          </a:p>
+        </p:txBody>
+      </p:sp>
+      <p:sp>
+        <p:nvSpPr>
+          <p:cNvPr id="75" name="テキスト ボックス 74"/>
+          <p:cNvSpPr txBox="1"/>
+          <p:nvPr/>
+        </p:nvSpPr>
+        <p:spPr>
+          <a:xfrm>
+            <a:off x="3354592" y="1438950"/>
+            <a:ext cx="949299" cy="276999"/>
+          </a:xfrm>
+          <a:prstGeom prst="rect">
+            <a:avLst/>
+          </a:prstGeom>
+          <a:noFill/>
+        </p:spPr>
+        <p:txBody>
+          <a:bodyPr wrap="none" rtlCol="0">
+            <a:spAutoFit/>
+          </a:bodyPr>
+          <a:lstStyle/>
+          <a:p>
+            <a:r>
+              <a:rPr kumimoji="1" lang="en-US" altLang="ja-JP" sz="1200" dirty="0" smtClean="0">
+                <a:latin typeface="HGPSoeiKakugothicUB" charset="-128"/>
+                <a:ea typeface="HGPSoeiKakugothicUB" charset="-128"/>
+                <a:cs typeface="HGPSoeiKakugothicUB" charset="-128"/>
+              </a:rPr>
+              <a:t>FO</a:t>
+            </a:r>
+            <a:r>
+              <a:rPr kumimoji="1" lang="en-US" altLang="ja-JP" sz="1200" baseline="-25000" dirty="0" smtClean="0">
+                <a:latin typeface="HGPSoeiKakugothicUB" charset="-128"/>
+                <a:ea typeface="HGPSoeiKakugothicUB" charset="-128"/>
+                <a:cs typeface="HGPSoeiKakugothicUB" charset="-128"/>
+              </a:rPr>
+              <a:t>1</a:t>
+            </a:r>
+            <a:r>
+              <a:rPr lang="ja-JP" altLang="en-US" sz="1200" dirty="0">
+                <a:latin typeface="HGPSoeiKakugothicUB" charset="-128"/>
+                <a:ea typeface="HGPSoeiKakugothicUB" charset="-128"/>
+                <a:cs typeface="HGPSoeiKakugothicUB" charset="-128"/>
+              </a:rPr>
+              <a:t>のビュー</a:t>
+            </a:r>
+            <a:endParaRPr kumimoji="1" lang="ja-JP" altLang="en-US" sz="1200" baseline="-25000" dirty="0">
+              <a:latin typeface="HGPSoeiKakugothicUB" charset="-128"/>
+              <a:ea typeface="HGPSoeiKakugothicUB" charset="-128"/>
+              <a:cs typeface="HGPSoeiKakugothicUB" charset="-128"/>
+            </a:endParaRPr>
+          </a:p>
+        </p:txBody>
+      </p:sp>
+      <p:sp>
+        <p:nvSpPr>
+          <p:cNvPr id="76" name="正方形/長方形 75"/>
+          <p:cNvSpPr/>
+          <p:nvPr/>
+        </p:nvSpPr>
+        <p:spPr>
+          <a:xfrm>
+            <a:off x="1753953" y="3942128"/>
+            <a:ext cx="1918938" cy="1433719"/>
+          </a:xfrm>
+          <a:prstGeom prst="rect">
+            <a:avLst/>
+          </a:prstGeom>
+          <a:noFill/>
+          <a:ln>
+            <a:solidFill>
+              <a:schemeClr val="tx1"/>
+            </a:solidFill>
+            <a:prstDash val="sysDash"/>
+          </a:ln>
+        </p:spPr>
+        <p:style>
+          <a:lnRef idx="2">
+            <a:schemeClr val="accent1">
+              <a:shade val="50000"/>
+            </a:schemeClr>
+          </a:lnRef>
+          <a:fillRef idx="1">
+            <a:schemeClr val="accent1"/>
+          </a:fillRef>
+          <a:effectRef idx="0">
+            <a:schemeClr val="accent1"/>
+          </a:effectRef>
+          <a:fontRef idx="minor">
+            <a:schemeClr val="lt1"/>
+          </a:fontRef>
+        </p:style>
+        <p:txBody>
+          <a:bodyPr rtlCol="0" anchor="ctr"/>
+          <a:lstStyle/>
+          <a:p>
+            <a:pPr algn="ctr"/>
+            <a:endParaRPr kumimoji="1" lang="ja-JP" altLang="en-US"/>
+          </a:p>
+        </p:txBody>
+      </p:sp>
+      <p:sp>
+        <p:nvSpPr>
+          <p:cNvPr id="7" name="角丸四角形吹き出し 6"/>
+          <p:cNvSpPr/>
+          <p:nvPr/>
+        </p:nvSpPr>
+        <p:spPr>
+          <a:xfrm>
+            <a:off x="4772794" y="3883239"/>
+            <a:ext cx="1193400" cy="335870"/>
+          </a:xfrm>
+          <a:prstGeom prst="wedgeRoundRectCallout">
+            <a:avLst>
+              <a:gd name="adj1" fmla="val -28726"/>
+              <a:gd name="adj2" fmla="val -173633"/>
+              <a:gd name="adj3" fmla="val 16667"/>
+            </a:avLst>
+          </a:prstGeom>
+        </p:spPr>
+        <p:style>
+          <a:lnRef idx="1">
+            <a:schemeClr val="accent1"/>
+          </a:lnRef>
+          <a:fillRef idx="2">
+            <a:schemeClr val="accent1"/>
+          </a:fillRef>
+          <a:effectRef idx="1">
+            <a:schemeClr val="accent1"/>
+          </a:effectRef>
+          <a:fontRef idx="minor">
+            <a:schemeClr val="dk1"/>
+          </a:fontRef>
+        </p:style>
+        <p:txBody>
+          <a:bodyPr rtlCol="0" anchor="ctr"/>
+          <a:lstStyle/>
+          <a:p>
+            <a:pPr algn="ctr"/>
+            <a:r>
+              <a:rPr kumimoji="1" lang="ja-JP" altLang="en-US" sz="1200" smtClean="0"/>
+              <a:t>仮想デバイス</a:t>
+            </a:r>
+            <a:endParaRPr kumimoji="1" lang="ja-JP" altLang="en-US" sz="1200" dirty="0"/>
+          </a:p>
+        </p:txBody>
+      </p:sp>
+      <p:sp>
+        <p:nvSpPr>
+          <p:cNvPr id="77" name="角丸四角形吹き出し 76"/>
+          <p:cNvSpPr/>
+          <p:nvPr/>
+        </p:nvSpPr>
+        <p:spPr>
+          <a:xfrm>
+            <a:off x="4021814" y="4991496"/>
+            <a:ext cx="1193400" cy="335870"/>
+          </a:xfrm>
+          <a:prstGeom prst="wedgeRoundRectCallout">
+            <a:avLst>
+              <a:gd name="adj1" fmla="val -84064"/>
+              <a:gd name="adj2" fmla="val 4085"/>
+              <a:gd name="adj3" fmla="val 16667"/>
+            </a:avLst>
+          </a:prstGeom>
+        </p:spPr>
+        <p:style>
+          <a:lnRef idx="1">
+            <a:schemeClr val="accent2"/>
+          </a:lnRef>
+          <a:fillRef idx="2">
+            <a:schemeClr val="accent2"/>
+          </a:fillRef>
+          <a:effectRef idx="1">
+            <a:schemeClr val="accent2"/>
+          </a:effectRef>
+          <a:fontRef idx="minor">
+            <a:schemeClr val="dk1"/>
+          </a:fontRef>
+        </p:style>
+        <p:txBody>
+          <a:bodyPr rtlCol="0" anchor="ctr"/>
+          <a:lstStyle/>
+          <a:p>
+            <a:pPr algn="ctr"/>
+            <a:r>
+              <a:rPr kumimoji="1" lang="ja-JP" altLang="en-US" sz="1200" smtClean="0"/>
+              <a:t>物理デバイス</a:t>
+            </a:r>
+            <a:endParaRPr kumimoji="1" lang="ja-JP" altLang="en-US" sz="1200" dirty="0"/>
+          </a:p>
+        </p:txBody>
+      </p:sp>
+      <p:sp>
+        <p:nvSpPr>
+          <p:cNvPr id="78" name="正方形/長方形 77"/>
+          <p:cNvSpPr/>
+          <p:nvPr/>
+        </p:nvSpPr>
+        <p:spPr>
+          <a:xfrm>
+            <a:off x="6075590" y="2214465"/>
+            <a:ext cx="644934" cy="512286"/>
+          </a:xfrm>
+          <a:prstGeom prst="rect">
+            <a:avLst/>
+          </a:prstGeom>
+          <a:solidFill>
+            <a:schemeClr val="accent6">
+              <a:lumMod val="60000"/>
+              <a:lumOff val="40000"/>
+            </a:schemeClr>
+          </a:solidFill>
+        </p:spPr>
+        <p:style>
+          <a:lnRef idx="2">
+            <a:schemeClr val="accent6">
+              <a:shade val="50000"/>
+            </a:schemeClr>
+          </a:lnRef>
+          <a:fillRef idx="1">
+            <a:schemeClr val="accent6"/>
+          </a:fillRef>
+          <a:effectRef idx="0">
+            <a:schemeClr val="accent6"/>
+          </a:effectRef>
+          <a:fontRef idx="minor">
+            <a:schemeClr val="lt1"/>
+          </a:fontRef>
+        </p:style>
+        <p:txBody>
+          <a:bodyPr rtlCol="0" anchor="ctr"/>
+          <a:lstStyle/>
+          <a:p>
+            <a:pPr algn="ctr"/>
+            <a:endParaRPr kumimoji="1" lang="ja-JP" altLang="en-US"/>
+          </a:p>
+        </p:txBody>
+      </p:sp>
+      <p:sp>
+        <p:nvSpPr>
+          <p:cNvPr id="79" name="テキスト ボックス 78"/>
+          <p:cNvSpPr txBox="1"/>
+          <p:nvPr/>
+        </p:nvSpPr>
+        <p:spPr>
+          <a:xfrm>
+            <a:off x="6008409" y="1955991"/>
+            <a:ext cx="878767" cy="276999"/>
+          </a:xfrm>
+          <a:prstGeom prst="rect">
+            <a:avLst/>
+          </a:prstGeom>
+          <a:noFill/>
+        </p:spPr>
+        <p:txBody>
+          <a:bodyPr wrap="none" rtlCol="0">
+            <a:spAutoFit/>
+          </a:bodyPr>
+          <a:lstStyle/>
+          <a:p>
+            <a:r>
+              <a:rPr kumimoji="1" lang="ja-JP" altLang="en-US" sz="1200" dirty="0" smtClean="0">
+                <a:latin typeface="HGPSoeiKakugothicUB" charset="-128"/>
+                <a:ea typeface="HGPSoeiKakugothicUB" charset="-128"/>
+                <a:cs typeface="HGPSoeiKakugothicUB" charset="-128"/>
+              </a:rPr>
+              <a:t>オーダー</a:t>
+            </a:r>
+            <a:r>
+              <a:rPr kumimoji="1" lang="en-US" altLang="ja-JP" sz="1200" dirty="0" smtClean="0">
+                <a:latin typeface="HGPSoeiKakugothicUB" charset="-128"/>
+                <a:ea typeface="HGPSoeiKakugothicUB" charset="-128"/>
+                <a:cs typeface="HGPSoeiKakugothicUB" charset="-128"/>
+              </a:rPr>
+              <a:t>O</a:t>
+            </a:r>
+            <a:r>
+              <a:rPr kumimoji="1" lang="en-US" altLang="ja-JP" sz="1200" baseline="-25000" dirty="0" smtClean="0">
+                <a:latin typeface="HGPSoeiKakugothicUB" charset="-128"/>
+                <a:ea typeface="HGPSoeiKakugothicUB" charset="-128"/>
+                <a:cs typeface="HGPSoeiKakugothicUB" charset="-128"/>
+              </a:rPr>
+              <a:t>1</a:t>
+            </a:r>
+            <a:endParaRPr kumimoji="1" lang="en-US" altLang="ja-JP" sz="1200" baseline="-25000" dirty="0" smtClean="0">
+              <a:latin typeface="HGPSoeiKakugothicUB" charset="-128"/>
+              <a:ea typeface="HGPSoeiKakugothicUB" charset="-128"/>
+              <a:cs typeface="HGPSoeiKakugothicUB" charset="-128"/>
+            </a:endParaRPr>
+          </a:p>
+        </p:txBody>
+      </p:sp>
+      <p:cxnSp>
+        <p:nvCxnSpPr>
+          <p:cNvPr id="90" name="直線矢印コネクタ 89"/>
+          <p:cNvCxnSpPr>
+            <a:endCxn id="80" idx="1"/>
+          </p:cNvCxnSpPr>
+          <p:nvPr/>
+        </p:nvCxnSpPr>
+        <p:spPr>
+          <a:xfrm>
+            <a:off x="6720524" y="2470608"/>
+            <a:ext cx="888963" cy="0"/>
+          </a:xfrm>
+          <a:prstGeom prst="straightConnector1">
+            <a:avLst/>
+          </a:prstGeom>
+          <a:ln>
+            <a:solidFill>
+              <a:schemeClr val="tx1"/>
+            </a:solidFill>
+            <a:headEnd type="none" w="med" len="med"/>
+            <a:tailEnd type="arrow" w="med" len="med"/>
+          </a:ln>
+        </p:spPr>
+        <p:style>
+          <a:lnRef idx="1">
+            <a:schemeClr val="accent1"/>
+          </a:lnRef>
+          <a:fillRef idx="0">
+            <a:schemeClr val="accent1"/>
+          </a:fillRef>
+          <a:effectRef idx="0">
+            <a:schemeClr val="accent1"/>
+          </a:effectRef>
+          <a:fontRef idx="minor">
+            <a:schemeClr val="tx1"/>
+          </a:fontRef>
+        </p:style>
+      </p:cxnSp>
+    </p:spTree>
+    <p:extLst>
+      <p:ext uri="{BB962C8B-B14F-4D97-AF65-F5344CB8AC3E}">
+        <p14:creationId xmlns:p14="http://schemas.microsoft.com/office/powerpoint/2010/main" val="1696721019"/>
+      </p:ext>
+    </p:extLst>
+  </p:cSld>
+  <p:clrMapOvr>
+    <a:masterClrMapping/>
+  </p:clrMapOvr>
+</p:sld>
+</file>
+
 <file path=ppt/theme/theme1.xml><?xml version="1.0" encoding="utf-8"?>
 <a:theme xmlns:a="http://schemas.openxmlformats.org/drawingml/2006/main" name="ホワイト">
   <a:themeElements>

--- a/tutorial/ja/images/figures.pptx
+++ b/tutorial/ja/images/figures.pptx
@@ -6,7 +6,8 @@
   </p:sldMasterIdLst>
   <p:sldIdLst>
     <p:sldId id="256" r:id="rId2"/>
-    <p:sldId id="257" r:id="rId3"/>
+    <p:sldId id="258" r:id="rId3"/>
+    <p:sldId id="257" r:id="rId4"/>
   </p:sldIdLst>
   <p:sldSz cx="12192000" cy="6858000"/>
   <p:notesSz cx="6858000" cy="9144000"/>
@@ -9038,6 +9039,3149 @@
     </p:spTree>
     <p:extLst>
       <p:ext uri="{BB962C8B-B14F-4D97-AF65-F5344CB8AC3E}">
+        <p14:creationId xmlns:p14="http://schemas.microsoft.com/office/powerpoint/2010/main" val="158122486"/>
+      </p:ext>
+    </p:extLst>
+  </p:cSld>
+  <p:clrMapOvr>
+    <a:masterClrMapping/>
+  </p:clrMapOvr>
+</p:sld>
+</file>
+
+<file path=ppt/slides/slide3.xml><?xml version="1.0" encoding="utf-8"?>
+<p:sld xmlns:a="http://schemas.openxmlformats.org/drawingml/2006/main" xmlns:r="http://schemas.openxmlformats.org/officeDocument/2006/relationships" xmlns:p="http://schemas.openxmlformats.org/presentationml/2006/main">
+  <p:cSld>
+    <p:spTree>
+      <p:nvGrpSpPr>
+        <p:cNvPr id="1" name=""/>
+        <p:cNvGrpSpPr/>
+        <p:nvPr/>
+      </p:nvGrpSpPr>
+      <p:grpSpPr>
+        <a:xfrm>
+          <a:off x="0" y="0"/>
+          <a:ext cx="0" cy="0"/>
+          <a:chOff x="0" y="0"/>
+          <a:chExt cx="0" cy="0"/>
+        </a:xfrm>
+      </p:grpSpPr>
+      <p:sp>
+        <p:nvSpPr>
+          <p:cNvPr id="4" name="角丸四角形 3"/>
+          <p:cNvSpPr/>
+          <p:nvPr/>
+        </p:nvSpPr>
+        <p:spPr>
+          <a:xfrm>
+            <a:off x="3197151" y="584200"/>
+            <a:ext cx="5840589" cy="3241488"/>
+          </a:xfrm>
+          <a:prstGeom prst="roundRect">
+            <a:avLst/>
+          </a:prstGeom>
+          <a:ln w="57150"/>
+        </p:spPr>
+        <p:style>
+          <a:lnRef idx="2">
+            <a:schemeClr val="accent1"/>
+          </a:lnRef>
+          <a:fillRef idx="1">
+            <a:schemeClr val="lt1"/>
+          </a:fillRef>
+          <a:effectRef idx="0">
+            <a:schemeClr val="accent1"/>
+          </a:effectRef>
+          <a:fontRef idx="minor">
+            <a:schemeClr val="dk1"/>
+          </a:fontRef>
+        </p:style>
+        <p:txBody>
+          <a:bodyPr rtlCol="0" anchor="t"/>
+          <a:lstStyle/>
+          <a:p>
+            <a:pPr algn="ctr"/>
+            <a:r>
+              <a:rPr lang="en-US" altLang="ja-JP" sz="2400" b="1" dirty="0" err="1" smtClean="0">
+                <a:solidFill>
+                  <a:schemeClr val="accent1"/>
+                </a:solidFill>
+              </a:rPr>
+              <a:t>EverySense</a:t>
+            </a:r>
+            <a:r>
+              <a:rPr lang="en-US" altLang="ja-JP" sz="2400" b="1" dirty="0" smtClean="0">
+                <a:solidFill>
+                  <a:schemeClr val="accent1"/>
+                </a:solidFill>
+              </a:rPr>
+              <a:t> Server</a:t>
+            </a:r>
+            <a:endParaRPr kumimoji="1" lang="ja-JP" altLang="en-US" sz="2400" b="1" dirty="0">
+              <a:solidFill>
+                <a:schemeClr val="accent1"/>
+              </a:solidFill>
+            </a:endParaRPr>
+          </a:p>
+        </p:txBody>
+      </p:sp>
+      <p:grpSp>
+        <p:nvGrpSpPr>
+          <p:cNvPr id="20" name="図形グループ 19"/>
+          <p:cNvGrpSpPr/>
+          <p:nvPr/>
+        </p:nvGrpSpPr>
+        <p:grpSpPr>
+          <a:xfrm>
+            <a:off x="1963666" y="3076225"/>
+            <a:ext cx="292100" cy="647700"/>
+            <a:chOff x="5181600" y="3937000"/>
+            <a:chExt cx="292100" cy="647700"/>
+          </a:xfrm>
+        </p:grpSpPr>
+        <p:sp>
+          <p:nvSpPr>
+            <p:cNvPr id="2" name="円/楕円 1"/>
+            <p:cNvSpPr/>
+            <p:nvPr/>
+          </p:nvSpPr>
+          <p:spPr>
+            <a:xfrm>
+              <a:off x="5181600" y="3937000"/>
+              <a:ext cx="292100" cy="292100"/>
+            </a:xfrm>
+            <a:prstGeom prst="ellipse">
+              <a:avLst/>
+            </a:prstGeom>
+          </p:spPr>
+          <p:style>
+            <a:lnRef idx="2">
+              <a:schemeClr val="accent1">
+                <a:shade val="50000"/>
+              </a:schemeClr>
+            </a:lnRef>
+            <a:fillRef idx="1">
+              <a:schemeClr val="accent1"/>
+            </a:fillRef>
+            <a:effectRef idx="0">
+              <a:schemeClr val="accent1"/>
+            </a:effectRef>
+            <a:fontRef idx="minor">
+              <a:schemeClr val="lt1"/>
+            </a:fontRef>
+          </p:style>
+          <p:txBody>
+            <a:bodyPr rtlCol="0" anchor="ctr"/>
+            <a:lstStyle/>
+            <a:p>
+              <a:pPr algn="ctr"/>
+              <a:endParaRPr kumimoji="1" lang="ja-JP" altLang="en-US"/>
+            </a:p>
+          </p:txBody>
+        </p:sp>
+        <p:cxnSp>
+          <p:nvCxnSpPr>
+            <p:cNvPr id="5" name="直線コネクタ 4"/>
+            <p:cNvCxnSpPr>
+              <a:stCxn id="2" idx="4"/>
+            </p:cNvCxnSpPr>
+            <p:nvPr/>
+          </p:nvCxnSpPr>
+          <p:spPr>
+            <a:xfrm>
+              <a:off x="5327650" y="4229100"/>
+              <a:ext cx="0" cy="241300"/>
+            </a:xfrm>
+            <a:prstGeom prst="line">
+              <a:avLst/>
+            </a:prstGeom>
+            <a:ln w="38100"/>
+          </p:spPr>
+          <p:style>
+            <a:lnRef idx="1">
+              <a:schemeClr val="accent1"/>
+            </a:lnRef>
+            <a:fillRef idx="0">
+              <a:schemeClr val="accent1"/>
+            </a:fillRef>
+            <a:effectRef idx="0">
+              <a:schemeClr val="accent1"/>
+            </a:effectRef>
+            <a:fontRef idx="minor">
+              <a:schemeClr val="tx1"/>
+            </a:fontRef>
+          </p:style>
+        </p:cxnSp>
+        <p:cxnSp>
+          <p:nvCxnSpPr>
+            <p:cNvPr id="10" name="直線コネクタ 9"/>
+            <p:cNvCxnSpPr/>
+            <p:nvPr/>
+          </p:nvCxnSpPr>
+          <p:spPr>
+            <a:xfrm>
+              <a:off x="5327650" y="4470400"/>
+              <a:ext cx="117475" cy="114300"/>
+            </a:xfrm>
+            <a:prstGeom prst="line">
+              <a:avLst/>
+            </a:prstGeom>
+            <a:ln w="38100"/>
+          </p:spPr>
+          <p:style>
+            <a:lnRef idx="1">
+              <a:schemeClr val="accent1"/>
+            </a:lnRef>
+            <a:fillRef idx="0">
+              <a:schemeClr val="accent1"/>
+            </a:fillRef>
+            <a:effectRef idx="0">
+              <a:schemeClr val="accent1"/>
+            </a:effectRef>
+            <a:fontRef idx="minor">
+              <a:schemeClr val="tx1"/>
+            </a:fontRef>
+          </p:style>
+        </p:cxnSp>
+        <p:cxnSp>
+          <p:nvCxnSpPr>
+            <p:cNvPr id="17" name="直線コネクタ 16"/>
+            <p:cNvCxnSpPr/>
+            <p:nvPr/>
+          </p:nvCxnSpPr>
+          <p:spPr>
+            <a:xfrm flipH="1">
+              <a:off x="5210175" y="4470400"/>
+              <a:ext cx="117475" cy="114300"/>
+            </a:xfrm>
+            <a:prstGeom prst="line">
+              <a:avLst/>
+            </a:prstGeom>
+            <a:ln w="38100"/>
+          </p:spPr>
+          <p:style>
+            <a:lnRef idx="1">
+              <a:schemeClr val="accent1"/>
+            </a:lnRef>
+            <a:fillRef idx="0">
+              <a:schemeClr val="accent1"/>
+            </a:fillRef>
+            <a:effectRef idx="0">
+              <a:schemeClr val="accent1"/>
+            </a:effectRef>
+            <a:fontRef idx="minor">
+              <a:schemeClr val="tx1"/>
+            </a:fontRef>
+          </p:style>
+        </p:cxnSp>
+        <p:cxnSp>
+          <p:nvCxnSpPr>
+            <p:cNvPr id="18" name="直線コネクタ 17"/>
+            <p:cNvCxnSpPr/>
+            <p:nvPr/>
+          </p:nvCxnSpPr>
+          <p:spPr>
+            <a:xfrm>
+              <a:off x="5327650" y="4292600"/>
+              <a:ext cx="117475" cy="114300"/>
+            </a:xfrm>
+            <a:prstGeom prst="line">
+              <a:avLst/>
+            </a:prstGeom>
+            <a:ln w="38100"/>
+          </p:spPr>
+          <p:style>
+            <a:lnRef idx="1">
+              <a:schemeClr val="accent1"/>
+            </a:lnRef>
+            <a:fillRef idx="0">
+              <a:schemeClr val="accent1"/>
+            </a:fillRef>
+            <a:effectRef idx="0">
+              <a:schemeClr val="accent1"/>
+            </a:effectRef>
+            <a:fontRef idx="minor">
+              <a:schemeClr val="tx1"/>
+            </a:fontRef>
+          </p:style>
+        </p:cxnSp>
+        <p:cxnSp>
+          <p:nvCxnSpPr>
+            <p:cNvPr id="19" name="直線コネクタ 18"/>
+            <p:cNvCxnSpPr/>
+            <p:nvPr/>
+          </p:nvCxnSpPr>
+          <p:spPr>
+            <a:xfrm flipH="1">
+              <a:off x="5210175" y="4292600"/>
+              <a:ext cx="117475" cy="114300"/>
+            </a:xfrm>
+            <a:prstGeom prst="line">
+              <a:avLst/>
+            </a:prstGeom>
+            <a:ln w="38100"/>
+          </p:spPr>
+          <p:style>
+            <a:lnRef idx="1">
+              <a:schemeClr val="accent1"/>
+            </a:lnRef>
+            <a:fillRef idx="0">
+              <a:schemeClr val="accent1"/>
+            </a:fillRef>
+            <a:effectRef idx="0">
+              <a:schemeClr val="accent1"/>
+            </a:effectRef>
+            <a:fontRef idx="minor">
+              <a:schemeClr val="tx1"/>
+            </a:fontRef>
+          </p:style>
+        </p:cxnSp>
+      </p:grpSp>
+      <p:sp>
+        <p:nvSpPr>
+          <p:cNvPr id="21" name="テキスト ボックス 20"/>
+          <p:cNvSpPr txBox="1"/>
+          <p:nvPr/>
+        </p:nvSpPr>
+        <p:spPr>
+          <a:xfrm>
+            <a:off x="1680271" y="2553005"/>
+            <a:ext cx="1003801" cy="461665"/>
+          </a:xfrm>
+          <a:prstGeom prst="rect">
+            <a:avLst/>
+          </a:prstGeom>
+          <a:noFill/>
+        </p:spPr>
+        <p:txBody>
+          <a:bodyPr wrap="none" rtlCol="0">
+            <a:spAutoFit/>
+          </a:bodyPr>
+          <a:lstStyle/>
+          <a:p>
+            <a:r>
+              <a:rPr kumimoji="1" lang="ja-JP" altLang="en-US" sz="1200" dirty="0" smtClean="0">
+                <a:latin typeface="HGPSoeiKakugothicUB" charset="-128"/>
+                <a:ea typeface="HGPSoeiKakugothicUB" charset="-128"/>
+                <a:cs typeface="HGPSoeiKakugothicUB" charset="-128"/>
+              </a:rPr>
+              <a:t>ファーム</a:t>
+            </a:r>
+            <a:endParaRPr kumimoji="1" lang="en-US" altLang="ja-JP" sz="1200" dirty="0" smtClean="0">
+              <a:latin typeface="HGPSoeiKakugothicUB" charset="-128"/>
+              <a:ea typeface="HGPSoeiKakugothicUB" charset="-128"/>
+              <a:cs typeface="HGPSoeiKakugothicUB" charset="-128"/>
+            </a:endParaRPr>
+          </a:p>
+          <a:p>
+            <a:r>
+              <a:rPr kumimoji="1" lang="ja-JP" altLang="en-US" sz="1200" dirty="0" smtClean="0">
+                <a:latin typeface="HGPSoeiKakugothicUB" charset="-128"/>
+                <a:ea typeface="HGPSoeiKakugothicUB" charset="-128"/>
+                <a:cs typeface="HGPSoeiKakugothicUB" charset="-128"/>
+              </a:rPr>
+              <a:t>オーナー</a:t>
+            </a:r>
+            <a:r>
+              <a:rPr kumimoji="1" lang="en-US" altLang="ja-JP" sz="1200" dirty="0" smtClean="0">
+                <a:latin typeface="HGPSoeiKakugothicUB" charset="-128"/>
+                <a:ea typeface="HGPSoeiKakugothicUB" charset="-128"/>
+                <a:cs typeface="HGPSoeiKakugothicUB" charset="-128"/>
+              </a:rPr>
+              <a:t> FO</a:t>
+            </a:r>
+            <a:r>
+              <a:rPr kumimoji="1" lang="en-US" altLang="ja-JP" sz="1200" baseline="-25000" dirty="0" smtClean="0">
+                <a:latin typeface="HGPSoeiKakugothicUB" charset="-128"/>
+                <a:ea typeface="HGPSoeiKakugothicUB" charset="-128"/>
+                <a:cs typeface="HGPSoeiKakugothicUB" charset="-128"/>
+              </a:rPr>
+              <a:t>1</a:t>
+            </a:r>
+            <a:endParaRPr kumimoji="1" lang="ja-JP" altLang="en-US" sz="1200" baseline="-25000" dirty="0">
+              <a:latin typeface="HGPSoeiKakugothicUB" charset="-128"/>
+              <a:ea typeface="HGPSoeiKakugothicUB" charset="-128"/>
+              <a:cs typeface="HGPSoeiKakugothicUB" charset="-128"/>
+            </a:endParaRPr>
+          </a:p>
+        </p:txBody>
+      </p:sp>
+      <p:sp>
+        <p:nvSpPr>
+          <p:cNvPr id="28" name="正方形/長方形 27"/>
+          <p:cNvSpPr/>
+          <p:nvPr/>
+        </p:nvSpPr>
+        <p:spPr>
+          <a:xfrm>
+            <a:off x="1951130" y="4222141"/>
+            <a:ext cx="609600" cy="418170"/>
+          </a:xfrm>
+          <a:prstGeom prst="rect">
+            <a:avLst/>
+          </a:prstGeom>
+        </p:spPr>
+        <p:style>
+          <a:lnRef idx="2">
+            <a:schemeClr val="accent2">
+              <a:shade val="50000"/>
+            </a:schemeClr>
+          </a:lnRef>
+          <a:fillRef idx="1">
+            <a:schemeClr val="accent2"/>
+          </a:fillRef>
+          <a:effectRef idx="0">
+            <a:schemeClr val="accent2"/>
+          </a:effectRef>
+          <a:fontRef idx="minor">
+            <a:schemeClr val="lt1"/>
+          </a:fontRef>
+        </p:style>
+        <p:txBody>
+          <a:bodyPr rtlCol="0" anchor="ctr"/>
+          <a:lstStyle/>
+          <a:p>
+            <a:pPr algn="ctr"/>
+            <a:endParaRPr kumimoji="1" lang="ja-JP" altLang="en-US"/>
+          </a:p>
+        </p:txBody>
+      </p:sp>
+      <p:sp>
+        <p:nvSpPr>
+          <p:cNvPr id="29" name="テキスト ボックス 28"/>
+          <p:cNvSpPr txBox="1"/>
+          <p:nvPr/>
+        </p:nvSpPr>
+        <p:spPr>
+          <a:xfrm>
+            <a:off x="1770787" y="3933295"/>
+            <a:ext cx="930063" cy="276999"/>
+          </a:xfrm>
+          <a:prstGeom prst="rect">
+            <a:avLst/>
+          </a:prstGeom>
+          <a:noFill/>
+        </p:spPr>
+        <p:txBody>
+          <a:bodyPr wrap="none" rtlCol="0">
+            <a:spAutoFit/>
+          </a:bodyPr>
+          <a:lstStyle/>
+          <a:p>
+            <a:r>
+              <a:rPr kumimoji="1" lang="ja-JP" altLang="en-US" sz="1200" dirty="0" smtClean="0">
+                <a:latin typeface="HGPSoeiKakugothicUB" charset="-128"/>
+                <a:ea typeface="HGPSoeiKakugothicUB" charset="-128"/>
+                <a:cs typeface="HGPSoeiKakugothicUB" charset="-128"/>
+              </a:rPr>
+              <a:t>デバイス</a:t>
+            </a:r>
+            <a:r>
+              <a:rPr kumimoji="1" lang="en-US" altLang="ja-JP" sz="1200" dirty="0" smtClean="0">
+                <a:latin typeface="HGPSoeiKakugothicUB" charset="-128"/>
+                <a:ea typeface="HGPSoeiKakugothicUB" charset="-128"/>
+                <a:cs typeface="HGPSoeiKakugothicUB" charset="-128"/>
+              </a:rPr>
+              <a:t> D</a:t>
+            </a:r>
+            <a:r>
+              <a:rPr kumimoji="1" lang="en-US" altLang="ja-JP" sz="1200" baseline="-25000" dirty="0" smtClean="0">
+                <a:latin typeface="HGPSoeiKakugothicUB" charset="-128"/>
+                <a:ea typeface="HGPSoeiKakugothicUB" charset="-128"/>
+                <a:cs typeface="HGPSoeiKakugothicUB" charset="-128"/>
+              </a:rPr>
+              <a:t>1</a:t>
+            </a:r>
+            <a:endParaRPr lang="en-US" altLang="ja-JP" sz="1200" baseline="-25000" dirty="0">
+              <a:latin typeface="HGPSoeiKakugothicUB" charset="-128"/>
+              <a:ea typeface="HGPSoeiKakugothicUB" charset="-128"/>
+              <a:cs typeface="HGPSoeiKakugothicUB" charset="-128"/>
+            </a:endParaRPr>
+          </a:p>
+        </p:txBody>
+      </p:sp>
+      <p:sp>
+        <p:nvSpPr>
+          <p:cNvPr id="30" name="正方形/長方形 29"/>
+          <p:cNvSpPr/>
+          <p:nvPr/>
+        </p:nvSpPr>
+        <p:spPr>
+          <a:xfrm>
+            <a:off x="2127658" y="4433566"/>
+            <a:ext cx="211138" cy="163106"/>
+          </a:xfrm>
+          <a:prstGeom prst="rect">
+            <a:avLst/>
+          </a:prstGeom>
+        </p:spPr>
+        <p:style>
+          <a:lnRef idx="2">
+            <a:schemeClr val="accent4">
+              <a:shade val="50000"/>
+            </a:schemeClr>
+          </a:lnRef>
+          <a:fillRef idx="1">
+            <a:schemeClr val="accent4"/>
+          </a:fillRef>
+          <a:effectRef idx="0">
+            <a:schemeClr val="accent4"/>
+          </a:effectRef>
+          <a:fontRef idx="minor">
+            <a:schemeClr val="lt1"/>
+          </a:fontRef>
+        </p:style>
+        <p:txBody>
+          <a:bodyPr rtlCol="0" anchor="ctr"/>
+          <a:lstStyle/>
+          <a:p>
+            <a:pPr algn="ctr"/>
+            <a:endParaRPr kumimoji="1" lang="ja-JP" altLang="en-US"/>
+          </a:p>
+        </p:txBody>
+      </p:sp>
+      <p:sp>
+        <p:nvSpPr>
+          <p:cNvPr id="31" name="テキスト ボックス 30"/>
+          <p:cNvSpPr txBox="1"/>
+          <p:nvPr/>
+        </p:nvSpPr>
+        <p:spPr>
+          <a:xfrm>
+            <a:off x="1885223" y="4181004"/>
+            <a:ext cx="742511" cy="276999"/>
+          </a:xfrm>
+          <a:prstGeom prst="rect">
+            <a:avLst/>
+          </a:prstGeom>
+          <a:noFill/>
+        </p:spPr>
+        <p:txBody>
+          <a:bodyPr wrap="none" rtlCol="0">
+            <a:spAutoFit/>
+          </a:bodyPr>
+          <a:lstStyle/>
+          <a:p>
+            <a:r>
+              <a:rPr kumimoji="1" lang="ja-JP" altLang="en-US" sz="1200" dirty="0" smtClean="0">
+                <a:latin typeface="HGPSoeiKakugothicUB" charset="-128"/>
+                <a:ea typeface="HGPSoeiKakugothicUB" charset="-128"/>
+                <a:cs typeface="HGPSoeiKakugothicUB" charset="-128"/>
+              </a:rPr>
+              <a:t>センサ</a:t>
+            </a:r>
+            <a:r>
+              <a:rPr kumimoji="1" lang="en-US" altLang="ja-JP" sz="1200" dirty="0" smtClean="0">
+                <a:latin typeface="HGPSoeiKakugothicUB" charset="-128"/>
+                <a:ea typeface="HGPSoeiKakugothicUB" charset="-128"/>
+                <a:cs typeface="HGPSoeiKakugothicUB" charset="-128"/>
+              </a:rPr>
+              <a:t>S</a:t>
+            </a:r>
+            <a:r>
+              <a:rPr kumimoji="1" lang="en-US" altLang="ja-JP" sz="1200" baseline="-25000" dirty="0" smtClean="0">
+                <a:latin typeface="HGPSoeiKakugothicUB" charset="-128"/>
+                <a:ea typeface="HGPSoeiKakugothicUB" charset="-128"/>
+                <a:cs typeface="HGPSoeiKakugothicUB" charset="-128"/>
+              </a:rPr>
+              <a:t>1</a:t>
+            </a:r>
+          </a:p>
+        </p:txBody>
+      </p:sp>
+      <p:sp>
+        <p:nvSpPr>
+          <p:cNvPr id="32" name="正方形/長方形 31"/>
+          <p:cNvSpPr/>
+          <p:nvPr/>
+        </p:nvSpPr>
+        <p:spPr>
+          <a:xfrm>
+            <a:off x="2127658" y="4920641"/>
+            <a:ext cx="211138" cy="163106"/>
+          </a:xfrm>
+          <a:prstGeom prst="rect">
+            <a:avLst/>
+          </a:prstGeom>
+        </p:spPr>
+        <p:style>
+          <a:lnRef idx="2">
+            <a:schemeClr val="accent4">
+              <a:shade val="50000"/>
+            </a:schemeClr>
+          </a:lnRef>
+          <a:fillRef idx="1">
+            <a:schemeClr val="accent4"/>
+          </a:fillRef>
+          <a:effectRef idx="0">
+            <a:schemeClr val="accent4"/>
+          </a:effectRef>
+          <a:fontRef idx="minor">
+            <a:schemeClr val="lt1"/>
+          </a:fontRef>
+        </p:style>
+        <p:txBody>
+          <a:bodyPr rtlCol="0" anchor="ctr"/>
+          <a:lstStyle/>
+          <a:p>
+            <a:pPr algn="ctr"/>
+            <a:endParaRPr kumimoji="1" lang="ja-JP" altLang="en-US"/>
+          </a:p>
+        </p:txBody>
+      </p:sp>
+      <p:sp>
+        <p:nvSpPr>
+          <p:cNvPr id="33" name="テキスト ボックス 32"/>
+          <p:cNvSpPr txBox="1"/>
+          <p:nvPr/>
+        </p:nvSpPr>
+        <p:spPr>
+          <a:xfrm>
+            <a:off x="1885223" y="5025191"/>
+            <a:ext cx="742511" cy="276999"/>
+          </a:xfrm>
+          <a:prstGeom prst="rect">
+            <a:avLst/>
+          </a:prstGeom>
+          <a:noFill/>
+        </p:spPr>
+        <p:txBody>
+          <a:bodyPr wrap="none" rtlCol="0">
+            <a:spAutoFit/>
+          </a:bodyPr>
+          <a:lstStyle/>
+          <a:p>
+            <a:r>
+              <a:rPr kumimoji="1" lang="ja-JP" altLang="en-US" sz="1200" dirty="0" smtClean="0">
+                <a:latin typeface="HGPSoeiKakugothicUB" charset="-128"/>
+                <a:ea typeface="HGPSoeiKakugothicUB" charset="-128"/>
+                <a:cs typeface="HGPSoeiKakugothicUB" charset="-128"/>
+              </a:rPr>
+              <a:t>センサ</a:t>
+            </a:r>
+            <a:r>
+              <a:rPr kumimoji="1" lang="en-US" altLang="ja-JP" sz="1200" dirty="0" smtClean="0">
+                <a:latin typeface="HGPSoeiKakugothicUB" charset="-128"/>
+                <a:ea typeface="HGPSoeiKakugothicUB" charset="-128"/>
+                <a:cs typeface="HGPSoeiKakugothicUB" charset="-128"/>
+              </a:rPr>
+              <a:t>S</a:t>
+            </a:r>
+            <a:r>
+              <a:rPr kumimoji="1" lang="en-US" altLang="ja-JP" sz="1200" baseline="-25000" dirty="0" smtClean="0">
+                <a:latin typeface="HGPSoeiKakugothicUB" charset="-128"/>
+                <a:ea typeface="HGPSoeiKakugothicUB" charset="-128"/>
+                <a:cs typeface="HGPSoeiKakugothicUB" charset="-128"/>
+              </a:rPr>
+              <a:t>2</a:t>
+            </a:r>
+          </a:p>
+        </p:txBody>
+      </p:sp>
+      <p:sp>
+        <p:nvSpPr>
+          <p:cNvPr id="34" name="テキスト ボックス 33"/>
+          <p:cNvSpPr txBox="1"/>
+          <p:nvPr/>
+        </p:nvSpPr>
+        <p:spPr>
+          <a:xfrm>
+            <a:off x="2778540" y="3930942"/>
+            <a:ext cx="930063" cy="276999"/>
+          </a:xfrm>
+          <a:prstGeom prst="rect">
+            <a:avLst/>
+          </a:prstGeom>
+          <a:noFill/>
+        </p:spPr>
+        <p:txBody>
+          <a:bodyPr wrap="none" rtlCol="0">
+            <a:spAutoFit/>
+          </a:bodyPr>
+          <a:lstStyle/>
+          <a:p>
+            <a:r>
+              <a:rPr kumimoji="1" lang="ja-JP" altLang="en-US" sz="1200" dirty="0" smtClean="0">
+                <a:latin typeface="HGPSoeiKakugothicUB" charset="-128"/>
+                <a:ea typeface="HGPSoeiKakugothicUB" charset="-128"/>
+                <a:cs typeface="HGPSoeiKakugothicUB" charset="-128"/>
+              </a:rPr>
+              <a:t>デバイス</a:t>
+            </a:r>
+            <a:r>
+              <a:rPr kumimoji="1" lang="en-US" altLang="ja-JP" sz="1200" dirty="0" smtClean="0">
+                <a:latin typeface="HGPSoeiKakugothicUB" charset="-128"/>
+                <a:ea typeface="HGPSoeiKakugothicUB" charset="-128"/>
+                <a:cs typeface="HGPSoeiKakugothicUB" charset="-128"/>
+              </a:rPr>
+              <a:t> D</a:t>
+            </a:r>
+            <a:r>
+              <a:rPr lang="en-US" altLang="ja-JP" sz="1200" baseline="-25000" dirty="0">
+                <a:latin typeface="HGPSoeiKakugothicUB" charset="-128"/>
+                <a:ea typeface="HGPSoeiKakugothicUB" charset="-128"/>
+                <a:cs typeface="HGPSoeiKakugothicUB" charset="-128"/>
+              </a:rPr>
+              <a:t>2</a:t>
+            </a:r>
+            <a:endParaRPr kumimoji="1" lang="en-US" altLang="ja-JP" sz="1200" baseline="-25000" dirty="0" smtClean="0">
+              <a:latin typeface="HGPSoeiKakugothicUB" charset="-128"/>
+              <a:ea typeface="HGPSoeiKakugothicUB" charset="-128"/>
+              <a:cs typeface="HGPSoeiKakugothicUB" charset="-128"/>
+            </a:endParaRPr>
+          </a:p>
+        </p:txBody>
+      </p:sp>
+      <p:grpSp>
+        <p:nvGrpSpPr>
+          <p:cNvPr id="39" name="図形グループ 38"/>
+          <p:cNvGrpSpPr/>
+          <p:nvPr/>
+        </p:nvGrpSpPr>
+        <p:grpSpPr>
+          <a:xfrm rot="-2700000">
+            <a:off x="2010366" y="4732624"/>
+            <a:ext cx="445723" cy="445723"/>
+            <a:chOff x="4742656" y="4758033"/>
+            <a:chExt cx="1100138" cy="1100138"/>
+          </a:xfrm>
+        </p:grpSpPr>
+        <p:sp>
+          <p:nvSpPr>
+            <p:cNvPr id="36" name="円弧 35"/>
+            <p:cNvSpPr/>
+            <p:nvPr/>
+          </p:nvSpPr>
+          <p:spPr>
+            <a:xfrm>
+              <a:off x="5010150" y="5025527"/>
+              <a:ext cx="565150" cy="565150"/>
+            </a:xfrm>
+            <a:prstGeom prst="arc">
+              <a:avLst/>
+            </a:prstGeom>
+            <a:ln w="28575">
+              <a:solidFill>
+                <a:schemeClr val="tx1"/>
+              </a:solidFill>
+            </a:ln>
+          </p:spPr>
+          <p:style>
+            <a:lnRef idx="1">
+              <a:schemeClr val="accent1"/>
+            </a:lnRef>
+            <a:fillRef idx="0">
+              <a:schemeClr val="accent1"/>
+            </a:fillRef>
+            <a:effectRef idx="0">
+              <a:schemeClr val="accent1"/>
+            </a:effectRef>
+            <a:fontRef idx="minor">
+              <a:schemeClr val="tx1"/>
+            </a:fontRef>
+          </p:style>
+          <p:txBody>
+            <a:bodyPr rtlCol="0" anchor="ctr"/>
+            <a:lstStyle/>
+            <a:p>
+              <a:pPr algn="ctr"/>
+              <a:endParaRPr kumimoji="1" lang="ja-JP" altLang="en-US"/>
+            </a:p>
+          </p:txBody>
+        </p:sp>
+        <p:sp>
+          <p:nvSpPr>
+            <p:cNvPr id="37" name="円弧 36"/>
+            <p:cNvSpPr/>
+            <p:nvPr/>
+          </p:nvSpPr>
+          <p:spPr>
+            <a:xfrm>
+              <a:off x="4879975" y="4895352"/>
+              <a:ext cx="825500" cy="825500"/>
+            </a:xfrm>
+            <a:prstGeom prst="arc">
+              <a:avLst/>
+            </a:prstGeom>
+            <a:ln w="28575">
+              <a:solidFill>
+                <a:schemeClr val="tx1"/>
+              </a:solidFill>
+            </a:ln>
+          </p:spPr>
+          <p:style>
+            <a:lnRef idx="1">
+              <a:schemeClr val="accent1"/>
+            </a:lnRef>
+            <a:fillRef idx="0">
+              <a:schemeClr val="accent1"/>
+            </a:fillRef>
+            <a:effectRef idx="0">
+              <a:schemeClr val="accent1"/>
+            </a:effectRef>
+            <a:fontRef idx="minor">
+              <a:schemeClr val="tx1"/>
+            </a:fontRef>
+          </p:style>
+          <p:txBody>
+            <a:bodyPr rtlCol="0" anchor="ctr"/>
+            <a:lstStyle/>
+            <a:p>
+              <a:pPr algn="ctr"/>
+              <a:endParaRPr kumimoji="1" lang="ja-JP" altLang="en-US"/>
+            </a:p>
+          </p:txBody>
+        </p:sp>
+        <p:sp>
+          <p:nvSpPr>
+            <p:cNvPr id="38" name="円弧 37"/>
+            <p:cNvSpPr/>
+            <p:nvPr/>
+          </p:nvSpPr>
+          <p:spPr>
+            <a:xfrm>
+              <a:off x="4742656" y="4758033"/>
+              <a:ext cx="1100138" cy="1100138"/>
+            </a:xfrm>
+            <a:prstGeom prst="arc">
+              <a:avLst/>
+            </a:prstGeom>
+            <a:ln w="28575">
+              <a:solidFill>
+                <a:schemeClr val="tx1"/>
+              </a:solidFill>
+            </a:ln>
+          </p:spPr>
+          <p:style>
+            <a:lnRef idx="1">
+              <a:schemeClr val="accent1"/>
+            </a:lnRef>
+            <a:fillRef idx="0">
+              <a:schemeClr val="accent1"/>
+            </a:fillRef>
+            <a:effectRef idx="0">
+              <a:schemeClr val="accent1"/>
+            </a:effectRef>
+            <a:fontRef idx="minor">
+              <a:schemeClr val="tx1"/>
+            </a:fontRef>
+          </p:style>
+          <p:txBody>
+            <a:bodyPr rtlCol="0" anchor="ctr"/>
+            <a:lstStyle/>
+            <a:p>
+              <a:pPr algn="ctr"/>
+              <a:endParaRPr kumimoji="1" lang="ja-JP" altLang="en-US"/>
+            </a:p>
+          </p:txBody>
+        </p:sp>
+      </p:grpSp>
+      <p:sp>
+        <p:nvSpPr>
+          <p:cNvPr id="40" name="テキスト ボックス 39"/>
+          <p:cNvSpPr txBox="1"/>
+          <p:nvPr/>
+        </p:nvSpPr>
+        <p:spPr>
+          <a:xfrm>
+            <a:off x="2778540" y="4600801"/>
+            <a:ext cx="962123" cy="276999"/>
+          </a:xfrm>
+          <a:prstGeom prst="rect">
+            <a:avLst/>
+          </a:prstGeom>
+          <a:noFill/>
+        </p:spPr>
+        <p:txBody>
+          <a:bodyPr wrap="none" rtlCol="0">
+            <a:spAutoFit/>
+          </a:bodyPr>
+          <a:lstStyle/>
+          <a:p>
+            <a:r>
+              <a:rPr kumimoji="1" lang="ja-JP" altLang="en-US" sz="1200" dirty="0" smtClean="0">
+                <a:latin typeface="HGPSoeiKakugothicUB" charset="-128"/>
+                <a:ea typeface="HGPSoeiKakugothicUB" charset="-128"/>
+                <a:cs typeface="HGPSoeiKakugothicUB" charset="-128"/>
+              </a:rPr>
+              <a:t>デバイス</a:t>
+            </a:r>
+            <a:r>
+              <a:rPr kumimoji="1" lang="en-US" altLang="ja-JP" sz="1200" dirty="0" smtClean="0">
+                <a:latin typeface="HGPSoeiKakugothicUB" charset="-128"/>
+                <a:ea typeface="HGPSoeiKakugothicUB" charset="-128"/>
+                <a:cs typeface="HGPSoeiKakugothicUB" charset="-128"/>
+              </a:rPr>
+              <a:t> D</a:t>
+            </a:r>
+            <a:r>
+              <a:rPr kumimoji="1" lang="en-US" altLang="ja-JP" sz="1200" baseline="-25000" dirty="0" smtClean="0">
+                <a:latin typeface="HGPSoeiKakugothicUB" charset="-128"/>
+                <a:ea typeface="HGPSoeiKakugothicUB" charset="-128"/>
+                <a:cs typeface="HGPSoeiKakugothicUB" charset="-128"/>
+              </a:rPr>
+              <a:t>3</a:t>
+            </a:r>
+          </a:p>
+        </p:txBody>
+      </p:sp>
+      <p:sp>
+        <p:nvSpPr>
+          <p:cNvPr id="41" name="正方形/長方形 40"/>
+          <p:cNvSpPr/>
+          <p:nvPr/>
+        </p:nvSpPr>
+        <p:spPr>
+          <a:xfrm>
+            <a:off x="2953839" y="4191363"/>
+            <a:ext cx="609600" cy="448948"/>
+          </a:xfrm>
+          <a:prstGeom prst="rect">
+            <a:avLst/>
+          </a:prstGeom>
+        </p:spPr>
+        <p:style>
+          <a:lnRef idx="2">
+            <a:schemeClr val="accent2">
+              <a:shade val="50000"/>
+            </a:schemeClr>
+          </a:lnRef>
+          <a:fillRef idx="1">
+            <a:schemeClr val="accent2"/>
+          </a:fillRef>
+          <a:effectRef idx="0">
+            <a:schemeClr val="accent2"/>
+          </a:effectRef>
+          <a:fontRef idx="minor">
+            <a:schemeClr val="lt1"/>
+          </a:fontRef>
+        </p:style>
+        <p:txBody>
+          <a:bodyPr rtlCol="0" anchor="ctr"/>
+          <a:lstStyle/>
+          <a:p>
+            <a:pPr algn="ctr"/>
+            <a:endParaRPr kumimoji="1" lang="ja-JP" altLang="en-US"/>
+          </a:p>
+        </p:txBody>
+      </p:sp>
+      <p:sp>
+        <p:nvSpPr>
+          <p:cNvPr id="42" name="テキスト ボックス 41"/>
+          <p:cNvSpPr txBox="1"/>
+          <p:nvPr/>
+        </p:nvSpPr>
+        <p:spPr>
+          <a:xfrm>
+            <a:off x="2900632" y="4162926"/>
+            <a:ext cx="742511" cy="276999"/>
+          </a:xfrm>
+          <a:prstGeom prst="rect">
+            <a:avLst/>
+          </a:prstGeom>
+          <a:noFill/>
+        </p:spPr>
+        <p:txBody>
+          <a:bodyPr wrap="none" rtlCol="0">
+            <a:spAutoFit/>
+          </a:bodyPr>
+          <a:lstStyle/>
+          <a:p>
+            <a:r>
+              <a:rPr kumimoji="1" lang="ja-JP" altLang="en-US" sz="1200" dirty="0" smtClean="0">
+                <a:latin typeface="HGPSoeiKakugothicUB" charset="-128"/>
+                <a:ea typeface="HGPSoeiKakugothicUB" charset="-128"/>
+                <a:cs typeface="HGPSoeiKakugothicUB" charset="-128"/>
+              </a:rPr>
+              <a:t>センサ</a:t>
+            </a:r>
+            <a:r>
+              <a:rPr kumimoji="1" lang="en-US" altLang="ja-JP" sz="1200" dirty="0" smtClean="0">
+                <a:latin typeface="HGPSoeiKakugothicUB" charset="-128"/>
+                <a:ea typeface="HGPSoeiKakugothicUB" charset="-128"/>
+                <a:cs typeface="HGPSoeiKakugothicUB" charset="-128"/>
+              </a:rPr>
+              <a:t>S</a:t>
+            </a:r>
+            <a:r>
+              <a:rPr kumimoji="1" lang="en-US" altLang="ja-JP" sz="1200" baseline="-25000" dirty="0" smtClean="0">
+                <a:latin typeface="HGPSoeiKakugothicUB" charset="-128"/>
+                <a:ea typeface="HGPSoeiKakugothicUB" charset="-128"/>
+                <a:cs typeface="HGPSoeiKakugothicUB" charset="-128"/>
+              </a:rPr>
+              <a:t>3</a:t>
+            </a:r>
+          </a:p>
+        </p:txBody>
+      </p:sp>
+      <p:sp>
+        <p:nvSpPr>
+          <p:cNvPr id="43" name="正方形/長方形 42"/>
+          <p:cNvSpPr/>
+          <p:nvPr/>
+        </p:nvSpPr>
+        <p:spPr>
+          <a:xfrm>
+            <a:off x="2953839" y="4848286"/>
+            <a:ext cx="609600" cy="470922"/>
+          </a:xfrm>
+          <a:prstGeom prst="rect">
+            <a:avLst/>
+          </a:prstGeom>
+        </p:spPr>
+        <p:style>
+          <a:lnRef idx="2">
+            <a:schemeClr val="accent2">
+              <a:shade val="50000"/>
+            </a:schemeClr>
+          </a:lnRef>
+          <a:fillRef idx="1">
+            <a:schemeClr val="accent2"/>
+          </a:fillRef>
+          <a:effectRef idx="0">
+            <a:schemeClr val="accent2"/>
+          </a:effectRef>
+          <a:fontRef idx="minor">
+            <a:schemeClr val="lt1"/>
+          </a:fontRef>
+        </p:style>
+        <p:txBody>
+          <a:bodyPr rtlCol="0" anchor="ctr"/>
+          <a:lstStyle/>
+          <a:p>
+            <a:pPr algn="ctr"/>
+            <a:endParaRPr kumimoji="1" lang="ja-JP" altLang="en-US"/>
+          </a:p>
+        </p:txBody>
+      </p:sp>
+      <p:sp>
+        <p:nvSpPr>
+          <p:cNvPr id="44" name="テキスト ボックス 43"/>
+          <p:cNvSpPr txBox="1"/>
+          <p:nvPr/>
+        </p:nvSpPr>
+        <p:spPr>
+          <a:xfrm>
+            <a:off x="2901970" y="4829685"/>
+            <a:ext cx="742511" cy="276999"/>
+          </a:xfrm>
+          <a:prstGeom prst="rect">
+            <a:avLst/>
+          </a:prstGeom>
+          <a:noFill/>
+        </p:spPr>
+        <p:txBody>
+          <a:bodyPr wrap="none" rtlCol="0">
+            <a:spAutoFit/>
+          </a:bodyPr>
+          <a:lstStyle/>
+          <a:p>
+            <a:r>
+              <a:rPr kumimoji="1" lang="ja-JP" altLang="en-US" sz="1200" dirty="0" smtClean="0">
+                <a:latin typeface="HGPSoeiKakugothicUB" charset="-128"/>
+                <a:ea typeface="HGPSoeiKakugothicUB" charset="-128"/>
+                <a:cs typeface="HGPSoeiKakugothicUB" charset="-128"/>
+              </a:rPr>
+              <a:t>センサ</a:t>
+            </a:r>
+            <a:r>
+              <a:rPr kumimoji="1" lang="en-US" altLang="ja-JP" sz="1200" dirty="0" smtClean="0">
+                <a:latin typeface="HGPSoeiKakugothicUB" charset="-128"/>
+                <a:ea typeface="HGPSoeiKakugothicUB" charset="-128"/>
+                <a:cs typeface="HGPSoeiKakugothicUB" charset="-128"/>
+              </a:rPr>
+              <a:t>S</a:t>
+            </a:r>
+            <a:r>
+              <a:rPr kumimoji="1" lang="en-US" altLang="ja-JP" sz="1200" baseline="-25000" dirty="0" smtClean="0">
+                <a:latin typeface="HGPSoeiKakugothicUB" charset="-128"/>
+                <a:ea typeface="HGPSoeiKakugothicUB" charset="-128"/>
+                <a:cs typeface="HGPSoeiKakugothicUB" charset="-128"/>
+              </a:rPr>
+              <a:t>4</a:t>
+            </a:r>
+          </a:p>
+        </p:txBody>
+      </p:sp>
+      <p:sp>
+        <p:nvSpPr>
+          <p:cNvPr id="45" name="正方形/長方形 44"/>
+          <p:cNvSpPr/>
+          <p:nvPr/>
+        </p:nvSpPr>
+        <p:spPr>
+          <a:xfrm>
+            <a:off x="3138002" y="4413789"/>
+            <a:ext cx="211138" cy="163106"/>
+          </a:xfrm>
+          <a:prstGeom prst="rect">
+            <a:avLst/>
+          </a:prstGeom>
+        </p:spPr>
+        <p:style>
+          <a:lnRef idx="2">
+            <a:schemeClr val="accent4">
+              <a:shade val="50000"/>
+            </a:schemeClr>
+          </a:lnRef>
+          <a:fillRef idx="1">
+            <a:schemeClr val="accent4"/>
+          </a:fillRef>
+          <a:effectRef idx="0">
+            <a:schemeClr val="accent4"/>
+          </a:effectRef>
+          <a:fontRef idx="minor">
+            <a:schemeClr val="lt1"/>
+          </a:fontRef>
+        </p:style>
+        <p:txBody>
+          <a:bodyPr rtlCol="0" anchor="ctr"/>
+          <a:lstStyle/>
+          <a:p>
+            <a:pPr algn="ctr"/>
+            <a:endParaRPr kumimoji="1" lang="ja-JP" altLang="en-US"/>
+          </a:p>
+        </p:txBody>
+      </p:sp>
+      <p:sp>
+        <p:nvSpPr>
+          <p:cNvPr id="46" name="正方形/長方形 45"/>
+          <p:cNvSpPr/>
+          <p:nvPr/>
+        </p:nvSpPr>
+        <p:spPr>
+          <a:xfrm>
+            <a:off x="3138002" y="5082117"/>
+            <a:ext cx="211138" cy="163106"/>
+          </a:xfrm>
+          <a:prstGeom prst="rect">
+            <a:avLst/>
+          </a:prstGeom>
+        </p:spPr>
+        <p:style>
+          <a:lnRef idx="2">
+            <a:schemeClr val="accent4">
+              <a:shade val="50000"/>
+            </a:schemeClr>
+          </a:lnRef>
+          <a:fillRef idx="1">
+            <a:schemeClr val="accent4"/>
+          </a:fillRef>
+          <a:effectRef idx="0">
+            <a:schemeClr val="accent4"/>
+          </a:effectRef>
+          <a:fontRef idx="minor">
+            <a:schemeClr val="lt1"/>
+          </a:fontRef>
+        </p:style>
+        <p:txBody>
+          <a:bodyPr rtlCol="0" anchor="ctr"/>
+          <a:lstStyle/>
+          <a:p>
+            <a:pPr algn="ctr"/>
+            <a:endParaRPr kumimoji="1" lang="ja-JP" altLang="en-US"/>
+          </a:p>
+        </p:txBody>
+      </p:sp>
+      <p:sp>
+        <p:nvSpPr>
+          <p:cNvPr id="47" name="角丸四角形 46"/>
+          <p:cNvSpPr/>
+          <p:nvPr/>
+        </p:nvSpPr>
+        <p:spPr>
+          <a:xfrm>
+            <a:off x="3453017" y="1981286"/>
+            <a:ext cx="923627" cy="1565955"/>
+          </a:xfrm>
+          <a:prstGeom prst="roundRect">
+            <a:avLst/>
+          </a:prstGeom>
+        </p:spPr>
+        <p:style>
+          <a:lnRef idx="2">
+            <a:schemeClr val="accent1">
+              <a:shade val="50000"/>
+            </a:schemeClr>
+          </a:lnRef>
+          <a:fillRef idx="1">
+            <a:schemeClr val="accent1"/>
+          </a:fillRef>
+          <a:effectRef idx="0">
+            <a:schemeClr val="accent1"/>
+          </a:effectRef>
+          <a:fontRef idx="minor">
+            <a:schemeClr val="lt1"/>
+          </a:fontRef>
+        </p:style>
+        <p:txBody>
+          <a:bodyPr rtlCol="0" anchor="ctr"/>
+          <a:lstStyle/>
+          <a:p>
+            <a:pPr algn="ctr"/>
+            <a:endParaRPr kumimoji="1" lang="ja-JP" altLang="en-US"/>
+          </a:p>
+        </p:txBody>
+      </p:sp>
+      <p:sp>
+        <p:nvSpPr>
+          <p:cNvPr id="48" name="テキスト ボックス 47"/>
+          <p:cNvSpPr txBox="1"/>
+          <p:nvPr/>
+        </p:nvSpPr>
+        <p:spPr>
+          <a:xfrm>
+            <a:off x="3442611" y="1708117"/>
+            <a:ext cx="886781" cy="276999"/>
+          </a:xfrm>
+          <a:prstGeom prst="rect">
+            <a:avLst/>
+          </a:prstGeom>
+          <a:noFill/>
+        </p:spPr>
+        <p:txBody>
+          <a:bodyPr wrap="none" rtlCol="0">
+            <a:spAutoFit/>
+          </a:bodyPr>
+          <a:lstStyle/>
+          <a:p>
+            <a:r>
+              <a:rPr kumimoji="1" lang="ja-JP" altLang="en-US" sz="1200" dirty="0" smtClean="0">
+                <a:latin typeface="HGPSoeiKakugothicUB" charset="-128"/>
+                <a:ea typeface="HGPSoeiKakugothicUB" charset="-128"/>
+                <a:cs typeface="HGPSoeiKakugothicUB" charset="-128"/>
+              </a:rPr>
+              <a:t>ファーム</a:t>
+            </a:r>
+            <a:r>
+              <a:rPr kumimoji="1" lang="en-US" altLang="ja-JP" sz="1200" dirty="0" smtClean="0">
+                <a:latin typeface="HGPSoeiKakugothicUB" charset="-128"/>
+                <a:ea typeface="HGPSoeiKakugothicUB" charset="-128"/>
+                <a:cs typeface="HGPSoeiKakugothicUB" charset="-128"/>
+              </a:rPr>
+              <a:t> F</a:t>
+            </a:r>
+            <a:r>
+              <a:rPr kumimoji="1" lang="en-US" altLang="ja-JP" sz="1200" baseline="-25000" dirty="0" smtClean="0">
+                <a:latin typeface="HGPSoeiKakugothicUB" charset="-128"/>
+                <a:ea typeface="HGPSoeiKakugothicUB" charset="-128"/>
+                <a:cs typeface="HGPSoeiKakugothicUB" charset="-128"/>
+              </a:rPr>
+              <a:t>1</a:t>
+            </a:r>
+          </a:p>
+        </p:txBody>
+      </p:sp>
+      <p:sp>
+        <p:nvSpPr>
+          <p:cNvPr id="49" name="テキスト ボックス 48"/>
+          <p:cNvSpPr txBox="1"/>
+          <p:nvPr/>
+        </p:nvSpPr>
+        <p:spPr>
+          <a:xfrm>
+            <a:off x="4495310" y="1708116"/>
+            <a:ext cx="886781" cy="276999"/>
+          </a:xfrm>
+          <a:prstGeom prst="rect">
+            <a:avLst/>
+          </a:prstGeom>
+          <a:noFill/>
+        </p:spPr>
+        <p:txBody>
+          <a:bodyPr wrap="none" rtlCol="0">
+            <a:spAutoFit/>
+          </a:bodyPr>
+          <a:lstStyle/>
+          <a:p>
+            <a:r>
+              <a:rPr kumimoji="1" lang="ja-JP" altLang="en-US" sz="1200" dirty="0" smtClean="0">
+                <a:latin typeface="HGPSoeiKakugothicUB" charset="-128"/>
+                <a:ea typeface="HGPSoeiKakugothicUB" charset="-128"/>
+                <a:cs typeface="HGPSoeiKakugothicUB" charset="-128"/>
+              </a:rPr>
+              <a:t>ファーム</a:t>
+            </a:r>
+            <a:r>
+              <a:rPr kumimoji="1" lang="en-US" altLang="ja-JP" sz="1200" dirty="0" smtClean="0">
+                <a:latin typeface="HGPSoeiKakugothicUB" charset="-128"/>
+                <a:ea typeface="HGPSoeiKakugothicUB" charset="-128"/>
+                <a:cs typeface="HGPSoeiKakugothicUB" charset="-128"/>
+              </a:rPr>
+              <a:t> F</a:t>
+            </a:r>
+            <a:r>
+              <a:rPr kumimoji="1" lang="en-US" altLang="ja-JP" sz="1200" baseline="-25000" dirty="0" smtClean="0">
+                <a:latin typeface="HGPSoeiKakugothicUB" charset="-128"/>
+                <a:ea typeface="HGPSoeiKakugothicUB" charset="-128"/>
+                <a:cs typeface="HGPSoeiKakugothicUB" charset="-128"/>
+              </a:rPr>
+              <a:t>2</a:t>
+            </a:r>
+          </a:p>
+        </p:txBody>
+      </p:sp>
+      <p:sp>
+        <p:nvSpPr>
+          <p:cNvPr id="50" name="角丸四角形 49"/>
+          <p:cNvSpPr/>
+          <p:nvPr/>
+        </p:nvSpPr>
+        <p:spPr>
+          <a:xfrm>
+            <a:off x="4495310" y="1981286"/>
+            <a:ext cx="923627" cy="1565955"/>
+          </a:xfrm>
+          <a:prstGeom prst="roundRect">
+            <a:avLst/>
+          </a:prstGeom>
+        </p:spPr>
+        <p:style>
+          <a:lnRef idx="2">
+            <a:schemeClr val="accent1">
+              <a:shade val="50000"/>
+            </a:schemeClr>
+          </a:lnRef>
+          <a:fillRef idx="1">
+            <a:schemeClr val="accent1"/>
+          </a:fillRef>
+          <a:effectRef idx="0">
+            <a:schemeClr val="accent1"/>
+          </a:effectRef>
+          <a:fontRef idx="minor">
+            <a:schemeClr val="lt1"/>
+          </a:fontRef>
+        </p:style>
+        <p:txBody>
+          <a:bodyPr rtlCol="0" anchor="ctr"/>
+          <a:lstStyle/>
+          <a:p>
+            <a:pPr algn="ctr"/>
+            <a:endParaRPr kumimoji="1" lang="ja-JP" altLang="en-US"/>
+          </a:p>
+        </p:txBody>
+      </p:sp>
+      <p:sp>
+        <p:nvSpPr>
+          <p:cNvPr id="51" name="正方形/長方形 50"/>
+          <p:cNvSpPr/>
+          <p:nvPr/>
+        </p:nvSpPr>
+        <p:spPr>
+          <a:xfrm>
+            <a:off x="3603904" y="2289063"/>
+            <a:ext cx="609600" cy="418170"/>
+          </a:xfrm>
+          <a:prstGeom prst="rect">
+            <a:avLst/>
+          </a:prstGeom>
+        </p:spPr>
+        <p:style>
+          <a:lnRef idx="2">
+            <a:schemeClr val="accent2">
+              <a:shade val="50000"/>
+            </a:schemeClr>
+          </a:lnRef>
+          <a:fillRef idx="1">
+            <a:schemeClr val="accent2"/>
+          </a:fillRef>
+          <a:effectRef idx="0">
+            <a:schemeClr val="accent2"/>
+          </a:effectRef>
+          <a:fontRef idx="minor">
+            <a:schemeClr val="lt1"/>
+          </a:fontRef>
+        </p:style>
+        <p:txBody>
+          <a:bodyPr rtlCol="0" anchor="ctr"/>
+          <a:lstStyle/>
+          <a:p>
+            <a:pPr algn="ctr"/>
+            <a:endParaRPr kumimoji="1" lang="ja-JP" altLang="en-US"/>
+          </a:p>
+        </p:txBody>
+      </p:sp>
+      <p:sp>
+        <p:nvSpPr>
+          <p:cNvPr id="52" name="テキスト ボックス 51"/>
+          <p:cNvSpPr txBox="1"/>
+          <p:nvPr/>
+        </p:nvSpPr>
+        <p:spPr>
+          <a:xfrm>
+            <a:off x="3455093" y="2000217"/>
+            <a:ext cx="930063" cy="276999"/>
+          </a:xfrm>
+          <a:prstGeom prst="rect">
+            <a:avLst/>
+          </a:prstGeom>
+          <a:noFill/>
+        </p:spPr>
+        <p:txBody>
+          <a:bodyPr wrap="none" rtlCol="0">
+            <a:spAutoFit/>
+          </a:bodyPr>
+          <a:lstStyle/>
+          <a:p>
+            <a:r>
+              <a:rPr kumimoji="1" lang="ja-JP" altLang="en-US" sz="1200" dirty="0" smtClean="0">
+                <a:latin typeface="HGPSoeiKakugothicUB" charset="-128"/>
+                <a:ea typeface="HGPSoeiKakugothicUB" charset="-128"/>
+                <a:cs typeface="HGPSoeiKakugothicUB" charset="-128"/>
+              </a:rPr>
+              <a:t>デバイス</a:t>
+            </a:r>
+            <a:r>
+              <a:rPr kumimoji="1" lang="en-US" altLang="ja-JP" sz="1200" dirty="0" smtClean="0">
+                <a:latin typeface="HGPSoeiKakugothicUB" charset="-128"/>
+                <a:ea typeface="HGPSoeiKakugothicUB" charset="-128"/>
+                <a:cs typeface="HGPSoeiKakugothicUB" charset="-128"/>
+              </a:rPr>
+              <a:t> D</a:t>
+            </a:r>
+            <a:r>
+              <a:rPr kumimoji="1" lang="en-US" altLang="ja-JP" sz="1200" baseline="-25000" dirty="0" smtClean="0">
+                <a:latin typeface="HGPSoeiKakugothicUB" charset="-128"/>
+                <a:ea typeface="HGPSoeiKakugothicUB" charset="-128"/>
+                <a:cs typeface="HGPSoeiKakugothicUB" charset="-128"/>
+              </a:rPr>
+              <a:t>1</a:t>
+            </a:r>
+          </a:p>
+        </p:txBody>
+      </p:sp>
+      <p:sp>
+        <p:nvSpPr>
+          <p:cNvPr id="57" name="テキスト ボックス 56"/>
+          <p:cNvSpPr txBox="1"/>
+          <p:nvPr/>
+        </p:nvSpPr>
+        <p:spPr>
+          <a:xfrm>
+            <a:off x="4478612" y="1997864"/>
+            <a:ext cx="930063" cy="276999"/>
+          </a:xfrm>
+          <a:prstGeom prst="rect">
+            <a:avLst/>
+          </a:prstGeom>
+          <a:noFill/>
+        </p:spPr>
+        <p:txBody>
+          <a:bodyPr wrap="none" rtlCol="0">
+            <a:spAutoFit/>
+          </a:bodyPr>
+          <a:lstStyle/>
+          <a:p>
+            <a:r>
+              <a:rPr kumimoji="1" lang="ja-JP" altLang="en-US" sz="1200" dirty="0" smtClean="0">
+                <a:latin typeface="HGPSoeiKakugothicUB" charset="-128"/>
+                <a:ea typeface="HGPSoeiKakugothicUB" charset="-128"/>
+                <a:cs typeface="HGPSoeiKakugothicUB" charset="-128"/>
+              </a:rPr>
+              <a:t>デバイス</a:t>
+            </a:r>
+            <a:r>
+              <a:rPr kumimoji="1" lang="en-US" altLang="ja-JP" sz="1200" dirty="0" smtClean="0">
+                <a:latin typeface="HGPSoeiKakugothicUB" charset="-128"/>
+                <a:ea typeface="HGPSoeiKakugothicUB" charset="-128"/>
+                <a:cs typeface="HGPSoeiKakugothicUB" charset="-128"/>
+              </a:rPr>
+              <a:t> D</a:t>
+            </a:r>
+            <a:r>
+              <a:rPr lang="en-US" altLang="ja-JP" sz="1200" baseline="-25000" dirty="0">
+                <a:latin typeface="HGPSoeiKakugothicUB" charset="-128"/>
+                <a:ea typeface="HGPSoeiKakugothicUB" charset="-128"/>
+                <a:cs typeface="HGPSoeiKakugothicUB" charset="-128"/>
+              </a:rPr>
+              <a:t>2</a:t>
+            </a:r>
+            <a:endParaRPr kumimoji="1" lang="en-US" altLang="ja-JP" sz="1200" baseline="-25000" dirty="0" smtClean="0">
+              <a:latin typeface="HGPSoeiKakugothicUB" charset="-128"/>
+              <a:ea typeface="HGPSoeiKakugothicUB" charset="-128"/>
+              <a:cs typeface="HGPSoeiKakugothicUB" charset="-128"/>
+            </a:endParaRPr>
+          </a:p>
+        </p:txBody>
+      </p:sp>
+      <p:sp>
+        <p:nvSpPr>
+          <p:cNvPr id="62" name="テキスト ボックス 61"/>
+          <p:cNvSpPr txBox="1"/>
+          <p:nvPr/>
+        </p:nvSpPr>
+        <p:spPr>
+          <a:xfrm>
+            <a:off x="4478612" y="2667723"/>
+            <a:ext cx="962123" cy="276999"/>
+          </a:xfrm>
+          <a:prstGeom prst="rect">
+            <a:avLst/>
+          </a:prstGeom>
+          <a:noFill/>
+        </p:spPr>
+        <p:txBody>
+          <a:bodyPr wrap="none" rtlCol="0">
+            <a:spAutoFit/>
+          </a:bodyPr>
+          <a:lstStyle/>
+          <a:p>
+            <a:r>
+              <a:rPr kumimoji="1" lang="ja-JP" altLang="en-US" sz="1200" dirty="0" smtClean="0">
+                <a:latin typeface="HGPSoeiKakugothicUB" charset="-128"/>
+                <a:ea typeface="HGPSoeiKakugothicUB" charset="-128"/>
+                <a:cs typeface="HGPSoeiKakugothicUB" charset="-128"/>
+              </a:rPr>
+              <a:t>デバイス</a:t>
+            </a:r>
+            <a:r>
+              <a:rPr kumimoji="1" lang="en-US" altLang="ja-JP" sz="1200" dirty="0" smtClean="0">
+                <a:latin typeface="HGPSoeiKakugothicUB" charset="-128"/>
+                <a:ea typeface="HGPSoeiKakugothicUB" charset="-128"/>
+                <a:cs typeface="HGPSoeiKakugothicUB" charset="-128"/>
+              </a:rPr>
+              <a:t> D</a:t>
+            </a:r>
+            <a:r>
+              <a:rPr kumimoji="1" lang="en-US" altLang="ja-JP" sz="1200" baseline="-25000" dirty="0" smtClean="0">
+                <a:latin typeface="HGPSoeiKakugothicUB" charset="-128"/>
+                <a:ea typeface="HGPSoeiKakugothicUB" charset="-128"/>
+                <a:cs typeface="HGPSoeiKakugothicUB" charset="-128"/>
+              </a:rPr>
+              <a:t>3</a:t>
+            </a:r>
+          </a:p>
+        </p:txBody>
+      </p:sp>
+      <p:sp>
+        <p:nvSpPr>
+          <p:cNvPr id="63" name="正方形/長方形 62"/>
+          <p:cNvSpPr/>
+          <p:nvPr/>
+        </p:nvSpPr>
+        <p:spPr>
+          <a:xfrm>
+            <a:off x="4606613" y="2246134"/>
+            <a:ext cx="609600" cy="448948"/>
+          </a:xfrm>
+          <a:prstGeom prst="rect">
+            <a:avLst/>
+          </a:prstGeom>
+        </p:spPr>
+        <p:style>
+          <a:lnRef idx="2">
+            <a:schemeClr val="accent2">
+              <a:shade val="50000"/>
+            </a:schemeClr>
+          </a:lnRef>
+          <a:fillRef idx="1">
+            <a:schemeClr val="accent2"/>
+          </a:fillRef>
+          <a:effectRef idx="0">
+            <a:schemeClr val="accent2"/>
+          </a:effectRef>
+          <a:fontRef idx="minor">
+            <a:schemeClr val="lt1"/>
+          </a:fontRef>
+        </p:style>
+        <p:txBody>
+          <a:bodyPr rtlCol="0" anchor="ctr"/>
+          <a:lstStyle/>
+          <a:p>
+            <a:pPr algn="ctr"/>
+            <a:endParaRPr kumimoji="1" lang="ja-JP" altLang="en-US"/>
+          </a:p>
+        </p:txBody>
+      </p:sp>
+      <p:sp>
+        <p:nvSpPr>
+          <p:cNvPr id="65" name="正方形/長方形 64"/>
+          <p:cNvSpPr/>
+          <p:nvPr/>
+        </p:nvSpPr>
+        <p:spPr>
+          <a:xfrm>
+            <a:off x="4606613" y="2915208"/>
+            <a:ext cx="609600" cy="470922"/>
+          </a:xfrm>
+          <a:prstGeom prst="rect">
+            <a:avLst/>
+          </a:prstGeom>
+        </p:spPr>
+        <p:style>
+          <a:lnRef idx="2">
+            <a:schemeClr val="accent2">
+              <a:shade val="50000"/>
+            </a:schemeClr>
+          </a:lnRef>
+          <a:fillRef idx="1">
+            <a:schemeClr val="accent2"/>
+          </a:fillRef>
+          <a:effectRef idx="0">
+            <a:schemeClr val="accent2"/>
+          </a:effectRef>
+          <a:fontRef idx="minor">
+            <a:schemeClr val="lt1"/>
+          </a:fontRef>
+        </p:style>
+        <p:txBody>
+          <a:bodyPr rtlCol="0" anchor="ctr"/>
+          <a:lstStyle/>
+          <a:p>
+            <a:pPr algn="ctr"/>
+            <a:endParaRPr kumimoji="1" lang="ja-JP" altLang="en-US"/>
+          </a:p>
+        </p:txBody>
+      </p:sp>
+      <p:cxnSp>
+        <p:nvCxnSpPr>
+          <p:cNvPr id="70" name="直線矢印コネクタ 69"/>
+          <p:cNvCxnSpPr>
+            <a:stCxn id="28" idx="3"/>
+            <a:endCxn id="51" idx="1"/>
+          </p:cNvCxnSpPr>
+          <p:nvPr/>
+        </p:nvCxnSpPr>
+        <p:spPr>
+          <a:xfrm flipV="1">
+            <a:off x="2560730" y="2498148"/>
+            <a:ext cx="1043174" cy="1933078"/>
+          </a:xfrm>
+          <a:prstGeom prst="straightConnector1">
+            <a:avLst/>
+          </a:prstGeom>
+          <a:ln>
+            <a:solidFill>
+              <a:schemeClr val="tx1"/>
+            </a:solidFill>
+            <a:headEnd type="none" w="med" len="med"/>
+            <a:tailEnd type="arrow" w="med" len="med"/>
+          </a:ln>
+        </p:spPr>
+        <p:style>
+          <a:lnRef idx="1">
+            <a:schemeClr val="accent1"/>
+          </a:lnRef>
+          <a:fillRef idx="0">
+            <a:schemeClr val="accent1"/>
+          </a:fillRef>
+          <a:effectRef idx="0">
+            <a:schemeClr val="accent1"/>
+          </a:effectRef>
+          <a:fontRef idx="minor">
+            <a:schemeClr val="tx1"/>
+          </a:fontRef>
+        </p:style>
+      </p:cxnSp>
+      <p:cxnSp>
+        <p:nvCxnSpPr>
+          <p:cNvPr id="71" name="直線矢印コネクタ 70"/>
+          <p:cNvCxnSpPr>
+            <a:stCxn id="41" idx="3"/>
+            <a:endCxn id="63" idx="1"/>
+          </p:cNvCxnSpPr>
+          <p:nvPr/>
+        </p:nvCxnSpPr>
+        <p:spPr>
+          <a:xfrm flipV="1">
+            <a:off x="3563439" y="2470608"/>
+            <a:ext cx="1043174" cy="1945229"/>
+          </a:xfrm>
+          <a:prstGeom prst="straightConnector1">
+            <a:avLst/>
+          </a:prstGeom>
+          <a:ln>
+            <a:solidFill>
+              <a:schemeClr val="tx1"/>
+            </a:solidFill>
+            <a:headEnd type="none" w="med" len="med"/>
+            <a:tailEnd type="arrow" w="med" len="med"/>
+          </a:ln>
+        </p:spPr>
+        <p:style>
+          <a:lnRef idx="1">
+            <a:schemeClr val="accent1"/>
+          </a:lnRef>
+          <a:fillRef idx="0">
+            <a:schemeClr val="accent1"/>
+          </a:fillRef>
+          <a:effectRef idx="0">
+            <a:schemeClr val="accent1"/>
+          </a:effectRef>
+          <a:fontRef idx="minor">
+            <a:schemeClr val="tx1"/>
+          </a:fontRef>
+        </p:style>
+      </p:cxnSp>
+      <p:cxnSp>
+        <p:nvCxnSpPr>
+          <p:cNvPr id="74" name="直線矢印コネクタ 73"/>
+          <p:cNvCxnSpPr>
+            <a:stCxn id="43" idx="3"/>
+            <a:endCxn id="65" idx="1"/>
+          </p:cNvCxnSpPr>
+          <p:nvPr/>
+        </p:nvCxnSpPr>
+        <p:spPr>
+          <a:xfrm flipV="1">
+            <a:off x="3563439" y="3150669"/>
+            <a:ext cx="1043174" cy="1933078"/>
+          </a:xfrm>
+          <a:prstGeom prst="straightConnector1">
+            <a:avLst/>
+          </a:prstGeom>
+          <a:ln>
+            <a:solidFill>
+              <a:schemeClr val="tx1"/>
+            </a:solidFill>
+            <a:headEnd type="none" w="med" len="med"/>
+            <a:tailEnd type="arrow" w="med" len="med"/>
+          </a:ln>
+        </p:spPr>
+        <p:style>
+          <a:lnRef idx="1">
+            <a:schemeClr val="accent1"/>
+          </a:lnRef>
+          <a:fillRef idx="0">
+            <a:schemeClr val="accent1"/>
+          </a:fillRef>
+          <a:effectRef idx="0">
+            <a:schemeClr val="accent1"/>
+          </a:effectRef>
+          <a:fontRef idx="minor">
+            <a:schemeClr val="tx1"/>
+          </a:fontRef>
+        </p:style>
+      </p:cxnSp>
+      <p:sp>
+        <p:nvSpPr>
+          <p:cNvPr id="80" name="正方形/長方形 79"/>
+          <p:cNvSpPr/>
+          <p:nvPr/>
+        </p:nvSpPr>
+        <p:spPr>
+          <a:xfrm>
+            <a:off x="7609487" y="2214465"/>
+            <a:ext cx="644934" cy="512286"/>
+          </a:xfrm>
+          <a:prstGeom prst="rect">
+            <a:avLst/>
+          </a:prstGeom>
+        </p:spPr>
+        <p:style>
+          <a:lnRef idx="2">
+            <a:schemeClr val="accent6">
+              <a:shade val="50000"/>
+            </a:schemeClr>
+          </a:lnRef>
+          <a:fillRef idx="1">
+            <a:schemeClr val="accent6"/>
+          </a:fillRef>
+          <a:effectRef idx="0">
+            <a:schemeClr val="accent6"/>
+          </a:effectRef>
+          <a:fontRef idx="minor">
+            <a:schemeClr val="lt1"/>
+          </a:fontRef>
+        </p:style>
+        <p:txBody>
+          <a:bodyPr rtlCol="0" anchor="ctr"/>
+          <a:lstStyle/>
+          <a:p>
+            <a:pPr algn="ctr"/>
+            <a:endParaRPr kumimoji="1" lang="ja-JP" altLang="en-US"/>
+          </a:p>
+        </p:txBody>
+      </p:sp>
+      <p:sp>
+        <p:nvSpPr>
+          <p:cNvPr id="81" name="テキスト ボックス 80"/>
+          <p:cNvSpPr txBox="1"/>
+          <p:nvPr/>
+        </p:nvSpPr>
+        <p:spPr>
+          <a:xfrm>
+            <a:off x="7581476" y="1930553"/>
+            <a:ext cx="772969" cy="276999"/>
+          </a:xfrm>
+          <a:prstGeom prst="rect">
+            <a:avLst/>
+          </a:prstGeom>
+          <a:noFill/>
+        </p:spPr>
+        <p:txBody>
+          <a:bodyPr wrap="none" rtlCol="0">
+            <a:spAutoFit/>
+          </a:bodyPr>
+          <a:lstStyle/>
+          <a:p>
+            <a:r>
+              <a:rPr kumimoji="1" lang="ja-JP" altLang="en-US" sz="1200" dirty="0" smtClean="0">
+                <a:latin typeface="HGPSoeiKakugothicUB" charset="-128"/>
+                <a:ea typeface="HGPSoeiKakugothicUB" charset="-128"/>
+                <a:cs typeface="HGPSoeiKakugothicUB" charset="-128"/>
+              </a:rPr>
+              <a:t>レシピ</a:t>
+            </a:r>
+            <a:r>
+              <a:rPr kumimoji="1" lang="en-US" altLang="ja-JP" sz="1200" dirty="0" smtClean="0">
+                <a:latin typeface="HGPSoeiKakugothicUB" charset="-128"/>
+                <a:ea typeface="HGPSoeiKakugothicUB" charset="-128"/>
+                <a:cs typeface="HGPSoeiKakugothicUB" charset="-128"/>
+              </a:rPr>
+              <a:t> R</a:t>
+            </a:r>
+            <a:r>
+              <a:rPr kumimoji="1" lang="en-US" altLang="ja-JP" sz="1200" baseline="-25000" dirty="0" smtClean="0">
+                <a:latin typeface="HGPSoeiKakugothicUB" charset="-128"/>
+                <a:ea typeface="HGPSoeiKakugothicUB" charset="-128"/>
+                <a:cs typeface="HGPSoeiKakugothicUB" charset="-128"/>
+              </a:rPr>
+              <a:t>1</a:t>
+            </a:r>
+          </a:p>
+        </p:txBody>
+      </p:sp>
+      <p:grpSp>
+        <p:nvGrpSpPr>
+          <p:cNvPr id="82" name="図形グループ 81"/>
+          <p:cNvGrpSpPr/>
+          <p:nvPr/>
+        </p:nvGrpSpPr>
+        <p:grpSpPr>
+          <a:xfrm>
+            <a:off x="9483548" y="3062280"/>
+            <a:ext cx="292100" cy="647700"/>
+            <a:chOff x="5181600" y="3937000"/>
+            <a:chExt cx="292100" cy="647700"/>
+          </a:xfrm>
+        </p:grpSpPr>
+        <p:sp>
+          <p:nvSpPr>
+            <p:cNvPr id="83" name="円/楕円 82"/>
+            <p:cNvSpPr/>
+            <p:nvPr/>
+          </p:nvSpPr>
+          <p:spPr>
+            <a:xfrm>
+              <a:off x="5181600" y="3937000"/>
+              <a:ext cx="292100" cy="292100"/>
+            </a:xfrm>
+            <a:prstGeom prst="ellipse">
+              <a:avLst/>
+            </a:prstGeom>
+          </p:spPr>
+          <p:style>
+            <a:lnRef idx="2">
+              <a:schemeClr val="accent6">
+                <a:shade val="50000"/>
+              </a:schemeClr>
+            </a:lnRef>
+            <a:fillRef idx="1">
+              <a:schemeClr val="accent6"/>
+            </a:fillRef>
+            <a:effectRef idx="0">
+              <a:schemeClr val="accent6"/>
+            </a:effectRef>
+            <a:fontRef idx="minor">
+              <a:schemeClr val="lt1"/>
+            </a:fontRef>
+          </p:style>
+          <p:txBody>
+            <a:bodyPr rtlCol="0" anchor="ctr"/>
+            <a:lstStyle/>
+            <a:p>
+              <a:pPr algn="ctr"/>
+              <a:endParaRPr kumimoji="1" lang="ja-JP" altLang="en-US"/>
+            </a:p>
+          </p:txBody>
+        </p:sp>
+        <p:cxnSp>
+          <p:nvCxnSpPr>
+            <p:cNvPr id="84" name="直線コネクタ 83"/>
+            <p:cNvCxnSpPr/>
+            <p:nvPr/>
+          </p:nvCxnSpPr>
+          <p:spPr>
+            <a:xfrm>
+              <a:off x="5327650" y="4229100"/>
+              <a:ext cx="0" cy="241300"/>
+            </a:xfrm>
+            <a:prstGeom prst="line">
+              <a:avLst/>
+            </a:prstGeom>
+            <a:ln w="38100">
+              <a:solidFill>
+                <a:schemeClr val="accent6"/>
+              </a:solidFill>
+            </a:ln>
+          </p:spPr>
+          <p:style>
+            <a:lnRef idx="1">
+              <a:schemeClr val="accent1"/>
+            </a:lnRef>
+            <a:fillRef idx="0">
+              <a:schemeClr val="accent1"/>
+            </a:fillRef>
+            <a:effectRef idx="0">
+              <a:schemeClr val="accent1"/>
+            </a:effectRef>
+            <a:fontRef idx="minor">
+              <a:schemeClr val="tx1"/>
+            </a:fontRef>
+          </p:style>
+        </p:cxnSp>
+        <p:cxnSp>
+          <p:nvCxnSpPr>
+            <p:cNvPr id="85" name="直線コネクタ 84"/>
+            <p:cNvCxnSpPr/>
+            <p:nvPr/>
+          </p:nvCxnSpPr>
+          <p:spPr>
+            <a:xfrm>
+              <a:off x="5327650" y="4470400"/>
+              <a:ext cx="117475" cy="114300"/>
+            </a:xfrm>
+            <a:prstGeom prst="line">
+              <a:avLst/>
+            </a:prstGeom>
+            <a:ln w="38100">
+              <a:solidFill>
+                <a:schemeClr val="accent6"/>
+              </a:solidFill>
+            </a:ln>
+          </p:spPr>
+          <p:style>
+            <a:lnRef idx="1">
+              <a:schemeClr val="accent1"/>
+            </a:lnRef>
+            <a:fillRef idx="0">
+              <a:schemeClr val="accent1"/>
+            </a:fillRef>
+            <a:effectRef idx="0">
+              <a:schemeClr val="accent1"/>
+            </a:effectRef>
+            <a:fontRef idx="minor">
+              <a:schemeClr val="tx1"/>
+            </a:fontRef>
+          </p:style>
+        </p:cxnSp>
+        <p:cxnSp>
+          <p:nvCxnSpPr>
+            <p:cNvPr id="86" name="直線コネクタ 85"/>
+            <p:cNvCxnSpPr/>
+            <p:nvPr/>
+          </p:nvCxnSpPr>
+          <p:spPr>
+            <a:xfrm flipH="1">
+              <a:off x="5210175" y="4470400"/>
+              <a:ext cx="117475" cy="114300"/>
+            </a:xfrm>
+            <a:prstGeom prst="line">
+              <a:avLst/>
+            </a:prstGeom>
+            <a:ln w="38100">
+              <a:solidFill>
+                <a:schemeClr val="accent6"/>
+              </a:solidFill>
+            </a:ln>
+          </p:spPr>
+          <p:style>
+            <a:lnRef idx="1">
+              <a:schemeClr val="accent1"/>
+            </a:lnRef>
+            <a:fillRef idx="0">
+              <a:schemeClr val="accent1"/>
+            </a:fillRef>
+            <a:effectRef idx="0">
+              <a:schemeClr val="accent1"/>
+            </a:effectRef>
+            <a:fontRef idx="minor">
+              <a:schemeClr val="tx1"/>
+            </a:fontRef>
+          </p:style>
+        </p:cxnSp>
+        <p:cxnSp>
+          <p:nvCxnSpPr>
+            <p:cNvPr id="87" name="直線コネクタ 86"/>
+            <p:cNvCxnSpPr/>
+            <p:nvPr/>
+          </p:nvCxnSpPr>
+          <p:spPr>
+            <a:xfrm>
+              <a:off x="5327650" y="4292600"/>
+              <a:ext cx="117475" cy="114300"/>
+            </a:xfrm>
+            <a:prstGeom prst="line">
+              <a:avLst/>
+            </a:prstGeom>
+            <a:ln w="38100">
+              <a:solidFill>
+                <a:schemeClr val="accent6"/>
+              </a:solidFill>
+            </a:ln>
+          </p:spPr>
+          <p:style>
+            <a:lnRef idx="1">
+              <a:schemeClr val="accent1"/>
+            </a:lnRef>
+            <a:fillRef idx="0">
+              <a:schemeClr val="accent1"/>
+            </a:fillRef>
+            <a:effectRef idx="0">
+              <a:schemeClr val="accent1"/>
+            </a:effectRef>
+            <a:fontRef idx="minor">
+              <a:schemeClr val="tx1"/>
+            </a:fontRef>
+          </p:style>
+        </p:cxnSp>
+        <p:cxnSp>
+          <p:nvCxnSpPr>
+            <p:cNvPr id="88" name="直線コネクタ 87"/>
+            <p:cNvCxnSpPr/>
+            <p:nvPr/>
+          </p:nvCxnSpPr>
+          <p:spPr>
+            <a:xfrm flipH="1">
+              <a:off x="5210175" y="4292600"/>
+              <a:ext cx="117475" cy="114300"/>
+            </a:xfrm>
+            <a:prstGeom prst="line">
+              <a:avLst/>
+            </a:prstGeom>
+            <a:ln w="38100">
+              <a:solidFill>
+                <a:schemeClr val="accent6"/>
+              </a:solidFill>
+            </a:ln>
+          </p:spPr>
+          <p:style>
+            <a:lnRef idx="1">
+              <a:schemeClr val="accent1"/>
+            </a:lnRef>
+            <a:fillRef idx="0">
+              <a:schemeClr val="accent1"/>
+            </a:fillRef>
+            <a:effectRef idx="0">
+              <a:schemeClr val="accent1"/>
+            </a:effectRef>
+            <a:fontRef idx="minor">
+              <a:schemeClr val="tx1"/>
+            </a:fontRef>
+          </p:style>
+        </p:cxnSp>
+      </p:grpSp>
+      <p:sp>
+        <p:nvSpPr>
+          <p:cNvPr id="89" name="テキスト ボックス 88"/>
+          <p:cNvSpPr txBox="1"/>
+          <p:nvPr/>
+        </p:nvSpPr>
+        <p:spPr>
+          <a:xfrm>
+            <a:off x="9208036" y="2600615"/>
+            <a:ext cx="1013419" cy="461665"/>
+          </a:xfrm>
+          <a:prstGeom prst="rect">
+            <a:avLst/>
+          </a:prstGeom>
+          <a:noFill/>
+        </p:spPr>
+        <p:txBody>
+          <a:bodyPr wrap="none" rtlCol="0">
+            <a:spAutoFit/>
+          </a:bodyPr>
+          <a:lstStyle/>
+          <a:p>
+            <a:r>
+              <a:rPr kumimoji="1" lang="ja-JP" altLang="en-US" sz="1200" dirty="0" smtClean="0">
+                <a:latin typeface="HGPSoeiKakugothicUB" charset="-128"/>
+                <a:ea typeface="HGPSoeiKakugothicUB" charset="-128"/>
+                <a:cs typeface="HGPSoeiKakugothicUB" charset="-128"/>
+              </a:rPr>
+              <a:t>レストラン</a:t>
+            </a:r>
+            <a:endParaRPr kumimoji="1" lang="en-US" altLang="ja-JP" sz="1200" dirty="0" smtClean="0">
+              <a:latin typeface="HGPSoeiKakugothicUB" charset="-128"/>
+              <a:ea typeface="HGPSoeiKakugothicUB" charset="-128"/>
+              <a:cs typeface="HGPSoeiKakugothicUB" charset="-128"/>
+            </a:endParaRPr>
+          </a:p>
+          <a:p>
+            <a:r>
+              <a:rPr lang="ja-JP" altLang="en-US" sz="1200" dirty="0" smtClean="0">
+                <a:latin typeface="HGPSoeiKakugothicUB" charset="-128"/>
+                <a:ea typeface="HGPSoeiKakugothicUB" charset="-128"/>
+                <a:cs typeface="HGPSoeiKakugothicUB" charset="-128"/>
+              </a:rPr>
+              <a:t>オーナー</a:t>
+            </a:r>
+            <a:r>
+              <a:rPr kumimoji="1" lang="en-US" altLang="ja-JP" sz="1200" dirty="0" smtClean="0">
+                <a:latin typeface="HGPSoeiKakugothicUB" charset="-128"/>
+                <a:ea typeface="HGPSoeiKakugothicUB" charset="-128"/>
+                <a:cs typeface="HGPSoeiKakugothicUB" charset="-128"/>
+              </a:rPr>
+              <a:t> RO</a:t>
+            </a:r>
+            <a:r>
+              <a:rPr kumimoji="1" lang="en-US" altLang="ja-JP" sz="1200" baseline="-25000" dirty="0" smtClean="0">
+                <a:latin typeface="HGPSoeiKakugothicUB" charset="-128"/>
+                <a:ea typeface="HGPSoeiKakugothicUB" charset="-128"/>
+                <a:cs typeface="HGPSoeiKakugothicUB" charset="-128"/>
+              </a:rPr>
+              <a:t>1</a:t>
+            </a:r>
+            <a:endParaRPr kumimoji="1" lang="ja-JP" altLang="en-US" sz="1200" baseline="-25000" dirty="0">
+              <a:latin typeface="HGPSoeiKakugothicUB" charset="-128"/>
+              <a:ea typeface="HGPSoeiKakugothicUB" charset="-128"/>
+              <a:cs typeface="HGPSoeiKakugothicUB" charset="-128"/>
+            </a:endParaRPr>
+          </a:p>
+        </p:txBody>
+      </p:sp>
+      <p:cxnSp>
+        <p:nvCxnSpPr>
+          <p:cNvPr id="92" name="直線矢印コネクタ 91"/>
+          <p:cNvCxnSpPr>
+            <a:stCxn id="63" idx="3"/>
+          </p:cNvCxnSpPr>
+          <p:nvPr/>
+        </p:nvCxnSpPr>
+        <p:spPr>
+          <a:xfrm>
+            <a:off x="5216213" y="2470608"/>
+            <a:ext cx="842667" cy="0"/>
+          </a:xfrm>
+          <a:prstGeom prst="straightConnector1">
+            <a:avLst/>
+          </a:prstGeom>
+          <a:ln>
+            <a:solidFill>
+              <a:schemeClr val="tx1"/>
+            </a:solidFill>
+            <a:headEnd type="none" w="med" len="med"/>
+            <a:tailEnd type="arrow" w="med" len="med"/>
+          </a:ln>
+        </p:spPr>
+        <p:style>
+          <a:lnRef idx="1">
+            <a:schemeClr val="accent1"/>
+          </a:lnRef>
+          <a:fillRef idx="0">
+            <a:schemeClr val="accent1"/>
+          </a:fillRef>
+          <a:effectRef idx="0">
+            <a:schemeClr val="accent1"/>
+          </a:effectRef>
+          <a:fontRef idx="minor">
+            <a:schemeClr val="tx1"/>
+          </a:fontRef>
+        </p:style>
+      </p:cxnSp>
+      <p:cxnSp>
+        <p:nvCxnSpPr>
+          <p:cNvPr id="95" name="直線矢印コネクタ 94"/>
+          <p:cNvCxnSpPr>
+            <a:stCxn id="80" idx="3"/>
+          </p:cNvCxnSpPr>
+          <p:nvPr/>
+        </p:nvCxnSpPr>
+        <p:spPr>
+          <a:xfrm>
+            <a:off x="8254421" y="2470608"/>
+            <a:ext cx="819553" cy="1340424"/>
+          </a:xfrm>
+          <a:prstGeom prst="straightConnector1">
+            <a:avLst/>
+          </a:prstGeom>
+          <a:ln>
+            <a:solidFill>
+              <a:schemeClr val="tx1"/>
+            </a:solidFill>
+            <a:headEnd type="none" w="med" len="med"/>
+            <a:tailEnd type="arrow" w="med" len="med"/>
+          </a:ln>
+        </p:spPr>
+        <p:style>
+          <a:lnRef idx="1">
+            <a:schemeClr val="accent1"/>
+          </a:lnRef>
+          <a:fillRef idx="0">
+            <a:schemeClr val="accent1"/>
+          </a:fillRef>
+          <a:effectRef idx="0">
+            <a:schemeClr val="accent1"/>
+          </a:effectRef>
+          <a:fontRef idx="minor">
+            <a:schemeClr val="tx1"/>
+          </a:fontRef>
+        </p:style>
+      </p:cxnSp>
+      <p:sp>
+        <p:nvSpPr>
+          <p:cNvPr id="99" name="テキスト ボックス 98"/>
+          <p:cNvSpPr txBox="1"/>
+          <p:nvPr/>
+        </p:nvSpPr>
+        <p:spPr>
+          <a:xfrm>
+            <a:off x="8884659" y="3849776"/>
+            <a:ext cx="903324" cy="369332"/>
+          </a:xfrm>
+          <a:prstGeom prst="rect">
+            <a:avLst/>
+          </a:prstGeom>
+          <a:noFill/>
+        </p:spPr>
+        <p:txBody>
+          <a:bodyPr wrap="square" rtlCol="0">
+            <a:spAutoFit/>
+          </a:bodyPr>
+          <a:lstStyle/>
+          <a:p>
+            <a:r>
+              <a:rPr kumimoji="1" lang="ja-JP" altLang="en-US" smtClean="0"/>
+              <a:t>データ</a:t>
+            </a:r>
+            <a:endParaRPr kumimoji="1" lang="ja-JP" altLang="en-US" dirty="0"/>
+          </a:p>
+        </p:txBody>
+      </p:sp>
+      <p:cxnSp>
+        <p:nvCxnSpPr>
+          <p:cNvPr id="100" name="直線矢印コネクタ 99"/>
+          <p:cNvCxnSpPr>
+            <a:stCxn id="65" idx="3"/>
+          </p:cNvCxnSpPr>
+          <p:nvPr/>
+        </p:nvCxnSpPr>
+        <p:spPr>
+          <a:xfrm flipV="1">
+            <a:off x="5216213" y="2559323"/>
+            <a:ext cx="842667" cy="591346"/>
+          </a:xfrm>
+          <a:prstGeom prst="straightConnector1">
+            <a:avLst/>
+          </a:prstGeom>
+          <a:ln>
+            <a:solidFill>
+              <a:schemeClr val="tx1"/>
+            </a:solidFill>
+            <a:headEnd type="none" w="med" len="med"/>
+            <a:tailEnd type="arrow" w="med" len="med"/>
+          </a:ln>
+        </p:spPr>
+        <p:style>
+          <a:lnRef idx="1">
+            <a:schemeClr val="accent1"/>
+          </a:lnRef>
+          <a:fillRef idx="0">
+            <a:schemeClr val="accent1"/>
+          </a:fillRef>
+          <a:effectRef idx="0">
+            <a:schemeClr val="accent1"/>
+          </a:effectRef>
+          <a:fontRef idx="minor">
+            <a:schemeClr val="tx1"/>
+          </a:fontRef>
+        </p:style>
+      </p:cxnSp>
+      <p:sp>
+        <p:nvSpPr>
+          <p:cNvPr id="56" name="正方形/長方形 55"/>
+          <p:cNvSpPr/>
+          <p:nvPr/>
+        </p:nvSpPr>
+        <p:spPr>
+          <a:xfrm>
+            <a:off x="3803815" y="2969257"/>
+            <a:ext cx="211138" cy="163106"/>
+          </a:xfrm>
+          <a:prstGeom prst="rect">
+            <a:avLst/>
+          </a:prstGeom>
+        </p:spPr>
+        <p:style>
+          <a:lnRef idx="2">
+            <a:schemeClr val="accent4">
+              <a:shade val="50000"/>
+            </a:schemeClr>
+          </a:lnRef>
+          <a:fillRef idx="1">
+            <a:schemeClr val="accent4"/>
+          </a:fillRef>
+          <a:effectRef idx="0">
+            <a:schemeClr val="accent4"/>
+          </a:effectRef>
+          <a:fontRef idx="minor">
+            <a:schemeClr val="lt1"/>
+          </a:fontRef>
+        </p:style>
+        <p:txBody>
+          <a:bodyPr rtlCol="0" anchor="ctr"/>
+          <a:lstStyle/>
+          <a:p>
+            <a:pPr algn="ctr"/>
+            <a:endParaRPr kumimoji="1" lang="ja-JP" altLang="en-US"/>
+          </a:p>
+        </p:txBody>
+      </p:sp>
+      <p:sp>
+        <p:nvSpPr>
+          <p:cNvPr id="58" name="テキスト ボックス 57"/>
+          <p:cNvSpPr txBox="1"/>
+          <p:nvPr/>
+        </p:nvSpPr>
+        <p:spPr>
+          <a:xfrm>
+            <a:off x="3561380" y="3073807"/>
+            <a:ext cx="742511" cy="276999"/>
+          </a:xfrm>
+          <a:prstGeom prst="rect">
+            <a:avLst/>
+          </a:prstGeom>
+          <a:noFill/>
+        </p:spPr>
+        <p:txBody>
+          <a:bodyPr wrap="none" rtlCol="0">
+            <a:spAutoFit/>
+          </a:bodyPr>
+          <a:lstStyle/>
+          <a:p>
+            <a:r>
+              <a:rPr kumimoji="1" lang="ja-JP" altLang="en-US" sz="1200" dirty="0" smtClean="0">
+                <a:latin typeface="HGPSoeiKakugothicUB" charset="-128"/>
+                <a:ea typeface="HGPSoeiKakugothicUB" charset="-128"/>
+                <a:cs typeface="HGPSoeiKakugothicUB" charset="-128"/>
+              </a:rPr>
+              <a:t>センサ</a:t>
+            </a:r>
+            <a:r>
+              <a:rPr kumimoji="1" lang="en-US" altLang="ja-JP" sz="1200" dirty="0" smtClean="0">
+                <a:latin typeface="HGPSoeiKakugothicUB" charset="-128"/>
+                <a:ea typeface="HGPSoeiKakugothicUB" charset="-128"/>
+                <a:cs typeface="HGPSoeiKakugothicUB" charset="-128"/>
+              </a:rPr>
+              <a:t>S</a:t>
+            </a:r>
+            <a:r>
+              <a:rPr kumimoji="1" lang="en-US" altLang="ja-JP" sz="1200" baseline="-25000" dirty="0" smtClean="0">
+                <a:latin typeface="HGPSoeiKakugothicUB" charset="-128"/>
+                <a:ea typeface="HGPSoeiKakugothicUB" charset="-128"/>
+                <a:cs typeface="HGPSoeiKakugothicUB" charset="-128"/>
+              </a:rPr>
+              <a:t>2</a:t>
+            </a:r>
+          </a:p>
+        </p:txBody>
+      </p:sp>
+      <p:grpSp>
+        <p:nvGrpSpPr>
+          <p:cNvPr id="59" name="図形グループ 58"/>
+          <p:cNvGrpSpPr/>
+          <p:nvPr/>
+        </p:nvGrpSpPr>
+        <p:grpSpPr>
+          <a:xfrm rot="-2700000">
+            <a:off x="3686523" y="2781240"/>
+            <a:ext cx="445723" cy="445723"/>
+            <a:chOff x="4742656" y="4758033"/>
+            <a:chExt cx="1100138" cy="1100138"/>
+          </a:xfrm>
+        </p:grpSpPr>
+        <p:sp>
+          <p:nvSpPr>
+            <p:cNvPr id="60" name="円弧 59"/>
+            <p:cNvSpPr/>
+            <p:nvPr/>
+          </p:nvSpPr>
+          <p:spPr>
+            <a:xfrm>
+              <a:off x="5010150" y="5025527"/>
+              <a:ext cx="565150" cy="565150"/>
+            </a:xfrm>
+            <a:prstGeom prst="arc">
+              <a:avLst/>
+            </a:prstGeom>
+            <a:ln w="28575">
+              <a:solidFill>
+                <a:schemeClr val="tx1"/>
+              </a:solidFill>
+            </a:ln>
+          </p:spPr>
+          <p:style>
+            <a:lnRef idx="1">
+              <a:schemeClr val="accent1"/>
+            </a:lnRef>
+            <a:fillRef idx="0">
+              <a:schemeClr val="accent1"/>
+            </a:fillRef>
+            <a:effectRef idx="0">
+              <a:schemeClr val="accent1"/>
+            </a:effectRef>
+            <a:fontRef idx="minor">
+              <a:schemeClr val="tx1"/>
+            </a:fontRef>
+          </p:style>
+          <p:txBody>
+            <a:bodyPr rtlCol="0" anchor="ctr"/>
+            <a:lstStyle/>
+            <a:p>
+              <a:pPr algn="ctr"/>
+              <a:endParaRPr kumimoji="1" lang="ja-JP" altLang="en-US"/>
+            </a:p>
+          </p:txBody>
+        </p:sp>
+        <p:sp>
+          <p:nvSpPr>
+            <p:cNvPr id="61" name="円弧 60"/>
+            <p:cNvSpPr/>
+            <p:nvPr/>
+          </p:nvSpPr>
+          <p:spPr>
+            <a:xfrm>
+              <a:off x="4879975" y="4895352"/>
+              <a:ext cx="825500" cy="825500"/>
+            </a:xfrm>
+            <a:prstGeom prst="arc">
+              <a:avLst/>
+            </a:prstGeom>
+            <a:ln w="28575">
+              <a:solidFill>
+                <a:schemeClr val="tx1"/>
+              </a:solidFill>
+            </a:ln>
+          </p:spPr>
+          <p:style>
+            <a:lnRef idx="1">
+              <a:schemeClr val="accent1"/>
+            </a:lnRef>
+            <a:fillRef idx="0">
+              <a:schemeClr val="accent1"/>
+            </a:fillRef>
+            <a:effectRef idx="0">
+              <a:schemeClr val="accent1"/>
+            </a:effectRef>
+            <a:fontRef idx="minor">
+              <a:schemeClr val="tx1"/>
+            </a:fontRef>
+          </p:style>
+          <p:txBody>
+            <a:bodyPr rtlCol="0" anchor="ctr"/>
+            <a:lstStyle/>
+            <a:p>
+              <a:pPr algn="ctr"/>
+              <a:endParaRPr kumimoji="1" lang="ja-JP" altLang="en-US"/>
+            </a:p>
+          </p:txBody>
+        </p:sp>
+        <p:sp>
+          <p:nvSpPr>
+            <p:cNvPr id="64" name="円弧 63"/>
+            <p:cNvSpPr/>
+            <p:nvPr/>
+          </p:nvSpPr>
+          <p:spPr>
+            <a:xfrm>
+              <a:off x="4742656" y="4758033"/>
+              <a:ext cx="1100138" cy="1100138"/>
+            </a:xfrm>
+            <a:prstGeom prst="arc">
+              <a:avLst/>
+            </a:prstGeom>
+            <a:ln w="28575">
+              <a:solidFill>
+                <a:schemeClr val="tx1"/>
+              </a:solidFill>
+            </a:ln>
+          </p:spPr>
+          <p:style>
+            <a:lnRef idx="1">
+              <a:schemeClr val="accent1"/>
+            </a:lnRef>
+            <a:fillRef idx="0">
+              <a:schemeClr val="accent1"/>
+            </a:fillRef>
+            <a:effectRef idx="0">
+              <a:schemeClr val="accent1"/>
+            </a:effectRef>
+            <a:fontRef idx="minor">
+              <a:schemeClr val="tx1"/>
+            </a:fontRef>
+          </p:style>
+          <p:txBody>
+            <a:bodyPr rtlCol="0" anchor="ctr"/>
+            <a:lstStyle/>
+            <a:p>
+              <a:pPr algn="ctr"/>
+              <a:endParaRPr kumimoji="1" lang="ja-JP" altLang="en-US"/>
+            </a:p>
+          </p:txBody>
+        </p:sp>
+      </p:grpSp>
+      <p:sp>
+        <p:nvSpPr>
+          <p:cNvPr id="66" name="テキスト ボックス 65"/>
+          <p:cNvSpPr txBox="1"/>
+          <p:nvPr/>
+        </p:nvSpPr>
+        <p:spPr>
+          <a:xfrm>
+            <a:off x="4550051" y="2235749"/>
+            <a:ext cx="742511" cy="276999"/>
+          </a:xfrm>
+          <a:prstGeom prst="rect">
+            <a:avLst/>
+          </a:prstGeom>
+          <a:noFill/>
+        </p:spPr>
+        <p:txBody>
+          <a:bodyPr wrap="none" rtlCol="0">
+            <a:spAutoFit/>
+          </a:bodyPr>
+          <a:lstStyle/>
+          <a:p>
+            <a:r>
+              <a:rPr kumimoji="1" lang="ja-JP" altLang="en-US" sz="1200" dirty="0" smtClean="0">
+                <a:latin typeface="HGPSoeiKakugothicUB" charset="-128"/>
+                <a:ea typeface="HGPSoeiKakugothicUB" charset="-128"/>
+                <a:cs typeface="HGPSoeiKakugothicUB" charset="-128"/>
+              </a:rPr>
+              <a:t>センサ</a:t>
+            </a:r>
+            <a:r>
+              <a:rPr kumimoji="1" lang="en-US" altLang="ja-JP" sz="1200" dirty="0" smtClean="0">
+                <a:latin typeface="HGPSoeiKakugothicUB" charset="-128"/>
+                <a:ea typeface="HGPSoeiKakugothicUB" charset="-128"/>
+                <a:cs typeface="HGPSoeiKakugothicUB" charset="-128"/>
+              </a:rPr>
+              <a:t>S</a:t>
+            </a:r>
+            <a:r>
+              <a:rPr kumimoji="1" lang="en-US" altLang="ja-JP" sz="1200" baseline="-25000" dirty="0" smtClean="0">
+                <a:latin typeface="HGPSoeiKakugothicUB" charset="-128"/>
+                <a:ea typeface="HGPSoeiKakugothicUB" charset="-128"/>
+                <a:cs typeface="HGPSoeiKakugothicUB" charset="-128"/>
+              </a:rPr>
+              <a:t>3</a:t>
+            </a:r>
+          </a:p>
+        </p:txBody>
+      </p:sp>
+      <p:sp>
+        <p:nvSpPr>
+          <p:cNvPr id="67" name="テキスト ボックス 66"/>
+          <p:cNvSpPr txBox="1"/>
+          <p:nvPr/>
+        </p:nvSpPr>
+        <p:spPr>
+          <a:xfrm>
+            <a:off x="4551389" y="2915208"/>
+            <a:ext cx="742511" cy="276999"/>
+          </a:xfrm>
+          <a:prstGeom prst="rect">
+            <a:avLst/>
+          </a:prstGeom>
+          <a:noFill/>
+        </p:spPr>
+        <p:txBody>
+          <a:bodyPr wrap="none" rtlCol="0">
+            <a:spAutoFit/>
+          </a:bodyPr>
+          <a:lstStyle/>
+          <a:p>
+            <a:r>
+              <a:rPr kumimoji="1" lang="ja-JP" altLang="en-US" sz="1200" dirty="0" smtClean="0">
+                <a:latin typeface="HGPSoeiKakugothicUB" charset="-128"/>
+                <a:ea typeface="HGPSoeiKakugothicUB" charset="-128"/>
+                <a:cs typeface="HGPSoeiKakugothicUB" charset="-128"/>
+              </a:rPr>
+              <a:t>センサ</a:t>
+            </a:r>
+            <a:r>
+              <a:rPr kumimoji="1" lang="en-US" altLang="ja-JP" sz="1200" dirty="0" smtClean="0">
+                <a:latin typeface="HGPSoeiKakugothicUB" charset="-128"/>
+                <a:ea typeface="HGPSoeiKakugothicUB" charset="-128"/>
+                <a:cs typeface="HGPSoeiKakugothicUB" charset="-128"/>
+              </a:rPr>
+              <a:t>S</a:t>
+            </a:r>
+            <a:r>
+              <a:rPr kumimoji="1" lang="en-US" altLang="ja-JP" sz="1200" baseline="-25000" dirty="0" smtClean="0">
+                <a:latin typeface="HGPSoeiKakugothicUB" charset="-128"/>
+                <a:ea typeface="HGPSoeiKakugothicUB" charset="-128"/>
+                <a:cs typeface="HGPSoeiKakugothicUB" charset="-128"/>
+              </a:rPr>
+              <a:t>4</a:t>
+            </a:r>
+          </a:p>
+        </p:txBody>
+      </p:sp>
+      <p:sp>
+        <p:nvSpPr>
+          <p:cNvPr id="68" name="正方形/長方形 67"/>
+          <p:cNvSpPr/>
+          <p:nvPr/>
+        </p:nvSpPr>
+        <p:spPr>
+          <a:xfrm>
+            <a:off x="4787421" y="2486612"/>
+            <a:ext cx="211138" cy="163106"/>
+          </a:xfrm>
+          <a:prstGeom prst="rect">
+            <a:avLst/>
+          </a:prstGeom>
+        </p:spPr>
+        <p:style>
+          <a:lnRef idx="2">
+            <a:schemeClr val="accent4">
+              <a:shade val="50000"/>
+            </a:schemeClr>
+          </a:lnRef>
+          <a:fillRef idx="1">
+            <a:schemeClr val="accent4"/>
+          </a:fillRef>
+          <a:effectRef idx="0">
+            <a:schemeClr val="accent4"/>
+          </a:effectRef>
+          <a:fontRef idx="minor">
+            <a:schemeClr val="lt1"/>
+          </a:fontRef>
+        </p:style>
+        <p:txBody>
+          <a:bodyPr rtlCol="0" anchor="ctr"/>
+          <a:lstStyle/>
+          <a:p>
+            <a:pPr algn="ctr"/>
+            <a:endParaRPr kumimoji="1" lang="ja-JP" altLang="en-US"/>
+          </a:p>
+        </p:txBody>
+      </p:sp>
+      <p:sp>
+        <p:nvSpPr>
+          <p:cNvPr id="69" name="正方形/長方形 68"/>
+          <p:cNvSpPr/>
+          <p:nvPr/>
+        </p:nvSpPr>
+        <p:spPr>
+          <a:xfrm>
+            <a:off x="4787421" y="3167640"/>
+            <a:ext cx="211138" cy="163106"/>
+          </a:xfrm>
+          <a:prstGeom prst="rect">
+            <a:avLst/>
+          </a:prstGeom>
+        </p:spPr>
+        <p:style>
+          <a:lnRef idx="2">
+            <a:schemeClr val="accent4">
+              <a:shade val="50000"/>
+            </a:schemeClr>
+          </a:lnRef>
+          <a:fillRef idx="1">
+            <a:schemeClr val="accent4"/>
+          </a:fillRef>
+          <a:effectRef idx="0">
+            <a:schemeClr val="accent4"/>
+          </a:effectRef>
+          <a:fontRef idx="minor">
+            <a:schemeClr val="lt1"/>
+          </a:fontRef>
+        </p:style>
+        <p:txBody>
+          <a:bodyPr rtlCol="0" anchor="ctr"/>
+          <a:lstStyle/>
+          <a:p>
+            <a:pPr algn="ctr"/>
+            <a:endParaRPr kumimoji="1" lang="ja-JP" altLang="en-US"/>
+          </a:p>
+        </p:txBody>
+      </p:sp>
+      <p:sp>
+        <p:nvSpPr>
+          <p:cNvPr id="6" name="正方形/長方形 5"/>
+          <p:cNvSpPr/>
+          <p:nvPr/>
+        </p:nvSpPr>
+        <p:spPr>
+          <a:xfrm>
+            <a:off x="7217367" y="1719952"/>
+            <a:ext cx="1629199" cy="1901509"/>
+          </a:xfrm>
+          <a:prstGeom prst="rect">
+            <a:avLst/>
+          </a:prstGeom>
+          <a:noFill/>
+          <a:ln>
+            <a:solidFill>
+              <a:schemeClr val="tx1"/>
+            </a:solidFill>
+            <a:prstDash val="sysDash"/>
+          </a:ln>
+        </p:spPr>
+        <p:style>
+          <a:lnRef idx="2">
+            <a:schemeClr val="accent1">
+              <a:shade val="50000"/>
+            </a:schemeClr>
+          </a:lnRef>
+          <a:fillRef idx="1">
+            <a:schemeClr val="accent1"/>
+          </a:fillRef>
+          <a:effectRef idx="0">
+            <a:schemeClr val="accent1"/>
+          </a:effectRef>
+          <a:fontRef idx="minor">
+            <a:schemeClr val="lt1"/>
+          </a:fontRef>
+        </p:style>
+        <p:txBody>
+          <a:bodyPr rtlCol="0" anchor="ctr"/>
+          <a:lstStyle/>
+          <a:p>
+            <a:pPr algn="ctr"/>
+            <a:endParaRPr kumimoji="1" lang="ja-JP" altLang="en-US"/>
+          </a:p>
+        </p:txBody>
+      </p:sp>
+      <p:sp>
+        <p:nvSpPr>
+          <p:cNvPr id="72" name="テキスト ボックス 71"/>
+          <p:cNvSpPr txBox="1"/>
+          <p:nvPr/>
+        </p:nvSpPr>
+        <p:spPr>
+          <a:xfrm>
+            <a:off x="7134837" y="1425477"/>
+            <a:ext cx="949299" cy="276999"/>
+          </a:xfrm>
+          <a:prstGeom prst="rect">
+            <a:avLst/>
+          </a:prstGeom>
+          <a:noFill/>
+        </p:spPr>
+        <p:txBody>
+          <a:bodyPr wrap="none" rtlCol="0">
+            <a:spAutoFit/>
+          </a:bodyPr>
+          <a:lstStyle/>
+          <a:p>
+            <a:r>
+              <a:rPr kumimoji="1" lang="en-US" altLang="ja-JP" sz="1200" dirty="0" smtClean="0">
+                <a:latin typeface="HGPSoeiKakugothicUB" charset="-128"/>
+                <a:ea typeface="HGPSoeiKakugothicUB" charset="-128"/>
+                <a:cs typeface="HGPSoeiKakugothicUB" charset="-128"/>
+              </a:rPr>
+              <a:t>RO</a:t>
+            </a:r>
+            <a:r>
+              <a:rPr kumimoji="1" lang="en-US" altLang="ja-JP" sz="1200" baseline="-25000" dirty="0" smtClean="0">
+                <a:latin typeface="HGPSoeiKakugothicUB" charset="-128"/>
+                <a:ea typeface="HGPSoeiKakugothicUB" charset="-128"/>
+                <a:cs typeface="HGPSoeiKakugothicUB" charset="-128"/>
+              </a:rPr>
+              <a:t>1</a:t>
+            </a:r>
+            <a:r>
+              <a:rPr lang="ja-JP" altLang="en-US" sz="1200" dirty="0">
+                <a:latin typeface="HGPSoeiKakugothicUB" charset="-128"/>
+                <a:ea typeface="HGPSoeiKakugothicUB" charset="-128"/>
+                <a:cs typeface="HGPSoeiKakugothicUB" charset="-128"/>
+              </a:rPr>
+              <a:t>のビュー</a:t>
+            </a:r>
+            <a:endParaRPr kumimoji="1" lang="ja-JP" altLang="en-US" sz="1200" baseline="-25000" dirty="0">
+              <a:latin typeface="HGPSoeiKakugothicUB" charset="-128"/>
+              <a:ea typeface="HGPSoeiKakugothicUB" charset="-128"/>
+              <a:cs typeface="HGPSoeiKakugothicUB" charset="-128"/>
+            </a:endParaRPr>
+          </a:p>
+        </p:txBody>
+      </p:sp>
+      <p:sp>
+        <p:nvSpPr>
+          <p:cNvPr id="73" name="正方形/長方形 72"/>
+          <p:cNvSpPr/>
+          <p:nvPr/>
+        </p:nvSpPr>
+        <p:spPr>
+          <a:xfrm>
+            <a:off x="3397258" y="1718372"/>
+            <a:ext cx="3702633" cy="1901509"/>
+          </a:xfrm>
+          <a:prstGeom prst="rect">
+            <a:avLst/>
+          </a:prstGeom>
+          <a:noFill/>
+          <a:ln>
+            <a:solidFill>
+              <a:schemeClr val="tx1"/>
+            </a:solidFill>
+            <a:prstDash val="sysDash"/>
+          </a:ln>
+        </p:spPr>
+        <p:style>
+          <a:lnRef idx="2">
+            <a:schemeClr val="accent1">
+              <a:shade val="50000"/>
+            </a:schemeClr>
+          </a:lnRef>
+          <a:fillRef idx="1">
+            <a:schemeClr val="accent1"/>
+          </a:fillRef>
+          <a:effectRef idx="0">
+            <a:schemeClr val="accent1"/>
+          </a:effectRef>
+          <a:fontRef idx="minor">
+            <a:schemeClr val="lt1"/>
+          </a:fontRef>
+        </p:style>
+        <p:txBody>
+          <a:bodyPr rtlCol="0" anchor="ctr"/>
+          <a:lstStyle/>
+          <a:p>
+            <a:pPr algn="ctr"/>
+            <a:endParaRPr kumimoji="1" lang="ja-JP" altLang="en-US"/>
+          </a:p>
+        </p:txBody>
+      </p:sp>
+      <p:sp>
+        <p:nvSpPr>
+          <p:cNvPr id="75" name="テキスト ボックス 74"/>
+          <p:cNvSpPr txBox="1"/>
+          <p:nvPr/>
+        </p:nvSpPr>
+        <p:spPr>
+          <a:xfrm>
+            <a:off x="3354592" y="1438950"/>
+            <a:ext cx="949299" cy="276999"/>
+          </a:xfrm>
+          <a:prstGeom prst="rect">
+            <a:avLst/>
+          </a:prstGeom>
+          <a:noFill/>
+        </p:spPr>
+        <p:txBody>
+          <a:bodyPr wrap="none" rtlCol="0">
+            <a:spAutoFit/>
+          </a:bodyPr>
+          <a:lstStyle/>
+          <a:p>
+            <a:r>
+              <a:rPr kumimoji="1" lang="en-US" altLang="ja-JP" sz="1200" dirty="0" smtClean="0">
+                <a:latin typeface="HGPSoeiKakugothicUB" charset="-128"/>
+                <a:ea typeface="HGPSoeiKakugothicUB" charset="-128"/>
+                <a:cs typeface="HGPSoeiKakugothicUB" charset="-128"/>
+              </a:rPr>
+              <a:t>FO</a:t>
+            </a:r>
+            <a:r>
+              <a:rPr kumimoji="1" lang="en-US" altLang="ja-JP" sz="1200" baseline="-25000" dirty="0" smtClean="0">
+                <a:latin typeface="HGPSoeiKakugothicUB" charset="-128"/>
+                <a:ea typeface="HGPSoeiKakugothicUB" charset="-128"/>
+                <a:cs typeface="HGPSoeiKakugothicUB" charset="-128"/>
+              </a:rPr>
+              <a:t>1</a:t>
+            </a:r>
+            <a:r>
+              <a:rPr lang="ja-JP" altLang="en-US" sz="1200" dirty="0">
+                <a:latin typeface="HGPSoeiKakugothicUB" charset="-128"/>
+                <a:ea typeface="HGPSoeiKakugothicUB" charset="-128"/>
+                <a:cs typeface="HGPSoeiKakugothicUB" charset="-128"/>
+              </a:rPr>
+              <a:t>のビュー</a:t>
+            </a:r>
+            <a:endParaRPr kumimoji="1" lang="ja-JP" altLang="en-US" sz="1200" baseline="-25000" dirty="0">
+              <a:latin typeface="HGPSoeiKakugothicUB" charset="-128"/>
+              <a:ea typeface="HGPSoeiKakugothicUB" charset="-128"/>
+              <a:cs typeface="HGPSoeiKakugothicUB" charset="-128"/>
+            </a:endParaRPr>
+          </a:p>
+        </p:txBody>
+      </p:sp>
+      <p:sp>
+        <p:nvSpPr>
+          <p:cNvPr id="76" name="正方形/長方形 75"/>
+          <p:cNvSpPr/>
+          <p:nvPr/>
+        </p:nvSpPr>
+        <p:spPr>
+          <a:xfrm>
+            <a:off x="1753953" y="3942128"/>
+            <a:ext cx="1918938" cy="1433719"/>
+          </a:xfrm>
+          <a:prstGeom prst="rect">
+            <a:avLst/>
+          </a:prstGeom>
+          <a:noFill/>
+          <a:ln>
+            <a:solidFill>
+              <a:schemeClr val="tx1"/>
+            </a:solidFill>
+            <a:prstDash val="sysDash"/>
+          </a:ln>
+        </p:spPr>
+        <p:style>
+          <a:lnRef idx="2">
+            <a:schemeClr val="accent1">
+              <a:shade val="50000"/>
+            </a:schemeClr>
+          </a:lnRef>
+          <a:fillRef idx="1">
+            <a:schemeClr val="accent1"/>
+          </a:fillRef>
+          <a:effectRef idx="0">
+            <a:schemeClr val="accent1"/>
+          </a:effectRef>
+          <a:fontRef idx="minor">
+            <a:schemeClr val="lt1"/>
+          </a:fontRef>
+        </p:style>
+        <p:txBody>
+          <a:bodyPr rtlCol="0" anchor="ctr"/>
+          <a:lstStyle/>
+          <a:p>
+            <a:pPr algn="ctr"/>
+            <a:endParaRPr kumimoji="1" lang="ja-JP" altLang="en-US"/>
+          </a:p>
+        </p:txBody>
+      </p:sp>
+      <p:sp>
+        <p:nvSpPr>
+          <p:cNvPr id="7" name="角丸四角形吹き出し 6"/>
+          <p:cNvSpPr/>
+          <p:nvPr/>
+        </p:nvSpPr>
+        <p:spPr>
+          <a:xfrm>
+            <a:off x="4772794" y="3883239"/>
+            <a:ext cx="1193400" cy="335870"/>
+          </a:xfrm>
+          <a:prstGeom prst="wedgeRoundRectCallout">
+            <a:avLst>
+              <a:gd name="adj1" fmla="val -28726"/>
+              <a:gd name="adj2" fmla="val -173633"/>
+              <a:gd name="adj3" fmla="val 16667"/>
+            </a:avLst>
+          </a:prstGeom>
+        </p:spPr>
+        <p:style>
+          <a:lnRef idx="1">
+            <a:schemeClr val="accent1"/>
+          </a:lnRef>
+          <a:fillRef idx="2">
+            <a:schemeClr val="accent1"/>
+          </a:fillRef>
+          <a:effectRef idx="1">
+            <a:schemeClr val="accent1"/>
+          </a:effectRef>
+          <a:fontRef idx="minor">
+            <a:schemeClr val="dk1"/>
+          </a:fontRef>
+        </p:style>
+        <p:txBody>
+          <a:bodyPr rtlCol="0" anchor="ctr"/>
+          <a:lstStyle/>
+          <a:p>
+            <a:pPr algn="ctr"/>
+            <a:r>
+              <a:rPr kumimoji="1" lang="ja-JP" altLang="en-US" sz="1200" smtClean="0"/>
+              <a:t>仮想デバイス</a:t>
+            </a:r>
+            <a:endParaRPr kumimoji="1" lang="ja-JP" altLang="en-US" sz="1200" dirty="0"/>
+          </a:p>
+        </p:txBody>
+      </p:sp>
+      <p:sp>
+        <p:nvSpPr>
+          <p:cNvPr id="77" name="角丸四角形吹き出し 76"/>
+          <p:cNvSpPr/>
+          <p:nvPr/>
+        </p:nvSpPr>
+        <p:spPr>
+          <a:xfrm>
+            <a:off x="4021814" y="4991496"/>
+            <a:ext cx="1193400" cy="335870"/>
+          </a:xfrm>
+          <a:prstGeom prst="wedgeRoundRectCallout">
+            <a:avLst>
+              <a:gd name="adj1" fmla="val -84064"/>
+              <a:gd name="adj2" fmla="val 4085"/>
+              <a:gd name="adj3" fmla="val 16667"/>
+            </a:avLst>
+          </a:prstGeom>
+        </p:spPr>
+        <p:style>
+          <a:lnRef idx="1">
+            <a:schemeClr val="accent2"/>
+          </a:lnRef>
+          <a:fillRef idx="2">
+            <a:schemeClr val="accent2"/>
+          </a:fillRef>
+          <a:effectRef idx="1">
+            <a:schemeClr val="accent2"/>
+          </a:effectRef>
+          <a:fontRef idx="minor">
+            <a:schemeClr val="dk1"/>
+          </a:fontRef>
+        </p:style>
+        <p:txBody>
+          <a:bodyPr rtlCol="0" anchor="ctr"/>
+          <a:lstStyle/>
+          <a:p>
+            <a:pPr algn="ctr"/>
+            <a:r>
+              <a:rPr kumimoji="1" lang="ja-JP" altLang="en-US" sz="1200" smtClean="0"/>
+              <a:t>物理デバイス</a:t>
+            </a:r>
+            <a:endParaRPr kumimoji="1" lang="ja-JP" altLang="en-US" sz="1200" dirty="0"/>
+          </a:p>
+        </p:txBody>
+      </p:sp>
+      <p:sp>
+        <p:nvSpPr>
+          <p:cNvPr id="78" name="正方形/長方形 77"/>
+          <p:cNvSpPr/>
+          <p:nvPr/>
+        </p:nvSpPr>
+        <p:spPr>
+          <a:xfrm>
+            <a:off x="6075590" y="2214465"/>
+            <a:ext cx="644934" cy="512286"/>
+          </a:xfrm>
+          <a:prstGeom prst="rect">
+            <a:avLst/>
+          </a:prstGeom>
+          <a:solidFill>
+            <a:schemeClr val="accent6">
+              <a:lumMod val="60000"/>
+              <a:lumOff val="40000"/>
+            </a:schemeClr>
+          </a:solidFill>
+        </p:spPr>
+        <p:style>
+          <a:lnRef idx="2">
+            <a:schemeClr val="accent6">
+              <a:shade val="50000"/>
+            </a:schemeClr>
+          </a:lnRef>
+          <a:fillRef idx="1">
+            <a:schemeClr val="accent6"/>
+          </a:fillRef>
+          <a:effectRef idx="0">
+            <a:schemeClr val="accent6"/>
+          </a:effectRef>
+          <a:fontRef idx="minor">
+            <a:schemeClr val="lt1"/>
+          </a:fontRef>
+        </p:style>
+        <p:txBody>
+          <a:bodyPr rtlCol="0" anchor="ctr"/>
+          <a:lstStyle/>
+          <a:p>
+            <a:pPr algn="ctr"/>
+            <a:endParaRPr kumimoji="1" lang="ja-JP" altLang="en-US"/>
+          </a:p>
+        </p:txBody>
+      </p:sp>
+      <p:sp>
+        <p:nvSpPr>
+          <p:cNvPr id="79" name="テキスト ボックス 78"/>
+          <p:cNvSpPr txBox="1"/>
+          <p:nvPr/>
+        </p:nvSpPr>
+        <p:spPr>
+          <a:xfrm>
+            <a:off x="6008409" y="1955991"/>
+            <a:ext cx="878767" cy="276999"/>
+          </a:xfrm>
+          <a:prstGeom prst="rect">
+            <a:avLst/>
+          </a:prstGeom>
+          <a:noFill/>
+        </p:spPr>
+        <p:txBody>
+          <a:bodyPr wrap="none" rtlCol="0">
+            <a:spAutoFit/>
+          </a:bodyPr>
+          <a:lstStyle/>
+          <a:p>
+            <a:r>
+              <a:rPr kumimoji="1" lang="ja-JP" altLang="en-US" sz="1200" dirty="0" smtClean="0">
+                <a:latin typeface="HGPSoeiKakugothicUB" charset="-128"/>
+                <a:ea typeface="HGPSoeiKakugothicUB" charset="-128"/>
+                <a:cs typeface="HGPSoeiKakugothicUB" charset="-128"/>
+              </a:rPr>
+              <a:t>オーダー</a:t>
+            </a:r>
+            <a:r>
+              <a:rPr kumimoji="1" lang="en-US" altLang="ja-JP" sz="1200" dirty="0" smtClean="0">
+                <a:latin typeface="HGPSoeiKakugothicUB" charset="-128"/>
+                <a:ea typeface="HGPSoeiKakugothicUB" charset="-128"/>
+                <a:cs typeface="HGPSoeiKakugothicUB" charset="-128"/>
+              </a:rPr>
+              <a:t>O</a:t>
+            </a:r>
+            <a:r>
+              <a:rPr kumimoji="1" lang="en-US" altLang="ja-JP" sz="1200" baseline="-25000" dirty="0" smtClean="0">
+                <a:latin typeface="HGPSoeiKakugothicUB" charset="-128"/>
+                <a:ea typeface="HGPSoeiKakugothicUB" charset="-128"/>
+                <a:cs typeface="HGPSoeiKakugothicUB" charset="-128"/>
+              </a:rPr>
+              <a:t>1</a:t>
+            </a:r>
+            <a:endParaRPr kumimoji="1" lang="en-US" altLang="ja-JP" sz="1200" baseline="-25000" dirty="0" smtClean="0">
+              <a:latin typeface="HGPSoeiKakugothicUB" charset="-128"/>
+              <a:ea typeface="HGPSoeiKakugothicUB" charset="-128"/>
+              <a:cs typeface="HGPSoeiKakugothicUB" charset="-128"/>
+            </a:endParaRPr>
+          </a:p>
+        </p:txBody>
+      </p:sp>
+      <p:cxnSp>
+        <p:nvCxnSpPr>
+          <p:cNvPr id="90" name="直線矢印コネクタ 89"/>
+          <p:cNvCxnSpPr>
+            <a:endCxn id="80" idx="1"/>
+          </p:cNvCxnSpPr>
+          <p:nvPr/>
+        </p:nvCxnSpPr>
+        <p:spPr>
+          <a:xfrm>
+            <a:off x="6720524" y="2470608"/>
+            <a:ext cx="888963" cy="0"/>
+          </a:xfrm>
+          <a:prstGeom prst="straightConnector1">
+            <a:avLst/>
+          </a:prstGeom>
+          <a:ln>
+            <a:solidFill>
+              <a:schemeClr val="tx1"/>
+            </a:solidFill>
+            <a:headEnd type="none" w="med" len="med"/>
+            <a:tailEnd type="arrow" w="med" len="med"/>
+          </a:ln>
+        </p:spPr>
+        <p:style>
+          <a:lnRef idx="1">
+            <a:schemeClr val="accent1"/>
+          </a:lnRef>
+          <a:fillRef idx="0">
+            <a:schemeClr val="accent1"/>
+          </a:fillRef>
+          <a:effectRef idx="0">
+            <a:schemeClr val="accent1"/>
+          </a:effectRef>
+          <a:fontRef idx="minor">
+            <a:schemeClr val="tx1"/>
+          </a:fontRef>
+        </p:style>
+      </p:cxnSp>
+    </p:spTree>
+    <p:extLst>
+      <p:ext uri="{BB962C8B-B14F-4D97-AF65-F5344CB8AC3E}">
         <p14:creationId xmlns:p14="http://schemas.microsoft.com/office/powerpoint/2010/main" val="1696721019"/>
       </p:ext>
     </p:extLst>

--- a/tutorial/ja/images/figures.pptx
+++ b/tutorial/ja/images/figures.pptx
@@ -8,6 +8,8 @@
     <p:sldId id="256" r:id="rId2"/>
     <p:sldId id="258" r:id="rId3"/>
     <p:sldId id="257" r:id="rId4"/>
+    <p:sldId id="259" r:id="rId5"/>
+    <p:sldId id="260" r:id="rId6"/>
   </p:sldIdLst>
   <p:sldSz cx="12192000" cy="6858000"/>
   <p:notesSz cx="6858000" cy="9144000"/>
@@ -245,7 +247,7 @@
           <a:p>
             <a:fld id="{E6FC79EB-3D47-AA48-B2B1-4222865B35CA}" type="datetimeFigureOut">
               <a:rPr kumimoji="1" lang="ja-JP" altLang="en-US" smtClean="0"/>
-              <a:t>2016/8/24</a:t>
+              <a:t>2016/9/10</a:t>
             </a:fld>
             <a:endParaRPr kumimoji="1" lang="ja-JP" altLang="en-US"/>
           </a:p>
@@ -447,7 +449,7 @@
           <a:p>
             <a:fld id="{E6FC79EB-3D47-AA48-B2B1-4222865B35CA}" type="datetimeFigureOut">
               <a:rPr kumimoji="1" lang="ja-JP" altLang="en-US" smtClean="0"/>
-              <a:t>2016/8/24</a:t>
+              <a:t>2016/9/10</a:t>
             </a:fld>
             <a:endParaRPr kumimoji="1" lang="ja-JP" altLang="en-US"/>
           </a:p>
@@ -659,7 +661,7 @@
           <a:p>
             <a:fld id="{E6FC79EB-3D47-AA48-B2B1-4222865B35CA}" type="datetimeFigureOut">
               <a:rPr kumimoji="1" lang="ja-JP" altLang="en-US" smtClean="0"/>
-              <a:t>2016/8/24</a:t>
+              <a:t>2016/9/10</a:t>
             </a:fld>
             <a:endParaRPr kumimoji="1" lang="ja-JP" altLang="en-US"/>
           </a:p>
@@ -861,7 +863,7 @@
           <a:p>
             <a:fld id="{E6FC79EB-3D47-AA48-B2B1-4222865B35CA}" type="datetimeFigureOut">
               <a:rPr kumimoji="1" lang="ja-JP" altLang="en-US" smtClean="0"/>
-              <a:t>2016/8/24</a:t>
+              <a:t>2016/9/10</a:t>
             </a:fld>
             <a:endParaRPr kumimoji="1" lang="ja-JP" altLang="en-US"/>
           </a:p>
@@ -1107,7 +1109,7 @@
           <a:p>
             <a:fld id="{E6FC79EB-3D47-AA48-B2B1-4222865B35CA}" type="datetimeFigureOut">
               <a:rPr kumimoji="1" lang="ja-JP" altLang="en-US" smtClean="0"/>
-              <a:t>2016/8/24</a:t>
+              <a:t>2016/9/10</a:t>
             </a:fld>
             <a:endParaRPr kumimoji="1" lang="ja-JP" altLang="en-US"/>
           </a:p>
@@ -1403,7 +1405,7 @@
           <a:p>
             <a:fld id="{E6FC79EB-3D47-AA48-B2B1-4222865B35CA}" type="datetimeFigureOut">
               <a:rPr kumimoji="1" lang="ja-JP" altLang="en-US" smtClean="0"/>
-              <a:t>2016/8/24</a:t>
+              <a:t>2016/9/10</a:t>
             </a:fld>
             <a:endParaRPr kumimoji="1" lang="ja-JP" altLang="en-US"/>
           </a:p>
@@ -1834,7 +1836,7 @@
           <a:p>
             <a:fld id="{E6FC79EB-3D47-AA48-B2B1-4222865B35CA}" type="datetimeFigureOut">
               <a:rPr kumimoji="1" lang="ja-JP" altLang="en-US" smtClean="0"/>
-              <a:t>2016/8/24</a:t>
+              <a:t>2016/9/10</a:t>
             </a:fld>
             <a:endParaRPr kumimoji="1" lang="ja-JP" altLang="en-US"/>
           </a:p>
@@ -1952,7 +1954,7 @@
           <a:p>
             <a:fld id="{E6FC79EB-3D47-AA48-B2B1-4222865B35CA}" type="datetimeFigureOut">
               <a:rPr kumimoji="1" lang="ja-JP" altLang="en-US" smtClean="0"/>
-              <a:t>2016/8/24</a:t>
+              <a:t>2016/9/10</a:t>
             </a:fld>
             <a:endParaRPr kumimoji="1" lang="ja-JP" altLang="en-US"/>
           </a:p>
@@ -2047,7 +2049,7 @@
           <a:p>
             <a:fld id="{E6FC79EB-3D47-AA48-B2B1-4222865B35CA}" type="datetimeFigureOut">
               <a:rPr kumimoji="1" lang="ja-JP" altLang="en-US" smtClean="0"/>
-              <a:t>2016/8/24</a:t>
+              <a:t>2016/9/10</a:t>
             </a:fld>
             <a:endParaRPr kumimoji="1" lang="ja-JP" altLang="en-US"/>
           </a:p>
@@ -2356,7 +2358,7 @@
           <a:p>
             <a:fld id="{E6FC79EB-3D47-AA48-B2B1-4222865B35CA}" type="datetimeFigureOut">
               <a:rPr kumimoji="1" lang="ja-JP" altLang="en-US" smtClean="0"/>
-              <a:t>2016/8/24</a:t>
+              <a:t>2016/9/10</a:t>
             </a:fld>
             <a:endParaRPr kumimoji="1" lang="ja-JP" altLang="en-US"/>
           </a:p>
@@ -2609,7 +2611,7 @@
           <a:p>
             <a:fld id="{E6FC79EB-3D47-AA48-B2B1-4222865B35CA}" type="datetimeFigureOut">
               <a:rPr kumimoji="1" lang="ja-JP" altLang="en-US" smtClean="0"/>
-              <a:t>2016/8/24</a:t>
+              <a:t>2016/9/10</a:t>
             </a:fld>
             <a:endParaRPr kumimoji="1" lang="ja-JP" altLang="en-US"/>
           </a:p>
@@ -2854,7 +2856,7 @@
           <a:p>
             <a:fld id="{E6FC79EB-3D47-AA48-B2B1-4222865B35CA}" type="datetimeFigureOut">
               <a:rPr kumimoji="1" lang="ja-JP" altLang="en-US" smtClean="0"/>
-              <a:t>2016/8/24</a:t>
+              <a:t>2016/9/10</a:t>
             </a:fld>
             <a:endParaRPr kumimoji="1" lang="ja-JP" altLang="en-US"/>
           </a:p>
@@ -7492,46 +7494,6 @@
       </p:sp>
       <p:cxnSp>
         <p:nvCxnSpPr>
-          <p:cNvPr id="70" name="直線矢印コネクタ 69"/>
-          <p:cNvCxnSpPr>
-            <a:stCxn id="28" idx="3"/>
-            <a:endCxn id="51" idx="1"/>
-          </p:cNvCxnSpPr>
-          <p:nvPr/>
-        </p:nvCxnSpPr>
-        <p:spPr>
-          <a:xfrm flipV="1">
-            <a:off x="2560730" y="2498148"/>
-            <a:ext cx="1043174" cy="1933078"/>
-          </a:xfrm>
-          <a:prstGeom prst="straightConnector1">
-            <a:avLst/>
-          </a:prstGeom>
-          <a:ln>
-            <a:solidFill>
-              <a:schemeClr val="tx1"/>
-            </a:solidFill>
-            <a:headEnd type="none" w="med" len="med"/>
-            <a:tailEnd type="arrow" w="med" len="med"/>
-          </a:ln>
-        </p:spPr>
-        <p:style>
-          <a:lnRef idx="1">
-            <a:schemeClr val="accent1"/>
-          </a:lnRef>
-          <a:fillRef idx="0">
-            <a:schemeClr val="accent1"/>
-          </a:fillRef>
-          <a:effectRef idx="0">
-            <a:schemeClr val="accent1"/>
-          </a:effectRef>
-          <a:fontRef idx="minor">
-            <a:schemeClr val="tx1"/>
-          </a:fontRef>
-        </p:style>
-      </p:cxnSp>
-      <p:cxnSp>
-        <p:nvCxnSpPr>
           <p:cNvPr id="71" name="直線矢印コネクタ 70"/>
           <p:cNvCxnSpPr>
             <a:stCxn id="41" idx="3"/>
@@ -7998,153 +7960,6 @@
           </a:p>
         </p:txBody>
       </p:sp>
-      <p:cxnSp>
-        <p:nvCxnSpPr>
-          <p:cNvPr id="92" name="直線矢印コネクタ 91"/>
-          <p:cNvCxnSpPr>
-            <a:stCxn id="63" idx="3"/>
-          </p:cNvCxnSpPr>
-          <p:nvPr/>
-        </p:nvCxnSpPr>
-        <p:spPr>
-          <a:xfrm>
-            <a:off x="5216213" y="2470608"/>
-            <a:ext cx="842667" cy="0"/>
-          </a:xfrm>
-          <a:prstGeom prst="straightConnector1">
-            <a:avLst/>
-          </a:prstGeom>
-          <a:ln>
-            <a:solidFill>
-              <a:schemeClr val="tx1"/>
-            </a:solidFill>
-            <a:headEnd type="none" w="med" len="med"/>
-            <a:tailEnd type="arrow" w="med" len="med"/>
-          </a:ln>
-        </p:spPr>
-        <p:style>
-          <a:lnRef idx="1">
-            <a:schemeClr val="accent1"/>
-          </a:lnRef>
-          <a:fillRef idx="0">
-            <a:schemeClr val="accent1"/>
-          </a:fillRef>
-          <a:effectRef idx="0">
-            <a:schemeClr val="accent1"/>
-          </a:effectRef>
-          <a:fontRef idx="minor">
-            <a:schemeClr val="tx1"/>
-          </a:fontRef>
-        </p:style>
-      </p:cxnSp>
-      <p:cxnSp>
-        <p:nvCxnSpPr>
-          <p:cNvPr id="95" name="直線矢印コネクタ 94"/>
-          <p:cNvCxnSpPr>
-            <a:stCxn id="80" idx="3"/>
-          </p:cNvCxnSpPr>
-          <p:nvPr/>
-        </p:nvCxnSpPr>
-        <p:spPr>
-          <a:xfrm>
-            <a:off x="8254421" y="2470608"/>
-            <a:ext cx="819553" cy="1340424"/>
-          </a:xfrm>
-          <a:prstGeom prst="straightConnector1">
-            <a:avLst/>
-          </a:prstGeom>
-          <a:ln>
-            <a:solidFill>
-              <a:schemeClr val="tx1"/>
-            </a:solidFill>
-            <a:headEnd type="none" w="med" len="med"/>
-            <a:tailEnd type="arrow" w="med" len="med"/>
-          </a:ln>
-        </p:spPr>
-        <p:style>
-          <a:lnRef idx="1">
-            <a:schemeClr val="accent1"/>
-          </a:lnRef>
-          <a:fillRef idx="0">
-            <a:schemeClr val="accent1"/>
-          </a:fillRef>
-          <a:effectRef idx="0">
-            <a:schemeClr val="accent1"/>
-          </a:effectRef>
-          <a:fontRef idx="minor">
-            <a:schemeClr val="tx1"/>
-          </a:fontRef>
-        </p:style>
-      </p:cxnSp>
-      <p:sp>
-        <p:nvSpPr>
-          <p:cNvPr id="99" name="テキスト ボックス 98"/>
-          <p:cNvSpPr txBox="1"/>
-          <p:nvPr/>
-        </p:nvSpPr>
-        <p:spPr>
-          <a:xfrm>
-            <a:off x="8884659" y="3849776"/>
-            <a:ext cx="903324" cy="369332"/>
-          </a:xfrm>
-          <a:prstGeom prst="rect">
-            <a:avLst/>
-          </a:prstGeom>
-          <a:noFill/>
-        </p:spPr>
-        <p:txBody>
-          <a:bodyPr wrap="square" rtlCol="0">
-            <a:spAutoFit/>
-          </a:bodyPr>
-          <a:lstStyle/>
-          <a:p>
-            <a:r>
-              <a:rPr kumimoji="1" lang="ja-JP" altLang="en-US" smtClean="0"/>
-              <a:t>データ</a:t>
-            </a:r>
-            <a:endParaRPr kumimoji="1" lang="ja-JP" altLang="en-US" dirty="0"/>
-          </a:p>
-        </p:txBody>
-      </p:sp>
-      <p:cxnSp>
-        <p:nvCxnSpPr>
-          <p:cNvPr id="100" name="直線矢印コネクタ 99"/>
-          <p:cNvCxnSpPr>
-            <a:stCxn id="65" idx="3"/>
-          </p:cNvCxnSpPr>
-          <p:nvPr/>
-        </p:nvCxnSpPr>
-        <p:spPr>
-          <a:xfrm flipV="1">
-            <a:off x="5216213" y="2559323"/>
-            <a:ext cx="842667" cy="591346"/>
-          </a:xfrm>
-          <a:prstGeom prst="straightConnector1">
-            <a:avLst/>
-          </a:prstGeom>
-          <a:ln>
-            <a:solidFill>
-              <a:schemeClr val="tx1"/>
-            </a:solidFill>
-            <a:headEnd type="none" w="med" len="med"/>
-            <a:tailEnd type="arrow" w="med" len="med"/>
-          </a:ln>
-        </p:spPr>
-        <p:style>
-          <a:lnRef idx="1">
-            <a:schemeClr val="accent1"/>
-          </a:lnRef>
-          <a:fillRef idx="0">
-            <a:schemeClr val="accent1"/>
-          </a:fillRef>
-          <a:effectRef idx="0">
-            <a:schemeClr val="accent1"/>
-          </a:effectRef>
-          <a:fontRef idx="minor">
-            <a:schemeClr val="tx1"/>
-          </a:fontRef>
-        </p:style>
-      </p:cxnSp>
       <p:sp>
         <p:nvSpPr>
           <p:cNvPr id="56" name="正方形/長方形 55"/>
@@ -8989,11 +8804,6 @@
               </a:rPr>
               <a:t>1</a:t>
             </a:r>
-            <a:endParaRPr kumimoji="1" lang="en-US" altLang="ja-JP" sz="1200" baseline="-25000" dirty="0" smtClean="0">
-              <a:latin typeface="HGPSoeiKakugothicUB" charset="-128"/>
-              <a:ea typeface="HGPSoeiKakugothicUB" charset="-128"/>
-              <a:cs typeface="HGPSoeiKakugothicUB" charset="-128"/>
-            </a:endParaRPr>
           </a:p>
         </p:txBody>
       </p:sp>
@@ -9017,8 +8827,8 @@
             <a:solidFill>
               <a:schemeClr val="tx1"/>
             </a:solidFill>
-            <a:headEnd type="none" w="med" len="med"/>
-            <a:tailEnd type="arrow" w="med" len="med"/>
+            <a:headEnd type="arrow" w="med" len="med"/>
+            <a:tailEnd type="none" w="med" len="med"/>
           </a:ln>
         </p:spPr>
         <p:style>
@@ -9036,6 +8846,215 @@
           </a:fontRef>
         </p:style>
       </p:cxnSp>
+      <p:sp>
+        <p:nvSpPr>
+          <p:cNvPr id="91" name="角丸四角形吹き出し 90"/>
+          <p:cNvSpPr/>
+          <p:nvPr/>
+        </p:nvSpPr>
+        <p:spPr>
+          <a:xfrm>
+            <a:off x="9137781" y="584200"/>
+            <a:ext cx="2051782" cy="1930881"/>
+          </a:xfrm>
+          <a:prstGeom prst="wedgeRoundRectCallout">
+            <a:avLst>
+              <a:gd name="adj1" fmla="val -87804"/>
+              <a:gd name="adj2" fmla="val 42622"/>
+              <a:gd name="adj3" fmla="val 16667"/>
+            </a:avLst>
+          </a:prstGeom>
+        </p:spPr>
+        <p:style>
+          <a:lnRef idx="1">
+            <a:schemeClr val="accent6"/>
+          </a:lnRef>
+          <a:fillRef idx="2">
+            <a:schemeClr val="accent6"/>
+          </a:fillRef>
+          <a:effectRef idx="1">
+            <a:schemeClr val="accent6"/>
+          </a:effectRef>
+          <a:fontRef idx="minor">
+            <a:schemeClr val="dk1"/>
+          </a:fontRef>
+        </p:style>
+        <p:txBody>
+          <a:bodyPr rtlCol="0" anchor="ctr"/>
+          <a:lstStyle/>
+          <a:p>
+            <a:r>
+              <a:rPr kumimoji="1" lang="ja-JP" altLang="en-US" sz="1200" dirty="0" smtClean="0">
+                <a:latin typeface="Calibri" charset="0"/>
+                <a:ea typeface="Calibri" charset="0"/>
+                <a:cs typeface="Calibri" charset="0"/>
+              </a:rPr>
+              <a:t>レストランオーナーは例えばセンサの種別やセンシング間隔など，センサデータの条件をレシピとして指定します。条件を満たすファームがある場合は、レシピの条件がオーダーとしてファームオーナーに提示</a:t>
+            </a:r>
+            <a:r>
+              <a:rPr kumimoji="1" lang="ja-JP" altLang="en-US" sz="1200" smtClean="0">
+                <a:latin typeface="Calibri" charset="0"/>
+                <a:ea typeface="Calibri" charset="0"/>
+                <a:cs typeface="Calibri" charset="0"/>
+              </a:rPr>
+              <a:t>されます。</a:t>
+            </a:r>
+            <a:endParaRPr kumimoji="1" lang="ja-JP" altLang="en-US" sz="1200" dirty="0">
+              <a:latin typeface="Calibri" charset="0"/>
+              <a:ea typeface="Calibri" charset="0"/>
+              <a:cs typeface="Calibri" charset="0"/>
+            </a:endParaRPr>
+          </a:p>
+        </p:txBody>
+      </p:sp>
+      <p:sp>
+        <p:nvSpPr>
+          <p:cNvPr id="93" name="角丸四角形吹き出し 92"/>
+          <p:cNvSpPr/>
+          <p:nvPr/>
+        </p:nvSpPr>
+        <p:spPr>
+          <a:xfrm>
+            <a:off x="1259302" y="999067"/>
+            <a:ext cx="1803942" cy="1308580"/>
+          </a:xfrm>
+          <a:prstGeom prst="wedgeRoundRectCallout">
+            <a:avLst>
+              <a:gd name="adj1" fmla="val 64382"/>
+              <a:gd name="adj2" fmla="val 72255"/>
+              <a:gd name="adj3" fmla="val 16667"/>
+            </a:avLst>
+          </a:prstGeom>
+        </p:spPr>
+        <p:style>
+          <a:lnRef idx="1">
+            <a:schemeClr val="accent2"/>
+          </a:lnRef>
+          <a:fillRef idx="2">
+            <a:schemeClr val="accent2"/>
+          </a:fillRef>
+          <a:effectRef idx="1">
+            <a:schemeClr val="accent2"/>
+          </a:effectRef>
+          <a:fontRef idx="minor">
+            <a:schemeClr val="dk1"/>
+          </a:fontRef>
+        </p:style>
+        <p:txBody>
+          <a:bodyPr rtlCol="0" anchor="ctr"/>
+          <a:lstStyle/>
+          <a:p>
+            <a:r>
+              <a:rPr kumimoji="1" lang="ja-JP" altLang="en-US" sz="1200" dirty="0" smtClean="0">
+                <a:latin typeface="Calibri" charset="0"/>
+                <a:ea typeface="Calibri" charset="0"/>
+                <a:cs typeface="Calibri" charset="0"/>
+              </a:rPr>
+              <a:t>ファームオーナーは物理デバイスに対応する</a:t>
+            </a:r>
+            <a:r>
+              <a:rPr kumimoji="1" lang="en-US" altLang="ja-JP" sz="1200" dirty="0" err="1" smtClean="0">
+                <a:latin typeface="Calibri" charset="0"/>
+                <a:ea typeface="Calibri" charset="0"/>
+                <a:cs typeface="Calibri" charset="0"/>
+              </a:rPr>
+              <a:t>EverySense</a:t>
+            </a:r>
+            <a:r>
+              <a:rPr kumimoji="1" lang="en-US" altLang="ja-JP" sz="1200" dirty="0" smtClean="0">
+                <a:latin typeface="Calibri" charset="0"/>
+                <a:ea typeface="Calibri" charset="0"/>
+                <a:cs typeface="Calibri" charset="0"/>
+              </a:rPr>
+              <a:t> Server</a:t>
+            </a:r>
+            <a:r>
+              <a:rPr kumimoji="1" lang="ja-JP" altLang="en-US" sz="1200" dirty="0" smtClean="0">
+                <a:latin typeface="Calibri" charset="0"/>
+                <a:ea typeface="Calibri" charset="0"/>
+                <a:cs typeface="Calibri" charset="0"/>
+              </a:rPr>
+              <a:t>上の仮想デバイスを組み合わせてファームを作ります。</a:t>
+            </a:r>
+            <a:endParaRPr kumimoji="1" lang="ja-JP" altLang="en-US" sz="1200" dirty="0">
+              <a:latin typeface="Calibri" charset="0"/>
+              <a:ea typeface="Calibri" charset="0"/>
+              <a:cs typeface="Calibri" charset="0"/>
+            </a:endParaRPr>
+          </a:p>
+        </p:txBody>
+      </p:sp>
+      <p:cxnSp>
+        <p:nvCxnSpPr>
+          <p:cNvPr id="94" name="直線矢印コネクタ 93"/>
+          <p:cNvCxnSpPr/>
+          <p:nvPr/>
+        </p:nvCxnSpPr>
+        <p:spPr>
+          <a:xfrm flipV="1">
+            <a:off x="2419854" y="2935268"/>
+            <a:ext cx="1236153" cy="1854749"/>
+          </a:xfrm>
+          <a:prstGeom prst="straightConnector1">
+            <a:avLst/>
+          </a:prstGeom>
+          <a:ln>
+            <a:solidFill>
+              <a:schemeClr val="tx1"/>
+            </a:solidFill>
+            <a:headEnd type="none" w="med" len="med"/>
+            <a:tailEnd type="arrow" w="med" len="med"/>
+          </a:ln>
+        </p:spPr>
+        <p:style>
+          <a:lnRef idx="1">
+            <a:schemeClr val="accent1"/>
+          </a:lnRef>
+          <a:fillRef idx="0">
+            <a:schemeClr val="accent1"/>
+          </a:fillRef>
+          <a:effectRef idx="0">
+            <a:schemeClr val="accent1"/>
+          </a:effectRef>
+          <a:fontRef idx="minor">
+            <a:schemeClr val="tx1"/>
+          </a:fontRef>
+        </p:style>
+      </p:cxnSp>
+      <p:sp>
+        <p:nvSpPr>
+          <p:cNvPr id="3" name="テキスト ボックス 2"/>
+          <p:cNvSpPr txBox="1"/>
+          <p:nvPr/>
+        </p:nvSpPr>
+        <p:spPr>
+          <a:xfrm>
+            <a:off x="3547690" y="5856134"/>
+            <a:ext cx="5955476" cy="369332"/>
+          </a:xfrm>
+          <a:prstGeom prst="rect">
+            <a:avLst/>
+          </a:prstGeom>
+          <a:noFill/>
+        </p:spPr>
+        <p:txBody>
+          <a:bodyPr wrap="none" rtlCol="0">
+            <a:spAutoFit/>
+          </a:bodyPr>
+          <a:lstStyle/>
+          <a:p>
+            <a:r>
+              <a:rPr lang="ja-JP" altLang="en-US" dirty="0" smtClean="0"/>
+              <a:t>ファームへのデバイス</a:t>
+            </a:r>
+            <a:r>
+              <a:rPr lang="ja-JP" altLang="en-US" smtClean="0"/>
+              <a:t>登録とレシピからのオーダー生成</a:t>
+            </a:r>
+            <a:endParaRPr kumimoji="1" lang="ja-JP" altLang="en-US" dirty="0"/>
+          </a:p>
+        </p:txBody>
+      </p:sp>
     </p:spTree>
     <p:extLst>
       <p:ext uri="{BB962C8B-B14F-4D97-AF65-F5344CB8AC3E}">
@@ -10633,46 +10652,6 @@
           </a:p>
         </p:txBody>
       </p:sp>
-      <p:cxnSp>
-        <p:nvCxnSpPr>
-          <p:cNvPr id="70" name="直線矢印コネクタ 69"/>
-          <p:cNvCxnSpPr>
-            <a:stCxn id="28" idx="3"/>
-            <a:endCxn id="51" idx="1"/>
-          </p:cNvCxnSpPr>
-          <p:nvPr/>
-        </p:nvCxnSpPr>
-        <p:spPr>
-          <a:xfrm flipV="1">
-            <a:off x="2560730" y="2498148"/>
-            <a:ext cx="1043174" cy="1933078"/>
-          </a:xfrm>
-          <a:prstGeom prst="straightConnector1">
-            <a:avLst/>
-          </a:prstGeom>
-          <a:ln>
-            <a:solidFill>
-              <a:schemeClr val="tx1"/>
-            </a:solidFill>
-            <a:headEnd type="none" w="med" len="med"/>
-            <a:tailEnd type="arrow" w="med" len="med"/>
-          </a:ln>
-        </p:spPr>
-        <p:style>
-          <a:lnRef idx="1">
-            <a:schemeClr val="accent1"/>
-          </a:lnRef>
-          <a:fillRef idx="0">
-            <a:schemeClr val="accent1"/>
-          </a:fillRef>
-          <a:effectRef idx="0">
-            <a:schemeClr val="accent1"/>
-          </a:effectRef>
-          <a:fontRef idx="minor">
-            <a:schemeClr val="tx1"/>
-          </a:fontRef>
-        </p:style>
-      </p:cxnSp>
       <p:cxnSp>
         <p:nvCxnSpPr>
           <p:cNvPr id="71" name="直線矢印コネクタ 70"/>
@@ -11144,15 +11123,13 @@
       <p:cxnSp>
         <p:nvCxnSpPr>
           <p:cNvPr id="92" name="直線矢印コネクタ 91"/>
-          <p:cNvCxnSpPr>
-            <a:stCxn id="63" idx="3"/>
-          </p:cNvCxnSpPr>
+          <p:cNvCxnSpPr/>
           <p:nvPr/>
         </p:nvCxnSpPr>
         <p:spPr>
           <a:xfrm>
-            <a:off x="5216213" y="2470608"/>
-            <a:ext cx="842667" cy="0"/>
+            <a:off x="5440735" y="2470608"/>
+            <a:ext cx="618145" cy="0"/>
           </a:xfrm>
           <a:prstGeom prst="straightConnector1">
             <a:avLst/>
@@ -11249,45 +11226,6 @@
           </a:p>
         </p:txBody>
       </p:sp>
-      <p:cxnSp>
-        <p:nvCxnSpPr>
-          <p:cNvPr id="100" name="直線矢印コネクタ 99"/>
-          <p:cNvCxnSpPr>
-            <a:stCxn id="65" idx="3"/>
-          </p:cNvCxnSpPr>
-          <p:nvPr/>
-        </p:nvCxnSpPr>
-        <p:spPr>
-          <a:xfrm flipV="1">
-            <a:off x="5216213" y="2559323"/>
-            <a:ext cx="842667" cy="591346"/>
-          </a:xfrm>
-          <a:prstGeom prst="straightConnector1">
-            <a:avLst/>
-          </a:prstGeom>
-          <a:ln>
-            <a:solidFill>
-              <a:schemeClr val="tx1"/>
-            </a:solidFill>
-            <a:headEnd type="none" w="med" len="med"/>
-            <a:tailEnd type="arrow" w="med" len="med"/>
-          </a:ln>
-        </p:spPr>
-        <p:style>
-          <a:lnRef idx="1">
-            <a:schemeClr val="accent1"/>
-          </a:lnRef>
-          <a:fillRef idx="0">
-            <a:schemeClr val="accent1"/>
-          </a:fillRef>
-          <a:effectRef idx="0">
-            <a:schemeClr val="accent1"/>
-          </a:effectRef>
-          <a:fontRef idx="minor">
-            <a:schemeClr val="tx1"/>
-          </a:fontRef>
-        </p:style>
-      </p:cxnSp>
       <p:sp>
         <p:nvSpPr>
           <p:cNvPr id="56" name="正方形/長方形 55"/>
@@ -12132,11 +12070,6 @@
               </a:rPr>
               <a:t>1</a:t>
             </a:r>
-            <a:endParaRPr kumimoji="1" lang="en-US" altLang="ja-JP" sz="1200" baseline="-25000" dirty="0" smtClean="0">
-              <a:latin typeface="HGPSoeiKakugothicUB" charset="-128"/>
-              <a:ea typeface="HGPSoeiKakugothicUB" charset="-128"/>
-              <a:cs typeface="HGPSoeiKakugothicUB" charset="-128"/>
-            </a:endParaRPr>
           </a:p>
         </p:txBody>
       </p:sp>
@@ -12179,10 +12112,6480 @@
           </a:fontRef>
         </p:style>
       </p:cxnSp>
+      <p:sp>
+        <p:nvSpPr>
+          <p:cNvPr id="91" name="角丸四角形吹き出し 90"/>
+          <p:cNvSpPr/>
+          <p:nvPr/>
+        </p:nvSpPr>
+        <p:spPr>
+          <a:xfrm>
+            <a:off x="6043762" y="3942127"/>
+            <a:ext cx="2041867" cy="978513"/>
+          </a:xfrm>
+          <a:prstGeom prst="wedgeRoundRectCallout">
+            <a:avLst>
+              <a:gd name="adj1" fmla="val -30159"/>
+              <a:gd name="adj2" fmla="val -165807"/>
+              <a:gd name="adj3" fmla="val 16667"/>
+            </a:avLst>
+          </a:prstGeom>
+        </p:spPr>
+        <p:style>
+          <a:lnRef idx="1">
+            <a:schemeClr val="accent2"/>
+          </a:lnRef>
+          <a:fillRef idx="2">
+            <a:schemeClr val="accent2"/>
+          </a:fillRef>
+          <a:effectRef idx="1">
+            <a:schemeClr val="accent2"/>
+          </a:effectRef>
+          <a:fontRef idx="minor">
+            <a:schemeClr val="dk1"/>
+          </a:fontRef>
+        </p:style>
+        <p:txBody>
+          <a:bodyPr rtlCol="0" anchor="ctr"/>
+          <a:lstStyle/>
+          <a:p>
+            <a:r>
+              <a:rPr kumimoji="1" lang="ja-JP" altLang="en-US" sz="1200" dirty="0" smtClean="0">
+                <a:latin typeface="Calibri" charset="0"/>
+                <a:ea typeface="Calibri" charset="0"/>
+                <a:cs typeface="Calibri" charset="0"/>
+              </a:rPr>
+              <a:t>ファームオーナーがセンサデータの送信を承認すると、実際にセンサデータがレストランオーナーに送信されます。</a:t>
+            </a:r>
+            <a:endParaRPr kumimoji="1" lang="ja-JP" altLang="en-US" sz="1200" dirty="0">
+              <a:latin typeface="Calibri" charset="0"/>
+              <a:ea typeface="Calibri" charset="0"/>
+              <a:cs typeface="Calibri" charset="0"/>
+            </a:endParaRPr>
+          </a:p>
+        </p:txBody>
+      </p:sp>
+      <p:sp>
+        <p:nvSpPr>
+          <p:cNvPr id="93" name="テキスト ボックス 92"/>
+          <p:cNvSpPr txBox="1"/>
+          <p:nvPr/>
+        </p:nvSpPr>
+        <p:spPr>
+          <a:xfrm>
+            <a:off x="4377585" y="5763808"/>
+            <a:ext cx="4108817" cy="369332"/>
+          </a:xfrm>
+          <a:prstGeom prst="rect">
+            <a:avLst/>
+          </a:prstGeom>
+          <a:noFill/>
+        </p:spPr>
+        <p:txBody>
+          <a:bodyPr wrap="none" rtlCol="0">
+            <a:spAutoFit/>
+          </a:bodyPr>
+          <a:lstStyle/>
+          <a:p>
+            <a:r>
+              <a:rPr lang="ja-JP" altLang="en-US" dirty="0" smtClean="0"/>
+              <a:t>オーダーの</a:t>
+            </a:r>
+            <a:r>
+              <a:rPr lang="ja-JP" altLang="en-US" smtClean="0"/>
+              <a:t>承認とセンサデータの送信</a:t>
+            </a:r>
+            <a:endParaRPr kumimoji="1" lang="ja-JP" altLang="en-US" dirty="0"/>
+          </a:p>
+        </p:txBody>
+      </p:sp>
     </p:spTree>
     <p:extLst>
       <p:ext uri="{BB962C8B-B14F-4D97-AF65-F5344CB8AC3E}">
         <p14:creationId xmlns:p14="http://schemas.microsoft.com/office/powerpoint/2010/main" val="1696721019"/>
+      </p:ext>
+    </p:extLst>
+  </p:cSld>
+  <p:clrMapOvr>
+    <a:masterClrMapping/>
+  </p:clrMapOvr>
+</p:sld>
+</file>
+
+<file path=ppt/slides/slide4.xml><?xml version="1.0" encoding="utf-8"?>
+<p:sld xmlns:a="http://schemas.openxmlformats.org/drawingml/2006/main" xmlns:r="http://schemas.openxmlformats.org/officeDocument/2006/relationships" xmlns:p="http://schemas.openxmlformats.org/presentationml/2006/main">
+  <p:cSld>
+    <p:spTree>
+      <p:nvGrpSpPr>
+        <p:cNvPr id="1" name=""/>
+        <p:cNvGrpSpPr/>
+        <p:nvPr/>
+      </p:nvGrpSpPr>
+      <p:grpSpPr>
+        <a:xfrm>
+          <a:off x="0" y="0"/>
+          <a:ext cx="0" cy="0"/>
+          <a:chOff x="0" y="0"/>
+          <a:chExt cx="0" cy="0"/>
+        </a:xfrm>
+      </p:grpSpPr>
+      <p:sp>
+        <p:nvSpPr>
+          <p:cNvPr id="4" name="角丸四角形 3"/>
+          <p:cNvSpPr/>
+          <p:nvPr/>
+        </p:nvSpPr>
+        <p:spPr>
+          <a:xfrm>
+            <a:off x="3197151" y="584200"/>
+            <a:ext cx="5840589" cy="3241488"/>
+          </a:xfrm>
+          <a:prstGeom prst="roundRect">
+            <a:avLst/>
+          </a:prstGeom>
+          <a:ln w="57150"/>
+        </p:spPr>
+        <p:style>
+          <a:lnRef idx="2">
+            <a:schemeClr val="accent1"/>
+          </a:lnRef>
+          <a:fillRef idx="1">
+            <a:schemeClr val="lt1"/>
+          </a:fillRef>
+          <a:effectRef idx="0">
+            <a:schemeClr val="accent1"/>
+          </a:effectRef>
+          <a:fontRef idx="minor">
+            <a:schemeClr val="dk1"/>
+          </a:fontRef>
+        </p:style>
+        <p:txBody>
+          <a:bodyPr rtlCol="0" anchor="t"/>
+          <a:lstStyle/>
+          <a:p>
+            <a:pPr algn="ctr"/>
+            <a:r>
+              <a:rPr lang="en-US" altLang="ja-JP" sz="2400" b="1" dirty="0" err="1" smtClean="0">
+                <a:solidFill>
+                  <a:schemeClr val="accent1"/>
+                </a:solidFill>
+                <a:latin typeface="Calibri" charset="0"/>
+                <a:ea typeface="Calibri" charset="0"/>
+                <a:cs typeface="Calibri" charset="0"/>
+              </a:rPr>
+              <a:t>EverySense</a:t>
+            </a:r>
+            <a:r>
+              <a:rPr lang="en-US" altLang="ja-JP" sz="2400" b="1" dirty="0" smtClean="0">
+                <a:solidFill>
+                  <a:schemeClr val="accent1"/>
+                </a:solidFill>
+                <a:latin typeface="Calibri" charset="0"/>
+                <a:ea typeface="Calibri" charset="0"/>
+                <a:cs typeface="Calibri" charset="0"/>
+              </a:rPr>
+              <a:t> Server</a:t>
+            </a:r>
+            <a:endParaRPr kumimoji="1" lang="ja-JP" altLang="en-US" sz="2400" b="1" dirty="0">
+              <a:solidFill>
+                <a:schemeClr val="accent1"/>
+              </a:solidFill>
+              <a:latin typeface="Calibri" charset="0"/>
+              <a:ea typeface="Calibri" charset="0"/>
+              <a:cs typeface="Calibri" charset="0"/>
+            </a:endParaRPr>
+          </a:p>
+        </p:txBody>
+      </p:sp>
+      <p:grpSp>
+        <p:nvGrpSpPr>
+          <p:cNvPr id="20" name="図形グループ 19"/>
+          <p:cNvGrpSpPr/>
+          <p:nvPr/>
+        </p:nvGrpSpPr>
+        <p:grpSpPr>
+          <a:xfrm>
+            <a:off x="1963666" y="3076225"/>
+            <a:ext cx="292100" cy="647700"/>
+            <a:chOff x="5181600" y="3937000"/>
+            <a:chExt cx="292100" cy="647700"/>
+          </a:xfrm>
+        </p:grpSpPr>
+        <p:sp>
+          <p:nvSpPr>
+            <p:cNvPr id="2" name="円/楕円 1"/>
+            <p:cNvSpPr/>
+            <p:nvPr/>
+          </p:nvSpPr>
+          <p:spPr>
+            <a:xfrm>
+              <a:off x="5181600" y="3937000"/>
+              <a:ext cx="292100" cy="292100"/>
+            </a:xfrm>
+            <a:prstGeom prst="ellipse">
+              <a:avLst/>
+            </a:prstGeom>
+          </p:spPr>
+          <p:style>
+            <a:lnRef idx="2">
+              <a:schemeClr val="accent1">
+                <a:shade val="50000"/>
+              </a:schemeClr>
+            </a:lnRef>
+            <a:fillRef idx="1">
+              <a:schemeClr val="accent1"/>
+            </a:fillRef>
+            <a:effectRef idx="0">
+              <a:schemeClr val="accent1"/>
+            </a:effectRef>
+            <a:fontRef idx="minor">
+              <a:schemeClr val="lt1"/>
+            </a:fontRef>
+          </p:style>
+          <p:txBody>
+            <a:bodyPr rtlCol="0" anchor="ctr"/>
+            <a:lstStyle/>
+            <a:p>
+              <a:pPr algn="ctr"/>
+              <a:endParaRPr kumimoji="1" lang="ja-JP" altLang="en-US">
+                <a:latin typeface="Calibri" charset="0"/>
+                <a:ea typeface="Calibri" charset="0"/>
+                <a:cs typeface="Calibri" charset="0"/>
+              </a:endParaRPr>
+            </a:p>
+          </p:txBody>
+        </p:sp>
+        <p:cxnSp>
+          <p:nvCxnSpPr>
+            <p:cNvPr id="5" name="直線コネクタ 4"/>
+            <p:cNvCxnSpPr>
+              <a:stCxn id="2" idx="4"/>
+            </p:cNvCxnSpPr>
+            <p:nvPr/>
+          </p:nvCxnSpPr>
+          <p:spPr>
+            <a:xfrm>
+              <a:off x="5327650" y="4229100"/>
+              <a:ext cx="0" cy="241300"/>
+            </a:xfrm>
+            <a:prstGeom prst="line">
+              <a:avLst/>
+            </a:prstGeom>
+            <a:ln w="38100"/>
+          </p:spPr>
+          <p:style>
+            <a:lnRef idx="1">
+              <a:schemeClr val="accent1"/>
+            </a:lnRef>
+            <a:fillRef idx="0">
+              <a:schemeClr val="accent1"/>
+            </a:fillRef>
+            <a:effectRef idx="0">
+              <a:schemeClr val="accent1"/>
+            </a:effectRef>
+            <a:fontRef idx="minor">
+              <a:schemeClr val="tx1"/>
+            </a:fontRef>
+          </p:style>
+        </p:cxnSp>
+        <p:cxnSp>
+          <p:nvCxnSpPr>
+            <p:cNvPr id="10" name="直線コネクタ 9"/>
+            <p:cNvCxnSpPr/>
+            <p:nvPr/>
+          </p:nvCxnSpPr>
+          <p:spPr>
+            <a:xfrm>
+              <a:off x="5327650" y="4470400"/>
+              <a:ext cx="117475" cy="114300"/>
+            </a:xfrm>
+            <a:prstGeom prst="line">
+              <a:avLst/>
+            </a:prstGeom>
+            <a:ln w="38100"/>
+          </p:spPr>
+          <p:style>
+            <a:lnRef idx="1">
+              <a:schemeClr val="accent1"/>
+            </a:lnRef>
+            <a:fillRef idx="0">
+              <a:schemeClr val="accent1"/>
+            </a:fillRef>
+            <a:effectRef idx="0">
+              <a:schemeClr val="accent1"/>
+            </a:effectRef>
+            <a:fontRef idx="minor">
+              <a:schemeClr val="tx1"/>
+            </a:fontRef>
+          </p:style>
+        </p:cxnSp>
+        <p:cxnSp>
+          <p:nvCxnSpPr>
+            <p:cNvPr id="17" name="直線コネクタ 16"/>
+            <p:cNvCxnSpPr/>
+            <p:nvPr/>
+          </p:nvCxnSpPr>
+          <p:spPr>
+            <a:xfrm flipH="1">
+              <a:off x="5210175" y="4470400"/>
+              <a:ext cx="117475" cy="114300"/>
+            </a:xfrm>
+            <a:prstGeom prst="line">
+              <a:avLst/>
+            </a:prstGeom>
+            <a:ln w="38100"/>
+          </p:spPr>
+          <p:style>
+            <a:lnRef idx="1">
+              <a:schemeClr val="accent1"/>
+            </a:lnRef>
+            <a:fillRef idx="0">
+              <a:schemeClr val="accent1"/>
+            </a:fillRef>
+            <a:effectRef idx="0">
+              <a:schemeClr val="accent1"/>
+            </a:effectRef>
+            <a:fontRef idx="minor">
+              <a:schemeClr val="tx1"/>
+            </a:fontRef>
+          </p:style>
+        </p:cxnSp>
+        <p:cxnSp>
+          <p:nvCxnSpPr>
+            <p:cNvPr id="18" name="直線コネクタ 17"/>
+            <p:cNvCxnSpPr/>
+            <p:nvPr/>
+          </p:nvCxnSpPr>
+          <p:spPr>
+            <a:xfrm>
+              <a:off x="5327650" y="4292600"/>
+              <a:ext cx="117475" cy="114300"/>
+            </a:xfrm>
+            <a:prstGeom prst="line">
+              <a:avLst/>
+            </a:prstGeom>
+            <a:ln w="38100"/>
+          </p:spPr>
+          <p:style>
+            <a:lnRef idx="1">
+              <a:schemeClr val="accent1"/>
+            </a:lnRef>
+            <a:fillRef idx="0">
+              <a:schemeClr val="accent1"/>
+            </a:fillRef>
+            <a:effectRef idx="0">
+              <a:schemeClr val="accent1"/>
+            </a:effectRef>
+            <a:fontRef idx="minor">
+              <a:schemeClr val="tx1"/>
+            </a:fontRef>
+          </p:style>
+        </p:cxnSp>
+        <p:cxnSp>
+          <p:nvCxnSpPr>
+            <p:cNvPr id="19" name="直線コネクタ 18"/>
+            <p:cNvCxnSpPr/>
+            <p:nvPr/>
+          </p:nvCxnSpPr>
+          <p:spPr>
+            <a:xfrm flipH="1">
+              <a:off x="5210175" y="4292600"/>
+              <a:ext cx="117475" cy="114300"/>
+            </a:xfrm>
+            <a:prstGeom prst="line">
+              <a:avLst/>
+            </a:prstGeom>
+            <a:ln w="38100"/>
+          </p:spPr>
+          <p:style>
+            <a:lnRef idx="1">
+              <a:schemeClr val="accent1"/>
+            </a:lnRef>
+            <a:fillRef idx="0">
+              <a:schemeClr val="accent1"/>
+            </a:fillRef>
+            <a:effectRef idx="0">
+              <a:schemeClr val="accent1"/>
+            </a:effectRef>
+            <a:fontRef idx="minor">
+              <a:schemeClr val="tx1"/>
+            </a:fontRef>
+          </p:style>
+        </p:cxnSp>
+      </p:grpSp>
+      <p:sp>
+        <p:nvSpPr>
+          <p:cNvPr id="21" name="テキスト ボックス 20"/>
+          <p:cNvSpPr txBox="1"/>
+          <p:nvPr/>
+        </p:nvSpPr>
+        <p:spPr>
+          <a:xfrm>
+            <a:off x="1680271" y="2553005"/>
+            <a:ext cx="866327" cy="461665"/>
+          </a:xfrm>
+          <a:prstGeom prst="rect">
+            <a:avLst/>
+          </a:prstGeom>
+          <a:noFill/>
+        </p:spPr>
+        <p:txBody>
+          <a:bodyPr wrap="none" rtlCol="0">
+            <a:spAutoFit/>
+          </a:bodyPr>
+          <a:lstStyle/>
+          <a:p>
+            <a:r>
+              <a:rPr kumimoji="1" lang="en-US" altLang="ja-JP" sz="1200" dirty="0" smtClean="0">
+                <a:latin typeface="Calibri" charset="0"/>
+                <a:ea typeface="Calibri" charset="0"/>
+                <a:cs typeface="Calibri" charset="0"/>
+              </a:rPr>
+              <a:t>Farm</a:t>
+            </a:r>
+            <a:endParaRPr kumimoji="1" lang="en-US" altLang="ja-JP" sz="1200" dirty="0" smtClean="0">
+              <a:latin typeface="Calibri" charset="0"/>
+              <a:ea typeface="Calibri" charset="0"/>
+              <a:cs typeface="Calibri" charset="0"/>
+            </a:endParaRPr>
+          </a:p>
+          <a:p>
+            <a:r>
+              <a:rPr kumimoji="1" lang="en-US" altLang="ja-JP" sz="1200" dirty="0" smtClean="0">
+                <a:latin typeface="Calibri" charset="0"/>
+                <a:ea typeface="Calibri" charset="0"/>
+                <a:cs typeface="Calibri" charset="0"/>
+              </a:rPr>
+              <a:t>Owner FO</a:t>
+            </a:r>
+            <a:r>
+              <a:rPr kumimoji="1" lang="en-US" altLang="ja-JP" sz="1200" baseline="-25000" dirty="0" smtClean="0">
+                <a:latin typeface="Calibri" charset="0"/>
+                <a:ea typeface="Calibri" charset="0"/>
+                <a:cs typeface="Calibri" charset="0"/>
+              </a:rPr>
+              <a:t>1</a:t>
+            </a:r>
+            <a:endParaRPr kumimoji="1" lang="ja-JP" altLang="en-US" sz="1200" baseline="-25000" dirty="0">
+              <a:latin typeface="Calibri" charset="0"/>
+              <a:ea typeface="Calibri" charset="0"/>
+              <a:cs typeface="Calibri" charset="0"/>
+            </a:endParaRPr>
+          </a:p>
+        </p:txBody>
+      </p:sp>
+      <p:sp>
+        <p:nvSpPr>
+          <p:cNvPr id="28" name="正方形/長方形 27"/>
+          <p:cNvSpPr/>
+          <p:nvPr/>
+        </p:nvSpPr>
+        <p:spPr>
+          <a:xfrm>
+            <a:off x="1951130" y="4222141"/>
+            <a:ext cx="609600" cy="418170"/>
+          </a:xfrm>
+          <a:prstGeom prst="rect">
+            <a:avLst/>
+          </a:prstGeom>
+        </p:spPr>
+        <p:style>
+          <a:lnRef idx="2">
+            <a:schemeClr val="accent2">
+              <a:shade val="50000"/>
+            </a:schemeClr>
+          </a:lnRef>
+          <a:fillRef idx="1">
+            <a:schemeClr val="accent2"/>
+          </a:fillRef>
+          <a:effectRef idx="0">
+            <a:schemeClr val="accent2"/>
+          </a:effectRef>
+          <a:fontRef idx="minor">
+            <a:schemeClr val="lt1"/>
+          </a:fontRef>
+        </p:style>
+        <p:txBody>
+          <a:bodyPr rtlCol="0" anchor="ctr"/>
+          <a:lstStyle/>
+          <a:p>
+            <a:pPr algn="ctr"/>
+            <a:endParaRPr kumimoji="1" lang="ja-JP" altLang="en-US">
+              <a:latin typeface="Calibri" charset="0"/>
+              <a:ea typeface="Calibri" charset="0"/>
+              <a:cs typeface="Calibri" charset="0"/>
+            </a:endParaRPr>
+          </a:p>
+        </p:txBody>
+      </p:sp>
+      <p:sp>
+        <p:nvSpPr>
+          <p:cNvPr id="29" name="テキスト ボックス 28"/>
+          <p:cNvSpPr txBox="1"/>
+          <p:nvPr/>
+        </p:nvSpPr>
+        <p:spPr>
+          <a:xfrm>
+            <a:off x="1770787" y="3933295"/>
+            <a:ext cx="783548" cy="276999"/>
+          </a:xfrm>
+          <a:prstGeom prst="rect">
+            <a:avLst/>
+          </a:prstGeom>
+          <a:noFill/>
+        </p:spPr>
+        <p:txBody>
+          <a:bodyPr wrap="none" rtlCol="0">
+            <a:spAutoFit/>
+          </a:bodyPr>
+          <a:lstStyle/>
+          <a:p>
+            <a:r>
+              <a:rPr kumimoji="1" lang="en-US" altLang="ja-JP" sz="1200" dirty="0" smtClean="0">
+                <a:latin typeface="Calibri" charset="0"/>
+                <a:ea typeface="Calibri" charset="0"/>
+                <a:cs typeface="Calibri" charset="0"/>
+              </a:rPr>
+              <a:t>Device D</a:t>
+            </a:r>
+            <a:r>
+              <a:rPr kumimoji="1" lang="en-US" altLang="ja-JP" sz="1200" baseline="-25000" dirty="0" smtClean="0">
+                <a:latin typeface="Calibri" charset="0"/>
+                <a:ea typeface="Calibri" charset="0"/>
+                <a:cs typeface="Calibri" charset="0"/>
+              </a:rPr>
+              <a:t>1</a:t>
+            </a:r>
+            <a:endParaRPr lang="en-US" altLang="ja-JP" sz="1200" baseline="-25000" dirty="0">
+              <a:latin typeface="Calibri" charset="0"/>
+              <a:ea typeface="Calibri" charset="0"/>
+              <a:cs typeface="Calibri" charset="0"/>
+            </a:endParaRPr>
+          </a:p>
+        </p:txBody>
+      </p:sp>
+      <p:sp>
+        <p:nvSpPr>
+          <p:cNvPr id="30" name="正方形/長方形 29"/>
+          <p:cNvSpPr/>
+          <p:nvPr/>
+        </p:nvSpPr>
+        <p:spPr>
+          <a:xfrm>
+            <a:off x="2127658" y="4433566"/>
+            <a:ext cx="211138" cy="163106"/>
+          </a:xfrm>
+          <a:prstGeom prst="rect">
+            <a:avLst/>
+          </a:prstGeom>
+        </p:spPr>
+        <p:style>
+          <a:lnRef idx="2">
+            <a:schemeClr val="accent4">
+              <a:shade val="50000"/>
+            </a:schemeClr>
+          </a:lnRef>
+          <a:fillRef idx="1">
+            <a:schemeClr val="accent4"/>
+          </a:fillRef>
+          <a:effectRef idx="0">
+            <a:schemeClr val="accent4"/>
+          </a:effectRef>
+          <a:fontRef idx="minor">
+            <a:schemeClr val="lt1"/>
+          </a:fontRef>
+        </p:style>
+        <p:txBody>
+          <a:bodyPr rtlCol="0" anchor="ctr"/>
+          <a:lstStyle/>
+          <a:p>
+            <a:pPr algn="ctr"/>
+            <a:endParaRPr kumimoji="1" lang="ja-JP" altLang="en-US">
+              <a:latin typeface="Calibri" charset="0"/>
+              <a:ea typeface="Calibri" charset="0"/>
+              <a:cs typeface="Calibri" charset="0"/>
+            </a:endParaRPr>
+          </a:p>
+        </p:txBody>
+      </p:sp>
+      <p:sp>
+        <p:nvSpPr>
+          <p:cNvPr id="31" name="テキスト ボックス 30"/>
+          <p:cNvSpPr txBox="1"/>
+          <p:nvPr/>
+        </p:nvSpPr>
+        <p:spPr>
+          <a:xfrm>
+            <a:off x="1885223" y="4181004"/>
+            <a:ext cx="764953" cy="276999"/>
+          </a:xfrm>
+          <a:prstGeom prst="rect">
+            <a:avLst/>
+          </a:prstGeom>
+          <a:noFill/>
+        </p:spPr>
+        <p:txBody>
+          <a:bodyPr wrap="none" rtlCol="0">
+            <a:spAutoFit/>
+          </a:bodyPr>
+          <a:lstStyle/>
+          <a:p>
+            <a:r>
+              <a:rPr kumimoji="1" lang="en-US" altLang="ja-JP" sz="1200" dirty="0" smtClean="0">
+                <a:latin typeface="Calibri" charset="0"/>
+                <a:ea typeface="Calibri" charset="0"/>
+                <a:cs typeface="Calibri" charset="0"/>
+              </a:rPr>
+              <a:t>Sensor S</a:t>
+            </a:r>
+            <a:r>
+              <a:rPr kumimoji="1" lang="en-US" altLang="ja-JP" sz="1200" baseline="-25000" dirty="0" smtClean="0">
+                <a:latin typeface="Calibri" charset="0"/>
+                <a:ea typeface="Calibri" charset="0"/>
+                <a:cs typeface="Calibri" charset="0"/>
+              </a:rPr>
+              <a:t>1</a:t>
+            </a:r>
+            <a:endParaRPr kumimoji="1" lang="en-US" altLang="ja-JP" sz="1200" baseline="-25000" dirty="0" smtClean="0">
+              <a:latin typeface="Calibri" charset="0"/>
+              <a:ea typeface="Calibri" charset="0"/>
+              <a:cs typeface="Calibri" charset="0"/>
+            </a:endParaRPr>
+          </a:p>
+        </p:txBody>
+      </p:sp>
+      <p:sp>
+        <p:nvSpPr>
+          <p:cNvPr id="32" name="正方形/長方形 31"/>
+          <p:cNvSpPr/>
+          <p:nvPr/>
+        </p:nvSpPr>
+        <p:spPr>
+          <a:xfrm>
+            <a:off x="2127658" y="4920641"/>
+            <a:ext cx="211138" cy="163106"/>
+          </a:xfrm>
+          <a:prstGeom prst="rect">
+            <a:avLst/>
+          </a:prstGeom>
+        </p:spPr>
+        <p:style>
+          <a:lnRef idx="2">
+            <a:schemeClr val="accent4">
+              <a:shade val="50000"/>
+            </a:schemeClr>
+          </a:lnRef>
+          <a:fillRef idx="1">
+            <a:schemeClr val="accent4"/>
+          </a:fillRef>
+          <a:effectRef idx="0">
+            <a:schemeClr val="accent4"/>
+          </a:effectRef>
+          <a:fontRef idx="minor">
+            <a:schemeClr val="lt1"/>
+          </a:fontRef>
+        </p:style>
+        <p:txBody>
+          <a:bodyPr rtlCol="0" anchor="ctr"/>
+          <a:lstStyle/>
+          <a:p>
+            <a:pPr algn="ctr"/>
+            <a:endParaRPr kumimoji="1" lang="ja-JP" altLang="en-US">
+              <a:latin typeface="Calibri" charset="0"/>
+              <a:ea typeface="Calibri" charset="0"/>
+              <a:cs typeface="Calibri" charset="0"/>
+            </a:endParaRPr>
+          </a:p>
+        </p:txBody>
+      </p:sp>
+      <p:sp>
+        <p:nvSpPr>
+          <p:cNvPr id="33" name="テキスト ボックス 32"/>
+          <p:cNvSpPr txBox="1"/>
+          <p:nvPr/>
+        </p:nvSpPr>
+        <p:spPr>
+          <a:xfrm>
+            <a:off x="1885223" y="5025191"/>
+            <a:ext cx="764953" cy="276999"/>
+          </a:xfrm>
+          <a:prstGeom prst="rect">
+            <a:avLst/>
+          </a:prstGeom>
+          <a:noFill/>
+        </p:spPr>
+        <p:txBody>
+          <a:bodyPr wrap="none" rtlCol="0">
+            <a:spAutoFit/>
+          </a:bodyPr>
+          <a:lstStyle/>
+          <a:p>
+            <a:r>
+              <a:rPr kumimoji="1" lang="en-US" altLang="ja-JP" sz="1200" dirty="0" smtClean="0">
+                <a:latin typeface="Calibri" charset="0"/>
+                <a:ea typeface="Calibri" charset="0"/>
+                <a:cs typeface="Calibri" charset="0"/>
+              </a:rPr>
+              <a:t>Sensor S</a:t>
+            </a:r>
+            <a:r>
+              <a:rPr kumimoji="1" lang="en-US" altLang="ja-JP" sz="1200" baseline="-25000" dirty="0" smtClean="0">
+                <a:latin typeface="Calibri" charset="0"/>
+                <a:ea typeface="Calibri" charset="0"/>
+                <a:cs typeface="Calibri" charset="0"/>
+              </a:rPr>
+              <a:t>2</a:t>
+            </a:r>
+            <a:endParaRPr kumimoji="1" lang="en-US" altLang="ja-JP" sz="1200" baseline="-25000" dirty="0" smtClean="0">
+              <a:latin typeface="Calibri" charset="0"/>
+              <a:ea typeface="Calibri" charset="0"/>
+              <a:cs typeface="Calibri" charset="0"/>
+            </a:endParaRPr>
+          </a:p>
+        </p:txBody>
+      </p:sp>
+      <p:sp>
+        <p:nvSpPr>
+          <p:cNvPr id="34" name="テキスト ボックス 33"/>
+          <p:cNvSpPr txBox="1"/>
+          <p:nvPr/>
+        </p:nvSpPr>
+        <p:spPr>
+          <a:xfrm>
+            <a:off x="2897072" y="3930942"/>
+            <a:ext cx="783548" cy="276999"/>
+          </a:xfrm>
+          <a:prstGeom prst="rect">
+            <a:avLst/>
+          </a:prstGeom>
+          <a:noFill/>
+        </p:spPr>
+        <p:txBody>
+          <a:bodyPr wrap="none" rtlCol="0">
+            <a:spAutoFit/>
+          </a:bodyPr>
+          <a:lstStyle/>
+          <a:p>
+            <a:r>
+              <a:rPr kumimoji="1" lang="en-US" altLang="ja-JP" sz="1200" dirty="0" smtClean="0">
+                <a:latin typeface="Calibri" charset="0"/>
+                <a:ea typeface="Calibri" charset="0"/>
+                <a:cs typeface="Calibri" charset="0"/>
+              </a:rPr>
+              <a:t>Device D</a:t>
+            </a:r>
+            <a:r>
+              <a:rPr lang="en-US" altLang="ja-JP" sz="1200" baseline="-25000" dirty="0" smtClean="0">
+                <a:latin typeface="Calibri" charset="0"/>
+                <a:ea typeface="Calibri" charset="0"/>
+                <a:cs typeface="Calibri" charset="0"/>
+              </a:rPr>
+              <a:t>2</a:t>
+            </a:r>
+            <a:endParaRPr kumimoji="1" lang="en-US" altLang="ja-JP" sz="1200" baseline="-25000" dirty="0" smtClean="0">
+              <a:latin typeface="Calibri" charset="0"/>
+              <a:ea typeface="Calibri" charset="0"/>
+              <a:cs typeface="Calibri" charset="0"/>
+            </a:endParaRPr>
+          </a:p>
+        </p:txBody>
+      </p:sp>
+      <p:grpSp>
+        <p:nvGrpSpPr>
+          <p:cNvPr id="39" name="図形グループ 38"/>
+          <p:cNvGrpSpPr/>
+          <p:nvPr/>
+        </p:nvGrpSpPr>
+        <p:grpSpPr>
+          <a:xfrm rot="-2700000">
+            <a:off x="2010366" y="4732624"/>
+            <a:ext cx="445723" cy="445723"/>
+            <a:chOff x="4742656" y="4758033"/>
+            <a:chExt cx="1100138" cy="1100138"/>
+          </a:xfrm>
+        </p:grpSpPr>
+        <p:sp>
+          <p:nvSpPr>
+            <p:cNvPr id="36" name="円弧 35"/>
+            <p:cNvSpPr/>
+            <p:nvPr/>
+          </p:nvSpPr>
+          <p:spPr>
+            <a:xfrm>
+              <a:off x="5010150" y="5025527"/>
+              <a:ext cx="565150" cy="565150"/>
+            </a:xfrm>
+            <a:prstGeom prst="arc">
+              <a:avLst/>
+            </a:prstGeom>
+            <a:ln w="28575">
+              <a:solidFill>
+                <a:schemeClr val="tx1"/>
+              </a:solidFill>
+            </a:ln>
+          </p:spPr>
+          <p:style>
+            <a:lnRef idx="1">
+              <a:schemeClr val="accent1"/>
+            </a:lnRef>
+            <a:fillRef idx="0">
+              <a:schemeClr val="accent1"/>
+            </a:fillRef>
+            <a:effectRef idx="0">
+              <a:schemeClr val="accent1"/>
+            </a:effectRef>
+            <a:fontRef idx="minor">
+              <a:schemeClr val="tx1"/>
+            </a:fontRef>
+          </p:style>
+          <p:txBody>
+            <a:bodyPr rtlCol="0" anchor="ctr"/>
+            <a:lstStyle/>
+            <a:p>
+              <a:pPr algn="ctr"/>
+              <a:endParaRPr kumimoji="1" lang="ja-JP" altLang="en-US">
+                <a:latin typeface="Calibri" charset="0"/>
+                <a:ea typeface="Calibri" charset="0"/>
+                <a:cs typeface="Calibri" charset="0"/>
+              </a:endParaRPr>
+            </a:p>
+          </p:txBody>
+        </p:sp>
+        <p:sp>
+          <p:nvSpPr>
+            <p:cNvPr id="37" name="円弧 36"/>
+            <p:cNvSpPr/>
+            <p:nvPr/>
+          </p:nvSpPr>
+          <p:spPr>
+            <a:xfrm>
+              <a:off x="4879975" y="4895352"/>
+              <a:ext cx="825500" cy="825500"/>
+            </a:xfrm>
+            <a:prstGeom prst="arc">
+              <a:avLst/>
+            </a:prstGeom>
+            <a:ln w="28575">
+              <a:solidFill>
+                <a:schemeClr val="tx1"/>
+              </a:solidFill>
+            </a:ln>
+          </p:spPr>
+          <p:style>
+            <a:lnRef idx="1">
+              <a:schemeClr val="accent1"/>
+            </a:lnRef>
+            <a:fillRef idx="0">
+              <a:schemeClr val="accent1"/>
+            </a:fillRef>
+            <a:effectRef idx="0">
+              <a:schemeClr val="accent1"/>
+            </a:effectRef>
+            <a:fontRef idx="minor">
+              <a:schemeClr val="tx1"/>
+            </a:fontRef>
+          </p:style>
+          <p:txBody>
+            <a:bodyPr rtlCol="0" anchor="ctr"/>
+            <a:lstStyle/>
+            <a:p>
+              <a:pPr algn="ctr"/>
+              <a:endParaRPr kumimoji="1" lang="ja-JP" altLang="en-US">
+                <a:latin typeface="Calibri" charset="0"/>
+                <a:ea typeface="Calibri" charset="0"/>
+                <a:cs typeface="Calibri" charset="0"/>
+              </a:endParaRPr>
+            </a:p>
+          </p:txBody>
+        </p:sp>
+        <p:sp>
+          <p:nvSpPr>
+            <p:cNvPr id="38" name="円弧 37"/>
+            <p:cNvSpPr/>
+            <p:nvPr/>
+          </p:nvSpPr>
+          <p:spPr>
+            <a:xfrm>
+              <a:off x="4742656" y="4758033"/>
+              <a:ext cx="1100138" cy="1100138"/>
+            </a:xfrm>
+            <a:prstGeom prst="arc">
+              <a:avLst/>
+            </a:prstGeom>
+            <a:ln w="28575">
+              <a:solidFill>
+                <a:schemeClr val="tx1"/>
+              </a:solidFill>
+            </a:ln>
+          </p:spPr>
+          <p:style>
+            <a:lnRef idx="1">
+              <a:schemeClr val="accent1"/>
+            </a:lnRef>
+            <a:fillRef idx="0">
+              <a:schemeClr val="accent1"/>
+            </a:fillRef>
+            <a:effectRef idx="0">
+              <a:schemeClr val="accent1"/>
+            </a:effectRef>
+            <a:fontRef idx="minor">
+              <a:schemeClr val="tx1"/>
+            </a:fontRef>
+          </p:style>
+          <p:txBody>
+            <a:bodyPr rtlCol="0" anchor="ctr"/>
+            <a:lstStyle/>
+            <a:p>
+              <a:pPr algn="ctr"/>
+              <a:endParaRPr kumimoji="1" lang="ja-JP" altLang="en-US">
+                <a:latin typeface="Calibri" charset="0"/>
+                <a:ea typeface="Calibri" charset="0"/>
+                <a:cs typeface="Calibri" charset="0"/>
+              </a:endParaRPr>
+            </a:p>
+          </p:txBody>
+        </p:sp>
+      </p:grpSp>
+      <p:sp>
+        <p:nvSpPr>
+          <p:cNvPr id="40" name="テキスト ボックス 39"/>
+          <p:cNvSpPr txBox="1"/>
+          <p:nvPr/>
+        </p:nvSpPr>
+        <p:spPr>
+          <a:xfrm>
+            <a:off x="2897071" y="4600801"/>
+            <a:ext cx="783548" cy="276999"/>
+          </a:xfrm>
+          <a:prstGeom prst="rect">
+            <a:avLst/>
+          </a:prstGeom>
+          <a:noFill/>
+        </p:spPr>
+        <p:txBody>
+          <a:bodyPr wrap="none" rtlCol="0">
+            <a:spAutoFit/>
+          </a:bodyPr>
+          <a:lstStyle/>
+          <a:p>
+            <a:r>
+              <a:rPr kumimoji="1" lang="en-US" altLang="ja-JP" sz="1200" dirty="0" smtClean="0">
+                <a:latin typeface="Calibri" charset="0"/>
+                <a:ea typeface="Calibri" charset="0"/>
+                <a:cs typeface="Calibri" charset="0"/>
+              </a:rPr>
+              <a:t>Device D</a:t>
+            </a:r>
+            <a:r>
+              <a:rPr kumimoji="1" lang="en-US" altLang="ja-JP" sz="1200" baseline="-25000" dirty="0" smtClean="0">
+                <a:latin typeface="Calibri" charset="0"/>
+                <a:ea typeface="Calibri" charset="0"/>
+                <a:cs typeface="Calibri" charset="0"/>
+              </a:rPr>
+              <a:t>3</a:t>
+            </a:r>
+            <a:endParaRPr kumimoji="1" lang="en-US" altLang="ja-JP" sz="1200" baseline="-25000" dirty="0" smtClean="0">
+              <a:latin typeface="Calibri" charset="0"/>
+              <a:ea typeface="Calibri" charset="0"/>
+              <a:cs typeface="Calibri" charset="0"/>
+            </a:endParaRPr>
+          </a:p>
+        </p:txBody>
+      </p:sp>
+      <p:sp>
+        <p:nvSpPr>
+          <p:cNvPr id="41" name="正方形/長方形 40"/>
+          <p:cNvSpPr/>
+          <p:nvPr/>
+        </p:nvSpPr>
+        <p:spPr>
+          <a:xfrm>
+            <a:off x="2953839" y="4191363"/>
+            <a:ext cx="609600" cy="448948"/>
+          </a:xfrm>
+          <a:prstGeom prst="rect">
+            <a:avLst/>
+          </a:prstGeom>
+        </p:spPr>
+        <p:style>
+          <a:lnRef idx="2">
+            <a:schemeClr val="accent2">
+              <a:shade val="50000"/>
+            </a:schemeClr>
+          </a:lnRef>
+          <a:fillRef idx="1">
+            <a:schemeClr val="accent2"/>
+          </a:fillRef>
+          <a:effectRef idx="0">
+            <a:schemeClr val="accent2"/>
+          </a:effectRef>
+          <a:fontRef idx="minor">
+            <a:schemeClr val="lt1"/>
+          </a:fontRef>
+        </p:style>
+        <p:txBody>
+          <a:bodyPr rtlCol="0" anchor="ctr"/>
+          <a:lstStyle/>
+          <a:p>
+            <a:pPr algn="ctr"/>
+            <a:endParaRPr kumimoji="1" lang="ja-JP" altLang="en-US">
+              <a:latin typeface="Calibri" charset="0"/>
+              <a:ea typeface="Calibri" charset="0"/>
+              <a:cs typeface="Calibri" charset="0"/>
+            </a:endParaRPr>
+          </a:p>
+        </p:txBody>
+      </p:sp>
+      <p:sp>
+        <p:nvSpPr>
+          <p:cNvPr id="42" name="テキスト ボックス 41"/>
+          <p:cNvSpPr txBox="1"/>
+          <p:nvPr/>
+        </p:nvSpPr>
+        <p:spPr>
+          <a:xfrm>
+            <a:off x="2900632" y="4162926"/>
+            <a:ext cx="764953" cy="276999"/>
+          </a:xfrm>
+          <a:prstGeom prst="rect">
+            <a:avLst/>
+          </a:prstGeom>
+          <a:noFill/>
+        </p:spPr>
+        <p:txBody>
+          <a:bodyPr wrap="none" rtlCol="0">
+            <a:spAutoFit/>
+          </a:bodyPr>
+          <a:lstStyle/>
+          <a:p>
+            <a:r>
+              <a:rPr kumimoji="1" lang="en-US" altLang="ja-JP" sz="1200" dirty="0" smtClean="0">
+                <a:latin typeface="Calibri" charset="0"/>
+                <a:ea typeface="Calibri" charset="0"/>
+                <a:cs typeface="Calibri" charset="0"/>
+              </a:rPr>
+              <a:t>Sensor S</a:t>
+            </a:r>
+            <a:r>
+              <a:rPr kumimoji="1" lang="en-US" altLang="ja-JP" sz="1200" baseline="-25000" dirty="0" smtClean="0">
+                <a:latin typeface="Calibri" charset="0"/>
+                <a:ea typeface="Calibri" charset="0"/>
+                <a:cs typeface="Calibri" charset="0"/>
+              </a:rPr>
+              <a:t>3</a:t>
+            </a:r>
+            <a:endParaRPr kumimoji="1" lang="en-US" altLang="ja-JP" sz="1200" baseline="-25000" dirty="0" smtClean="0">
+              <a:latin typeface="Calibri" charset="0"/>
+              <a:ea typeface="Calibri" charset="0"/>
+              <a:cs typeface="Calibri" charset="0"/>
+            </a:endParaRPr>
+          </a:p>
+        </p:txBody>
+      </p:sp>
+      <p:sp>
+        <p:nvSpPr>
+          <p:cNvPr id="43" name="正方形/長方形 42"/>
+          <p:cNvSpPr/>
+          <p:nvPr/>
+        </p:nvSpPr>
+        <p:spPr>
+          <a:xfrm>
+            <a:off x="2953839" y="4848286"/>
+            <a:ext cx="609600" cy="470922"/>
+          </a:xfrm>
+          <a:prstGeom prst="rect">
+            <a:avLst/>
+          </a:prstGeom>
+        </p:spPr>
+        <p:style>
+          <a:lnRef idx="2">
+            <a:schemeClr val="accent2">
+              <a:shade val="50000"/>
+            </a:schemeClr>
+          </a:lnRef>
+          <a:fillRef idx="1">
+            <a:schemeClr val="accent2"/>
+          </a:fillRef>
+          <a:effectRef idx="0">
+            <a:schemeClr val="accent2"/>
+          </a:effectRef>
+          <a:fontRef idx="minor">
+            <a:schemeClr val="lt1"/>
+          </a:fontRef>
+        </p:style>
+        <p:txBody>
+          <a:bodyPr rtlCol="0" anchor="ctr"/>
+          <a:lstStyle/>
+          <a:p>
+            <a:pPr algn="ctr"/>
+            <a:endParaRPr kumimoji="1" lang="ja-JP" altLang="en-US">
+              <a:latin typeface="Calibri" charset="0"/>
+              <a:ea typeface="Calibri" charset="0"/>
+              <a:cs typeface="Calibri" charset="0"/>
+            </a:endParaRPr>
+          </a:p>
+        </p:txBody>
+      </p:sp>
+      <p:sp>
+        <p:nvSpPr>
+          <p:cNvPr id="44" name="テキスト ボックス 43"/>
+          <p:cNvSpPr txBox="1"/>
+          <p:nvPr/>
+        </p:nvSpPr>
+        <p:spPr>
+          <a:xfrm>
+            <a:off x="2901970" y="4829685"/>
+            <a:ext cx="764953" cy="276999"/>
+          </a:xfrm>
+          <a:prstGeom prst="rect">
+            <a:avLst/>
+          </a:prstGeom>
+          <a:noFill/>
+        </p:spPr>
+        <p:txBody>
+          <a:bodyPr wrap="none" rtlCol="0">
+            <a:spAutoFit/>
+          </a:bodyPr>
+          <a:lstStyle/>
+          <a:p>
+            <a:r>
+              <a:rPr kumimoji="1" lang="en-US" altLang="ja-JP" sz="1200" dirty="0" smtClean="0">
+                <a:latin typeface="Calibri" charset="0"/>
+                <a:ea typeface="Calibri" charset="0"/>
+                <a:cs typeface="Calibri" charset="0"/>
+              </a:rPr>
+              <a:t>Sensor S</a:t>
+            </a:r>
+            <a:r>
+              <a:rPr kumimoji="1" lang="en-US" altLang="ja-JP" sz="1200" baseline="-25000" dirty="0" smtClean="0">
+                <a:latin typeface="Calibri" charset="0"/>
+                <a:ea typeface="Calibri" charset="0"/>
+                <a:cs typeface="Calibri" charset="0"/>
+              </a:rPr>
+              <a:t>4</a:t>
+            </a:r>
+            <a:endParaRPr kumimoji="1" lang="en-US" altLang="ja-JP" sz="1200" baseline="-25000" dirty="0" smtClean="0">
+              <a:latin typeface="Calibri" charset="0"/>
+              <a:ea typeface="Calibri" charset="0"/>
+              <a:cs typeface="Calibri" charset="0"/>
+            </a:endParaRPr>
+          </a:p>
+        </p:txBody>
+      </p:sp>
+      <p:sp>
+        <p:nvSpPr>
+          <p:cNvPr id="45" name="正方形/長方形 44"/>
+          <p:cNvSpPr/>
+          <p:nvPr/>
+        </p:nvSpPr>
+        <p:spPr>
+          <a:xfrm>
+            <a:off x="3138002" y="4413789"/>
+            <a:ext cx="211138" cy="163106"/>
+          </a:xfrm>
+          <a:prstGeom prst="rect">
+            <a:avLst/>
+          </a:prstGeom>
+        </p:spPr>
+        <p:style>
+          <a:lnRef idx="2">
+            <a:schemeClr val="accent4">
+              <a:shade val="50000"/>
+            </a:schemeClr>
+          </a:lnRef>
+          <a:fillRef idx="1">
+            <a:schemeClr val="accent4"/>
+          </a:fillRef>
+          <a:effectRef idx="0">
+            <a:schemeClr val="accent4"/>
+          </a:effectRef>
+          <a:fontRef idx="minor">
+            <a:schemeClr val="lt1"/>
+          </a:fontRef>
+        </p:style>
+        <p:txBody>
+          <a:bodyPr rtlCol="0" anchor="ctr"/>
+          <a:lstStyle/>
+          <a:p>
+            <a:pPr algn="ctr"/>
+            <a:endParaRPr kumimoji="1" lang="ja-JP" altLang="en-US">
+              <a:latin typeface="Calibri" charset="0"/>
+              <a:ea typeface="Calibri" charset="0"/>
+              <a:cs typeface="Calibri" charset="0"/>
+            </a:endParaRPr>
+          </a:p>
+        </p:txBody>
+      </p:sp>
+      <p:sp>
+        <p:nvSpPr>
+          <p:cNvPr id="46" name="正方形/長方形 45"/>
+          <p:cNvSpPr/>
+          <p:nvPr/>
+        </p:nvSpPr>
+        <p:spPr>
+          <a:xfrm>
+            <a:off x="3138002" y="5082117"/>
+            <a:ext cx="211138" cy="163106"/>
+          </a:xfrm>
+          <a:prstGeom prst="rect">
+            <a:avLst/>
+          </a:prstGeom>
+        </p:spPr>
+        <p:style>
+          <a:lnRef idx="2">
+            <a:schemeClr val="accent4">
+              <a:shade val="50000"/>
+            </a:schemeClr>
+          </a:lnRef>
+          <a:fillRef idx="1">
+            <a:schemeClr val="accent4"/>
+          </a:fillRef>
+          <a:effectRef idx="0">
+            <a:schemeClr val="accent4"/>
+          </a:effectRef>
+          <a:fontRef idx="minor">
+            <a:schemeClr val="lt1"/>
+          </a:fontRef>
+        </p:style>
+        <p:txBody>
+          <a:bodyPr rtlCol="0" anchor="ctr"/>
+          <a:lstStyle/>
+          <a:p>
+            <a:pPr algn="ctr"/>
+            <a:endParaRPr kumimoji="1" lang="ja-JP" altLang="en-US">
+              <a:latin typeface="Calibri" charset="0"/>
+              <a:ea typeface="Calibri" charset="0"/>
+              <a:cs typeface="Calibri" charset="0"/>
+            </a:endParaRPr>
+          </a:p>
+        </p:txBody>
+      </p:sp>
+      <p:sp>
+        <p:nvSpPr>
+          <p:cNvPr id="47" name="角丸四角形 46"/>
+          <p:cNvSpPr/>
+          <p:nvPr/>
+        </p:nvSpPr>
+        <p:spPr>
+          <a:xfrm>
+            <a:off x="3453017" y="1981286"/>
+            <a:ext cx="923627" cy="1565955"/>
+          </a:xfrm>
+          <a:prstGeom prst="roundRect">
+            <a:avLst/>
+          </a:prstGeom>
+        </p:spPr>
+        <p:style>
+          <a:lnRef idx="2">
+            <a:schemeClr val="accent1">
+              <a:shade val="50000"/>
+            </a:schemeClr>
+          </a:lnRef>
+          <a:fillRef idx="1">
+            <a:schemeClr val="accent1"/>
+          </a:fillRef>
+          <a:effectRef idx="0">
+            <a:schemeClr val="accent1"/>
+          </a:effectRef>
+          <a:fontRef idx="minor">
+            <a:schemeClr val="lt1"/>
+          </a:fontRef>
+        </p:style>
+        <p:txBody>
+          <a:bodyPr rtlCol="0" anchor="ctr"/>
+          <a:lstStyle/>
+          <a:p>
+            <a:pPr algn="ctr"/>
+            <a:endParaRPr kumimoji="1" lang="ja-JP" altLang="en-US">
+              <a:latin typeface="Calibri" charset="0"/>
+              <a:ea typeface="Calibri" charset="0"/>
+              <a:cs typeface="Calibri" charset="0"/>
+            </a:endParaRPr>
+          </a:p>
+        </p:txBody>
+      </p:sp>
+      <p:sp>
+        <p:nvSpPr>
+          <p:cNvPr id="48" name="テキスト ボックス 47"/>
+          <p:cNvSpPr txBox="1"/>
+          <p:nvPr/>
+        </p:nvSpPr>
+        <p:spPr>
+          <a:xfrm>
+            <a:off x="3442611" y="1708117"/>
+            <a:ext cx="693651" cy="276999"/>
+          </a:xfrm>
+          <a:prstGeom prst="rect">
+            <a:avLst/>
+          </a:prstGeom>
+          <a:noFill/>
+        </p:spPr>
+        <p:txBody>
+          <a:bodyPr wrap="none" rtlCol="0">
+            <a:spAutoFit/>
+          </a:bodyPr>
+          <a:lstStyle/>
+          <a:p>
+            <a:r>
+              <a:rPr kumimoji="1" lang="en-US" altLang="ja-JP" sz="1200" dirty="0" smtClean="0">
+                <a:latin typeface="Calibri" charset="0"/>
+                <a:ea typeface="Calibri" charset="0"/>
+                <a:cs typeface="Calibri" charset="0"/>
+              </a:rPr>
+              <a:t>Farm  </a:t>
+            </a:r>
+            <a:r>
+              <a:rPr kumimoji="1" lang="en-US" altLang="ja-JP" sz="1200" dirty="0" smtClean="0">
+                <a:latin typeface="Calibri" charset="0"/>
+                <a:ea typeface="Calibri" charset="0"/>
+                <a:cs typeface="Calibri" charset="0"/>
+              </a:rPr>
+              <a:t>F</a:t>
+            </a:r>
+            <a:r>
+              <a:rPr kumimoji="1" lang="en-US" altLang="ja-JP" sz="1200" baseline="-25000" dirty="0" smtClean="0">
+                <a:latin typeface="Calibri" charset="0"/>
+                <a:ea typeface="Calibri" charset="0"/>
+                <a:cs typeface="Calibri" charset="0"/>
+              </a:rPr>
+              <a:t>1</a:t>
+            </a:r>
+          </a:p>
+        </p:txBody>
+      </p:sp>
+      <p:sp>
+        <p:nvSpPr>
+          <p:cNvPr id="49" name="テキスト ボックス 48"/>
+          <p:cNvSpPr txBox="1"/>
+          <p:nvPr/>
+        </p:nvSpPr>
+        <p:spPr>
+          <a:xfrm>
+            <a:off x="4495310" y="1708116"/>
+            <a:ext cx="693651" cy="276999"/>
+          </a:xfrm>
+          <a:prstGeom prst="rect">
+            <a:avLst/>
+          </a:prstGeom>
+          <a:noFill/>
+        </p:spPr>
+        <p:txBody>
+          <a:bodyPr wrap="none" rtlCol="0">
+            <a:spAutoFit/>
+          </a:bodyPr>
+          <a:lstStyle/>
+          <a:p>
+            <a:r>
+              <a:rPr kumimoji="1" lang="en-US" altLang="ja-JP" sz="1200" dirty="0" smtClean="0">
+                <a:latin typeface="Calibri" charset="0"/>
+                <a:ea typeface="Calibri" charset="0"/>
+                <a:cs typeface="Calibri" charset="0"/>
+              </a:rPr>
+              <a:t>Farm  </a:t>
+            </a:r>
+            <a:r>
+              <a:rPr kumimoji="1" lang="en-US" altLang="ja-JP" sz="1200" dirty="0" smtClean="0">
+                <a:latin typeface="Calibri" charset="0"/>
+                <a:ea typeface="Calibri" charset="0"/>
+                <a:cs typeface="Calibri" charset="0"/>
+              </a:rPr>
+              <a:t>F</a:t>
+            </a:r>
+            <a:r>
+              <a:rPr kumimoji="1" lang="en-US" altLang="ja-JP" sz="1200" baseline="-25000" dirty="0" smtClean="0">
+                <a:latin typeface="Calibri" charset="0"/>
+                <a:ea typeface="Calibri" charset="0"/>
+                <a:cs typeface="Calibri" charset="0"/>
+              </a:rPr>
+              <a:t>2</a:t>
+            </a:r>
+          </a:p>
+        </p:txBody>
+      </p:sp>
+      <p:sp>
+        <p:nvSpPr>
+          <p:cNvPr id="50" name="角丸四角形 49"/>
+          <p:cNvSpPr/>
+          <p:nvPr/>
+        </p:nvSpPr>
+        <p:spPr>
+          <a:xfrm>
+            <a:off x="4495310" y="1981286"/>
+            <a:ext cx="923627" cy="1565955"/>
+          </a:xfrm>
+          <a:prstGeom prst="roundRect">
+            <a:avLst/>
+          </a:prstGeom>
+        </p:spPr>
+        <p:style>
+          <a:lnRef idx="2">
+            <a:schemeClr val="accent1">
+              <a:shade val="50000"/>
+            </a:schemeClr>
+          </a:lnRef>
+          <a:fillRef idx="1">
+            <a:schemeClr val="accent1"/>
+          </a:fillRef>
+          <a:effectRef idx="0">
+            <a:schemeClr val="accent1"/>
+          </a:effectRef>
+          <a:fontRef idx="minor">
+            <a:schemeClr val="lt1"/>
+          </a:fontRef>
+        </p:style>
+        <p:txBody>
+          <a:bodyPr rtlCol="0" anchor="ctr"/>
+          <a:lstStyle/>
+          <a:p>
+            <a:pPr algn="ctr"/>
+            <a:endParaRPr kumimoji="1" lang="ja-JP" altLang="en-US">
+              <a:latin typeface="Calibri" charset="0"/>
+              <a:ea typeface="Calibri" charset="0"/>
+              <a:cs typeface="Calibri" charset="0"/>
+            </a:endParaRPr>
+          </a:p>
+        </p:txBody>
+      </p:sp>
+      <p:sp>
+        <p:nvSpPr>
+          <p:cNvPr id="51" name="正方形/長方形 50"/>
+          <p:cNvSpPr/>
+          <p:nvPr/>
+        </p:nvSpPr>
+        <p:spPr>
+          <a:xfrm>
+            <a:off x="3603904" y="2289063"/>
+            <a:ext cx="609600" cy="418170"/>
+          </a:xfrm>
+          <a:prstGeom prst="rect">
+            <a:avLst/>
+          </a:prstGeom>
+        </p:spPr>
+        <p:style>
+          <a:lnRef idx="2">
+            <a:schemeClr val="accent2">
+              <a:shade val="50000"/>
+            </a:schemeClr>
+          </a:lnRef>
+          <a:fillRef idx="1">
+            <a:schemeClr val="accent2"/>
+          </a:fillRef>
+          <a:effectRef idx="0">
+            <a:schemeClr val="accent2"/>
+          </a:effectRef>
+          <a:fontRef idx="minor">
+            <a:schemeClr val="lt1"/>
+          </a:fontRef>
+        </p:style>
+        <p:txBody>
+          <a:bodyPr rtlCol="0" anchor="ctr"/>
+          <a:lstStyle/>
+          <a:p>
+            <a:pPr algn="ctr"/>
+            <a:endParaRPr kumimoji="1" lang="ja-JP" altLang="en-US">
+              <a:latin typeface="Calibri" charset="0"/>
+              <a:ea typeface="Calibri" charset="0"/>
+              <a:cs typeface="Calibri" charset="0"/>
+            </a:endParaRPr>
+          </a:p>
+        </p:txBody>
+      </p:sp>
+      <p:sp>
+        <p:nvSpPr>
+          <p:cNvPr id="52" name="テキスト ボックス 51"/>
+          <p:cNvSpPr txBox="1"/>
+          <p:nvPr/>
+        </p:nvSpPr>
+        <p:spPr>
+          <a:xfrm>
+            <a:off x="3455093" y="2000217"/>
+            <a:ext cx="783548" cy="276999"/>
+          </a:xfrm>
+          <a:prstGeom prst="rect">
+            <a:avLst/>
+          </a:prstGeom>
+          <a:noFill/>
+        </p:spPr>
+        <p:txBody>
+          <a:bodyPr wrap="none" rtlCol="0">
+            <a:spAutoFit/>
+          </a:bodyPr>
+          <a:lstStyle/>
+          <a:p>
+            <a:r>
+              <a:rPr kumimoji="1" lang="en-US" altLang="ja-JP" sz="1200" dirty="0" smtClean="0">
+                <a:latin typeface="Calibri" charset="0"/>
+                <a:ea typeface="Calibri" charset="0"/>
+                <a:cs typeface="Calibri" charset="0"/>
+              </a:rPr>
+              <a:t>Device D</a:t>
+            </a:r>
+            <a:r>
+              <a:rPr kumimoji="1" lang="en-US" altLang="ja-JP" sz="1200" baseline="-25000" dirty="0" smtClean="0">
+                <a:latin typeface="Calibri" charset="0"/>
+                <a:ea typeface="Calibri" charset="0"/>
+                <a:cs typeface="Calibri" charset="0"/>
+              </a:rPr>
+              <a:t>1</a:t>
+            </a:r>
+            <a:endParaRPr kumimoji="1" lang="en-US" altLang="ja-JP" sz="1200" baseline="-25000" dirty="0" smtClean="0">
+              <a:latin typeface="Calibri" charset="0"/>
+              <a:ea typeface="Calibri" charset="0"/>
+              <a:cs typeface="Calibri" charset="0"/>
+            </a:endParaRPr>
+          </a:p>
+        </p:txBody>
+      </p:sp>
+      <p:sp>
+        <p:nvSpPr>
+          <p:cNvPr id="57" name="テキスト ボックス 56"/>
+          <p:cNvSpPr txBox="1"/>
+          <p:nvPr/>
+        </p:nvSpPr>
+        <p:spPr>
+          <a:xfrm>
+            <a:off x="4478612" y="1997864"/>
+            <a:ext cx="783548" cy="276999"/>
+          </a:xfrm>
+          <a:prstGeom prst="rect">
+            <a:avLst/>
+          </a:prstGeom>
+          <a:noFill/>
+        </p:spPr>
+        <p:txBody>
+          <a:bodyPr wrap="none" rtlCol="0">
+            <a:spAutoFit/>
+          </a:bodyPr>
+          <a:lstStyle/>
+          <a:p>
+            <a:r>
+              <a:rPr kumimoji="1" lang="en-US" altLang="ja-JP" sz="1200" dirty="0" smtClean="0">
+                <a:latin typeface="Calibri" charset="0"/>
+                <a:ea typeface="Calibri" charset="0"/>
+                <a:cs typeface="Calibri" charset="0"/>
+              </a:rPr>
+              <a:t>Device D</a:t>
+            </a:r>
+            <a:r>
+              <a:rPr lang="en-US" altLang="ja-JP" sz="1200" baseline="-25000" dirty="0" smtClean="0">
+                <a:latin typeface="Calibri" charset="0"/>
+                <a:ea typeface="Calibri" charset="0"/>
+                <a:cs typeface="Calibri" charset="0"/>
+              </a:rPr>
+              <a:t>2</a:t>
+            </a:r>
+            <a:endParaRPr kumimoji="1" lang="en-US" altLang="ja-JP" sz="1200" baseline="-25000" dirty="0" smtClean="0">
+              <a:latin typeface="Calibri" charset="0"/>
+              <a:ea typeface="Calibri" charset="0"/>
+              <a:cs typeface="Calibri" charset="0"/>
+            </a:endParaRPr>
+          </a:p>
+        </p:txBody>
+      </p:sp>
+      <p:sp>
+        <p:nvSpPr>
+          <p:cNvPr id="62" name="テキスト ボックス 61"/>
+          <p:cNvSpPr txBox="1"/>
+          <p:nvPr/>
+        </p:nvSpPr>
+        <p:spPr>
+          <a:xfrm>
+            <a:off x="4478612" y="2667723"/>
+            <a:ext cx="783548" cy="276999"/>
+          </a:xfrm>
+          <a:prstGeom prst="rect">
+            <a:avLst/>
+          </a:prstGeom>
+          <a:noFill/>
+        </p:spPr>
+        <p:txBody>
+          <a:bodyPr wrap="none" rtlCol="0">
+            <a:spAutoFit/>
+          </a:bodyPr>
+          <a:lstStyle/>
+          <a:p>
+            <a:r>
+              <a:rPr kumimoji="1" lang="en-US" altLang="ja-JP" sz="1200" dirty="0" smtClean="0">
+                <a:latin typeface="Calibri" charset="0"/>
+                <a:ea typeface="Calibri" charset="0"/>
+                <a:cs typeface="Calibri" charset="0"/>
+              </a:rPr>
+              <a:t>Device D</a:t>
+            </a:r>
+            <a:r>
+              <a:rPr kumimoji="1" lang="en-US" altLang="ja-JP" sz="1200" baseline="-25000" dirty="0" smtClean="0">
+                <a:latin typeface="Calibri" charset="0"/>
+                <a:ea typeface="Calibri" charset="0"/>
+                <a:cs typeface="Calibri" charset="0"/>
+              </a:rPr>
+              <a:t>3</a:t>
+            </a:r>
+            <a:endParaRPr kumimoji="1" lang="en-US" altLang="ja-JP" sz="1200" baseline="-25000" dirty="0" smtClean="0">
+              <a:latin typeface="Calibri" charset="0"/>
+              <a:ea typeface="Calibri" charset="0"/>
+              <a:cs typeface="Calibri" charset="0"/>
+            </a:endParaRPr>
+          </a:p>
+        </p:txBody>
+      </p:sp>
+      <p:sp>
+        <p:nvSpPr>
+          <p:cNvPr id="63" name="正方形/長方形 62"/>
+          <p:cNvSpPr/>
+          <p:nvPr/>
+        </p:nvSpPr>
+        <p:spPr>
+          <a:xfrm>
+            <a:off x="4606613" y="2246134"/>
+            <a:ext cx="609600" cy="448948"/>
+          </a:xfrm>
+          <a:prstGeom prst="rect">
+            <a:avLst/>
+          </a:prstGeom>
+        </p:spPr>
+        <p:style>
+          <a:lnRef idx="2">
+            <a:schemeClr val="accent2">
+              <a:shade val="50000"/>
+            </a:schemeClr>
+          </a:lnRef>
+          <a:fillRef idx="1">
+            <a:schemeClr val="accent2"/>
+          </a:fillRef>
+          <a:effectRef idx="0">
+            <a:schemeClr val="accent2"/>
+          </a:effectRef>
+          <a:fontRef idx="minor">
+            <a:schemeClr val="lt1"/>
+          </a:fontRef>
+        </p:style>
+        <p:txBody>
+          <a:bodyPr rtlCol="0" anchor="ctr"/>
+          <a:lstStyle/>
+          <a:p>
+            <a:pPr algn="ctr"/>
+            <a:endParaRPr kumimoji="1" lang="ja-JP" altLang="en-US">
+              <a:latin typeface="Calibri" charset="0"/>
+              <a:ea typeface="Calibri" charset="0"/>
+              <a:cs typeface="Calibri" charset="0"/>
+            </a:endParaRPr>
+          </a:p>
+        </p:txBody>
+      </p:sp>
+      <p:sp>
+        <p:nvSpPr>
+          <p:cNvPr id="65" name="正方形/長方形 64"/>
+          <p:cNvSpPr/>
+          <p:nvPr/>
+        </p:nvSpPr>
+        <p:spPr>
+          <a:xfrm>
+            <a:off x="4606613" y="2915208"/>
+            <a:ext cx="609600" cy="470922"/>
+          </a:xfrm>
+          <a:prstGeom prst="rect">
+            <a:avLst/>
+          </a:prstGeom>
+        </p:spPr>
+        <p:style>
+          <a:lnRef idx="2">
+            <a:schemeClr val="accent2">
+              <a:shade val="50000"/>
+            </a:schemeClr>
+          </a:lnRef>
+          <a:fillRef idx="1">
+            <a:schemeClr val="accent2"/>
+          </a:fillRef>
+          <a:effectRef idx="0">
+            <a:schemeClr val="accent2"/>
+          </a:effectRef>
+          <a:fontRef idx="minor">
+            <a:schemeClr val="lt1"/>
+          </a:fontRef>
+        </p:style>
+        <p:txBody>
+          <a:bodyPr rtlCol="0" anchor="ctr"/>
+          <a:lstStyle/>
+          <a:p>
+            <a:pPr algn="ctr"/>
+            <a:endParaRPr kumimoji="1" lang="ja-JP" altLang="en-US">
+              <a:latin typeface="Calibri" charset="0"/>
+              <a:ea typeface="Calibri" charset="0"/>
+              <a:cs typeface="Calibri" charset="0"/>
+            </a:endParaRPr>
+          </a:p>
+        </p:txBody>
+      </p:sp>
+      <p:cxnSp>
+        <p:nvCxnSpPr>
+          <p:cNvPr id="70" name="直線矢印コネクタ 69"/>
+          <p:cNvCxnSpPr/>
+          <p:nvPr/>
+        </p:nvCxnSpPr>
+        <p:spPr>
+          <a:xfrm flipV="1">
+            <a:off x="2419854" y="2935268"/>
+            <a:ext cx="1236153" cy="1854749"/>
+          </a:xfrm>
+          <a:prstGeom prst="straightConnector1">
+            <a:avLst/>
+          </a:prstGeom>
+          <a:ln>
+            <a:solidFill>
+              <a:schemeClr val="tx1"/>
+            </a:solidFill>
+            <a:headEnd type="none" w="med" len="med"/>
+            <a:tailEnd type="arrow" w="med" len="med"/>
+          </a:ln>
+        </p:spPr>
+        <p:style>
+          <a:lnRef idx="1">
+            <a:schemeClr val="accent1"/>
+          </a:lnRef>
+          <a:fillRef idx="0">
+            <a:schemeClr val="accent1"/>
+          </a:fillRef>
+          <a:effectRef idx="0">
+            <a:schemeClr val="accent1"/>
+          </a:effectRef>
+          <a:fontRef idx="minor">
+            <a:schemeClr val="tx1"/>
+          </a:fontRef>
+        </p:style>
+      </p:cxnSp>
+      <p:cxnSp>
+        <p:nvCxnSpPr>
+          <p:cNvPr id="71" name="直線矢印コネクタ 70"/>
+          <p:cNvCxnSpPr>
+            <a:stCxn id="41" idx="3"/>
+            <a:endCxn id="63" idx="1"/>
+          </p:cNvCxnSpPr>
+          <p:nvPr/>
+        </p:nvCxnSpPr>
+        <p:spPr>
+          <a:xfrm flipV="1">
+            <a:off x="3563439" y="2470608"/>
+            <a:ext cx="1043174" cy="1945229"/>
+          </a:xfrm>
+          <a:prstGeom prst="straightConnector1">
+            <a:avLst/>
+          </a:prstGeom>
+          <a:ln>
+            <a:solidFill>
+              <a:schemeClr val="tx1"/>
+            </a:solidFill>
+            <a:headEnd type="none" w="med" len="med"/>
+            <a:tailEnd type="arrow" w="med" len="med"/>
+          </a:ln>
+        </p:spPr>
+        <p:style>
+          <a:lnRef idx="1">
+            <a:schemeClr val="accent1"/>
+          </a:lnRef>
+          <a:fillRef idx="0">
+            <a:schemeClr val="accent1"/>
+          </a:fillRef>
+          <a:effectRef idx="0">
+            <a:schemeClr val="accent1"/>
+          </a:effectRef>
+          <a:fontRef idx="minor">
+            <a:schemeClr val="tx1"/>
+          </a:fontRef>
+        </p:style>
+      </p:cxnSp>
+      <p:cxnSp>
+        <p:nvCxnSpPr>
+          <p:cNvPr id="74" name="直線矢印コネクタ 73"/>
+          <p:cNvCxnSpPr>
+            <a:stCxn id="43" idx="3"/>
+            <a:endCxn id="65" idx="1"/>
+          </p:cNvCxnSpPr>
+          <p:nvPr/>
+        </p:nvCxnSpPr>
+        <p:spPr>
+          <a:xfrm flipV="1">
+            <a:off x="3563439" y="3150669"/>
+            <a:ext cx="1043174" cy="1933078"/>
+          </a:xfrm>
+          <a:prstGeom prst="straightConnector1">
+            <a:avLst/>
+          </a:prstGeom>
+          <a:ln>
+            <a:solidFill>
+              <a:schemeClr val="tx1"/>
+            </a:solidFill>
+            <a:headEnd type="none" w="med" len="med"/>
+            <a:tailEnd type="arrow" w="med" len="med"/>
+          </a:ln>
+        </p:spPr>
+        <p:style>
+          <a:lnRef idx="1">
+            <a:schemeClr val="accent1"/>
+          </a:lnRef>
+          <a:fillRef idx="0">
+            <a:schemeClr val="accent1"/>
+          </a:fillRef>
+          <a:effectRef idx="0">
+            <a:schemeClr val="accent1"/>
+          </a:effectRef>
+          <a:fontRef idx="minor">
+            <a:schemeClr val="tx1"/>
+          </a:fontRef>
+        </p:style>
+      </p:cxnSp>
+      <p:sp>
+        <p:nvSpPr>
+          <p:cNvPr id="80" name="正方形/長方形 79"/>
+          <p:cNvSpPr/>
+          <p:nvPr/>
+        </p:nvSpPr>
+        <p:spPr>
+          <a:xfrm>
+            <a:off x="7609487" y="2214465"/>
+            <a:ext cx="644934" cy="512286"/>
+          </a:xfrm>
+          <a:prstGeom prst="rect">
+            <a:avLst/>
+          </a:prstGeom>
+        </p:spPr>
+        <p:style>
+          <a:lnRef idx="2">
+            <a:schemeClr val="accent6">
+              <a:shade val="50000"/>
+            </a:schemeClr>
+          </a:lnRef>
+          <a:fillRef idx="1">
+            <a:schemeClr val="accent6"/>
+          </a:fillRef>
+          <a:effectRef idx="0">
+            <a:schemeClr val="accent6"/>
+          </a:effectRef>
+          <a:fontRef idx="minor">
+            <a:schemeClr val="lt1"/>
+          </a:fontRef>
+        </p:style>
+        <p:txBody>
+          <a:bodyPr rtlCol="0" anchor="ctr"/>
+          <a:lstStyle/>
+          <a:p>
+            <a:pPr algn="ctr"/>
+            <a:endParaRPr kumimoji="1" lang="ja-JP" altLang="en-US">
+              <a:latin typeface="Calibri" charset="0"/>
+              <a:ea typeface="Calibri" charset="0"/>
+              <a:cs typeface="Calibri" charset="0"/>
+            </a:endParaRPr>
+          </a:p>
+        </p:txBody>
+      </p:sp>
+      <p:sp>
+        <p:nvSpPr>
+          <p:cNvPr id="81" name="テキスト ボックス 80"/>
+          <p:cNvSpPr txBox="1"/>
+          <p:nvPr/>
+        </p:nvSpPr>
+        <p:spPr>
+          <a:xfrm>
+            <a:off x="7564543" y="1930553"/>
+            <a:ext cx="770339" cy="276999"/>
+          </a:xfrm>
+          <a:prstGeom prst="rect">
+            <a:avLst/>
+          </a:prstGeom>
+          <a:noFill/>
+        </p:spPr>
+        <p:txBody>
+          <a:bodyPr wrap="none" rtlCol="0">
+            <a:spAutoFit/>
+          </a:bodyPr>
+          <a:lstStyle/>
+          <a:p>
+            <a:r>
+              <a:rPr kumimoji="1" lang="en-US" altLang="ja-JP" sz="1200" smtClean="0">
+                <a:latin typeface="Calibri" charset="0"/>
+                <a:ea typeface="Calibri" charset="0"/>
+                <a:cs typeface="Calibri" charset="0"/>
+              </a:rPr>
+              <a:t>Recipe </a:t>
+            </a:r>
+            <a:r>
+              <a:rPr kumimoji="1" lang="en-US" altLang="ja-JP" sz="1200" dirty="0" smtClean="0">
+                <a:latin typeface="Calibri" charset="0"/>
+                <a:ea typeface="Calibri" charset="0"/>
+                <a:cs typeface="Calibri" charset="0"/>
+              </a:rPr>
+              <a:t>R</a:t>
+            </a:r>
+            <a:r>
+              <a:rPr kumimoji="1" lang="en-US" altLang="ja-JP" sz="1200" baseline="-25000" dirty="0" smtClean="0">
+                <a:latin typeface="Calibri" charset="0"/>
+                <a:ea typeface="Calibri" charset="0"/>
+                <a:cs typeface="Calibri" charset="0"/>
+              </a:rPr>
+              <a:t>1</a:t>
+            </a:r>
+          </a:p>
+        </p:txBody>
+      </p:sp>
+      <p:grpSp>
+        <p:nvGrpSpPr>
+          <p:cNvPr id="82" name="図形グループ 81"/>
+          <p:cNvGrpSpPr/>
+          <p:nvPr/>
+        </p:nvGrpSpPr>
+        <p:grpSpPr>
+          <a:xfrm>
+            <a:off x="9483548" y="3062280"/>
+            <a:ext cx="292100" cy="647700"/>
+            <a:chOff x="5181600" y="3937000"/>
+            <a:chExt cx="292100" cy="647700"/>
+          </a:xfrm>
+        </p:grpSpPr>
+        <p:sp>
+          <p:nvSpPr>
+            <p:cNvPr id="83" name="円/楕円 82"/>
+            <p:cNvSpPr/>
+            <p:nvPr/>
+          </p:nvSpPr>
+          <p:spPr>
+            <a:xfrm>
+              <a:off x="5181600" y="3937000"/>
+              <a:ext cx="292100" cy="292100"/>
+            </a:xfrm>
+            <a:prstGeom prst="ellipse">
+              <a:avLst/>
+            </a:prstGeom>
+          </p:spPr>
+          <p:style>
+            <a:lnRef idx="2">
+              <a:schemeClr val="accent6">
+                <a:shade val="50000"/>
+              </a:schemeClr>
+            </a:lnRef>
+            <a:fillRef idx="1">
+              <a:schemeClr val="accent6"/>
+            </a:fillRef>
+            <a:effectRef idx="0">
+              <a:schemeClr val="accent6"/>
+            </a:effectRef>
+            <a:fontRef idx="minor">
+              <a:schemeClr val="lt1"/>
+            </a:fontRef>
+          </p:style>
+          <p:txBody>
+            <a:bodyPr rtlCol="0" anchor="ctr"/>
+            <a:lstStyle/>
+            <a:p>
+              <a:pPr algn="ctr"/>
+              <a:endParaRPr kumimoji="1" lang="ja-JP" altLang="en-US">
+                <a:latin typeface="Calibri" charset="0"/>
+                <a:ea typeface="Calibri" charset="0"/>
+                <a:cs typeface="Calibri" charset="0"/>
+              </a:endParaRPr>
+            </a:p>
+          </p:txBody>
+        </p:sp>
+        <p:cxnSp>
+          <p:nvCxnSpPr>
+            <p:cNvPr id="84" name="直線コネクタ 83"/>
+            <p:cNvCxnSpPr/>
+            <p:nvPr/>
+          </p:nvCxnSpPr>
+          <p:spPr>
+            <a:xfrm>
+              <a:off x="5327650" y="4229100"/>
+              <a:ext cx="0" cy="241300"/>
+            </a:xfrm>
+            <a:prstGeom prst="line">
+              <a:avLst/>
+            </a:prstGeom>
+            <a:ln w="38100">
+              <a:solidFill>
+                <a:schemeClr val="accent6"/>
+              </a:solidFill>
+            </a:ln>
+          </p:spPr>
+          <p:style>
+            <a:lnRef idx="1">
+              <a:schemeClr val="accent1"/>
+            </a:lnRef>
+            <a:fillRef idx="0">
+              <a:schemeClr val="accent1"/>
+            </a:fillRef>
+            <a:effectRef idx="0">
+              <a:schemeClr val="accent1"/>
+            </a:effectRef>
+            <a:fontRef idx="minor">
+              <a:schemeClr val="tx1"/>
+            </a:fontRef>
+          </p:style>
+        </p:cxnSp>
+        <p:cxnSp>
+          <p:nvCxnSpPr>
+            <p:cNvPr id="85" name="直線コネクタ 84"/>
+            <p:cNvCxnSpPr/>
+            <p:nvPr/>
+          </p:nvCxnSpPr>
+          <p:spPr>
+            <a:xfrm>
+              <a:off x="5327650" y="4470400"/>
+              <a:ext cx="117475" cy="114300"/>
+            </a:xfrm>
+            <a:prstGeom prst="line">
+              <a:avLst/>
+            </a:prstGeom>
+            <a:ln w="38100">
+              <a:solidFill>
+                <a:schemeClr val="accent6"/>
+              </a:solidFill>
+            </a:ln>
+          </p:spPr>
+          <p:style>
+            <a:lnRef idx="1">
+              <a:schemeClr val="accent1"/>
+            </a:lnRef>
+            <a:fillRef idx="0">
+              <a:schemeClr val="accent1"/>
+            </a:fillRef>
+            <a:effectRef idx="0">
+              <a:schemeClr val="accent1"/>
+            </a:effectRef>
+            <a:fontRef idx="minor">
+              <a:schemeClr val="tx1"/>
+            </a:fontRef>
+          </p:style>
+        </p:cxnSp>
+        <p:cxnSp>
+          <p:nvCxnSpPr>
+            <p:cNvPr id="86" name="直線コネクタ 85"/>
+            <p:cNvCxnSpPr/>
+            <p:nvPr/>
+          </p:nvCxnSpPr>
+          <p:spPr>
+            <a:xfrm flipH="1">
+              <a:off x="5210175" y="4470400"/>
+              <a:ext cx="117475" cy="114300"/>
+            </a:xfrm>
+            <a:prstGeom prst="line">
+              <a:avLst/>
+            </a:prstGeom>
+            <a:ln w="38100">
+              <a:solidFill>
+                <a:schemeClr val="accent6"/>
+              </a:solidFill>
+            </a:ln>
+          </p:spPr>
+          <p:style>
+            <a:lnRef idx="1">
+              <a:schemeClr val="accent1"/>
+            </a:lnRef>
+            <a:fillRef idx="0">
+              <a:schemeClr val="accent1"/>
+            </a:fillRef>
+            <a:effectRef idx="0">
+              <a:schemeClr val="accent1"/>
+            </a:effectRef>
+            <a:fontRef idx="minor">
+              <a:schemeClr val="tx1"/>
+            </a:fontRef>
+          </p:style>
+        </p:cxnSp>
+        <p:cxnSp>
+          <p:nvCxnSpPr>
+            <p:cNvPr id="87" name="直線コネクタ 86"/>
+            <p:cNvCxnSpPr/>
+            <p:nvPr/>
+          </p:nvCxnSpPr>
+          <p:spPr>
+            <a:xfrm>
+              <a:off x="5327650" y="4292600"/>
+              <a:ext cx="117475" cy="114300"/>
+            </a:xfrm>
+            <a:prstGeom prst="line">
+              <a:avLst/>
+            </a:prstGeom>
+            <a:ln w="38100">
+              <a:solidFill>
+                <a:schemeClr val="accent6"/>
+              </a:solidFill>
+            </a:ln>
+          </p:spPr>
+          <p:style>
+            <a:lnRef idx="1">
+              <a:schemeClr val="accent1"/>
+            </a:lnRef>
+            <a:fillRef idx="0">
+              <a:schemeClr val="accent1"/>
+            </a:fillRef>
+            <a:effectRef idx="0">
+              <a:schemeClr val="accent1"/>
+            </a:effectRef>
+            <a:fontRef idx="minor">
+              <a:schemeClr val="tx1"/>
+            </a:fontRef>
+          </p:style>
+        </p:cxnSp>
+        <p:cxnSp>
+          <p:nvCxnSpPr>
+            <p:cNvPr id="88" name="直線コネクタ 87"/>
+            <p:cNvCxnSpPr/>
+            <p:nvPr/>
+          </p:nvCxnSpPr>
+          <p:spPr>
+            <a:xfrm flipH="1">
+              <a:off x="5210175" y="4292600"/>
+              <a:ext cx="117475" cy="114300"/>
+            </a:xfrm>
+            <a:prstGeom prst="line">
+              <a:avLst/>
+            </a:prstGeom>
+            <a:ln w="38100">
+              <a:solidFill>
+                <a:schemeClr val="accent6"/>
+              </a:solidFill>
+            </a:ln>
+          </p:spPr>
+          <p:style>
+            <a:lnRef idx="1">
+              <a:schemeClr val="accent1"/>
+            </a:lnRef>
+            <a:fillRef idx="0">
+              <a:schemeClr val="accent1"/>
+            </a:fillRef>
+            <a:effectRef idx="0">
+              <a:schemeClr val="accent1"/>
+            </a:effectRef>
+            <a:fontRef idx="minor">
+              <a:schemeClr val="tx1"/>
+            </a:fontRef>
+          </p:style>
+        </p:cxnSp>
+      </p:grpSp>
+      <p:sp>
+        <p:nvSpPr>
+          <p:cNvPr id="89" name="テキスト ボックス 88"/>
+          <p:cNvSpPr txBox="1"/>
+          <p:nvPr/>
+        </p:nvSpPr>
+        <p:spPr>
+          <a:xfrm>
+            <a:off x="9224969" y="2600615"/>
+            <a:ext cx="878959" cy="461665"/>
+          </a:xfrm>
+          <a:prstGeom prst="rect">
+            <a:avLst/>
+          </a:prstGeom>
+          <a:noFill/>
+        </p:spPr>
+        <p:txBody>
+          <a:bodyPr wrap="none" rtlCol="0">
+            <a:spAutoFit/>
+          </a:bodyPr>
+          <a:lstStyle/>
+          <a:p>
+            <a:r>
+              <a:rPr kumimoji="1" lang="en-US" altLang="ja-JP" sz="1200" dirty="0" smtClean="0">
+                <a:latin typeface="Calibri" charset="0"/>
+                <a:ea typeface="Calibri" charset="0"/>
+                <a:cs typeface="Calibri" charset="0"/>
+              </a:rPr>
+              <a:t>Restaurant</a:t>
+            </a:r>
+            <a:endParaRPr kumimoji="1" lang="en-US" altLang="ja-JP" sz="1200" dirty="0" smtClean="0">
+              <a:latin typeface="Calibri" charset="0"/>
+              <a:ea typeface="Calibri" charset="0"/>
+              <a:cs typeface="Calibri" charset="0"/>
+            </a:endParaRPr>
+          </a:p>
+          <a:p>
+            <a:r>
+              <a:rPr lang="en-US" altLang="ja-JP" sz="1200" dirty="0" smtClean="0">
+                <a:latin typeface="Calibri" charset="0"/>
+                <a:ea typeface="Calibri" charset="0"/>
+                <a:cs typeface="Calibri" charset="0"/>
+              </a:rPr>
+              <a:t>Owner</a:t>
+            </a:r>
+            <a:r>
+              <a:rPr kumimoji="1" lang="en-US" altLang="ja-JP" sz="1200" dirty="0" smtClean="0">
+                <a:latin typeface="Calibri" charset="0"/>
+                <a:ea typeface="Calibri" charset="0"/>
+                <a:cs typeface="Calibri" charset="0"/>
+              </a:rPr>
+              <a:t> </a:t>
+            </a:r>
+            <a:r>
+              <a:rPr kumimoji="1" lang="en-US" altLang="ja-JP" sz="1200" dirty="0" smtClean="0">
+                <a:latin typeface="Calibri" charset="0"/>
+                <a:ea typeface="Calibri" charset="0"/>
+                <a:cs typeface="Calibri" charset="0"/>
+              </a:rPr>
+              <a:t>RO</a:t>
+            </a:r>
+            <a:r>
+              <a:rPr kumimoji="1" lang="en-US" altLang="ja-JP" sz="1200" baseline="-25000" dirty="0" smtClean="0">
+                <a:latin typeface="Calibri" charset="0"/>
+                <a:ea typeface="Calibri" charset="0"/>
+                <a:cs typeface="Calibri" charset="0"/>
+              </a:rPr>
+              <a:t>1</a:t>
+            </a:r>
+            <a:endParaRPr kumimoji="1" lang="ja-JP" altLang="en-US" sz="1200" baseline="-25000" dirty="0">
+              <a:latin typeface="Calibri" charset="0"/>
+              <a:ea typeface="Calibri" charset="0"/>
+              <a:cs typeface="Calibri" charset="0"/>
+            </a:endParaRPr>
+          </a:p>
+        </p:txBody>
+      </p:sp>
+      <p:sp>
+        <p:nvSpPr>
+          <p:cNvPr id="56" name="正方形/長方形 55"/>
+          <p:cNvSpPr/>
+          <p:nvPr/>
+        </p:nvSpPr>
+        <p:spPr>
+          <a:xfrm>
+            <a:off x="3803815" y="2969257"/>
+            <a:ext cx="211138" cy="163106"/>
+          </a:xfrm>
+          <a:prstGeom prst="rect">
+            <a:avLst/>
+          </a:prstGeom>
+        </p:spPr>
+        <p:style>
+          <a:lnRef idx="2">
+            <a:schemeClr val="accent4">
+              <a:shade val="50000"/>
+            </a:schemeClr>
+          </a:lnRef>
+          <a:fillRef idx="1">
+            <a:schemeClr val="accent4"/>
+          </a:fillRef>
+          <a:effectRef idx="0">
+            <a:schemeClr val="accent4"/>
+          </a:effectRef>
+          <a:fontRef idx="minor">
+            <a:schemeClr val="lt1"/>
+          </a:fontRef>
+        </p:style>
+        <p:txBody>
+          <a:bodyPr rtlCol="0" anchor="ctr"/>
+          <a:lstStyle/>
+          <a:p>
+            <a:pPr algn="ctr"/>
+            <a:endParaRPr kumimoji="1" lang="ja-JP" altLang="en-US">
+              <a:latin typeface="Calibri" charset="0"/>
+              <a:ea typeface="Calibri" charset="0"/>
+              <a:cs typeface="Calibri" charset="0"/>
+            </a:endParaRPr>
+          </a:p>
+        </p:txBody>
+      </p:sp>
+      <p:sp>
+        <p:nvSpPr>
+          <p:cNvPr id="58" name="テキスト ボックス 57"/>
+          <p:cNvSpPr txBox="1"/>
+          <p:nvPr/>
+        </p:nvSpPr>
+        <p:spPr>
+          <a:xfrm>
+            <a:off x="3544447" y="3073807"/>
+            <a:ext cx="764953" cy="276999"/>
+          </a:xfrm>
+          <a:prstGeom prst="rect">
+            <a:avLst/>
+          </a:prstGeom>
+          <a:noFill/>
+        </p:spPr>
+        <p:txBody>
+          <a:bodyPr wrap="none" rtlCol="0">
+            <a:spAutoFit/>
+          </a:bodyPr>
+          <a:lstStyle/>
+          <a:p>
+            <a:r>
+              <a:rPr kumimoji="1" lang="en-US" altLang="ja-JP" sz="1200" smtClean="0">
+                <a:latin typeface="Calibri" charset="0"/>
+                <a:ea typeface="Calibri" charset="0"/>
+                <a:cs typeface="Calibri" charset="0"/>
+              </a:rPr>
+              <a:t>Sensor S</a:t>
+            </a:r>
+            <a:r>
+              <a:rPr kumimoji="1" lang="en-US" altLang="ja-JP" sz="1200" baseline="-25000" smtClean="0">
+                <a:latin typeface="Calibri" charset="0"/>
+                <a:ea typeface="Calibri" charset="0"/>
+                <a:cs typeface="Calibri" charset="0"/>
+              </a:rPr>
+              <a:t>2</a:t>
+            </a:r>
+            <a:endParaRPr kumimoji="1" lang="en-US" altLang="ja-JP" sz="1200" baseline="-25000" dirty="0" smtClean="0">
+              <a:latin typeface="Calibri" charset="0"/>
+              <a:ea typeface="Calibri" charset="0"/>
+              <a:cs typeface="Calibri" charset="0"/>
+            </a:endParaRPr>
+          </a:p>
+        </p:txBody>
+      </p:sp>
+      <p:grpSp>
+        <p:nvGrpSpPr>
+          <p:cNvPr id="59" name="図形グループ 58"/>
+          <p:cNvGrpSpPr/>
+          <p:nvPr/>
+        </p:nvGrpSpPr>
+        <p:grpSpPr>
+          <a:xfrm rot="-2700000">
+            <a:off x="3686523" y="2781240"/>
+            <a:ext cx="445723" cy="445723"/>
+            <a:chOff x="4742656" y="4758033"/>
+            <a:chExt cx="1100138" cy="1100138"/>
+          </a:xfrm>
+        </p:grpSpPr>
+        <p:sp>
+          <p:nvSpPr>
+            <p:cNvPr id="60" name="円弧 59"/>
+            <p:cNvSpPr/>
+            <p:nvPr/>
+          </p:nvSpPr>
+          <p:spPr>
+            <a:xfrm>
+              <a:off x="5010150" y="5025527"/>
+              <a:ext cx="565150" cy="565150"/>
+            </a:xfrm>
+            <a:prstGeom prst="arc">
+              <a:avLst/>
+            </a:prstGeom>
+            <a:ln w="28575">
+              <a:solidFill>
+                <a:schemeClr val="tx1"/>
+              </a:solidFill>
+            </a:ln>
+          </p:spPr>
+          <p:style>
+            <a:lnRef idx="1">
+              <a:schemeClr val="accent1"/>
+            </a:lnRef>
+            <a:fillRef idx="0">
+              <a:schemeClr val="accent1"/>
+            </a:fillRef>
+            <a:effectRef idx="0">
+              <a:schemeClr val="accent1"/>
+            </a:effectRef>
+            <a:fontRef idx="minor">
+              <a:schemeClr val="tx1"/>
+            </a:fontRef>
+          </p:style>
+          <p:txBody>
+            <a:bodyPr rtlCol="0" anchor="ctr"/>
+            <a:lstStyle/>
+            <a:p>
+              <a:pPr algn="ctr"/>
+              <a:endParaRPr kumimoji="1" lang="ja-JP" altLang="en-US">
+                <a:latin typeface="Calibri" charset="0"/>
+                <a:ea typeface="Calibri" charset="0"/>
+                <a:cs typeface="Calibri" charset="0"/>
+              </a:endParaRPr>
+            </a:p>
+          </p:txBody>
+        </p:sp>
+        <p:sp>
+          <p:nvSpPr>
+            <p:cNvPr id="61" name="円弧 60"/>
+            <p:cNvSpPr/>
+            <p:nvPr/>
+          </p:nvSpPr>
+          <p:spPr>
+            <a:xfrm>
+              <a:off x="4879975" y="4895352"/>
+              <a:ext cx="825500" cy="825500"/>
+            </a:xfrm>
+            <a:prstGeom prst="arc">
+              <a:avLst/>
+            </a:prstGeom>
+            <a:ln w="28575">
+              <a:solidFill>
+                <a:schemeClr val="tx1"/>
+              </a:solidFill>
+            </a:ln>
+          </p:spPr>
+          <p:style>
+            <a:lnRef idx="1">
+              <a:schemeClr val="accent1"/>
+            </a:lnRef>
+            <a:fillRef idx="0">
+              <a:schemeClr val="accent1"/>
+            </a:fillRef>
+            <a:effectRef idx="0">
+              <a:schemeClr val="accent1"/>
+            </a:effectRef>
+            <a:fontRef idx="minor">
+              <a:schemeClr val="tx1"/>
+            </a:fontRef>
+          </p:style>
+          <p:txBody>
+            <a:bodyPr rtlCol="0" anchor="ctr"/>
+            <a:lstStyle/>
+            <a:p>
+              <a:pPr algn="ctr"/>
+              <a:endParaRPr kumimoji="1" lang="ja-JP" altLang="en-US">
+                <a:latin typeface="Calibri" charset="0"/>
+                <a:ea typeface="Calibri" charset="0"/>
+                <a:cs typeface="Calibri" charset="0"/>
+              </a:endParaRPr>
+            </a:p>
+          </p:txBody>
+        </p:sp>
+        <p:sp>
+          <p:nvSpPr>
+            <p:cNvPr id="64" name="円弧 63"/>
+            <p:cNvSpPr/>
+            <p:nvPr/>
+          </p:nvSpPr>
+          <p:spPr>
+            <a:xfrm>
+              <a:off x="4742656" y="4758033"/>
+              <a:ext cx="1100138" cy="1100138"/>
+            </a:xfrm>
+            <a:prstGeom prst="arc">
+              <a:avLst/>
+            </a:prstGeom>
+            <a:ln w="28575">
+              <a:solidFill>
+                <a:schemeClr val="tx1"/>
+              </a:solidFill>
+            </a:ln>
+          </p:spPr>
+          <p:style>
+            <a:lnRef idx="1">
+              <a:schemeClr val="accent1"/>
+            </a:lnRef>
+            <a:fillRef idx="0">
+              <a:schemeClr val="accent1"/>
+            </a:fillRef>
+            <a:effectRef idx="0">
+              <a:schemeClr val="accent1"/>
+            </a:effectRef>
+            <a:fontRef idx="minor">
+              <a:schemeClr val="tx1"/>
+            </a:fontRef>
+          </p:style>
+          <p:txBody>
+            <a:bodyPr rtlCol="0" anchor="ctr"/>
+            <a:lstStyle/>
+            <a:p>
+              <a:pPr algn="ctr"/>
+              <a:endParaRPr kumimoji="1" lang="ja-JP" altLang="en-US">
+                <a:latin typeface="Calibri" charset="0"/>
+                <a:ea typeface="Calibri" charset="0"/>
+                <a:cs typeface="Calibri" charset="0"/>
+              </a:endParaRPr>
+            </a:p>
+          </p:txBody>
+        </p:sp>
+      </p:grpSp>
+      <p:sp>
+        <p:nvSpPr>
+          <p:cNvPr id="66" name="テキスト ボックス 65"/>
+          <p:cNvSpPr txBox="1"/>
+          <p:nvPr/>
+        </p:nvSpPr>
+        <p:spPr>
+          <a:xfrm>
+            <a:off x="4550051" y="2235749"/>
+            <a:ext cx="764953" cy="276999"/>
+          </a:xfrm>
+          <a:prstGeom prst="rect">
+            <a:avLst/>
+          </a:prstGeom>
+          <a:noFill/>
+        </p:spPr>
+        <p:txBody>
+          <a:bodyPr wrap="none" rtlCol="0">
+            <a:spAutoFit/>
+          </a:bodyPr>
+          <a:lstStyle/>
+          <a:p>
+            <a:r>
+              <a:rPr kumimoji="1" lang="en-US" altLang="ja-JP" sz="1200" dirty="0" smtClean="0">
+                <a:latin typeface="Calibri" charset="0"/>
+                <a:ea typeface="Calibri" charset="0"/>
+                <a:cs typeface="Calibri" charset="0"/>
+              </a:rPr>
+              <a:t>Sensor S</a:t>
+            </a:r>
+            <a:r>
+              <a:rPr kumimoji="1" lang="en-US" altLang="ja-JP" sz="1200" baseline="-25000" dirty="0" smtClean="0">
+                <a:latin typeface="Calibri" charset="0"/>
+                <a:ea typeface="Calibri" charset="0"/>
+                <a:cs typeface="Calibri" charset="0"/>
+              </a:rPr>
+              <a:t>3</a:t>
+            </a:r>
+            <a:endParaRPr kumimoji="1" lang="en-US" altLang="ja-JP" sz="1200" baseline="-25000" dirty="0" smtClean="0">
+              <a:latin typeface="Calibri" charset="0"/>
+              <a:ea typeface="Calibri" charset="0"/>
+              <a:cs typeface="Calibri" charset="0"/>
+            </a:endParaRPr>
+          </a:p>
+        </p:txBody>
+      </p:sp>
+      <p:sp>
+        <p:nvSpPr>
+          <p:cNvPr id="67" name="テキスト ボックス 66"/>
+          <p:cNvSpPr txBox="1"/>
+          <p:nvPr/>
+        </p:nvSpPr>
+        <p:spPr>
+          <a:xfrm>
+            <a:off x="4551389" y="2915208"/>
+            <a:ext cx="764953" cy="276999"/>
+          </a:xfrm>
+          <a:prstGeom prst="rect">
+            <a:avLst/>
+          </a:prstGeom>
+          <a:noFill/>
+        </p:spPr>
+        <p:txBody>
+          <a:bodyPr wrap="none" rtlCol="0">
+            <a:spAutoFit/>
+          </a:bodyPr>
+          <a:lstStyle/>
+          <a:p>
+            <a:r>
+              <a:rPr kumimoji="1" lang="en-US" altLang="ja-JP" sz="1200" dirty="0" smtClean="0">
+                <a:latin typeface="Calibri" charset="0"/>
+                <a:ea typeface="Calibri" charset="0"/>
+                <a:cs typeface="Calibri" charset="0"/>
+              </a:rPr>
+              <a:t>Sensor S</a:t>
+            </a:r>
+            <a:r>
+              <a:rPr kumimoji="1" lang="en-US" altLang="ja-JP" sz="1200" baseline="-25000" dirty="0" smtClean="0">
+                <a:latin typeface="Calibri" charset="0"/>
+                <a:ea typeface="Calibri" charset="0"/>
+                <a:cs typeface="Calibri" charset="0"/>
+              </a:rPr>
+              <a:t>4</a:t>
+            </a:r>
+            <a:endParaRPr kumimoji="1" lang="en-US" altLang="ja-JP" sz="1200" baseline="-25000" dirty="0" smtClean="0">
+              <a:latin typeface="Calibri" charset="0"/>
+              <a:ea typeface="Calibri" charset="0"/>
+              <a:cs typeface="Calibri" charset="0"/>
+            </a:endParaRPr>
+          </a:p>
+        </p:txBody>
+      </p:sp>
+      <p:sp>
+        <p:nvSpPr>
+          <p:cNvPr id="68" name="正方形/長方形 67"/>
+          <p:cNvSpPr/>
+          <p:nvPr/>
+        </p:nvSpPr>
+        <p:spPr>
+          <a:xfrm>
+            <a:off x="4787421" y="2486612"/>
+            <a:ext cx="211138" cy="163106"/>
+          </a:xfrm>
+          <a:prstGeom prst="rect">
+            <a:avLst/>
+          </a:prstGeom>
+        </p:spPr>
+        <p:style>
+          <a:lnRef idx="2">
+            <a:schemeClr val="accent4">
+              <a:shade val="50000"/>
+            </a:schemeClr>
+          </a:lnRef>
+          <a:fillRef idx="1">
+            <a:schemeClr val="accent4"/>
+          </a:fillRef>
+          <a:effectRef idx="0">
+            <a:schemeClr val="accent4"/>
+          </a:effectRef>
+          <a:fontRef idx="minor">
+            <a:schemeClr val="lt1"/>
+          </a:fontRef>
+        </p:style>
+        <p:txBody>
+          <a:bodyPr rtlCol="0" anchor="ctr"/>
+          <a:lstStyle/>
+          <a:p>
+            <a:pPr algn="ctr"/>
+            <a:endParaRPr kumimoji="1" lang="ja-JP" altLang="en-US">
+              <a:latin typeface="Calibri" charset="0"/>
+              <a:ea typeface="Calibri" charset="0"/>
+              <a:cs typeface="Calibri" charset="0"/>
+            </a:endParaRPr>
+          </a:p>
+        </p:txBody>
+      </p:sp>
+      <p:sp>
+        <p:nvSpPr>
+          <p:cNvPr id="69" name="正方形/長方形 68"/>
+          <p:cNvSpPr/>
+          <p:nvPr/>
+        </p:nvSpPr>
+        <p:spPr>
+          <a:xfrm>
+            <a:off x="4787421" y="3167640"/>
+            <a:ext cx="211138" cy="163106"/>
+          </a:xfrm>
+          <a:prstGeom prst="rect">
+            <a:avLst/>
+          </a:prstGeom>
+        </p:spPr>
+        <p:style>
+          <a:lnRef idx="2">
+            <a:schemeClr val="accent4">
+              <a:shade val="50000"/>
+            </a:schemeClr>
+          </a:lnRef>
+          <a:fillRef idx="1">
+            <a:schemeClr val="accent4"/>
+          </a:fillRef>
+          <a:effectRef idx="0">
+            <a:schemeClr val="accent4"/>
+          </a:effectRef>
+          <a:fontRef idx="minor">
+            <a:schemeClr val="lt1"/>
+          </a:fontRef>
+        </p:style>
+        <p:txBody>
+          <a:bodyPr rtlCol="0" anchor="ctr"/>
+          <a:lstStyle/>
+          <a:p>
+            <a:pPr algn="ctr"/>
+            <a:endParaRPr kumimoji="1" lang="ja-JP" altLang="en-US">
+              <a:latin typeface="Calibri" charset="0"/>
+              <a:ea typeface="Calibri" charset="0"/>
+              <a:cs typeface="Calibri" charset="0"/>
+            </a:endParaRPr>
+          </a:p>
+        </p:txBody>
+      </p:sp>
+      <p:sp>
+        <p:nvSpPr>
+          <p:cNvPr id="6" name="正方形/長方形 5"/>
+          <p:cNvSpPr/>
+          <p:nvPr/>
+        </p:nvSpPr>
+        <p:spPr>
+          <a:xfrm>
+            <a:off x="7217367" y="1719952"/>
+            <a:ext cx="1629199" cy="1901509"/>
+          </a:xfrm>
+          <a:prstGeom prst="rect">
+            <a:avLst/>
+          </a:prstGeom>
+          <a:noFill/>
+          <a:ln>
+            <a:solidFill>
+              <a:schemeClr val="tx1"/>
+            </a:solidFill>
+            <a:prstDash val="sysDash"/>
+          </a:ln>
+        </p:spPr>
+        <p:style>
+          <a:lnRef idx="2">
+            <a:schemeClr val="accent1">
+              <a:shade val="50000"/>
+            </a:schemeClr>
+          </a:lnRef>
+          <a:fillRef idx="1">
+            <a:schemeClr val="accent1"/>
+          </a:fillRef>
+          <a:effectRef idx="0">
+            <a:schemeClr val="accent1"/>
+          </a:effectRef>
+          <a:fontRef idx="minor">
+            <a:schemeClr val="lt1"/>
+          </a:fontRef>
+        </p:style>
+        <p:txBody>
+          <a:bodyPr rtlCol="0" anchor="ctr"/>
+          <a:lstStyle/>
+          <a:p>
+            <a:pPr algn="ctr"/>
+            <a:endParaRPr kumimoji="1" lang="ja-JP" altLang="en-US">
+              <a:latin typeface="Calibri" charset="0"/>
+              <a:ea typeface="Calibri" charset="0"/>
+              <a:cs typeface="Calibri" charset="0"/>
+            </a:endParaRPr>
+          </a:p>
+        </p:txBody>
+      </p:sp>
+      <p:sp>
+        <p:nvSpPr>
+          <p:cNvPr id="72" name="テキスト ボックス 71"/>
+          <p:cNvSpPr txBox="1"/>
+          <p:nvPr/>
+        </p:nvSpPr>
+        <p:spPr>
+          <a:xfrm>
+            <a:off x="7134837" y="1425477"/>
+            <a:ext cx="854529" cy="276999"/>
+          </a:xfrm>
+          <a:prstGeom prst="rect">
+            <a:avLst/>
+          </a:prstGeom>
+          <a:noFill/>
+        </p:spPr>
+        <p:txBody>
+          <a:bodyPr wrap="none" rtlCol="0">
+            <a:spAutoFit/>
+          </a:bodyPr>
+          <a:lstStyle/>
+          <a:p>
+            <a:r>
+              <a:rPr kumimoji="1" lang="en-US" altLang="ja-JP" sz="1200" dirty="0" smtClean="0">
+                <a:latin typeface="Calibri" charset="0"/>
+                <a:ea typeface="Calibri" charset="0"/>
+                <a:cs typeface="Calibri" charset="0"/>
+              </a:rPr>
+              <a:t>RO</a:t>
+            </a:r>
+            <a:r>
+              <a:rPr kumimoji="1" lang="en-US" altLang="ja-JP" sz="1200" baseline="-25000" dirty="0" smtClean="0">
+                <a:latin typeface="Calibri" charset="0"/>
+                <a:ea typeface="Calibri" charset="0"/>
+                <a:cs typeface="Calibri" charset="0"/>
+              </a:rPr>
+              <a:t>1</a:t>
+            </a:r>
+            <a:r>
+              <a:rPr lang="en-US" altLang="ja-JP" sz="1200" dirty="0" smtClean="0">
+                <a:latin typeface="Calibri" charset="0"/>
+                <a:ea typeface="Calibri" charset="0"/>
+                <a:cs typeface="Calibri" charset="0"/>
+              </a:rPr>
+              <a:t>’s View</a:t>
+            </a:r>
+            <a:endParaRPr kumimoji="1" lang="ja-JP" altLang="en-US" sz="1200" baseline="-25000" dirty="0">
+              <a:latin typeface="Calibri" charset="0"/>
+              <a:ea typeface="Calibri" charset="0"/>
+              <a:cs typeface="Calibri" charset="0"/>
+            </a:endParaRPr>
+          </a:p>
+        </p:txBody>
+      </p:sp>
+      <p:sp>
+        <p:nvSpPr>
+          <p:cNvPr id="73" name="正方形/長方形 72"/>
+          <p:cNvSpPr/>
+          <p:nvPr/>
+        </p:nvSpPr>
+        <p:spPr>
+          <a:xfrm>
+            <a:off x="3397258" y="1718372"/>
+            <a:ext cx="3702633" cy="1901509"/>
+          </a:xfrm>
+          <a:prstGeom prst="rect">
+            <a:avLst/>
+          </a:prstGeom>
+          <a:noFill/>
+          <a:ln>
+            <a:solidFill>
+              <a:schemeClr val="tx1"/>
+            </a:solidFill>
+            <a:prstDash val="sysDash"/>
+          </a:ln>
+        </p:spPr>
+        <p:style>
+          <a:lnRef idx="2">
+            <a:schemeClr val="accent1">
+              <a:shade val="50000"/>
+            </a:schemeClr>
+          </a:lnRef>
+          <a:fillRef idx="1">
+            <a:schemeClr val="accent1"/>
+          </a:fillRef>
+          <a:effectRef idx="0">
+            <a:schemeClr val="accent1"/>
+          </a:effectRef>
+          <a:fontRef idx="minor">
+            <a:schemeClr val="lt1"/>
+          </a:fontRef>
+        </p:style>
+        <p:txBody>
+          <a:bodyPr rtlCol="0" anchor="ctr"/>
+          <a:lstStyle/>
+          <a:p>
+            <a:pPr algn="ctr"/>
+            <a:endParaRPr kumimoji="1" lang="ja-JP" altLang="en-US">
+              <a:latin typeface="Calibri" charset="0"/>
+              <a:ea typeface="Calibri" charset="0"/>
+              <a:cs typeface="Calibri" charset="0"/>
+            </a:endParaRPr>
+          </a:p>
+        </p:txBody>
+      </p:sp>
+      <p:sp>
+        <p:nvSpPr>
+          <p:cNvPr id="75" name="テキスト ボックス 74"/>
+          <p:cNvSpPr txBox="1"/>
+          <p:nvPr/>
+        </p:nvSpPr>
+        <p:spPr>
+          <a:xfrm>
+            <a:off x="3354592" y="1438950"/>
+            <a:ext cx="841897" cy="276999"/>
+          </a:xfrm>
+          <a:prstGeom prst="rect">
+            <a:avLst/>
+          </a:prstGeom>
+          <a:noFill/>
+        </p:spPr>
+        <p:txBody>
+          <a:bodyPr wrap="none" rtlCol="0">
+            <a:spAutoFit/>
+          </a:bodyPr>
+          <a:lstStyle/>
+          <a:p>
+            <a:r>
+              <a:rPr kumimoji="1" lang="en-US" altLang="ja-JP" sz="1200" dirty="0" smtClean="0">
+                <a:latin typeface="Calibri" charset="0"/>
+                <a:ea typeface="Calibri" charset="0"/>
+                <a:cs typeface="Calibri" charset="0"/>
+              </a:rPr>
+              <a:t>FO</a:t>
+            </a:r>
+            <a:r>
+              <a:rPr kumimoji="1" lang="en-US" altLang="ja-JP" sz="1200" baseline="-25000" dirty="0" smtClean="0">
+                <a:latin typeface="Calibri" charset="0"/>
+                <a:ea typeface="Calibri" charset="0"/>
+                <a:cs typeface="Calibri" charset="0"/>
+              </a:rPr>
+              <a:t>1</a:t>
+            </a:r>
+            <a:r>
+              <a:rPr lang="en-US" altLang="ja-JP" sz="1200" dirty="0" smtClean="0">
+                <a:latin typeface="Calibri" charset="0"/>
+                <a:ea typeface="Calibri" charset="0"/>
+                <a:cs typeface="Calibri" charset="0"/>
+              </a:rPr>
+              <a:t>’s View</a:t>
+            </a:r>
+            <a:endParaRPr kumimoji="1" lang="ja-JP" altLang="en-US" sz="1200" baseline="-25000" dirty="0">
+              <a:latin typeface="Calibri" charset="0"/>
+              <a:ea typeface="Calibri" charset="0"/>
+              <a:cs typeface="Calibri" charset="0"/>
+            </a:endParaRPr>
+          </a:p>
+        </p:txBody>
+      </p:sp>
+      <p:sp>
+        <p:nvSpPr>
+          <p:cNvPr id="76" name="正方形/長方形 75"/>
+          <p:cNvSpPr/>
+          <p:nvPr/>
+        </p:nvSpPr>
+        <p:spPr>
+          <a:xfrm>
+            <a:off x="1753953" y="3942128"/>
+            <a:ext cx="1918938" cy="1433719"/>
+          </a:xfrm>
+          <a:prstGeom prst="rect">
+            <a:avLst/>
+          </a:prstGeom>
+          <a:noFill/>
+          <a:ln>
+            <a:solidFill>
+              <a:schemeClr val="tx1"/>
+            </a:solidFill>
+            <a:prstDash val="sysDash"/>
+          </a:ln>
+        </p:spPr>
+        <p:style>
+          <a:lnRef idx="2">
+            <a:schemeClr val="accent1">
+              <a:shade val="50000"/>
+            </a:schemeClr>
+          </a:lnRef>
+          <a:fillRef idx="1">
+            <a:schemeClr val="accent1"/>
+          </a:fillRef>
+          <a:effectRef idx="0">
+            <a:schemeClr val="accent1"/>
+          </a:effectRef>
+          <a:fontRef idx="minor">
+            <a:schemeClr val="lt1"/>
+          </a:fontRef>
+        </p:style>
+        <p:txBody>
+          <a:bodyPr rtlCol="0" anchor="ctr"/>
+          <a:lstStyle/>
+          <a:p>
+            <a:pPr algn="ctr"/>
+            <a:endParaRPr kumimoji="1" lang="ja-JP" altLang="en-US">
+              <a:latin typeface="Calibri" charset="0"/>
+              <a:ea typeface="Calibri" charset="0"/>
+              <a:cs typeface="Calibri" charset="0"/>
+            </a:endParaRPr>
+          </a:p>
+        </p:txBody>
+      </p:sp>
+      <p:sp>
+        <p:nvSpPr>
+          <p:cNvPr id="7" name="角丸四角形吹き出し 6"/>
+          <p:cNvSpPr/>
+          <p:nvPr/>
+        </p:nvSpPr>
+        <p:spPr>
+          <a:xfrm>
+            <a:off x="4711312" y="3849373"/>
+            <a:ext cx="1254882" cy="335870"/>
+          </a:xfrm>
+          <a:prstGeom prst="wedgeRoundRectCallout">
+            <a:avLst>
+              <a:gd name="adj1" fmla="val -28726"/>
+              <a:gd name="adj2" fmla="val -173633"/>
+              <a:gd name="adj3" fmla="val 16667"/>
+            </a:avLst>
+          </a:prstGeom>
+        </p:spPr>
+        <p:style>
+          <a:lnRef idx="1">
+            <a:schemeClr val="accent1"/>
+          </a:lnRef>
+          <a:fillRef idx="2">
+            <a:schemeClr val="accent1"/>
+          </a:fillRef>
+          <a:effectRef idx="1">
+            <a:schemeClr val="accent1"/>
+          </a:effectRef>
+          <a:fontRef idx="minor">
+            <a:schemeClr val="dk1"/>
+          </a:fontRef>
+        </p:style>
+        <p:txBody>
+          <a:bodyPr rtlCol="0" anchor="ctr"/>
+          <a:lstStyle/>
+          <a:p>
+            <a:pPr algn="ctr"/>
+            <a:r>
+              <a:rPr kumimoji="1" lang="en-US" altLang="ja-JP" sz="1200" smtClean="0">
+                <a:latin typeface="Calibri" charset="0"/>
+                <a:ea typeface="Calibri" charset="0"/>
+                <a:cs typeface="Calibri" charset="0"/>
+              </a:rPr>
+              <a:t>Virtual Device</a:t>
+            </a:r>
+            <a:endParaRPr kumimoji="1" lang="ja-JP" altLang="en-US" sz="1200" dirty="0">
+              <a:latin typeface="Calibri" charset="0"/>
+              <a:ea typeface="Calibri" charset="0"/>
+              <a:cs typeface="Calibri" charset="0"/>
+            </a:endParaRPr>
+          </a:p>
+        </p:txBody>
+      </p:sp>
+      <p:sp>
+        <p:nvSpPr>
+          <p:cNvPr id="77" name="角丸四角形吹き出し 76"/>
+          <p:cNvSpPr/>
+          <p:nvPr/>
+        </p:nvSpPr>
+        <p:spPr>
+          <a:xfrm>
+            <a:off x="4021813" y="4991496"/>
+            <a:ext cx="1360277" cy="335870"/>
+          </a:xfrm>
+          <a:prstGeom prst="wedgeRoundRectCallout">
+            <a:avLst>
+              <a:gd name="adj1" fmla="val -84064"/>
+              <a:gd name="adj2" fmla="val 4085"/>
+              <a:gd name="adj3" fmla="val 16667"/>
+            </a:avLst>
+          </a:prstGeom>
+        </p:spPr>
+        <p:style>
+          <a:lnRef idx="1">
+            <a:schemeClr val="accent2"/>
+          </a:lnRef>
+          <a:fillRef idx="2">
+            <a:schemeClr val="accent2"/>
+          </a:fillRef>
+          <a:effectRef idx="1">
+            <a:schemeClr val="accent2"/>
+          </a:effectRef>
+          <a:fontRef idx="minor">
+            <a:schemeClr val="dk1"/>
+          </a:fontRef>
+        </p:style>
+        <p:txBody>
+          <a:bodyPr rtlCol="0" anchor="ctr"/>
+          <a:lstStyle/>
+          <a:p>
+            <a:pPr algn="ctr"/>
+            <a:r>
+              <a:rPr kumimoji="1" lang="en-US" altLang="ja-JP" sz="1200" dirty="0" smtClean="0">
+                <a:latin typeface="Calibri" charset="0"/>
+                <a:ea typeface="Calibri" charset="0"/>
+                <a:cs typeface="Calibri" charset="0"/>
+              </a:rPr>
+              <a:t>Physical Device</a:t>
+            </a:r>
+            <a:endParaRPr kumimoji="1" lang="ja-JP" altLang="en-US" sz="1200" dirty="0">
+              <a:latin typeface="Calibri" charset="0"/>
+              <a:ea typeface="Calibri" charset="0"/>
+              <a:cs typeface="Calibri" charset="0"/>
+            </a:endParaRPr>
+          </a:p>
+        </p:txBody>
+      </p:sp>
+      <p:sp>
+        <p:nvSpPr>
+          <p:cNvPr id="78" name="正方形/長方形 77"/>
+          <p:cNvSpPr/>
+          <p:nvPr/>
+        </p:nvSpPr>
+        <p:spPr>
+          <a:xfrm>
+            <a:off x="6075590" y="2214465"/>
+            <a:ext cx="644934" cy="512286"/>
+          </a:xfrm>
+          <a:prstGeom prst="rect">
+            <a:avLst/>
+          </a:prstGeom>
+          <a:solidFill>
+            <a:schemeClr val="accent6">
+              <a:lumMod val="60000"/>
+              <a:lumOff val="40000"/>
+            </a:schemeClr>
+          </a:solidFill>
+        </p:spPr>
+        <p:style>
+          <a:lnRef idx="2">
+            <a:schemeClr val="accent6">
+              <a:shade val="50000"/>
+            </a:schemeClr>
+          </a:lnRef>
+          <a:fillRef idx="1">
+            <a:schemeClr val="accent6"/>
+          </a:fillRef>
+          <a:effectRef idx="0">
+            <a:schemeClr val="accent6"/>
+          </a:effectRef>
+          <a:fontRef idx="minor">
+            <a:schemeClr val="lt1"/>
+          </a:fontRef>
+        </p:style>
+        <p:txBody>
+          <a:bodyPr rtlCol="0" anchor="ctr"/>
+          <a:lstStyle/>
+          <a:p>
+            <a:pPr algn="ctr"/>
+            <a:endParaRPr kumimoji="1" lang="ja-JP" altLang="en-US">
+              <a:latin typeface="Calibri" charset="0"/>
+              <a:ea typeface="Calibri" charset="0"/>
+              <a:cs typeface="Calibri" charset="0"/>
+            </a:endParaRPr>
+          </a:p>
+        </p:txBody>
+      </p:sp>
+      <p:sp>
+        <p:nvSpPr>
+          <p:cNvPr id="79" name="テキスト ボックス 78"/>
+          <p:cNvSpPr txBox="1"/>
+          <p:nvPr/>
+        </p:nvSpPr>
+        <p:spPr>
+          <a:xfrm>
+            <a:off x="5991476" y="1955991"/>
+            <a:ext cx="737318" cy="276999"/>
+          </a:xfrm>
+          <a:prstGeom prst="rect">
+            <a:avLst/>
+          </a:prstGeom>
+          <a:noFill/>
+        </p:spPr>
+        <p:txBody>
+          <a:bodyPr wrap="none" rtlCol="0">
+            <a:spAutoFit/>
+          </a:bodyPr>
+          <a:lstStyle/>
+          <a:p>
+            <a:r>
+              <a:rPr kumimoji="1" lang="en-US" altLang="ja-JP" sz="1200" dirty="0" smtClean="0">
+                <a:latin typeface="Calibri" charset="0"/>
+                <a:ea typeface="Calibri" charset="0"/>
+                <a:cs typeface="Calibri" charset="0"/>
+              </a:rPr>
+              <a:t>Order O</a:t>
+            </a:r>
+            <a:r>
+              <a:rPr kumimoji="1" lang="en-US" altLang="ja-JP" sz="1200" baseline="-25000" dirty="0" smtClean="0">
+                <a:latin typeface="Calibri" charset="0"/>
+                <a:ea typeface="Calibri" charset="0"/>
+                <a:cs typeface="Calibri" charset="0"/>
+              </a:rPr>
+              <a:t>1</a:t>
+            </a:r>
+            <a:endParaRPr kumimoji="1" lang="en-US" altLang="ja-JP" sz="1200" baseline="-25000" dirty="0" smtClean="0">
+              <a:latin typeface="Calibri" charset="0"/>
+              <a:ea typeface="Calibri" charset="0"/>
+              <a:cs typeface="Calibri" charset="0"/>
+            </a:endParaRPr>
+          </a:p>
+        </p:txBody>
+      </p:sp>
+      <p:cxnSp>
+        <p:nvCxnSpPr>
+          <p:cNvPr id="90" name="直線矢印コネクタ 89"/>
+          <p:cNvCxnSpPr>
+            <a:endCxn id="80" idx="1"/>
+          </p:cNvCxnSpPr>
+          <p:nvPr/>
+        </p:nvCxnSpPr>
+        <p:spPr>
+          <a:xfrm>
+            <a:off x="6720524" y="2470608"/>
+            <a:ext cx="888963" cy="0"/>
+          </a:xfrm>
+          <a:prstGeom prst="straightConnector1">
+            <a:avLst/>
+          </a:prstGeom>
+          <a:ln>
+            <a:solidFill>
+              <a:schemeClr val="tx1"/>
+            </a:solidFill>
+            <a:headEnd type="arrow" w="med" len="med"/>
+            <a:tailEnd type="none" w="med" len="med"/>
+          </a:ln>
+        </p:spPr>
+        <p:style>
+          <a:lnRef idx="1">
+            <a:schemeClr val="accent1"/>
+          </a:lnRef>
+          <a:fillRef idx="0">
+            <a:schemeClr val="accent1"/>
+          </a:fillRef>
+          <a:effectRef idx="0">
+            <a:schemeClr val="accent1"/>
+          </a:effectRef>
+          <a:fontRef idx="minor">
+            <a:schemeClr val="tx1"/>
+          </a:fontRef>
+        </p:style>
+      </p:cxnSp>
+      <p:sp>
+        <p:nvSpPr>
+          <p:cNvPr id="91" name="角丸四角形吹き出し 90"/>
+          <p:cNvSpPr/>
+          <p:nvPr/>
+        </p:nvSpPr>
+        <p:spPr>
+          <a:xfrm>
+            <a:off x="1004639" y="812035"/>
+            <a:ext cx="2041867" cy="1429687"/>
+          </a:xfrm>
+          <a:prstGeom prst="wedgeRoundRectCallout">
+            <a:avLst>
+              <a:gd name="adj1" fmla="val 64382"/>
+              <a:gd name="adj2" fmla="val 72255"/>
+              <a:gd name="adj3" fmla="val 16667"/>
+            </a:avLst>
+          </a:prstGeom>
+        </p:spPr>
+        <p:style>
+          <a:lnRef idx="1">
+            <a:schemeClr val="accent2"/>
+          </a:lnRef>
+          <a:fillRef idx="2">
+            <a:schemeClr val="accent2"/>
+          </a:fillRef>
+          <a:effectRef idx="1">
+            <a:schemeClr val="accent2"/>
+          </a:effectRef>
+          <a:fontRef idx="minor">
+            <a:schemeClr val="dk1"/>
+          </a:fontRef>
+        </p:style>
+        <p:txBody>
+          <a:bodyPr rtlCol="0" anchor="ctr"/>
+          <a:lstStyle/>
+          <a:p>
+            <a:r>
+              <a:rPr kumimoji="1" lang="en-US" altLang="ja-JP" sz="1200" dirty="0" smtClean="0">
+                <a:latin typeface="Calibri" charset="0"/>
+                <a:ea typeface="Calibri" charset="0"/>
+                <a:cs typeface="Calibri" charset="0"/>
+              </a:rPr>
+              <a:t>A Farm Owner creates mapping between physical devices and virtual devices on </a:t>
+            </a:r>
+            <a:r>
+              <a:rPr kumimoji="1" lang="en-US" altLang="ja-JP" sz="1200" dirty="0" err="1" smtClean="0">
+                <a:latin typeface="Calibri" charset="0"/>
+                <a:ea typeface="Calibri" charset="0"/>
+                <a:cs typeface="Calibri" charset="0"/>
+              </a:rPr>
+              <a:t>EverySense</a:t>
+            </a:r>
+            <a:r>
+              <a:rPr kumimoji="1" lang="en-US" altLang="ja-JP" sz="1200" dirty="0" smtClean="0">
+                <a:latin typeface="Calibri" charset="0"/>
+                <a:ea typeface="Calibri" charset="0"/>
+                <a:cs typeface="Calibri" charset="0"/>
+              </a:rPr>
+              <a:t> Server. He also creates group of devices, which is called Farm.</a:t>
+            </a:r>
+          </a:p>
+        </p:txBody>
+      </p:sp>
+      <p:sp>
+        <p:nvSpPr>
+          <p:cNvPr id="93" name="角丸四角形吹き出し 92"/>
+          <p:cNvSpPr/>
+          <p:nvPr/>
+        </p:nvSpPr>
+        <p:spPr>
+          <a:xfrm>
+            <a:off x="9107158" y="812035"/>
+            <a:ext cx="2150137" cy="1686113"/>
+          </a:xfrm>
+          <a:prstGeom prst="wedgeRoundRectCallout">
+            <a:avLst>
+              <a:gd name="adj1" fmla="val -83677"/>
+              <a:gd name="adj2" fmla="val 39114"/>
+              <a:gd name="adj3" fmla="val 16667"/>
+            </a:avLst>
+          </a:prstGeom>
+        </p:spPr>
+        <p:style>
+          <a:lnRef idx="1">
+            <a:schemeClr val="accent6"/>
+          </a:lnRef>
+          <a:fillRef idx="2">
+            <a:schemeClr val="accent6"/>
+          </a:fillRef>
+          <a:effectRef idx="1">
+            <a:schemeClr val="accent6"/>
+          </a:effectRef>
+          <a:fontRef idx="minor">
+            <a:schemeClr val="dk1"/>
+          </a:fontRef>
+        </p:style>
+        <p:txBody>
+          <a:bodyPr rtlCol="0" anchor="ctr"/>
+          <a:lstStyle/>
+          <a:p>
+            <a:r>
+              <a:rPr kumimoji="1" lang="en-US" altLang="ja-JP" sz="1200" dirty="0" smtClean="0">
+                <a:latin typeface="Calibri" charset="0"/>
+                <a:ea typeface="Calibri" charset="0"/>
+                <a:cs typeface="Calibri" charset="0"/>
+              </a:rPr>
+              <a:t>A Restaurant Owner create a Recipe which describes sensor data requirements, e.g. sensor type, sensing interval and so on. If several Farms satisfy the Recipe requirements, an Order correspond to the Recipe is issued to the Farm owner. </a:t>
+            </a:r>
+            <a:endParaRPr kumimoji="1" lang="ja-JP" altLang="en-US" sz="1200" dirty="0">
+              <a:latin typeface="Calibri" charset="0"/>
+              <a:ea typeface="Calibri" charset="0"/>
+              <a:cs typeface="Calibri" charset="0"/>
+            </a:endParaRPr>
+          </a:p>
+        </p:txBody>
+      </p:sp>
+    </p:spTree>
+    <p:extLst>
+      <p:ext uri="{BB962C8B-B14F-4D97-AF65-F5344CB8AC3E}">
+        <p14:creationId xmlns:p14="http://schemas.microsoft.com/office/powerpoint/2010/main" val="45201550"/>
+      </p:ext>
+    </p:extLst>
+  </p:cSld>
+  <p:clrMapOvr>
+    <a:masterClrMapping/>
+  </p:clrMapOvr>
+</p:sld>
+</file>
+
+<file path=ppt/slides/slide5.xml><?xml version="1.0" encoding="utf-8"?>
+<p:sld xmlns:a="http://schemas.openxmlformats.org/drawingml/2006/main" xmlns:r="http://schemas.openxmlformats.org/officeDocument/2006/relationships" xmlns:p="http://schemas.openxmlformats.org/presentationml/2006/main">
+  <p:cSld>
+    <p:spTree>
+      <p:nvGrpSpPr>
+        <p:cNvPr id="1" name=""/>
+        <p:cNvGrpSpPr/>
+        <p:nvPr/>
+      </p:nvGrpSpPr>
+      <p:grpSpPr>
+        <a:xfrm>
+          <a:off x="0" y="0"/>
+          <a:ext cx="0" cy="0"/>
+          <a:chOff x="0" y="0"/>
+          <a:chExt cx="0" cy="0"/>
+        </a:xfrm>
+      </p:grpSpPr>
+      <p:sp>
+        <p:nvSpPr>
+          <p:cNvPr id="4" name="角丸四角形 3"/>
+          <p:cNvSpPr/>
+          <p:nvPr/>
+        </p:nvSpPr>
+        <p:spPr>
+          <a:xfrm>
+            <a:off x="3197151" y="584200"/>
+            <a:ext cx="5840589" cy="3241488"/>
+          </a:xfrm>
+          <a:prstGeom prst="roundRect">
+            <a:avLst/>
+          </a:prstGeom>
+          <a:ln w="57150"/>
+        </p:spPr>
+        <p:style>
+          <a:lnRef idx="2">
+            <a:schemeClr val="accent1"/>
+          </a:lnRef>
+          <a:fillRef idx="1">
+            <a:schemeClr val="lt1"/>
+          </a:fillRef>
+          <a:effectRef idx="0">
+            <a:schemeClr val="accent1"/>
+          </a:effectRef>
+          <a:fontRef idx="minor">
+            <a:schemeClr val="dk1"/>
+          </a:fontRef>
+        </p:style>
+        <p:txBody>
+          <a:bodyPr rtlCol="0" anchor="t"/>
+          <a:lstStyle/>
+          <a:p>
+            <a:pPr algn="ctr"/>
+            <a:r>
+              <a:rPr lang="en-US" altLang="ja-JP" sz="2400" b="1" dirty="0" err="1" smtClean="0">
+                <a:solidFill>
+                  <a:schemeClr val="accent1"/>
+                </a:solidFill>
+                <a:latin typeface="Calibri" charset="0"/>
+                <a:ea typeface="Calibri" charset="0"/>
+                <a:cs typeface="Calibri" charset="0"/>
+              </a:rPr>
+              <a:t>EverySense</a:t>
+            </a:r>
+            <a:r>
+              <a:rPr lang="en-US" altLang="ja-JP" sz="2400" b="1" dirty="0" smtClean="0">
+                <a:solidFill>
+                  <a:schemeClr val="accent1"/>
+                </a:solidFill>
+                <a:latin typeface="Calibri" charset="0"/>
+                <a:ea typeface="Calibri" charset="0"/>
+                <a:cs typeface="Calibri" charset="0"/>
+              </a:rPr>
+              <a:t> Server</a:t>
+            </a:r>
+            <a:endParaRPr kumimoji="1" lang="ja-JP" altLang="en-US" sz="2400" b="1" dirty="0">
+              <a:solidFill>
+                <a:schemeClr val="accent1"/>
+              </a:solidFill>
+              <a:latin typeface="Calibri" charset="0"/>
+              <a:ea typeface="Calibri" charset="0"/>
+              <a:cs typeface="Calibri" charset="0"/>
+            </a:endParaRPr>
+          </a:p>
+        </p:txBody>
+      </p:sp>
+      <p:grpSp>
+        <p:nvGrpSpPr>
+          <p:cNvPr id="20" name="図形グループ 19"/>
+          <p:cNvGrpSpPr/>
+          <p:nvPr/>
+        </p:nvGrpSpPr>
+        <p:grpSpPr>
+          <a:xfrm>
+            <a:off x="1963666" y="3076225"/>
+            <a:ext cx="292100" cy="647700"/>
+            <a:chOff x="5181600" y="3937000"/>
+            <a:chExt cx="292100" cy="647700"/>
+          </a:xfrm>
+        </p:grpSpPr>
+        <p:sp>
+          <p:nvSpPr>
+            <p:cNvPr id="2" name="円/楕円 1"/>
+            <p:cNvSpPr/>
+            <p:nvPr/>
+          </p:nvSpPr>
+          <p:spPr>
+            <a:xfrm>
+              <a:off x="5181600" y="3937000"/>
+              <a:ext cx="292100" cy="292100"/>
+            </a:xfrm>
+            <a:prstGeom prst="ellipse">
+              <a:avLst/>
+            </a:prstGeom>
+          </p:spPr>
+          <p:style>
+            <a:lnRef idx="2">
+              <a:schemeClr val="accent1">
+                <a:shade val="50000"/>
+              </a:schemeClr>
+            </a:lnRef>
+            <a:fillRef idx="1">
+              <a:schemeClr val="accent1"/>
+            </a:fillRef>
+            <a:effectRef idx="0">
+              <a:schemeClr val="accent1"/>
+            </a:effectRef>
+            <a:fontRef idx="minor">
+              <a:schemeClr val="lt1"/>
+            </a:fontRef>
+          </p:style>
+          <p:txBody>
+            <a:bodyPr rtlCol="0" anchor="ctr"/>
+            <a:lstStyle/>
+            <a:p>
+              <a:pPr algn="ctr"/>
+              <a:endParaRPr kumimoji="1" lang="ja-JP" altLang="en-US">
+                <a:latin typeface="Calibri" charset="0"/>
+                <a:ea typeface="Calibri" charset="0"/>
+                <a:cs typeface="Calibri" charset="0"/>
+              </a:endParaRPr>
+            </a:p>
+          </p:txBody>
+        </p:sp>
+        <p:cxnSp>
+          <p:nvCxnSpPr>
+            <p:cNvPr id="5" name="直線コネクタ 4"/>
+            <p:cNvCxnSpPr>
+              <a:stCxn id="2" idx="4"/>
+            </p:cNvCxnSpPr>
+            <p:nvPr/>
+          </p:nvCxnSpPr>
+          <p:spPr>
+            <a:xfrm>
+              <a:off x="5327650" y="4229100"/>
+              <a:ext cx="0" cy="241300"/>
+            </a:xfrm>
+            <a:prstGeom prst="line">
+              <a:avLst/>
+            </a:prstGeom>
+            <a:ln w="38100"/>
+          </p:spPr>
+          <p:style>
+            <a:lnRef idx="1">
+              <a:schemeClr val="accent1"/>
+            </a:lnRef>
+            <a:fillRef idx="0">
+              <a:schemeClr val="accent1"/>
+            </a:fillRef>
+            <a:effectRef idx="0">
+              <a:schemeClr val="accent1"/>
+            </a:effectRef>
+            <a:fontRef idx="minor">
+              <a:schemeClr val="tx1"/>
+            </a:fontRef>
+          </p:style>
+        </p:cxnSp>
+        <p:cxnSp>
+          <p:nvCxnSpPr>
+            <p:cNvPr id="10" name="直線コネクタ 9"/>
+            <p:cNvCxnSpPr/>
+            <p:nvPr/>
+          </p:nvCxnSpPr>
+          <p:spPr>
+            <a:xfrm>
+              <a:off x="5327650" y="4470400"/>
+              <a:ext cx="117475" cy="114300"/>
+            </a:xfrm>
+            <a:prstGeom prst="line">
+              <a:avLst/>
+            </a:prstGeom>
+            <a:ln w="38100"/>
+          </p:spPr>
+          <p:style>
+            <a:lnRef idx="1">
+              <a:schemeClr val="accent1"/>
+            </a:lnRef>
+            <a:fillRef idx="0">
+              <a:schemeClr val="accent1"/>
+            </a:fillRef>
+            <a:effectRef idx="0">
+              <a:schemeClr val="accent1"/>
+            </a:effectRef>
+            <a:fontRef idx="minor">
+              <a:schemeClr val="tx1"/>
+            </a:fontRef>
+          </p:style>
+        </p:cxnSp>
+        <p:cxnSp>
+          <p:nvCxnSpPr>
+            <p:cNvPr id="17" name="直線コネクタ 16"/>
+            <p:cNvCxnSpPr/>
+            <p:nvPr/>
+          </p:nvCxnSpPr>
+          <p:spPr>
+            <a:xfrm flipH="1">
+              <a:off x="5210175" y="4470400"/>
+              <a:ext cx="117475" cy="114300"/>
+            </a:xfrm>
+            <a:prstGeom prst="line">
+              <a:avLst/>
+            </a:prstGeom>
+            <a:ln w="38100"/>
+          </p:spPr>
+          <p:style>
+            <a:lnRef idx="1">
+              <a:schemeClr val="accent1"/>
+            </a:lnRef>
+            <a:fillRef idx="0">
+              <a:schemeClr val="accent1"/>
+            </a:fillRef>
+            <a:effectRef idx="0">
+              <a:schemeClr val="accent1"/>
+            </a:effectRef>
+            <a:fontRef idx="minor">
+              <a:schemeClr val="tx1"/>
+            </a:fontRef>
+          </p:style>
+        </p:cxnSp>
+        <p:cxnSp>
+          <p:nvCxnSpPr>
+            <p:cNvPr id="18" name="直線コネクタ 17"/>
+            <p:cNvCxnSpPr/>
+            <p:nvPr/>
+          </p:nvCxnSpPr>
+          <p:spPr>
+            <a:xfrm>
+              <a:off x="5327650" y="4292600"/>
+              <a:ext cx="117475" cy="114300"/>
+            </a:xfrm>
+            <a:prstGeom prst="line">
+              <a:avLst/>
+            </a:prstGeom>
+            <a:ln w="38100"/>
+          </p:spPr>
+          <p:style>
+            <a:lnRef idx="1">
+              <a:schemeClr val="accent1"/>
+            </a:lnRef>
+            <a:fillRef idx="0">
+              <a:schemeClr val="accent1"/>
+            </a:fillRef>
+            <a:effectRef idx="0">
+              <a:schemeClr val="accent1"/>
+            </a:effectRef>
+            <a:fontRef idx="minor">
+              <a:schemeClr val="tx1"/>
+            </a:fontRef>
+          </p:style>
+        </p:cxnSp>
+        <p:cxnSp>
+          <p:nvCxnSpPr>
+            <p:cNvPr id="19" name="直線コネクタ 18"/>
+            <p:cNvCxnSpPr/>
+            <p:nvPr/>
+          </p:nvCxnSpPr>
+          <p:spPr>
+            <a:xfrm flipH="1">
+              <a:off x="5210175" y="4292600"/>
+              <a:ext cx="117475" cy="114300"/>
+            </a:xfrm>
+            <a:prstGeom prst="line">
+              <a:avLst/>
+            </a:prstGeom>
+            <a:ln w="38100"/>
+          </p:spPr>
+          <p:style>
+            <a:lnRef idx="1">
+              <a:schemeClr val="accent1"/>
+            </a:lnRef>
+            <a:fillRef idx="0">
+              <a:schemeClr val="accent1"/>
+            </a:fillRef>
+            <a:effectRef idx="0">
+              <a:schemeClr val="accent1"/>
+            </a:effectRef>
+            <a:fontRef idx="minor">
+              <a:schemeClr val="tx1"/>
+            </a:fontRef>
+          </p:style>
+        </p:cxnSp>
+      </p:grpSp>
+      <p:sp>
+        <p:nvSpPr>
+          <p:cNvPr id="21" name="テキスト ボックス 20"/>
+          <p:cNvSpPr txBox="1"/>
+          <p:nvPr/>
+        </p:nvSpPr>
+        <p:spPr>
+          <a:xfrm>
+            <a:off x="1680271" y="2553005"/>
+            <a:ext cx="866327" cy="461665"/>
+          </a:xfrm>
+          <a:prstGeom prst="rect">
+            <a:avLst/>
+          </a:prstGeom>
+          <a:noFill/>
+        </p:spPr>
+        <p:txBody>
+          <a:bodyPr wrap="none" rtlCol="0">
+            <a:spAutoFit/>
+          </a:bodyPr>
+          <a:lstStyle/>
+          <a:p>
+            <a:r>
+              <a:rPr kumimoji="1" lang="en-US" altLang="ja-JP" sz="1200" dirty="0" smtClean="0">
+                <a:latin typeface="Calibri" charset="0"/>
+                <a:ea typeface="Calibri" charset="0"/>
+                <a:cs typeface="Calibri" charset="0"/>
+              </a:rPr>
+              <a:t>Farm</a:t>
+            </a:r>
+            <a:endParaRPr kumimoji="1" lang="en-US" altLang="ja-JP" sz="1200" dirty="0" smtClean="0">
+              <a:latin typeface="Calibri" charset="0"/>
+              <a:ea typeface="Calibri" charset="0"/>
+              <a:cs typeface="Calibri" charset="0"/>
+            </a:endParaRPr>
+          </a:p>
+          <a:p>
+            <a:r>
+              <a:rPr kumimoji="1" lang="en-US" altLang="ja-JP" sz="1200" dirty="0" smtClean="0">
+                <a:latin typeface="Calibri" charset="0"/>
+                <a:ea typeface="Calibri" charset="0"/>
+                <a:cs typeface="Calibri" charset="0"/>
+              </a:rPr>
+              <a:t>Owner FO</a:t>
+            </a:r>
+            <a:r>
+              <a:rPr kumimoji="1" lang="en-US" altLang="ja-JP" sz="1200" baseline="-25000" dirty="0" smtClean="0">
+                <a:latin typeface="Calibri" charset="0"/>
+                <a:ea typeface="Calibri" charset="0"/>
+                <a:cs typeface="Calibri" charset="0"/>
+              </a:rPr>
+              <a:t>1</a:t>
+            </a:r>
+            <a:endParaRPr kumimoji="1" lang="ja-JP" altLang="en-US" sz="1200" baseline="-25000" dirty="0">
+              <a:latin typeface="Calibri" charset="0"/>
+              <a:ea typeface="Calibri" charset="0"/>
+              <a:cs typeface="Calibri" charset="0"/>
+            </a:endParaRPr>
+          </a:p>
+        </p:txBody>
+      </p:sp>
+      <p:sp>
+        <p:nvSpPr>
+          <p:cNvPr id="28" name="正方形/長方形 27"/>
+          <p:cNvSpPr/>
+          <p:nvPr/>
+        </p:nvSpPr>
+        <p:spPr>
+          <a:xfrm>
+            <a:off x="1951130" y="4222141"/>
+            <a:ext cx="609600" cy="418170"/>
+          </a:xfrm>
+          <a:prstGeom prst="rect">
+            <a:avLst/>
+          </a:prstGeom>
+        </p:spPr>
+        <p:style>
+          <a:lnRef idx="2">
+            <a:schemeClr val="accent2">
+              <a:shade val="50000"/>
+            </a:schemeClr>
+          </a:lnRef>
+          <a:fillRef idx="1">
+            <a:schemeClr val="accent2"/>
+          </a:fillRef>
+          <a:effectRef idx="0">
+            <a:schemeClr val="accent2"/>
+          </a:effectRef>
+          <a:fontRef idx="minor">
+            <a:schemeClr val="lt1"/>
+          </a:fontRef>
+        </p:style>
+        <p:txBody>
+          <a:bodyPr rtlCol="0" anchor="ctr"/>
+          <a:lstStyle/>
+          <a:p>
+            <a:pPr algn="ctr"/>
+            <a:endParaRPr kumimoji="1" lang="ja-JP" altLang="en-US">
+              <a:latin typeface="Calibri" charset="0"/>
+              <a:ea typeface="Calibri" charset="0"/>
+              <a:cs typeface="Calibri" charset="0"/>
+            </a:endParaRPr>
+          </a:p>
+        </p:txBody>
+      </p:sp>
+      <p:sp>
+        <p:nvSpPr>
+          <p:cNvPr id="29" name="テキスト ボックス 28"/>
+          <p:cNvSpPr txBox="1"/>
+          <p:nvPr/>
+        </p:nvSpPr>
+        <p:spPr>
+          <a:xfrm>
+            <a:off x="1770787" y="3933295"/>
+            <a:ext cx="783548" cy="276999"/>
+          </a:xfrm>
+          <a:prstGeom prst="rect">
+            <a:avLst/>
+          </a:prstGeom>
+          <a:noFill/>
+        </p:spPr>
+        <p:txBody>
+          <a:bodyPr wrap="none" rtlCol="0">
+            <a:spAutoFit/>
+          </a:bodyPr>
+          <a:lstStyle/>
+          <a:p>
+            <a:r>
+              <a:rPr kumimoji="1" lang="en-US" altLang="ja-JP" sz="1200" dirty="0" smtClean="0">
+                <a:latin typeface="Calibri" charset="0"/>
+                <a:ea typeface="Calibri" charset="0"/>
+                <a:cs typeface="Calibri" charset="0"/>
+              </a:rPr>
+              <a:t>Device D</a:t>
+            </a:r>
+            <a:r>
+              <a:rPr kumimoji="1" lang="en-US" altLang="ja-JP" sz="1200" baseline="-25000" dirty="0" smtClean="0">
+                <a:latin typeface="Calibri" charset="0"/>
+                <a:ea typeface="Calibri" charset="0"/>
+                <a:cs typeface="Calibri" charset="0"/>
+              </a:rPr>
+              <a:t>1</a:t>
+            </a:r>
+            <a:endParaRPr lang="en-US" altLang="ja-JP" sz="1200" baseline="-25000" dirty="0">
+              <a:latin typeface="Calibri" charset="0"/>
+              <a:ea typeface="Calibri" charset="0"/>
+              <a:cs typeface="Calibri" charset="0"/>
+            </a:endParaRPr>
+          </a:p>
+        </p:txBody>
+      </p:sp>
+      <p:sp>
+        <p:nvSpPr>
+          <p:cNvPr id="30" name="正方形/長方形 29"/>
+          <p:cNvSpPr/>
+          <p:nvPr/>
+        </p:nvSpPr>
+        <p:spPr>
+          <a:xfrm>
+            <a:off x="2127658" y="4433566"/>
+            <a:ext cx="211138" cy="163106"/>
+          </a:xfrm>
+          <a:prstGeom prst="rect">
+            <a:avLst/>
+          </a:prstGeom>
+        </p:spPr>
+        <p:style>
+          <a:lnRef idx="2">
+            <a:schemeClr val="accent4">
+              <a:shade val="50000"/>
+            </a:schemeClr>
+          </a:lnRef>
+          <a:fillRef idx="1">
+            <a:schemeClr val="accent4"/>
+          </a:fillRef>
+          <a:effectRef idx="0">
+            <a:schemeClr val="accent4"/>
+          </a:effectRef>
+          <a:fontRef idx="minor">
+            <a:schemeClr val="lt1"/>
+          </a:fontRef>
+        </p:style>
+        <p:txBody>
+          <a:bodyPr rtlCol="0" anchor="ctr"/>
+          <a:lstStyle/>
+          <a:p>
+            <a:pPr algn="ctr"/>
+            <a:endParaRPr kumimoji="1" lang="ja-JP" altLang="en-US">
+              <a:latin typeface="Calibri" charset="0"/>
+              <a:ea typeface="Calibri" charset="0"/>
+              <a:cs typeface="Calibri" charset="0"/>
+            </a:endParaRPr>
+          </a:p>
+        </p:txBody>
+      </p:sp>
+      <p:sp>
+        <p:nvSpPr>
+          <p:cNvPr id="31" name="テキスト ボックス 30"/>
+          <p:cNvSpPr txBox="1"/>
+          <p:nvPr/>
+        </p:nvSpPr>
+        <p:spPr>
+          <a:xfrm>
+            <a:off x="1885223" y="4181004"/>
+            <a:ext cx="764953" cy="276999"/>
+          </a:xfrm>
+          <a:prstGeom prst="rect">
+            <a:avLst/>
+          </a:prstGeom>
+          <a:noFill/>
+        </p:spPr>
+        <p:txBody>
+          <a:bodyPr wrap="none" rtlCol="0">
+            <a:spAutoFit/>
+          </a:bodyPr>
+          <a:lstStyle/>
+          <a:p>
+            <a:r>
+              <a:rPr kumimoji="1" lang="en-US" altLang="ja-JP" sz="1200" dirty="0" smtClean="0">
+                <a:latin typeface="Calibri" charset="0"/>
+                <a:ea typeface="Calibri" charset="0"/>
+                <a:cs typeface="Calibri" charset="0"/>
+              </a:rPr>
+              <a:t>Sensor S</a:t>
+            </a:r>
+            <a:r>
+              <a:rPr kumimoji="1" lang="en-US" altLang="ja-JP" sz="1200" baseline="-25000" dirty="0" smtClean="0">
+                <a:latin typeface="Calibri" charset="0"/>
+                <a:ea typeface="Calibri" charset="0"/>
+                <a:cs typeface="Calibri" charset="0"/>
+              </a:rPr>
+              <a:t>1</a:t>
+            </a:r>
+            <a:endParaRPr kumimoji="1" lang="en-US" altLang="ja-JP" sz="1200" baseline="-25000" dirty="0" smtClean="0">
+              <a:latin typeface="Calibri" charset="0"/>
+              <a:ea typeface="Calibri" charset="0"/>
+              <a:cs typeface="Calibri" charset="0"/>
+            </a:endParaRPr>
+          </a:p>
+        </p:txBody>
+      </p:sp>
+      <p:sp>
+        <p:nvSpPr>
+          <p:cNvPr id="32" name="正方形/長方形 31"/>
+          <p:cNvSpPr/>
+          <p:nvPr/>
+        </p:nvSpPr>
+        <p:spPr>
+          <a:xfrm>
+            <a:off x="2127658" y="4920641"/>
+            <a:ext cx="211138" cy="163106"/>
+          </a:xfrm>
+          <a:prstGeom prst="rect">
+            <a:avLst/>
+          </a:prstGeom>
+        </p:spPr>
+        <p:style>
+          <a:lnRef idx="2">
+            <a:schemeClr val="accent4">
+              <a:shade val="50000"/>
+            </a:schemeClr>
+          </a:lnRef>
+          <a:fillRef idx="1">
+            <a:schemeClr val="accent4"/>
+          </a:fillRef>
+          <a:effectRef idx="0">
+            <a:schemeClr val="accent4"/>
+          </a:effectRef>
+          <a:fontRef idx="minor">
+            <a:schemeClr val="lt1"/>
+          </a:fontRef>
+        </p:style>
+        <p:txBody>
+          <a:bodyPr rtlCol="0" anchor="ctr"/>
+          <a:lstStyle/>
+          <a:p>
+            <a:pPr algn="ctr"/>
+            <a:endParaRPr kumimoji="1" lang="ja-JP" altLang="en-US">
+              <a:latin typeface="Calibri" charset="0"/>
+              <a:ea typeface="Calibri" charset="0"/>
+              <a:cs typeface="Calibri" charset="0"/>
+            </a:endParaRPr>
+          </a:p>
+        </p:txBody>
+      </p:sp>
+      <p:sp>
+        <p:nvSpPr>
+          <p:cNvPr id="33" name="テキスト ボックス 32"/>
+          <p:cNvSpPr txBox="1"/>
+          <p:nvPr/>
+        </p:nvSpPr>
+        <p:spPr>
+          <a:xfrm>
+            <a:off x="1885223" y="5025191"/>
+            <a:ext cx="764953" cy="276999"/>
+          </a:xfrm>
+          <a:prstGeom prst="rect">
+            <a:avLst/>
+          </a:prstGeom>
+          <a:noFill/>
+        </p:spPr>
+        <p:txBody>
+          <a:bodyPr wrap="none" rtlCol="0">
+            <a:spAutoFit/>
+          </a:bodyPr>
+          <a:lstStyle/>
+          <a:p>
+            <a:r>
+              <a:rPr kumimoji="1" lang="en-US" altLang="ja-JP" sz="1200" dirty="0" smtClean="0">
+                <a:latin typeface="Calibri" charset="0"/>
+                <a:ea typeface="Calibri" charset="0"/>
+                <a:cs typeface="Calibri" charset="0"/>
+              </a:rPr>
+              <a:t>Sensor S</a:t>
+            </a:r>
+            <a:r>
+              <a:rPr kumimoji="1" lang="en-US" altLang="ja-JP" sz="1200" baseline="-25000" dirty="0" smtClean="0">
+                <a:latin typeface="Calibri" charset="0"/>
+                <a:ea typeface="Calibri" charset="0"/>
+                <a:cs typeface="Calibri" charset="0"/>
+              </a:rPr>
+              <a:t>2</a:t>
+            </a:r>
+            <a:endParaRPr kumimoji="1" lang="en-US" altLang="ja-JP" sz="1200" baseline="-25000" dirty="0" smtClean="0">
+              <a:latin typeface="Calibri" charset="0"/>
+              <a:ea typeface="Calibri" charset="0"/>
+              <a:cs typeface="Calibri" charset="0"/>
+            </a:endParaRPr>
+          </a:p>
+        </p:txBody>
+      </p:sp>
+      <p:sp>
+        <p:nvSpPr>
+          <p:cNvPr id="34" name="テキスト ボックス 33"/>
+          <p:cNvSpPr txBox="1"/>
+          <p:nvPr/>
+        </p:nvSpPr>
+        <p:spPr>
+          <a:xfrm>
+            <a:off x="2778540" y="3930942"/>
+            <a:ext cx="783548" cy="276999"/>
+          </a:xfrm>
+          <a:prstGeom prst="rect">
+            <a:avLst/>
+          </a:prstGeom>
+          <a:noFill/>
+        </p:spPr>
+        <p:txBody>
+          <a:bodyPr wrap="none" rtlCol="0">
+            <a:spAutoFit/>
+          </a:bodyPr>
+          <a:lstStyle/>
+          <a:p>
+            <a:r>
+              <a:rPr kumimoji="1" lang="en-US" altLang="ja-JP" sz="1200" dirty="0" smtClean="0">
+                <a:latin typeface="Calibri" charset="0"/>
+                <a:ea typeface="Calibri" charset="0"/>
+                <a:cs typeface="Calibri" charset="0"/>
+              </a:rPr>
+              <a:t>Device D</a:t>
+            </a:r>
+            <a:r>
+              <a:rPr lang="en-US" altLang="ja-JP" sz="1200" baseline="-25000" dirty="0" smtClean="0">
+                <a:latin typeface="Calibri" charset="0"/>
+                <a:ea typeface="Calibri" charset="0"/>
+                <a:cs typeface="Calibri" charset="0"/>
+              </a:rPr>
+              <a:t>2</a:t>
+            </a:r>
+            <a:endParaRPr kumimoji="1" lang="en-US" altLang="ja-JP" sz="1200" baseline="-25000" dirty="0" smtClean="0">
+              <a:latin typeface="Calibri" charset="0"/>
+              <a:ea typeface="Calibri" charset="0"/>
+              <a:cs typeface="Calibri" charset="0"/>
+            </a:endParaRPr>
+          </a:p>
+        </p:txBody>
+      </p:sp>
+      <p:grpSp>
+        <p:nvGrpSpPr>
+          <p:cNvPr id="39" name="図形グループ 38"/>
+          <p:cNvGrpSpPr/>
+          <p:nvPr/>
+        </p:nvGrpSpPr>
+        <p:grpSpPr>
+          <a:xfrm rot="-2700000">
+            <a:off x="2010366" y="4732624"/>
+            <a:ext cx="445723" cy="445723"/>
+            <a:chOff x="4742656" y="4758033"/>
+            <a:chExt cx="1100138" cy="1100138"/>
+          </a:xfrm>
+        </p:grpSpPr>
+        <p:sp>
+          <p:nvSpPr>
+            <p:cNvPr id="36" name="円弧 35"/>
+            <p:cNvSpPr/>
+            <p:nvPr/>
+          </p:nvSpPr>
+          <p:spPr>
+            <a:xfrm>
+              <a:off x="5010150" y="5025527"/>
+              <a:ext cx="565150" cy="565150"/>
+            </a:xfrm>
+            <a:prstGeom prst="arc">
+              <a:avLst/>
+            </a:prstGeom>
+            <a:ln w="28575">
+              <a:solidFill>
+                <a:schemeClr val="tx1"/>
+              </a:solidFill>
+            </a:ln>
+          </p:spPr>
+          <p:style>
+            <a:lnRef idx="1">
+              <a:schemeClr val="accent1"/>
+            </a:lnRef>
+            <a:fillRef idx="0">
+              <a:schemeClr val="accent1"/>
+            </a:fillRef>
+            <a:effectRef idx="0">
+              <a:schemeClr val="accent1"/>
+            </a:effectRef>
+            <a:fontRef idx="minor">
+              <a:schemeClr val="tx1"/>
+            </a:fontRef>
+          </p:style>
+          <p:txBody>
+            <a:bodyPr rtlCol="0" anchor="ctr"/>
+            <a:lstStyle/>
+            <a:p>
+              <a:pPr algn="ctr"/>
+              <a:endParaRPr kumimoji="1" lang="ja-JP" altLang="en-US">
+                <a:latin typeface="Calibri" charset="0"/>
+                <a:ea typeface="Calibri" charset="0"/>
+                <a:cs typeface="Calibri" charset="0"/>
+              </a:endParaRPr>
+            </a:p>
+          </p:txBody>
+        </p:sp>
+        <p:sp>
+          <p:nvSpPr>
+            <p:cNvPr id="37" name="円弧 36"/>
+            <p:cNvSpPr/>
+            <p:nvPr/>
+          </p:nvSpPr>
+          <p:spPr>
+            <a:xfrm>
+              <a:off x="4879975" y="4895352"/>
+              <a:ext cx="825500" cy="825500"/>
+            </a:xfrm>
+            <a:prstGeom prst="arc">
+              <a:avLst/>
+            </a:prstGeom>
+            <a:ln w="28575">
+              <a:solidFill>
+                <a:schemeClr val="tx1"/>
+              </a:solidFill>
+            </a:ln>
+          </p:spPr>
+          <p:style>
+            <a:lnRef idx="1">
+              <a:schemeClr val="accent1"/>
+            </a:lnRef>
+            <a:fillRef idx="0">
+              <a:schemeClr val="accent1"/>
+            </a:fillRef>
+            <a:effectRef idx="0">
+              <a:schemeClr val="accent1"/>
+            </a:effectRef>
+            <a:fontRef idx="minor">
+              <a:schemeClr val="tx1"/>
+            </a:fontRef>
+          </p:style>
+          <p:txBody>
+            <a:bodyPr rtlCol="0" anchor="ctr"/>
+            <a:lstStyle/>
+            <a:p>
+              <a:pPr algn="ctr"/>
+              <a:endParaRPr kumimoji="1" lang="ja-JP" altLang="en-US">
+                <a:latin typeface="Calibri" charset="0"/>
+                <a:ea typeface="Calibri" charset="0"/>
+                <a:cs typeface="Calibri" charset="0"/>
+              </a:endParaRPr>
+            </a:p>
+          </p:txBody>
+        </p:sp>
+        <p:sp>
+          <p:nvSpPr>
+            <p:cNvPr id="38" name="円弧 37"/>
+            <p:cNvSpPr/>
+            <p:nvPr/>
+          </p:nvSpPr>
+          <p:spPr>
+            <a:xfrm>
+              <a:off x="4742656" y="4758033"/>
+              <a:ext cx="1100138" cy="1100138"/>
+            </a:xfrm>
+            <a:prstGeom prst="arc">
+              <a:avLst/>
+            </a:prstGeom>
+            <a:ln w="28575">
+              <a:solidFill>
+                <a:schemeClr val="tx1"/>
+              </a:solidFill>
+            </a:ln>
+          </p:spPr>
+          <p:style>
+            <a:lnRef idx="1">
+              <a:schemeClr val="accent1"/>
+            </a:lnRef>
+            <a:fillRef idx="0">
+              <a:schemeClr val="accent1"/>
+            </a:fillRef>
+            <a:effectRef idx="0">
+              <a:schemeClr val="accent1"/>
+            </a:effectRef>
+            <a:fontRef idx="minor">
+              <a:schemeClr val="tx1"/>
+            </a:fontRef>
+          </p:style>
+          <p:txBody>
+            <a:bodyPr rtlCol="0" anchor="ctr"/>
+            <a:lstStyle/>
+            <a:p>
+              <a:pPr algn="ctr"/>
+              <a:endParaRPr kumimoji="1" lang="ja-JP" altLang="en-US">
+                <a:latin typeface="Calibri" charset="0"/>
+                <a:ea typeface="Calibri" charset="0"/>
+                <a:cs typeface="Calibri" charset="0"/>
+              </a:endParaRPr>
+            </a:p>
+          </p:txBody>
+        </p:sp>
+      </p:grpSp>
+      <p:sp>
+        <p:nvSpPr>
+          <p:cNvPr id="40" name="テキスト ボックス 39"/>
+          <p:cNvSpPr txBox="1"/>
+          <p:nvPr/>
+        </p:nvSpPr>
+        <p:spPr>
+          <a:xfrm>
+            <a:off x="2778540" y="4600801"/>
+            <a:ext cx="783548" cy="276999"/>
+          </a:xfrm>
+          <a:prstGeom prst="rect">
+            <a:avLst/>
+          </a:prstGeom>
+          <a:noFill/>
+        </p:spPr>
+        <p:txBody>
+          <a:bodyPr wrap="none" rtlCol="0">
+            <a:spAutoFit/>
+          </a:bodyPr>
+          <a:lstStyle/>
+          <a:p>
+            <a:r>
+              <a:rPr kumimoji="1" lang="en-US" altLang="ja-JP" sz="1200" dirty="0" smtClean="0">
+                <a:latin typeface="Calibri" charset="0"/>
+                <a:ea typeface="Calibri" charset="0"/>
+                <a:cs typeface="Calibri" charset="0"/>
+              </a:rPr>
+              <a:t>Device D</a:t>
+            </a:r>
+            <a:r>
+              <a:rPr kumimoji="1" lang="en-US" altLang="ja-JP" sz="1200" baseline="-25000" dirty="0" smtClean="0">
+                <a:latin typeface="Calibri" charset="0"/>
+                <a:ea typeface="Calibri" charset="0"/>
+                <a:cs typeface="Calibri" charset="0"/>
+              </a:rPr>
+              <a:t>3</a:t>
+            </a:r>
+            <a:endParaRPr kumimoji="1" lang="en-US" altLang="ja-JP" sz="1200" baseline="-25000" dirty="0" smtClean="0">
+              <a:latin typeface="Calibri" charset="0"/>
+              <a:ea typeface="Calibri" charset="0"/>
+              <a:cs typeface="Calibri" charset="0"/>
+            </a:endParaRPr>
+          </a:p>
+        </p:txBody>
+      </p:sp>
+      <p:sp>
+        <p:nvSpPr>
+          <p:cNvPr id="41" name="正方形/長方形 40"/>
+          <p:cNvSpPr/>
+          <p:nvPr/>
+        </p:nvSpPr>
+        <p:spPr>
+          <a:xfrm>
+            <a:off x="2953839" y="4191363"/>
+            <a:ext cx="609600" cy="448948"/>
+          </a:xfrm>
+          <a:prstGeom prst="rect">
+            <a:avLst/>
+          </a:prstGeom>
+        </p:spPr>
+        <p:style>
+          <a:lnRef idx="2">
+            <a:schemeClr val="accent2">
+              <a:shade val="50000"/>
+            </a:schemeClr>
+          </a:lnRef>
+          <a:fillRef idx="1">
+            <a:schemeClr val="accent2"/>
+          </a:fillRef>
+          <a:effectRef idx="0">
+            <a:schemeClr val="accent2"/>
+          </a:effectRef>
+          <a:fontRef idx="minor">
+            <a:schemeClr val="lt1"/>
+          </a:fontRef>
+        </p:style>
+        <p:txBody>
+          <a:bodyPr rtlCol="0" anchor="ctr"/>
+          <a:lstStyle/>
+          <a:p>
+            <a:pPr algn="ctr"/>
+            <a:endParaRPr kumimoji="1" lang="ja-JP" altLang="en-US">
+              <a:latin typeface="Calibri" charset="0"/>
+              <a:ea typeface="Calibri" charset="0"/>
+              <a:cs typeface="Calibri" charset="0"/>
+            </a:endParaRPr>
+          </a:p>
+        </p:txBody>
+      </p:sp>
+      <p:sp>
+        <p:nvSpPr>
+          <p:cNvPr id="42" name="テキスト ボックス 41"/>
+          <p:cNvSpPr txBox="1"/>
+          <p:nvPr/>
+        </p:nvSpPr>
+        <p:spPr>
+          <a:xfrm>
+            <a:off x="2900632" y="4162926"/>
+            <a:ext cx="764953" cy="276999"/>
+          </a:xfrm>
+          <a:prstGeom prst="rect">
+            <a:avLst/>
+          </a:prstGeom>
+          <a:noFill/>
+        </p:spPr>
+        <p:txBody>
+          <a:bodyPr wrap="none" rtlCol="0">
+            <a:spAutoFit/>
+          </a:bodyPr>
+          <a:lstStyle/>
+          <a:p>
+            <a:r>
+              <a:rPr kumimoji="1" lang="en-US" altLang="ja-JP" sz="1200" dirty="0" smtClean="0">
+                <a:latin typeface="Calibri" charset="0"/>
+                <a:ea typeface="Calibri" charset="0"/>
+                <a:cs typeface="Calibri" charset="0"/>
+              </a:rPr>
+              <a:t>Sensor S</a:t>
+            </a:r>
+            <a:r>
+              <a:rPr kumimoji="1" lang="en-US" altLang="ja-JP" sz="1200" baseline="-25000" dirty="0" smtClean="0">
+                <a:latin typeface="Calibri" charset="0"/>
+                <a:ea typeface="Calibri" charset="0"/>
+                <a:cs typeface="Calibri" charset="0"/>
+              </a:rPr>
+              <a:t>3</a:t>
+            </a:r>
+            <a:endParaRPr kumimoji="1" lang="en-US" altLang="ja-JP" sz="1200" baseline="-25000" dirty="0" smtClean="0">
+              <a:latin typeface="Calibri" charset="0"/>
+              <a:ea typeface="Calibri" charset="0"/>
+              <a:cs typeface="Calibri" charset="0"/>
+            </a:endParaRPr>
+          </a:p>
+        </p:txBody>
+      </p:sp>
+      <p:sp>
+        <p:nvSpPr>
+          <p:cNvPr id="43" name="正方形/長方形 42"/>
+          <p:cNvSpPr/>
+          <p:nvPr/>
+        </p:nvSpPr>
+        <p:spPr>
+          <a:xfrm>
+            <a:off x="2953839" y="4848286"/>
+            <a:ext cx="609600" cy="470922"/>
+          </a:xfrm>
+          <a:prstGeom prst="rect">
+            <a:avLst/>
+          </a:prstGeom>
+        </p:spPr>
+        <p:style>
+          <a:lnRef idx="2">
+            <a:schemeClr val="accent2">
+              <a:shade val="50000"/>
+            </a:schemeClr>
+          </a:lnRef>
+          <a:fillRef idx="1">
+            <a:schemeClr val="accent2"/>
+          </a:fillRef>
+          <a:effectRef idx="0">
+            <a:schemeClr val="accent2"/>
+          </a:effectRef>
+          <a:fontRef idx="minor">
+            <a:schemeClr val="lt1"/>
+          </a:fontRef>
+        </p:style>
+        <p:txBody>
+          <a:bodyPr rtlCol="0" anchor="ctr"/>
+          <a:lstStyle/>
+          <a:p>
+            <a:pPr algn="ctr"/>
+            <a:endParaRPr kumimoji="1" lang="ja-JP" altLang="en-US">
+              <a:latin typeface="Calibri" charset="0"/>
+              <a:ea typeface="Calibri" charset="0"/>
+              <a:cs typeface="Calibri" charset="0"/>
+            </a:endParaRPr>
+          </a:p>
+        </p:txBody>
+      </p:sp>
+      <p:sp>
+        <p:nvSpPr>
+          <p:cNvPr id="44" name="テキスト ボックス 43"/>
+          <p:cNvSpPr txBox="1"/>
+          <p:nvPr/>
+        </p:nvSpPr>
+        <p:spPr>
+          <a:xfrm>
+            <a:off x="2901970" y="4829685"/>
+            <a:ext cx="764953" cy="276999"/>
+          </a:xfrm>
+          <a:prstGeom prst="rect">
+            <a:avLst/>
+          </a:prstGeom>
+          <a:noFill/>
+        </p:spPr>
+        <p:txBody>
+          <a:bodyPr wrap="none" rtlCol="0">
+            <a:spAutoFit/>
+          </a:bodyPr>
+          <a:lstStyle/>
+          <a:p>
+            <a:r>
+              <a:rPr kumimoji="1" lang="en-US" altLang="ja-JP" sz="1200" dirty="0" smtClean="0">
+                <a:latin typeface="Calibri" charset="0"/>
+                <a:ea typeface="Calibri" charset="0"/>
+                <a:cs typeface="Calibri" charset="0"/>
+              </a:rPr>
+              <a:t>Sensor S</a:t>
+            </a:r>
+            <a:r>
+              <a:rPr kumimoji="1" lang="en-US" altLang="ja-JP" sz="1200" baseline="-25000" dirty="0" smtClean="0">
+                <a:latin typeface="Calibri" charset="0"/>
+                <a:ea typeface="Calibri" charset="0"/>
+                <a:cs typeface="Calibri" charset="0"/>
+              </a:rPr>
+              <a:t>4</a:t>
+            </a:r>
+            <a:endParaRPr kumimoji="1" lang="en-US" altLang="ja-JP" sz="1200" baseline="-25000" dirty="0" smtClean="0">
+              <a:latin typeface="Calibri" charset="0"/>
+              <a:ea typeface="Calibri" charset="0"/>
+              <a:cs typeface="Calibri" charset="0"/>
+            </a:endParaRPr>
+          </a:p>
+        </p:txBody>
+      </p:sp>
+      <p:sp>
+        <p:nvSpPr>
+          <p:cNvPr id="45" name="正方形/長方形 44"/>
+          <p:cNvSpPr/>
+          <p:nvPr/>
+        </p:nvSpPr>
+        <p:spPr>
+          <a:xfrm>
+            <a:off x="3138002" y="4413789"/>
+            <a:ext cx="211138" cy="163106"/>
+          </a:xfrm>
+          <a:prstGeom prst="rect">
+            <a:avLst/>
+          </a:prstGeom>
+        </p:spPr>
+        <p:style>
+          <a:lnRef idx="2">
+            <a:schemeClr val="accent4">
+              <a:shade val="50000"/>
+            </a:schemeClr>
+          </a:lnRef>
+          <a:fillRef idx="1">
+            <a:schemeClr val="accent4"/>
+          </a:fillRef>
+          <a:effectRef idx="0">
+            <a:schemeClr val="accent4"/>
+          </a:effectRef>
+          <a:fontRef idx="minor">
+            <a:schemeClr val="lt1"/>
+          </a:fontRef>
+        </p:style>
+        <p:txBody>
+          <a:bodyPr rtlCol="0" anchor="ctr"/>
+          <a:lstStyle/>
+          <a:p>
+            <a:pPr algn="ctr"/>
+            <a:endParaRPr kumimoji="1" lang="ja-JP" altLang="en-US">
+              <a:latin typeface="Calibri" charset="0"/>
+              <a:ea typeface="Calibri" charset="0"/>
+              <a:cs typeface="Calibri" charset="0"/>
+            </a:endParaRPr>
+          </a:p>
+        </p:txBody>
+      </p:sp>
+      <p:sp>
+        <p:nvSpPr>
+          <p:cNvPr id="46" name="正方形/長方形 45"/>
+          <p:cNvSpPr/>
+          <p:nvPr/>
+        </p:nvSpPr>
+        <p:spPr>
+          <a:xfrm>
+            <a:off x="3138002" y="5082117"/>
+            <a:ext cx="211138" cy="163106"/>
+          </a:xfrm>
+          <a:prstGeom prst="rect">
+            <a:avLst/>
+          </a:prstGeom>
+        </p:spPr>
+        <p:style>
+          <a:lnRef idx="2">
+            <a:schemeClr val="accent4">
+              <a:shade val="50000"/>
+            </a:schemeClr>
+          </a:lnRef>
+          <a:fillRef idx="1">
+            <a:schemeClr val="accent4"/>
+          </a:fillRef>
+          <a:effectRef idx="0">
+            <a:schemeClr val="accent4"/>
+          </a:effectRef>
+          <a:fontRef idx="minor">
+            <a:schemeClr val="lt1"/>
+          </a:fontRef>
+        </p:style>
+        <p:txBody>
+          <a:bodyPr rtlCol="0" anchor="ctr"/>
+          <a:lstStyle/>
+          <a:p>
+            <a:pPr algn="ctr"/>
+            <a:endParaRPr kumimoji="1" lang="ja-JP" altLang="en-US">
+              <a:latin typeface="Calibri" charset="0"/>
+              <a:ea typeface="Calibri" charset="0"/>
+              <a:cs typeface="Calibri" charset="0"/>
+            </a:endParaRPr>
+          </a:p>
+        </p:txBody>
+      </p:sp>
+      <p:sp>
+        <p:nvSpPr>
+          <p:cNvPr id="47" name="角丸四角形 46"/>
+          <p:cNvSpPr/>
+          <p:nvPr/>
+        </p:nvSpPr>
+        <p:spPr>
+          <a:xfrm>
+            <a:off x="3453017" y="1981286"/>
+            <a:ext cx="923627" cy="1565955"/>
+          </a:xfrm>
+          <a:prstGeom prst="roundRect">
+            <a:avLst/>
+          </a:prstGeom>
+        </p:spPr>
+        <p:style>
+          <a:lnRef idx="2">
+            <a:schemeClr val="accent1">
+              <a:shade val="50000"/>
+            </a:schemeClr>
+          </a:lnRef>
+          <a:fillRef idx="1">
+            <a:schemeClr val="accent1"/>
+          </a:fillRef>
+          <a:effectRef idx="0">
+            <a:schemeClr val="accent1"/>
+          </a:effectRef>
+          <a:fontRef idx="minor">
+            <a:schemeClr val="lt1"/>
+          </a:fontRef>
+        </p:style>
+        <p:txBody>
+          <a:bodyPr rtlCol="0" anchor="ctr"/>
+          <a:lstStyle/>
+          <a:p>
+            <a:pPr algn="ctr"/>
+            <a:endParaRPr kumimoji="1" lang="ja-JP" altLang="en-US">
+              <a:latin typeface="Calibri" charset="0"/>
+              <a:ea typeface="Calibri" charset="0"/>
+              <a:cs typeface="Calibri" charset="0"/>
+            </a:endParaRPr>
+          </a:p>
+        </p:txBody>
+      </p:sp>
+      <p:sp>
+        <p:nvSpPr>
+          <p:cNvPr id="48" name="テキスト ボックス 47"/>
+          <p:cNvSpPr txBox="1"/>
+          <p:nvPr/>
+        </p:nvSpPr>
+        <p:spPr>
+          <a:xfrm>
+            <a:off x="3442611" y="1708117"/>
+            <a:ext cx="693651" cy="276999"/>
+          </a:xfrm>
+          <a:prstGeom prst="rect">
+            <a:avLst/>
+          </a:prstGeom>
+          <a:noFill/>
+        </p:spPr>
+        <p:txBody>
+          <a:bodyPr wrap="none" rtlCol="0">
+            <a:spAutoFit/>
+          </a:bodyPr>
+          <a:lstStyle/>
+          <a:p>
+            <a:r>
+              <a:rPr kumimoji="1" lang="en-US" altLang="ja-JP" sz="1200" dirty="0" smtClean="0">
+                <a:latin typeface="Calibri" charset="0"/>
+                <a:ea typeface="Calibri" charset="0"/>
+                <a:cs typeface="Calibri" charset="0"/>
+              </a:rPr>
+              <a:t>Farm  </a:t>
+            </a:r>
+            <a:r>
+              <a:rPr kumimoji="1" lang="en-US" altLang="ja-JP" sz="1200" dirty="0" smtClean="0">
+                <a:latin typeface="Calibri" charset="0"/>
+                <a:ea typeface="Calibri" charset="0"/>
+                <a:cs typeface="Calibri" charset="0"/>
+              </a:rPr>
+              <a:t>F</a:t>
+            </a:r>
+            <a:r>
+              <a:rPr kumimoji="1" lang="en-US" altLang="ja-JP" sz="1200" baseline="-25000" dirty="0" smtClean="0">
+                <a:latin typeface="Calibri" charset="0"/>
+                <a:ea typeface="Calibri" charset="0"/>
+                <a:cs typeface="Calibri" charset="0"/>
+              </a:rPr>
+              <a:t>1</a:t>
+            </a:r>
+          </a:p>
+        </p:txBody>
+      </p:sp>
+      <p:sp>
+        <p:nvSpPr>
+          <p:cNvPr id="49" name="テキスト ボックス 48"/>
+          <p:cNvSpPr txBox="1"/>
+          <p:nvPr/>
+        </p:nvSpPr>
+        <p:spPr>
+          <a:xfrm>
+            <a:off x="4495310" y="1708116"/>
+            <a:ext cx="693651" cy="276999"/>
+          </a:xfrm>
+          <a:prstGeom prst="rect">
+            <a:avLst/>
+          </a:prstGeom>
+          <a:noFill/>
+        </p:spPr>
+        <p:txBody>
+          <a:bodyPr wrap="none" rtlCol="0">
+            <a:spAutoFit/>
+          </a:bodyPr>
+          <a:lstStyle/>
+          <a:p>
+            <a:r>
+              <a:rPr kumimoji="1" lang="en-US" altLang="ja-JP" sz="1200" dirty="0" smtClean="0">
+                <a:latin typeface="Calibri" charset="0"/>
+                <a:ea typeface="Calibri" charset="0"/>
+                <a:cs typeface="Calibri" charset="0"/>
+              </a:rPr>
+              <a:t>Farm  </a:t>
+            </a:r>
+            <a:r>
+              <a:rPr kumimoji="1" lang="en-US" altLang="ja-JP" sz="1200" dirty="0" smtClean="0">
+                <a:latin typeface="Calibri" charset="0"/>
+                <a:ea typeface="Calibri" charset="0"/>
+                <a:cs typeface="Calibri" charset="0"/>
+              </a:rPr>
+              <a:t>F</a:t>
+            </a:r>
+            <a:r>
+              <a:rPr kumimoji="1" lang="en-US" altLang="ja-JP" sz="1200" baseline="-25000" dirty="0" smtClean="0">
+                <a:latin typeface="Calibri" charset="0"/>
+                <a:ea typeface="Calibri" charset="0"/>
+                <a:cs typeface="Calibri" charset="0"/>
+              </a:rPr>
+              <a:t>2</a:t>
+            </a:r>
+          </a:p>
+        </p:txBody>
+      </p:sp>
+      <p:sp>
+        <p:nvSpPr>
+          <p:cNvPr id="50" name="角丸四角形 49"/>
+          <p:cNvSpPr/>
+          <p:nvPr/>
+        </p:nvSpPr>
+        <p:spPr>
+          <a:xfrm>
+            <a:off x="4495310" y="1981286"/>
+            <a:ext cx="923627" cy="1565955"/>
+          </a:xfrm>
+          <a:prstGeom prst="roundRect">
+            <a:avLst/>
+          </a:prstGeom>
+        </p:spPr>
+        <p:style>
+          <a:lnRef idx="2">
+            <a:schemeClr val="accent1">
+              <a:shade val="50000"/>
+            </a:schemeClr>
+          </a:lnRef>
+          <a:fillRef idx="1">
+            <a:schemeClr val="accent1"/>
+          </a:fillRef>
+          <a:effectRef idx="0">
+            <a:schemeClr val="accent1"/>
+          </a:effectRef>
+          <a:fontRef idx="minor">
+            <a:schemeClr val="lt1"/>
+          </a:fontRef>
+        </p:style>
+        <p:txBody>
+          <a:bodyPr rtlCol="0" anchor="ctr"/>
+          <a:lstStyle/>
+          <a:p>
+            <a:pPr algn="ctr"/>
+            <a:endParaRPr kumimoji="1" lang="ja-JP" altLang="en-US">
+              <a:latin typeface="Calibri" charset="0"/>
+              <a:ea typeface="Calibri" charset="0"/>
+              <a:cs typeface="Calibri" charset="0"/>
+            </a:endParaRPr>
+          </a:p>
+        </p:txBody>
+      </p:sp>
+      <p:sp>
+        <p:nvSpPr>
+          <p:cNvPr id="51" name="正方形/長方形 50"/>
+          <p:cNvSpPr/>
+          <p:nvPr/>
+        </p:nvSpPr>
+        <p:spPr>
+          <a:xfrm>
+            <a:off x="3603904" y="2289063"/>
+            <a:ext cx="609600" cy="418170"/>
+          </a:xfrm>
+          <a:prstGeom prst="rect">
+            <a:avLst/>
+          </a:prstGeom>
+        </p:spPr>
+        <p:style>
+          <a:lnRef idx="2">
+            <a:schemeClr val="accent2">
+              <a:shade val="50000"/>
+            </a:schemeClr>
+          </a:lnRef>
+          <a:fillRef idx="1">
+            <a:schemeClr val="accent2"/>
+          </a:fillRef>
+          <a:effectRef idx="0">
+            <a:schemeClr val="accent2"/>
+          </a:effectRef>
+          <a:fontRef idx="minor">
+            <a:schemeClr val="lt1"/>
+          </a:fontRef>
+        </p:style>
+        <p:txBody>
+          <a:bodyPr rtlCol="0" anchor="ctr"/>
+          <a:lstStyle/>
+          <a:p>
+            <a:pPr algn="ctr"/>
+            <a:endParaRPr kumimoji="1" lang="ja-JP" altLang="en-US">
+              <a:latin typeface="Calibri" charset="0"/>
+              <a:ea typeface="Calibri" charset="0"/>
+              <a:cs typeface="Calibri" charset="0"/>
+            </a:endParaRPr>
+          </a:p>
+        </p:txBody>
+      </p:sp>
+      <p:sp>
+        <p:nvSpPr>
+          <p:cNvPr id="52" name="テキスト ボックス 51"/>
+          <p:cNvSpPr txBox="1"/>
+          <p:nvPr/>
+        </p:nvSpPr>
+        <p:spPr>
+          <a:xfrm>
+            <a:off x="3455093" y="2000217"/>
+            <a:ext cx="783548" cy="276999"/>
+          </a:xfrm>
+          <a:prstGeom prst="rect">
+            <a:avLst/>
+          </a:prstGeom>
+          <a:noFill/>
+        </p:spPr>
+        <p:txBody>
+          <a:bodyPr wrap="none" rtlCol="0">
+            <a:spAutoFit/>
+          </a:bodyPr>
+          <a:lstStyle/>
+          <a:p>
+            <a:r>
+              <a:rPr kumimoji="1" lang="en-US" altLang="ja-JP" sz="1200" dirty="0" smtClean="0">
+                <a:latin typeface="Calibri" charset="0"/>
+                <a:ea typeface="Calibri" charset="0"/>
+                <a:cs typeface="Calibri" charset="0"/>
+              </a:rPr>
+              <a:t>Device D</a:t>
+            </a:r>
+            <a:r>
+              <a:rPr kumimoji="1" lang="en-US" altLang="ja-JP" sz="1200" baseline="-25000" dirty="0" smtClean="0">
+                <a:latin typeface="Calibri" charset="0"/>
+                <a:ea typeface="Calibri" charset="0"/>
+                <a:cs typeface="Calibri" charset="0"/>
+              </a:rPr>
+              <a:t>1</a:t>
+            </a:r>
+            <a:endParaRPr kumimoji="1" lang="en-US" altLang="ja-JP" sz="1200" baseline="-25000" dirty="0" smtClean="0">
+              <a:latin typeface="Calibri" charset="0"/>
+              <a:ea typeface="Calibri" charset="0"/>
+              <a:cs typeface="Calibri" charset="0"/>
+            </a:endParaRPr>
+          </a:p>
+        </p:txBody>
+      </p:sp>
+      <p:sp>
+        <p:nvSpPr>
+          <p:cNvPr id="57" name="テキスト ボックス 56"/>
+          <p:cNvSpPr txBox="1"/>
+          <p:nvPr/>
+        </p:nvSpPr>
+        <p:spPr>
+          <a:xfrm>
+            <a:off x="4478612" y="1997864"/>
+            <a:ext cx="783548" cy="276999"/>
+          </a:xfrm>
+          <a:prstGeom prst="rect">
+            <a:avLst/>
+          </a:prstGeom>
+          <a:noFill/>
+        </p:spPr>
+        <p:txBody>
+          <a:bodyPr wrap="none" rtlCol="0">
+            <a:spAutoFit/>
+          </a:bodyPr>
+          <a:lstStyle/>
+          <a:p>
+            <a:r>
+              <a:rPr kumimoji="1" lang="en-US" altLang="ja-JP" sz="1200" dirty="0" smtClean="0">
+                <a:latin typeface="Calibri" charset="0"/>
+                <a:ea typeface="Calibri" charset="0"/>
+                <a:cs typeface="Calibri" charset="0"/>
+              </a:rPr>
+              <a:t>Device D</a:t>
+            </a:r>
+            <a:r>
+              <a:rPr lang="en-US" altLang="ja-JP" sz="1200" baseline="-25000" dirty="0" smtClean="0">
+                <a:latin typeface="Calibri" charset="0"/>
+                <a:ea typeface="Calibri" charset="0"/>
+                <a:cs typeface="Calibri" charset="0"/>
+              </a:rPr>
+              <a:t>2</a:t>
+            </a:r>
+            <a:endParaRPr kumimoji="1" lang="en-US" altLang="ja-JP" sz="1200" baseline="-25000" dirty="0" smtClean="0">
+              <a:latin typeface="Calibri" charset="0"/>
+              <a:ea typeface="Calibri" charset="0"/>
+              <a:cs typeface="Calibri" charset="0"/>
+            </a:endParaRPr>
+          </a:p>
+        </p:txBody>
+      </p:sp>
+      <p:sp>
+        <p:nvSpPr>
+          <p:cNvPr id="62" name="テキスト ボックス 61"/>
+          <p:cNvSpPr txBox="1"/>
+          <p:nvPr/>
+        </p:nvSpPr>
+        <p:spPr>
+          <a:xfrm>
+            <a:off x="4478612" y="2667723"/>
+            <a:ext cx="783548" cy="276999"/>
+          </a:xfrm>
+          <a:prstGeom prst="rect">
+            <a:avLst/>
+          </a:prstGeom>
+          <a:noFill/>
+        </p:spPr>
+        <p:txBody>
+          <a:bodyPr wrap="none" rtlCol="0">
+            <a:spAutoFit/>
+          </a:bodyPr>
+          <a:lstStyle/>
+          <a:p>
+            <a:r>
+              <a:rPr kumimoji="1" lang="en-US" altLang="ja-JP" sz="1200" dirty="0" smtClean="0">
+                <a:latin typeface="Calibri" charset="0"/>
+                <a:ea typeface="Calibri" charset="0"/>
+                <a:cs typeface="Calibri" charset="0"/>
+              </a:rPr>
+              <a:t>Device D</a:t>
+            </a:r>
+            <a:r>
+              <a:rPr kumimoji="1" lang="en-US" altLang="ja-JP" sz="1200" baseline="-25000" dirty="0" smtClean="0">
+                <a:latin typeface="Calibri" charset="0"/>
+                <a:ea typeface="Calibri" charset="0"/>
+                <a:cs typeface="Calibri" charset="0"/>
+              </a:rPr>
+              <a:t>3</a:t>
+            </a:r>
+            <a:endParaRPr kumimoji="1" lang="en-US" altLang="ja-JP" sz="1200" baseline="-25000" dirty="0" smtClean="0">
+              <a:latin typeface="Calibri" charset="0"/>
+              <a:ea typeface="Calibri" charset="0"/>
+              <a:cs typeface="Calibri" charset="0"/>
+            </a:endParaRPr>
+          </a:p>
+        </p:txBody>
+      </p:sp>
+      <p:sp>
+        <p:nvSpPr>
+          <p:cNvPr id="63" name="正方形/長方形 62"/>
+          <p:cNvSpPr/>
+          <p:nvPr/>
+        </p:nvSpPr>
+        <p:spPr>
+          <a:xfrm>
+            <a:off x="4606613" y="2246134"/>
+            <a:ext cx="609600" cy="448948"/>
+          </a:xfrm>
+          <a:prstGeom prst="rect">
+            <a:avLst/>
+          </a:prstGeom>
+        </p:spPr>
+        <p:style>
+          <a:lnRef idx="2">
+            <a:schemeClr val="accent2">
+              <a:shade val="50000"/>
+            </a:schemeClr>
+          </a:lnRef>
+          <a:fillRef idx="1">
+            <a:schemeClr val="accent2"/>
+          </a:fillRef>
+          <a:effectRef idx="0">
+            <a:schemeClr val="accent2"/>
+          </a:effectRef>
+          <a:fontRef idx="minor">
+            <a:schemeClr val="lt1"/>
+          </a:fontRef>
+        </p:style>
+        <p:txBody>
+          <a:bodyPr rtlCol="0" anchor="ctr"/>
+          <a:lstStyle/>
+          <a:p>
+            <a:pPr algn="ctr"/>
+            <a:endParaRPr kumimoji="1" lang="ja-JP" altLang="en-US">
+              <a:latin typeface="Calibri" charset="0"/>
+              <a:ea typeface="Calibri" charset="0"/>
+              <a:cs typeface="Calibri" charset="0"/>
+            </a:endParaRPr>
+          </a:p>
+        </p:txBody>
+      </p:sp>
+      <p:sp>
+        <p:nvSpPr>
+          <p:cNvPr id="65" name="正方形/長方形 64"/>
+          <p:cNvSpPr/>
+          <p:nvPr/>
+        </p:nvSpPr>
+        <p:spPr>
+          <a:xfrm>
+            <a:off x="4606613" y="2915208"/>
+            <a:ext cx="609600" cy="470922"/>
+          </a:xfrm>
+          <a:prstGeom prst="rect">
+            <a:avLst/>
+          </a:prstGeom>
+        </p:spPr>
+        <p:style>
+          <a:lnRef idx="2">
+            <a:schemeClr val="accent2">
+              <a:shade val="50000"/>
+            </a:schemeClr>
+          </a:lnRef>
+          <a:fillRef idx="1">
+            <a:schemeClr val="accent2"/>
+          </a:fillRef>
+          <a:effectRef idx="0">
+            <a:schemeClr val="accent2"/>
+          </a:effectRef>
+          <a:fontRef idx="minor">
+            <a:schemeClr val="lt1"/>
+          </a:fontRef>
+        </p:style>
+        <p:txBody>
+          <a:bodyPr rtlCol="0" anchor="ctr"/>
+          <a:lstStyle/>
+          <a:p>
+            <a:pPr algn="ctr"/>
+            <a:endParaRPr kumimoji="1" lang="ja-JP" altLang="en-US">
+              <a:latin typeface="Calibri" charset="0"/>
+              <a:ea typeface="Calibri" charset="0"/>
+              <a:cs typeface="Calibri" charset="0"/>
+            </a:endParaRPr>
+          </a:p>
+        </p:txBody>
+      </p:sp>
+      <p:cxnSp>
+        <p:nvCxnSpPr>
+          <p:cNvPr id="71" name="直線矢印コネクタ 70"/>
+          <p:cNvCxnSpPr>
+            <a:stCxn id="41" idx="3"/>
+            <a:endCxn id="63" idx="1"/>
+          </p:cNvCxnSpPr>
+          <p:nvPr/>
+        </p:nvCxnSpPr>
+        <p:spPr>
+          <a:xfrm flipV="1">
+            <a:off x="3563439" y="2470608"/>
+            <a:ext cx="1043174" cy="1945229"/>
+          </a:xfrm>
+          <a:prstGeom prst="straightConnector1">
+            <a:avLst/>
+          </a:prstGeom>
+          <a:ln>
+            <a:solidFill>
+              <a:schemeClr val="tx1"/>
+            </a:solidFill>
+            <a:headEnd type="none" w="med" len="med"/>
+            <a:tailEnd type="arrow" w="med" len="med"/>
+          </a:ln>
+        </p:spPr>
+        <p:style>
+          <a:lnRef idx="1">
+            <a:schemeClr val="accent1"/>
+          </a:lnRef>
+          <a:fillRef idx="0">
+            <a:schemeClr val="accent1"/>
+          </a:fillRef>
+          <a:effectRef idx="0">
+            <a:schemeClr val="accent1"/>
+          </a:effectRef>
+          <a:fontRef idx="minor">
+            <a:schemeClr val="tx1"/>
+          </a:fontRef>
+        </p:style>
+      </p:cxnSp>
+      <p:cxnSp>
+        <p:nvCxnSpPr>
+          <p:cNvPr id="74" name="直線矢印コネクタ 73"/>
+          <p:cNvCxnSpPr>
+            <a:stCxn id="43" idx="3"/>
+            <a:endCxn id="65" idx="1"/>
+          </p:cNvCxnSpPr>
+          <p:nvPr/>
+        </p:nvCxnSpPr>
+        <p:spPr>
+          <a:xfrm flipV="1">
+            <a:off x="3563439" y="3150669"/>
+            <a:ext cx="1043174" cy="1933078"/>
+          </a:xfrm>
+          <a:prstGeom prst="straightConnector1">
+            <a:avLst/>
+          </a:prstGeom>
+          <a:ln>
+            <a:solidFill>
+              <a:schemeClr val="tx1"/>
+            </a:solidFill>
+            <a:headEnd type="none" w="med" len="med"/>
+            <a:tailEnd type="arrow" w="med" len="med"/>
+          </a:ln>
+        </p:spPr>
+        <p:style>
+          <a:lnRef idx="1">
+            <a:schemeClr val="accent1"/>
+          </a:lnRef>
+          <a:fillRef idx="0">
+            <a:schemeClr val="accent1"/>
+          </a:fillRef>
+          <a:effectRef idx="0">
+            <a:schemeClr val="accent1"/>
+          </a:effectRef>
+          <a:fontRef idx="minor">
+            <a:schemeClr val="tx1"/>
+          </a:fontRef>
+        </p:style>
+      </p:cxnSp>
+      <p:sp>
+        <p:nvSpPr>
+          <p:cNvPr id="80" name="正方形/長方形 79"/>
+          <p:cNvSpPr/>
+          <p:nvPr/>
+        </p:nvSpPr>
+        <p:spPr>
+          <a:xfrm>
+            <a:off x="7609487" y="2214465"/>
+            <a:ext cx="644934" cy="512286"/>
+          </a:xfrm>
+          <a:prstGeom prst="rect">
+            <a:avLst/>
+          </a:prstGeom>
+        </p:spPr>
+        <p:style>
+          <a:lnRef idx="2">
+            <a:schemeClr val="accent6">
+              <a:shade val="50000"/>
+            </a:schemeClr>
+          </a:lnRef>
+          <a:fillRef idx="1">
+            <a:schemeClr val="accent6"/>
+          </a:fillRef>
+          <a:effectRef idx="0">
+            <a:schemeClr val="accent6"/>
+          </a:effectRef>
+          <a:fontRef idx="minor">
+            <a:schemeClr val="lt1"/>
+          </a:fontRef>
+        </p:style>
+        <p:txBody>
+          <a:bodyPr rtlCol="0" anchor="ctr"/>
+          <a:lstStyle/>
+          <a:p>
+            <a:pPr algn="ctr"/>
+            <a:endParaRPr kumimoji="1" lang="ja-JP" altLang="en-US">
+              <a:latin typeface="Calibri" charset="0"/>
+              <a:ea typeface="Calibri" charset="0"/>
+              <a:cs typeface="Calibri" charset="0"/>
+            </a:endParaRPr>
+          </a:p>
+        </p:txBody>
+      </p:sp>
+      <p:sp>
+        <p:nvSpPr>
+          <p:cNvPr id="81" name="テキスト ボックス 80"/>
+          <p:cNvSpPr txBox="1"/>
+          <p:nvPr/>
+        </p:nvSpPr>
+        <p:spPr>
+          <a:xfrm>
+            <a:off x="7564543" y="1930553"/>
+            <a:ext cx="770339" cy="276999"/>
+          </a:xfrm>
+          <a:prstGeom prst="rect">
+            <a:avLst/>
+          </a:prstGeom>
+          <a:noFill/>
+        </p:spPr>
+        <p:txBody>
+          <a:bodyPr wrap="none" rtlCol="0">
+            <a:spAutoFit/>
+          </a:bodyPr>
+          <a:lstStyle/>
+          <a:p>
+            <a:r>
+              <a:rPr kumimoji="1" lang="en-US" altLang="ja-JP" sz="1200" smtClean="0">
+                <a:latin typeface="Calibri" charset="0"/>
+                <a:ea typeface="Calibri" charset="0"/>
+                <a:cs typeface="Calibri" charset="0"/>
+              </a:rPr>
+              <a:t>Recipe </a:t>
+            </a:r>
+            <a:r>
+              <a:rPr kumimoji="1" lang="en-US" altLang="ja-JP" sz="1200" dirty="0" smtClean="0">
+                <a:latin typeface="Calibri" charset="0"/>
+                <a:ea typeface="Calibri" charset="0"/>
+                <a:cs typeface="Calibri" charset="0"/>
+              </a:rPr>
+              <a:t>R</a:t>
+            </a:r>
+            <a:r>
+              <a:rPr kumimoji="1" lang="en-US" altLang="ja-JP" sz="1200" baseline="-25000" dirty="0" smtClean="0">
+                <a:latin typeface="Calibri" charset="0"/>
+                <a:ea typeface="Calibri" charset="0"/>
+                <a:cs typeface="Calibri" charset="0"/>
+              </a:rPr>
+              <a:t>1</a:t>
+            </a:r>
+          </a:p>
+        </p:txBody>
+      </p:sp>
+      <p:grpSp>
+        <p:nvGrpSpPr>
+          <p:cNvPr id="82" name="図形グループ 81"/>
+          <p:cNvGrpSpPr/>
+          <p:nvPr/>
+        </p:nvGrpSpPr>
+        <p:grpSpPr>
+          <a:xfrm>
+            <a:off x="9483548" y="3062280"/>
+            <a:ext cx="292100" cy="647700"/>
+            <a:chOff x="5181600" y="3937000"/>
+            <a:chExt cx="292100" cy="647700"/>
+          </a:xfrm>
+        </p:grpSpPr>
+        <p:sp>
+          <p:nvSpPr>
+            <p:cNvPr id="83" name="円/楕円 82"/>
+            <p:cNvSpPr/>
+            <p:nvPr/>
+          </p:nvSpPr>
+          <p:spPr>
+            <a:xfrm>
+              <a:off x="5181600" y="3937000"/>
+              <a:ext cx="292100" cy="292100"/>
+            </a:xfrm>
+            <a:prstGeom prst="ellipse">
+              <a:avLst/>
+            </a:prstGeom>
+          </p:spPr>
+          <p:style>
+            <a:lnRef idx="2">
+              <a:schemeClr val="accent6">
+                <a:shade val="50000"/>
+              </a:schemeClr>
+            </a:lnRef>
+            <a:fillRef idx="1">
+              <a:schemeClr val="accent6"/>
+            </a:fillRef>
+            <a:effectRef idx="0">
+              <a:schemeClr val="accent6"/>
+            </a:effectRef>
+            <a:fontRef idx="minor">
+              <a:schemeClr val="lt1"/>
+            </a:fontRef>
+          </p:style>
+          <p:txBody>
+            <a:bodyPr rtlCol="0" anchor="ctr"/>
+            <a:lstStyle/>
+            <a:p>
+              <a:pPr algn="ctr"/>
+              <a:endParaRPr kumimoji="1" lang="ja-JP" altLang="en-US">
+                <a:latin typeface="Calibri" charset="0"/>
+                <a:ea typeface="Calibri" charset="0"/>
+                <a:cs typeface="Calibri" charset="0"/>
+              </a:endParaRPr>
+            </a:p>
+          </p:txBody>
+        </p:sp>
+        <p:cxnSp>
+          <p:nvCxnSpPr>
+            <p:cNvPr id="84" name="直線コネクタ 83"/>
+            <p:cNvCxnSpPr/>
+            <p:nvPr/>
+          </p:nvCxnSpPr>
+          <p:spPr>
+            <a:xfrm>
+              <a:off x="5327650" y="4229100"/>
+              <a:ext cx="0" cy="241300"/>
+            </a:xfrm>
+            <a:prstGeom prst="line">
+              <a:avLst/>
+            </a:prstGeom>
+            <a:ln w="38100">
+              <a:solidFill>
+                <a:schemeClr val="accent6"/>
+              </a:solidFill>
+            </a:ln>
+          </p:spPr>
+          <p:style>
+            <a:lnRef idx="1">
+              <a:schemeClr val="accent1"/>
+            </a:lnRef>
+            <a:fillRef idx="0">
+              <a:schemeClr val="accent1"/>
+            </a:fillRef>
+            <a:effectRef idx="0">
+              <a:schemeClr val="accent1"/>
+            </a:effectRef>
+            <a:fontRef idx="minor">
+              <a:schemeClr val="tx1"/>
+            </a:fontRef>
+          </p:style>
+        </p:cxnSp>
+        <p:cxnSp>
+          <p:nvCxnSpPr>
+            <p:cNvPr id="85" name="直線コネクタ 84"/>
+            <p:cNvCxnSpPr/>
+            <p:nvPr/>
+          </p:nvCxnSpPr>
+          <p:spPr>
+            <a:xfrm>
+              <a:off x="5327650" y="4470400"/>
+              <a:ext cx="117475" cy="114300"/>
+            </a:xfrm>
+            <a:prstGeom prst="line">
+              <a:avLst/>
+            </a:prstGeom>
+            <a:ln w="38100">
+              <a:solidFill>
+                <a:schemeClr val="accent6"/>
+              </a:solidFill>
+            </a:ln>
+          </p:spPr>
+          <p:style>
+            <a:lnRef idx="1">
+              <a:schemeClr val="accent1"/>
+            </a:lnRef>
+            <a:fillRef idx="0">
+              <a:schemeClr val="accent1"/>
+            </a:fillRef>
+            <a:effectRef idx="0">
+              <a:schemeClr val="accent1"/>
+            </a:effectRef>
+            <a:fontRef idx="minor">
+              <a:schemeClr val="tx1"/>
+            </a:fontRef>
+          </p:style>
+        </p:cxnSp>
+        <p:cxnSp>
+          <p:nvCxnSpPr>
+            <p:cNvPr id="86" name="直線コネクタ 85"/>
+            <p:cNvCxnSpPr/>
+            <p:nvPr/>
+          </p:nvCxnSpPr>
+          <p:spPr>
+            <a:xfrm flipH="1">
+              <a:off x="5210175" y="4470400"/>
+              <a:ext cx="117475" cy="114300"/>
+            </a:xfrm>
+            <a:prstGeom prst="line">
+              <a:avLst/>
+            </a:prstGeom>
+            <a:ln w="38100">
+              <a:solidFill>
+                <a:schemeClr val="accent6"/>
+              </a:solidFill>
+            </a:ln>
+          </p:spPr>
+          <p:style>
+            <a:lnRef idx="1">
+              <a:schemeClr val="accent1"/>
+            </a:lnRef>
+            <a:fillRef idx="0">
+              <a:schemeClr val="accent1"/>
+            </a:fillRef>
+            <a:effectRef idx="0">
+              <a:schemeClr val="accent1"/>
+            </a:effectRef>
+            <a:fontRef idx="minor">
+              <a:schemeClr val="tx1"/>
+            </a:fontRef>
+          </p:style>
+        </p:cxnSp>
+        <p:cxnSp>
+          <p:nvCxnSpPr>
+            <p:cNvPr id="87" name="直線コネクタ 86"/>
+            <p:cNvCxnSpPr/>
+            <p:nvPr/>
+          </p:nvCxnSpPr>
+          <p:spPr>
+            <a:xfrm>
+              <a:off x="5327650" y="4292600"/>
+              <a:ext cx="117475" cy="114300"/>
+            </a:xfrm>
+            <a:prstGeom prst="line">
+              <a:avLst/>
+            </a:prstGeom>
+            <a:ln w="38100">
+              <a:solidFill>
+                <a:schemeClr val="accent6"/>
+              </a:solidFill>
+            </a:ln>
+          </p:spPr>
+          <p:style>
+            <a:lnRef idx="1">
+              <a:schemeClr val="accent1"/>
+            </a:lnRef>
+            <a:fillRef idx="0">
+              <a:schemeClr val="accent1"/>
+            </a:fillRef>
+            <a:effectRef idx="0">
+              <a:schemeClr val="accent1"/>
+            </a:effectRef>
+            <a:fontRef idx="minor">
+              <a:schemeClr val="tx1"/>
+            </a:fontRef>
+          </p:style>
+        </p:cxnSp>
+        <p:cxnSp>
+          <p:nvCxnSpPr>
+            <p:cNvPr id="88" name="直線コネクタ 87"/>
+            <p:cNvCxnSpPr/>
+            <p:nvPr/>
+          </p:nvCxnSpPr>
+          <p:spPr>
+            <a:xfrm flipH="1">
+              <a:off x="5210175" y="4292600"/>
+              <a:ext cx="117475" cy="114300"/>
+            </a:xfrm>
+            <a:prstGeom prst="line">
+              <a:avLst/>
+            </a:prstGeom>
+            <a:ln w="38100">
+              <a:solidFill>
+                <a:schemeClr val="accent6"/>
+              </a:solidFill>
+            </a:ln>
+          </p:spPr>
+          <p:style>
+            <a:lnRef idx="1">
+              <a:schemeClr val="accent1"/>
+            </a:lnRef>
+            <a:fillRef idx="0">
+              <a:schemeClr val="accent1"/>
+            </a:fillRef>
+            <a:effectRef idx="0">
+              <a:schemeClr val="accent1"/>
+            </a:effectRef>
+            <a:fontRef idx="minor">
+              <a:schemeClr val="tx1"/>
+            </a:fontRef>
+          </p:style>
+        </p:cxnSp>
+      </p:grpSp>
+      <p:sp>
+        <p:nvSpPr>
+          <p:cNvPr id="89" name="テキスト ボックス 88"/>
+          <p:cNvSpPr txBox="1"/>
+          <p:nvPr/>
+        </p:nvSpPr>
+        <p:spPr>
+          <a:xfrm>
+            <a:off x="9224969" y="2600615"/>
+            <a:ext cx="878959" cy="461665"/>
+          </a:xfrm>
+          <a:prstGeom prst="rect">
+            <a:avLst/>
+          </a:prstGeom>
+          <a:noFill/>
+        </p:spPr>
+        <p:txBody>
+          <a:bodyPr wrap="none" rtlCol="0">
+            <a:spAutoFit/>
+          </a:bodyPr>
+          <a:lstStyle/>
+          <a:p>
+            <a:r>
+              <a:rPr kumimoji="1" lang="en-US" altLang="ja-JP" sz="1200" dirty="0" smtClean="0">
+                <a:latin typeface="Calibri" charset="0"/>
+                <a:ea typeface="Calibri" charset="0"/>
+                <a:cs typeface="Calibri" charset="0"/>
+              </a:rPr>
+              <a:t>Restaurant</a:t>
+            </a:r>
+            <a:endParaRPr kumimoji="1" lang="en-US" altLang="ja-JP" sz="1200" dirty="0" smtClean="0">
+              <a:latin typeface="Calibri" charset="0"/>
+              <a:ea typeface="Calibri" charset="0"/>
+              <a:cs typeface="Calibri" charset="0"/>
+            </a:endParaRPr>
+          </a:p>
+          <a:p>
+            <a:r>
+              <a:rPr lang="en-US" altLang="ja-JP" sz="1200" dirty="0" smtClean="0">
+                <a:latin typeface="Calibri" charset="0"/>
+                <a:ea typeface="Calibri" charset="0"/>
+                <a:cs typeface="Calibri" charset="0"/>
+              </a:rPr>
+              <a:t>Owner</a:t>
+            </a:r>
+            <a:r>
+              <a:rPr kumimoji="1" lang="en-US" altLang="ja-JP" sz="1200" dirty="0" smtClean="0">
+                <a:latin typeface="Calibri" charset="0"/>
+                <a:ea typeface="Calibri" charset="0"/>
+                <a:cs typeface="Calibri" charset="0"/>
+              </a:rPr>
+              <a:t> </a:t>
+            </a:r>
+            <a:r>
+              <a:rPr kumimoji="1" lang="en-US" altLang="ja-JP" sz="1200" dirty="0" smtClean="0">
+                <a:latin typeface="Calibri" charset="0"/>
+                <a:ea typeface="Calibri" charset="0"/>
+                <a:cs typeface="Calibri" charset="0"/>
+              </a:rPr>
+              <a:t>RO</a:t>
+            </a:r>
+            <a:r>
+              <a:rPr kumimoji="1" lang="en-US" altLang="ja-JP" sz="1200" baseline="-25000" dirty="0" smtClean="0">
+                <a:latin typeface="Calibri" charset="0"/>
+                <a:ea typeface="Calibri" charset="0"/>
+                <a:cs typeface="Calibri" charset="0"/>
+              </a:rPr>
+              <a:t>1</a:t>
+            </a:r>
+            <a:endParaRPr kumimoji="1" lang="ja-JP" altLang="en-US" sz="1200" baseline="-25000" dirty="0">
+              <a:latin typeface="Calibri" charset="0"/>
+              <a:ea typeface="Calibri" charset="0"/>
+              <a:cs typeface="Calibri" charset="0"/>
+            </a:endParaRPr>
+          </a:p>
+        </p:txBody>
+      </p:sp>
+      <p:cxnSp>
+        <p:nvCxnSpPr>
+          <p:cNvPr id="92" name="直線矢印コネクタ 91"/>
+          <p:cNvCxnSpPr/>
+          <p:nvPr/>
+        </p:nvCxnSpPr>
+        <p:spPr>
+          <a:xfrm>
+            <a:off x="5418937" y="2470608"/>
+            <a:ext cx="639943" cy="0"/>
+          </a:xfrm>
+          <a:prstGeom prst="straightConnector1">
+            <a:avLst/>
+          </a:prstGeom>
+          <a:ln>
+            <a:solidFill>
+              <a:schemeClr val="tx1"/>
+            </a:solidFill>
+            <a:headEnd type="none" w="med" len="med"/>
+            <a:tailEnd type="arrow" w="med" len="med"/>
+          </a:ln>
+        </p:spPr>
+        <p:style>
+          <a:lnRef idx="1">
+            <a:schemeClr val="accent1"/>
+          </a:lnRef>
+          <a:fillRef idx="0">
+            <a:schemeClr val="accent1"/>
+          </a:fillRef>
+          <a:effectRef idx="0">
+            <a:schemeClr val="accent1"/>
+          </a:effectRef>
+          <a:fontRef idx="minor">
+            <a:schemeClr val="tx1"/>
+          </a:fontRef>
+        </p:style>
+      </p:cxnSp>
+      <p:cxnSp>
+        <p:nvCxnSpPr>
+          <p:cNvPr id="95" name="直線矢印コネクタ 94"/>
+          <p:cNvCxnSpPr>
+            <a:stCxn id="80" idx="3"/>
+          </p:cNvCxnSpPr>
+          <p:nvPr/>
+        </p:nvCxnSpPr>
+        <p:spPr>
+          <a:xfrm>
+            <a:off x="8254421" y="2470608"/>
+            <a:ext cx="819553" cy="1340424"/>
+          </a:xfrm>
+          <a:prstGeom prst="straightConnector1">
+            <a:avLst/>
+          </a:prstGeom>
+          <a:ln>
+            <a:solidFill>
+              <a:schemeClr val="tx1"/>
+            </a:solidFill>
+            <a:headEnd type="none" w="med" len="med"/>
+            <a:tailEnd type="arrow" w="med" len="med"/>
+          </a:ln>
+        </p:spPr>
+        <p:style>
+          <a:lnRef idx="1">
+            <a:schemeClr val="accent1"/>
+          </a:lnRef>
+          <a:fillRef idx="0">
+            <a:schemeClr val="accent1"/>
+          </a:fillRef>
+          <a:effectRef idx="0">
+            <a:schemeClr val="accent1"/>
+          </a:effectRef>
+          <a:fontRef idx="minor">
+            <a:schemeClr val="tx1"/>
+          </a:fontRef>
+        </p:style>
+      </p:cxnSp>
+      <p:sp>
+        <p:nvSpPr>
+          <p:cNvPr id="99" name="テキスト ボックス 98"/>
+          <p:cNvSpPr txBox="1"/>
+          <p:nvPr/>
+        </p:nvSpPr>
+        <p:spPr>
+          <a:xfrm>
+            <a:off x="8884659" y="3849776"/>
+            <a:ext cx="903324" cy="369332"/>
+          </a:xfrm>
+          <a:prstGeom prst="rect">
+            <a:avLst/>
+          </a:prstGeom>
+          <a:noFill/>
+        </p:spPr>
+        <p:txBody>
+          <a:bodyPr wrap="square" rtlCol="0">
+            <a:spAutoFit/>
+          </a:bodyPr>
+          <a:lstStyle/>
+          <a:p>
+            <a:r>
+              <a:rPr kumimoji="1" lang="en-US" altLang="ja-JP" dirty="0" smtClean="0">
+                <a:latin typeface="Calibri" charset="0"/>
+                <a:ea typeface="Calibri" charset="0"/>
+                <a:cs typeface="Calibri" charset="0"/>
+              </a:rPr>
+              <a:t>Data</a:t>
+            </a:r>
+            <a:endParaRPr kumimoji="1" lang="ja-JP" altLang="en-US" dirty="0">
+              <a:latin typeface="Calibri" charset="0"/>
+              <a:ea typeface="Calibri" charset="0"/>
+              <a:cs typeface="Calibri" charset="0"/>
+            </a:endParaRPr>
+          </a:p>
+        </p:txBody>
+      </p:sp>
+      <p:sp>
+        <p:nvSpPr>
+          <p:cNvPr id="56" name="正方形/長方形 55"/>
+          <p:cNvSpPr/>
+          <p:nvPr/>
+        </p:nvSpPr>
+        <p:spPr>
+          <a:xfrm>
+            <a:off x="3803815" y="2969257"/>
+            <a:ext cx="211138" cy="163106"/>
+          </a:xfrm>
+          <a:prstGeom prst="rect">
+            <a:avLst/>
+          </a:prstGeom>
+        </p:spPr>
+        <p:style>
+          <a:lnRef idx="2">
+            <a:schemeClr val="accent4">
+              <a:shade val="50000"/>
+            </a:schemeClr>
+          </a:lnRef>
+          <a:fillRef idx="1">
+            <a:schemeClr val="accent4"/>
+          </a:fillRef>
+          <a:effectRef idx="0">
+            <a:schemeClr val="accent4"/>
+          </a:effectRef>
+          <a:fontRef idx="minor">
+            <a:schemeClr val="lt1"/>
+          </a:fontRef>
+        </p:style>
+        <p:txBody>
+          <a:bodyPr rtlCol="0" anchor="ctr"/>
+          <a:lstStyle/>
+          <a:p>
+            <a:pPr algn="ctr"/>
+            <a:endParaRPr kumimoji="1" lang="ja-JP" altLang="en-US">
+              <a:latin typeface="Calibri" charset="0"/>
+              <a:ea typeface="Calibri" charset="0"/>
+              <a:cs typeface="Calibri" charset="0"/>
+            </a:endParaRPr>
+          </a:p>
+        </p:txBody>
+      </p:sp>
+      <p:sp>
+        <p:nvSpPr>
+          <p:cNvPr id="58" name="テキスト ボックス 57"/>
+          <p:cNvSpPr txBox="1"/>
+          <p:nvPr/>
+        </p:nvSpPr>
+        <p:spPr>
+          <a:xfrm>
+            <a:off x="3510581" y="3073807"/>
+            <a:ext cx="764953" cy="276999"/>
+          </a:xfrm>
+          <a:prstGeom prst="rect">
+            <a:avLst/>
+          </a:prstGeom>
+          <a:noFill/>
+        </p:spPr>
+        <p:txBody>
+          <a:bodyPr wrap="none" rtlCol="0">
+            <a:spAutoFit/>
+          </a:bodyPr>
+          <a:lstStyle/>
+          <a:p>
+            <a:r>
+              <a:rPr kumimoji="1" lang="en-US" altLang="ja-JP" sz="1200" smtClean="0">
+                <a:latin typeface="Calibri" charset="0"/>
+                <a:ea typeface="Calibri" charset="0"/>
+                <a:cs typeface="Calibri" charset="0"/>
+              </a:rPr>
+              <a:t>Sensor S</a:t>
+            </a:r>
+            <a:r>
+              <a:rPr kumimoji="1" lang="en-US" altLang="ja-JP" sz="1200" baseline="-25000" smtClean="0">
+                <a:latin typeface="Calibri" charset="0"/>
+                <a:ea typeface="Calibri" charset="0"/>
+                <a:cs typeface="Calibri" charset="0"/>
+              </a:rPr>
+              <a:t>2</a:t>
+            </a:r>
+            <a:endParaRPr kumimoji="1" lang="en-US" altLang="ja-JP" sz="1200" baseline="-25000" dirty="0" smtClean="0">
+              <a:latin typeface="Calibri" charset="0"/>
+              <a:ea typeface="Calibri" charset="0"/>
+              <a:cs typeface="Calibri" charset="0"/>
+            </a:endParaRPr>
+          </a:p>
+        </p:txBody>
+      </p:sp>
+      <p:grpSp>
+        <p:nvGrpSpPr>
+          <p:cNvPr id="59" name="図形グループ 58"/>
+          <p:cNvGrpSpPr/>
+          <p:nvPr/>
+        </p:nvGrpSpPr>
+        <p:grpSpPr>
+          <a:xfrm rot="-2700000">
+            <a:off x="3686523" y="2781240"/>
+            <a:ext cx="445723" cy="445723"/>
+            <a:chOff x="4742656" y="4758033"/>
+            <a:chExt cx="1100138" cy="1100138"/>
+          </a:xfrm>
+        </p:grpSpPr>
+        <p:sp>
+          <p:nvSpPr>
+            <p:cNvPr id="60" name="円弧 59"/>
+            <p:cNvSpPr/>
+            <p:nvPr/>
+          </p:nvSpPr>
+          <p:spPr>
+            <a:xfrm>
+              <a:off x="5010150" y="5025527"/>
+              <a:ext cx="565150" cy="565150"/>
+            </a:xfrm>
+            <a:prstGeom prst="arc">
+              <a:avLst/>
+            </a:prstGeom>
+            <a:ln w="28575">
+              <a:solidFill>
+                <a:schemeClr val="tx1"/>
+              </a:solidFill>
+            </a:ln>
+          </p:spPr>
+          <p:style>
+            <a:lnRef idx="1">
+              <a:schemeClr val="accent1"/>
+            </a:lnRef>
+            <a:fillRef idx="0">
+              <a:schemeClr val="accent1"/>
+            </a:fillRef>
+            <a:effectRef idx="0">
+              <a:schemeClr val="accent1"/>
+            </a:effectRef>
+            <a:fontRef idx="minor">
+              <a:schemeClr val="tx1"/>
+            </a:fontRef>
+          </p:style>
+          <p:txBody>
+            <a:bodyPr rtlCol="0" anchor="ctr"/>
+            <a:lstStyle/>
+            <a:p>
+              <a:pPr algn="ctr"/>
+              <a:endParaRPr kumimoji="1" lang="ja-JP" altLang="en-US">
+                <a:latin typeface="Calibri" charset="0"/>
+                <a:ea typeface="Calibri" charset="0"/>
+                <a:cs typeface="Calibri" charset="0"/>
+              </a:endParaRPr>
+            </a:p>
+          </p:txBody>
+        </p:sp>
+        <p:sp>
+          <p:nvSpPr>
+            <p:cNvPr id="61" name="円弧 60"/>
+            <p:cNvSpPr/>
+            <p:nvPr/>
+          </p:nvSpPr>
+          <p:spPr>
+            <a:xfrm>
+              <a:off x="4879975" y="4895352"/>
+              <a:ext cx="825500" cy="825500"/>
+            </a:xfrm>
+            <a:prstGeom prst="arc">
+              <a:avLst/>
+            </a:prstGeom>
+            <a:ln w="28575">
+              <a:solidFill>
+                <a:schemeClr val="tx1"/>
+              </a:solidFill>
+            </a:ln>
+          </p:spPr>
+          <p:style>
+            <a:lnRef idx="1">
+              <a:schemeClr val="accent1"/>
+            </a:lnRef>
+            <a:fillRef idx="0">
+              <a:schemeClr val="accent1"/>
+            </a:fillRef>
+            <a:effectRef idx="0">
+              <a:schemeClr val="accent1"/>
+            </a:effectRef>
+            <a:fontRef idx="minor">
+              <a:schemeClr val="tx1"/>
+            </a:fontRef>
+          </p:style>
+          <p:txBody>
+            <a:bodyPr rtlCol="0" anchor="ctr"/>
+            <a:lstStyle/>
+            <a:p>
+              <a:pPr algn="ctr"/>
+              <a:endParaRPr kumimoji="1" lang="ja-JP" altLang="en-US">
+                <a:latin typeface="Calibri" charset="0"/>
+                <a:ea typeface="Calibri" charset="0"/>
+                <a:cs typeface="Calibri" charset="0"/>
+              </a:endParaRPr>
+            </a:p>
+          </p:txBody>
+        </p:sp>
+        <p:sp>
+          <p:nvSpPr>
+            <p:cNvPr id="64" name="円弧 63"/>
+            <p:cNvSpPr/>
+            <p:nvPr/>
+          </p:nvSpPr>
+          <p:spPr>
+            <a:xfrm>
+              <a:off x="4742656" y="4758033"/>
+              <a:ext cx="1100138" cy="1100138"/>
+            </a:xfrm>
+            <a:prstGeom prst="arc">
+              <a:avLst/>
+            </a:prstGeom>
+            <a:ln w="28575">
+              <a:solidFill>
+                <a:schemeClr val="tx1"/>
+              </a:solidFill>
+            </a:ln>
+          </p:spPr>
+          <p:style>
+            <a:lnRef idx="1">
+              <a:schemeClr val="accent1"/>
+            </a:lnRef>
+            <a:fillRef idx="0">
+              <a:schemeClr val="accent1"/>
+            </a:fillRef>
+            <a:effectRef idx="0">
+              <a:schemeClr val="accent1"/>
+            </a:effectRef>
+            <a:fontRef idx="minor">
+              <a:schemeClr val="tx1"/>
+            </a:fontRef>
+          </p:style>
+          <p:txBody>
+            <a:bodyPr rtlCol="0" anchor="ctr"/>
+            <a:lstStyle/>
+            <a:p>
+              <a:pPr algn="ctr"/>
+              <a:endParaRPr kumimoji="1" lang="ja-JP" altLang="en-US">
+                <a:latin typeface="Calibri" charset="0"/>
+                <a:ea typeface="Calibri" charset="0"/>
+                <a:cs typeface="Calibri" charset="0"/>
+              </a:endParaRPr>
+            </a:p>
+          </p:txBody>
+        </p:sp>
+      </p:grpSp>
+      <p:sp>
+        <p:nvSpPr>
+          <p:cNvPr id="66" name="テキスト ボックス 65"/>
+          <p:cNvSpPr txBox="1"/>
+          <p:nvPr/>
+        </p:nvSpPr>
+        <p:spPr>
+          <a:xfrm>
+            <a:off x="4550051" y="2235749"/>
+            <a:ext cx="764953" cy="276999"/>
+          </a:xfrm>
+          <a:prstGeom prst="rect">
+            <a:avLst/>
+          </a:prstGeom>
+          <a:noFill/>
+        </p:spPr>
+        <p:txBody>
+          <a:bodyPr wrap="none" rtlCol="0">
+            <a:spAutoFit/>
+          </a:bodyPr>
+          <a:lstStyle/>
+          <a:p>
+            <a:r>
+              <a:rPr kumimoji="1" lang="en-US" altLang="ja-JP" sz="1200" dirty="0" smtClean="0">
+                <a:latin typeface="Calibri" charset="0"/>
+                <a:ea typeface="Calibri" charset="0"/>
+                <a:cs typeface="Calibri" charset="0"/>
+              </a:rPr>
+              <a:t>Sensor S</a:t>
+            </a:r>
+            <a:r>
+              <a:rPr kumimoji="1" lang="en-US" altLang="ja-JP" sz="1200" baseline="-25000" dirty="0" smtClean="0">
+                <a:latin typeface="Calibri" charset="0"/>
+                <a:ea typeface="Calibri" charset="0"/>
+                <a:cs typeface="Calibri" charset="0"/>
+              </a:rPr>
+              <a:t>3</a:t>
+            </a:r>
+            <a:endParaRPr kumimoji="1" lang="en-US" altLang="ja-JP" sz="1200" baseline="-25000" dirty="0" smtClean="0">
+              <a:latin typeface="Calibri" charset="0"/>
+              <a:ea typeface="Calibri" charset="0"/>
+              <a:cs typeface="Calibri" charset="0"/>
+            </a:endParaRPr>
+          </a:p>
+        </p:txBody>
+      </p:sp>
+      <p:sp>
+        <p:nvSpPr>
+          <p:cNvPr id="67" name="テキスト ボックス 66"/>
+          <p:cNvSpPr txBox="1"/>
+          <p:nvPr/>
+        </p:nvSpPr>
+        <p:spPr>
+          <a:xfrm>
+            <a:off x="4551389" y="2915208"/>
+            <a:ext cx="764953" cy="276999"/>
+          </a:xfrm>
+          <a:prstGeom prst="rect">
+            <a:avLst/>
+          </a:prstGeom>
+          <a:noFill/>
+        </p:spPr>
+        <p:txBody>
+          <a:bodyPr wrap="none" rtlCol="0">
+            <a:spAutoFit/>
+          </a:bodyPr>
+          <a:lstStyle/>
+          <a:p>
+            <a:r>
+              <a:rPr kumimoji="1" lang="en-US" altLang="ja-JP" sz="1200" dirty="0" smtClean="0">
+                <a:latin typeface="Calibri" charset="0"/>
+                <a:ea typeface="Calibri" charset="0"/>
+                <a:cs typeface="Calibri" charset="0"/>
+              </a:rPr>
+              <a:t>Sensor S</a:t>
+            </a:r>
+            <a:r>
+              <a:rPr kumimoji="1" lang="en-US" altLang="ja-JP" sz="1200" baseline="-25000" dirty="0" smtClean="0">
+                <a:latin typeface="Calibri" charset="0"/>
+                <a:ea typeface="Calibri" charset="0"/>
+                <a:cs typeface="Calibri" charset="0"/>
+              </a:rPr>
+              <a:t>4</a:t>
+            </a:r>
+            <a:endParaRPr kumimoji="1" lang="en-US" altLang="ja-JP" sz="1200" baseline="-25000" dirty="0" smtClean="0">
+              <a:latin typeface="Calibri" charset="0"/>
+              <a:ea typeface="Calibri" charset="0"/>
+              <a:cs typeface="Calibri" charset="0"/>
+            </a:endParaRPr>
+          </a:p>
+        </p:txBody>
+      </p:sp>
+      <p:sp>
+        <p:nvSpPr>
+          <p:cNvPr id="68" name="正方形/長方形 67"/>
+          <p:cNvSpPr/>
+          <p:nvPr/>
+        </p:nvSpPr>
+        <p:spPr>
+          <a:xfrm>
+            <a:off x="4787421" y="2486612"/>
+            <a:ext cx="211138" cy="163106"/>
+          </a:xfrm>
+          <a:prstGeom prst="rect">
+            <a:avLst/>
+          </a:prstGeom>
+        </p:spPr>
+        <p:style>
+          <a:lnRef idx="2">
+            <a:schemeClr val="accent4">
+              <a:shade val="50000"/>
+            </a:schemeClr>
+          </a:lnRef>
+          <a:fillRef idx="1">
+            <a:schemeClr val="accent4"/>
+          </a:fillRef>
+          <a:effectRef idx="0">
+            <a:schemeClr val="accent4"/>
+          </a:effectRef>
+          <a:fontRef idx="minor">
+            <a:schemeClr val="lt1"/>
+          </a:fontRef>
+        </p:style>
+        <p:txBody>
+          <a:bodyPr rtlCol="0" anchor="ctr"/>
+          <a:lstStyle/>
+          <a:p>
+            <a:pPr algn="ctr"/>
+            <a:endParaRPr kumimoji="1" lang="ja-JP" altLang="en-US">
+              <a:latin typeface="Calibri" charset="0"/>
+              <a:ea typeface="Calibri" charset="0"/>
+              <a:cs typeface="Calibri" charset="0"/>
+            </a:endParaRPr>
+          </a:p>
+        </p:txBody>
+      </p:sp>
+      <p:sp>
+        <p:nvSpPr>
+          <p:cNvPr id="69" name="正方形/長方形 68"/>
+          <p:cNvSpPr/>
+          <p:nvPr/>
+        </p:nvSpPr>
+        <p:spPr>
+          <a:xfrm>
+            <a:off x="4787421" y="3167640"/>
+            <a:ext cx="211138" cy="163106"/>
+          </a:xfrm>
+          <a:prstGeom prst="rect">
+            <a:avLst/>
+          </a:prstGeom>
+        </p:spPr>
+        <p:style>
+          <a:lnRef idx="2">
+            <a:schemeClr val="accent4">
+              <a:shade val="50000"/>
+            </a:schemeClr>
+          </a:lnRef>
+          <a:fillRef idx="1">
+            <a:schemeClr val="accent4"/>
+          </a:fillRef>
+          <a:effectRef idx="0">
+            <a:schemeClr val="accent4"/>
+          </a:effectRef>
+          <a:fontRef idx="minor">
+            <a:schemeClr val="lt1"/>
+          </a:fontRef>
+        </p:style>
+        <p:txBody>
+          <a:bodyPr rtlCol="0" anchor="ctr"/>
+          <a:lstStyle/>
+          <a:p>
+            <a:pPr algn="ctr"/>
+            <a:endParaRPr kumimoji="1" lang="ja-JP" altLang="en-US">
+              <a:latin typeface="Calibri" charset="0"/>
+              <a:ea typeface="Calibri" charset="0"/>
+              <a:cs typeface="Calibri" charset="0"/>
+            </a:endParaRPr>
+          </a:p>
+        </p:txBody>
+      </p:sp>
+      <p:sp>
+        <p:nvSpPr>
+          <p:cNvPr id="6" name="正方形/長方形 5"/>
+          <p:cNvSpPr/>
+          <p:nvPr/>
+        </p:nvSpPr>
+        <p:spPr>
+          <a:xfrm>
+            <a:off x="7217367" y="1719952"/>
+            <a:ext cx="1629199" cy="1901509"/>
+          </a:xfrm>
+          <a:prstGeom prst="rect">
+            <a:avLst/>
+          </a:prstGeom>
+          <a:noFill/>
+          <a:ln>
+            <a:solidFill>
+              <a:schemeClr val="tx1"/>
+            </a:solidFill>
+            <a:prstDash val="sysDash"/>
+          </a:ln>
+        </p:spPr>
+        <p:style>
+          <a:lnRef idx="2">
+            <a:schemeClr val="accent1">
+              <a:shade val="50000"/>
+            </a:schemeClr>
+          </a:lnRef>
+          <a:fillRef idx="1">
+            <a:schemeClr val="accent1"/>
+          </a:fillRef>
+          <a:effectRef idx="0">
+            <a:schemeClr val="accent1"/>
+          </a:effectRef>
+          <a:fontRef idx="minor">
+            <a:schemeClr val="lt1"/>
+          </a:fontRef>
+        </p:style>
+        <p:txBody>
+          <a:bodyPr rtlCol="0" anchor="ctr"/>
+          <a:lstStyle/>
+          <a:p>
+            <a:pPr algn="ctr"/>
+            <a:endParaRPr kumimoji="1" lang="ja-JP" altLang="en-US">
+              <a:latin typeface="Calibri" charset="0"/>
+              <a:ea typeface="Calibri" charset="0"/>
+              <a:cs typeface="Calibri" charset="0"/>
+            </a:endParaRPr>
+          </a:p>
+        </p:txBody>
+      </p:sp>
+      <p:sp>
+        <p:nvSpPr>
+          <p:cNvPr id="72" name="テキスト ボックス 71"/>
+          <p:cNvSpPr txBox="1"/>
+          <p:nvPr/>
+        </p:nvSpPr>
+        <p:spPr>
+          <a:xfrm>
+            <a:off x="7134837" y="1425477"/>
+            <a:ext cx="854529" cy="276999"/>
+          </a:xfrm>
+          <a:prstGeom prst="rect">
+            <a:avLst/>
+          </a:prstGeom>
+          <a:noFill/>
+        </p:spPr>
+        <p:txBody>
+          <a:bodyPr wrap="none" rtlCol="0">
+            <a:spAutoFit/>
+          </a:bodyPr>
+          <a:lstStyle/>
+          <a:p>
+            <a:r>
+              <a:rPr kumimoji="1" lang="en-US" altLang="ja-JP" sz="1200" dirty="0" smtClean="0">
+                <a:latin typeface="Calibri" charset="0"/>
+                <a:ea typeface="Calibri" charset="0"/>
+                <a:cs typeface="Calibri" charset="0"/>
+              </a:rPr>
+              <a:t>RO</a:t>
+            </a:r>
+            <a:r>
+              <a:rPr kumimoji="1" lang="en-US" altLang="ja-JP" sz="1200" baseline="-25000" dirty="0" smtClean="0">
+                <a:latin typeface="Calibri" charset="0"/>
+                <a:ea typeface="Calibri" charset="0"/>
+                <a:cs typeface="Calibri" charset="0"/>
+              </a:rPr>
+              <a:t>1</a:t>
+            </a:r>
+            <a:r>
+              <a:rPr lang="en-US" altLang="ja-JP" sz="1200" dirty="0" smtClean="0">
+                <a:latin typeface="Calibri" charset="0"/>
+                <a:ea typeface="Calibri" charset="0"/>
+                <a:cs typeface="Calibri" charset="0"/>
+              </a:rPr>
+              <a:t>’s View</a:t>
+            </a:r>
+            <a:endParaRPr kumimoji="1" lang="ja-JP" altLang="en-US" sz="1200" baseline="-25000" dirty="0">
+              <a:latin typeface="Calibri" charset="0"/>
+              <a:ea typeface="Calibri" charset="0"/>
+              <a:cs typeface="Calibri" charset="0"/>
+            </a:endParaRPr>
+          </a:p>
+        </p:txBody>
+      </p:sp>
+      <p:sp>
+        <p:nvSpPr>
+          <p:cNvPr id="73" name="正方形/長方形 72"/>
+          <p:cNvSpPr/>
+          <p:nvPr/>
+        </p:nvSpPr>
+        <p:spPr>
+          <a:xfrm>
+            <a:off x="3397258" y="1718372"/>
+            <a:ext cx="3702633" cy="1901509"/>
+          </a:xfrm>
+          <a:prstGeom prst="rect">
+            <a:avLst/>
+          </a:prstGeom>
+          <a:noFill/>
+          <a:ln>
+            <a:solidFill>
+              <a:schemeClr val="tx1"/>
+            </a:solidFill>
+            <a:prstDash val="sysDash"/>
+          </a:ln>
+        </p:spPr>
+        <p:style>
+          <a:lnRef idx="2">
+            <a:schemeClr val="accent1">
+              <a:shade val="50000"/>
+            </a:schemeClr>
+          </a:lnRef>
+          <a:fillRef idx="1">
+            <a:schemeClr val="accent1"/>
+          </a:fillRef>
+          <a:effectRef idx="0">
+            <a:schemeClr val="accent1"/>
+          </a:effectRef>
+          <a:fontRef idx="minor">
+            <a:schemeClr val="lt1"/>
+          </a:fontRef>
+        </p:style>
+        <p:txBody>
+          <a:bodyPr rtlCol="0" anchor="ctr"/>
+          <a:lstStyle/>
+          <a:p>
+            <a:pPr algn="ctr"/>
+            <a:endParaRPr kumimoji="1" lang="ja-JP" altLang="en-US">
+              <a:latin typeface="Calibri" charset="0"/>
+              <a:ea typeface="Calibri" charset="0"/>
+              <a:cs typeface="Calibri" charset="0"/>
+            </a:endParaRPr>
+          </a:p>
+        </p:txBody>
+      </p:sp>
+      <p:sp>
+        <p:nvSpPr>
+          <p:cNvPr id="75" name="テキスト ボックス 74"/>
+          <p:cNvSpPr txBox="1"/>
+          <p:nvPr/>
+        </p:nvSpPr>
+        <p:spPr>
+          <a:xfrm>
+            <a:off x="3354592" y="1438950"/>
+            <a:ext cx="841897" cy="276999"/>
+          </a:xfrm>
+          <a:prstGeom prst="rect">
+            <a:avLst/>
+          </a:prstGeom>
+          <a:noFill/>
+        </p:spPr>
+        <p:txBody>
+          <a:bodyPr wrap="none" rtlCol="0">
+            <a:spAutoFit/>
+          </a:bodyPr>
+          <a:lstStyle/>
+          <a:p>
+            <a:r>
+              <a:rPr kumimoji="1" lang="en-US" altLang="ja-JP" sz="1200" dirty="0" smtClean="0">
+                <a:latin typeface="Calibri" charset="0"/>
+                <a:ea typeface="Calibri" charset="0"/>
+                <a:cs typeface="Calibri" charset="0"/>
+              </a:rPr>
+              <a:t>FO</a:t>
+            </a:r>
+            <a:r>
+              <a:rPr kumimoji="1" lang="en-US" altLang="ja-JP" sz="1200" baseline="-25000" dirty="0" smtClean="0">
+                <a:latin typeface="Calibri" charset="0"/>
+                <a:ea typeface="Calibri" charset="0"/>
+                <a:cs typeface="Calibri" charset="0"/>
+              </a:rPr>
+              <a:t>1</a:t>
+            </a:r>
+            <a:r>
+              <a:rPr lang="en-US" altLang="ja-JP" sz="1200" dirty="0" smtClean="0">
+                <a:latin typeface="Calibri" charset="0"/>
+                <a:ea typeface="Calibri" charset="0"/>
+                <a:cs typeface="Calibri" charset="0"/>
+              </a:rPr>
+              <a:t>’s View</a:t>
+            </a:r>
+            <a:endParaRPr kumimoji="1" lang="ja-JP" altLang="en-US" sz="1200" baseline="-25000" dirty="0">
+              <a:latin typeface="Calibri" charset="0"/>
+              <a:ea typeface="Calibri" charset="0"/>
+              <a:cs typeface="Calibri" charset="0"/>
+            </a:endParaRPr>
+          </a:p>
+        </p:txBody>
+      </p:sp>
+      <p:sp>
+        <p:nvSpPr>
+          <p:cNvPr id="76" name="正方形/長方形 75"/>
+          <p:cNvSpPr/>
+          <p:nvPr/>
+        </p:nvSpPr>
+        <p:spPr>
+          <a:xfrm>
+            <a:off x="1753953" y="3942128"/>
+            <a:ext cx="1918938" cy="1433719"/>
+          </a:xfrm>
+          <a:prstGeom prst="rect">
+            <a:avLst/>
+          </a:prstGeom>
+          <a:noFill/>
+          <a:ln>
+            <a:solidFill>
+              <a:schemeClr val="tx1"/>
+            </a:solidFill>
+            <a:prstDash val="sysDash"/>
+          </a:ln>
+        </p:spPr>
+        <p:style>
+          <a:lnRef idx="2">
+            <a:schemeClr val="accent1">
+              <a:shade val="50000"/>
+            </a:schemeClr>
+          </a:lnRef>
+          <a:fillRef idx="1">
+            <a:schemeClr val="accent1"/>
+          </a:fillRef>
+          <a:effectRef idx="0">
+            <a:schemeClr val="accent1"/>
+          </a:effectRef>
+          <a:fontRef idx="minor">
+            <a:schemeClr val="lt1"/>
+          </a:fontRef>
+        </p:style>
+        <p:txBody>
+          <a:bodyPr rtlCol="0" anchor="ctr"/>
+          <a:lstStyle/>
+          <a:p>
+            <a:pPr algn="ctr"/>
+            <a:endParaRPr kumimoji="1" lang="ja-JP" altLang="en-US">
+              <a:latin typeface="Calibri" charset="0"/>
+              <a:ea typeface="Calibri" charset="0"/>
+              <a:cs typeface="Calibri" charset="0"/>
+            </a:endParaRPr>
+          </a:p>
+        </p:txBody>
+      </p:sp>
+      <p:sp>
+        <p:nvSpPr>
+          <p:cNvPr id="7" name="角丸四角形吹き出し 6"/>
+          <p:cNvSpPr/>
+          <p:nvPr/>
+        </p:nvSpPr>
+        <p:spPr>
+          <a:xfrm>
+            <a:off x="4711312" y="3849373"/>
+            <a:ext cx="1254882" cy="335870"/>
+          </a:xfrm>
+          <a:prstGeom prst="wedgeRoundRectCallout">
+            <a:avLst>
+              <a:gd name="adj1" fmla="val -28726"/>
+              <a:gd name="adj2" fmla="val -173633"/>
+              <a:gd name="adj3" fmla="val 16667"/>
+            </a:avLst>
+          </a:prstGeom>
+        </p:spPr>
+        <p:style>
+          <a:lnRef idx="1">
+            <a:schemeClr val="accent1"/>
+          </a:lnRef>
+          <a:fillRef idx="2">
+            <a:schemeClr val="accent1"/>
+          </a:fillRef>
+          <a:effectRef idx="1">
+            <a:schemeClr val="accent1"/>
+          </a:effectRef>
+          <a:fontRef idx="minor">
+            <a:schemeClr val="dk1"/>
+          </a:fontRef>
+        </p:style>
+        <p:txBody>
+          <a:bodyPr rtlCol="0" anchor="ctr"/>
+          <a:lstStyle/>
+          <a:p>
+            <a:pPr algn="ctr"/>
+            <a:r>
+              <a:rPr kumimoji="1" lang="en-US" altLang="ja-JP" sz="1200" smtClean="0">
+                <a:latin typeface="Calibri" charset="0"/>
+                <a:ea typeface="Calibri" charset="0"/>
+                <a:cs typeface="Calibri" charset="0"/>
+              </a:rPr>
+              <a:t>Virtual Device</a:t>
+            </a:r>
+            <a:endParaRPr kumimoji="1" lang="ja-JP" altLang="en-US" sz="1200" dirty="0">
+              <a:latin typeface="Calibri" charset="0"/>
+              <a:ea typeface="Calibri" charset="0"/>
+              <a:cs typeface="Calibri" charset="0"/>
+            </a:endParaRPr>
+          </a:p>
+        </p:txBody>
+      </p:sp>
+      <p:sp>
+        <p:nvSpPr>
+          <p:cNvPr id="77" name="角丸四角形吹き出し 76"/>
+          <p:cNvSpPr/>
+          <p:nvPr/>
+        </p:nvSpPr>
+        <p:spPr>
+          <a:xfrm>
+            <a:off x="4021813" y="4991496"/>
+            <a:ext cx="1360277" cy="335870"/>
+          </a:xfrm>
+          <a:prstGeom prst="wedgeRoundRectCallout">
+            <a:avLst>
+              <a:gd name="adj1" fmla="val -84064"/>
+              <a:gd name="adj2" fmla="val 4085"/>
+              <a:gd name="adj3" fmla="val 16667"/>
+            </a:avLst>
+          </a:prstGeom>
+        </p:spPr>
+        <p:style>
+          <a:lnRef idx="1">
+            <a:schemeClr val="accent2"/>
+          </a:lnRef>
+          <a:fillRef idx="2">
+            <a:schemeClr val="accent2"/>
+          </a:fillRef>
+          <a:effectRef idx="1">
+            <a:schemeClr val="accent2"/>
+          </a:effectRef>
+          <a:fontRef idx="minor">
+            <a:schemeClr val="dk1"/>
+          </a:fontRef>
+        </p:style>
+        <p:txBody>
+          <a:bodyPr rtlCol="0" anchor="ctr"/>
+          <a:lstStyle/>
+          <a:p>
+            <a:pPr algn="ctr"/>
+            <a:r>
+              <a:rPr kumimoji="1" lang="en-US" altLang="ja-JP" sz="1200" dirty="0" smtClean="0">
+                <a:latin typeface="Calibri" charset="0"/>
+                <a:ea typeface="Calibri" charset="0"/>
+                <a:cs typeface="Calibri" charset="0"/>
+              </a:rPr>
+              <a:t>Physical Device</a:t>
+            </a:r>
+            <a:endParaRPr kumimoji="1" lang="ja-JP" altLang="en-US" sz="1200" dirty="0">
+              <a:latin typeface="Calibri" charset="0"/>
+              <a:ea typeface="Calibri" charset="0"/>
+              <a:cs typeface="Calibri" charset="0"/>
+            </a:endParaRPr>
+          </a:p>
+        </p:txBody>
+      </p:sp>
+      <p:sp>
+        <p:nvSpPr>
+          <p:cNvPr id="78" name="正方形/長方形 77"/>
+          <p:cNvSpPr/>
+          <p:nvPr/>
+        </p:nvSpPr>
+        <p:spPr>
+          <a:xfrm>
+            <a:off x="6075590" y="2214465"/>
+            <a:ext cx="644934" cy="512286"/>
+          </a:xfrm>
+          <a:prstGeom prst="rect">
+            <a:avLst/>
+          </a:prstGeom>
+          <a:solidFill>
+            <a:schemeClr val="accent6">
+              <a:lumMod val="60000"/>
+              <a:lumOff val="40000"/>
+            </a:schemeClr>
+          </a:solidFill>
+        </p:spPr>
+        <p:style>
+          <a:lnRef idx="2">
+            <a:schemeClr val="accent6">
+              <a:shade val="50000"/>
+            </a:schemeClr>
+          </a:lnRef>
+          <a:fillRef idx="1">
+            <a:schemeClr val="accent6"/>
+          </a:fillRef>
+          <a:effectRef idx="0">
+            <a:schemeClr val="accent6"/>
+          </a:effectRef>
+          <a:fontRef idx="minor">
+            <a:schemeClr val="lt1"/>
+          </a:fontRef>
+        </p:style>
+        <p:txBody>
+          <a:bodyPr rtlCol="0" anchor="ctr"/>
+          <a:lstStyle/>
+          <a:p>
+            <a:pPr algn="ctr"/>
+            <a:endParaRPr kumimoji="1" lang="ja-JP" altLang="en-US">
+              <a:latin typeface="Calibri" charset="0"/>
+              <a:ea typeface="Calibri" charset="0"/>
+              <a:cs typeface="Calibri" charset="0"/>
+            </a:endParaRPr>
+          </a:p>
+        </p:txBody>
+      </p:sp>
+      <p:sp>
+        <p:nvSpPr>
+          <p:cNvPr id="79" name="テキスト ボックス 78"/>
+          <p:cNvSpPr txBox="1"/>
+          <p:nvPr/>
+        </p:nvSpPr>
+        <p:spPr>
+          <a:xfrm>
+            <a:off x="5991476" y="1955991"/>
+            <a:ext cx="737318" cy="276999"/>
+          </a:xfrm>
+          <a:prstGeom prst="rect">
+            <a:avLst/>
+          </a:prstGeom>
+          <a:noFill/>
+        </p:spPr>
+        <p:txBody>
+          <a:bodyPr wrap="none" rtlCol="0">
+            <a:spAutoFit/>
+          </a:bodyPr>
+          <a:lstStyle/>
+          <a:p>
+            <a:r>
+              <a:rPr kumimoji="1" lang="en-US" altLang="ja-JP" sz="1200" dirty="0" smtClean="0">
+                <a:latin typeface="Calibri" charset="0"/>
+                <a:ea typeface="Calibri" charset="0"/>
+                <a:cs typeface="Calibri" charset="0"/>
+              </a:rPr>
+              <a:t>Order O</a:t>
+            </a:r>
+            <a:r>
+              <a:rPr kumimoji="1" lang="en-US" altLang="ja-JP" sz="1200" baseline="-25000" dirty="0" smtClean="0">
+                <a:latin typeface="Calibri" charset="0"/>
+                <a:ea typeface="Calibri" charset="0"/>
+                <a:cs typeface="Calibri" charset="0"/>
+              </a:rPr>
+              <a:t>1</a:t>
+            </a:r>
+            <a:endParaRPr kumimoji="1" lang="en-US" altLang="ja-JP" sz="1200" baseline="-25000" dirty="0" smtClean="0">
+              <a:latin typeface="Calibri" charset="0"/>
+              <a:ea typeface="Calibri" charset="0"/>
+              <a:cs typeface="Calibri" charset="0"/>
+            </a:endParaRPr>
+          </a:p>
+        </p:txBody>
+      </p:sp>
+      <p:cxnSp>
+        <p:nvCxnSpPr>
+          <p:cNvPr id="90" name="直線矢印コネクタ 89"/>
+          <p:cNvCxnSpPr>
+            <a:endCxn id="80" idx="1"/>
+          </p:cNvCxnSpPr>
+          <p:nvPr/>
+        </p:nvCxnSpPr>
+        <p:spPr>
+          <a:xfrm>
+            <a:off x="6720524" y="2470608"/>
+            <a:ext cx="888963" cy="0"/>
+          </a:xfrm>
+          <a:prstGeom prst="straightConnector1">
+            <a:avLst/>
+          </a:prstGeom>
+          <a:ln>
+            <a:solidFill>
+              <a:schemeClr val="tx1"/>
+            </a:solidFill>
+            <a:headEnd type="none" w="med" len="med"/>
+            <a:tailEnd type="arrow" w="med" len="med"/>
+          </a:ln>
+        </p:spPr>
+        <p:style>
+          <a:lnRef idx="1">
+            <a:schemeClr val="accent1"/>
+          </a:lnRef>
+          <a:fillRef idx="0">
+            <a:schemeClr val="accent1"/>
+          </a:fillRef>
+          <a:effectRef idx="0">
+            <a:schemeClr val="accent1"/>
+          </a:effectRef>
+          <a:fontRef idx="minor">
+            <a:schemeClr val="tx1"/>
+          </a:fontRef>
+        </p:style>
+      </p:cxnSp>
+      <p:sp>
+        <p:nvSpPr>
+          <p:cNvPr id="91" name="角丸四角形吹き出し 90"/>
+          <p:cNvSpPr/>
+          <p:nvPr/>
+        </p:nvSpPr>
+        <p:spPr>
+          <a:xfrm>
+            <a:off x="6043762" y="3942127"/>
+            <a:ext cx="2041867" cy="978513"/>
+          </a:xfrm>
+          <a:prstGeom prst="wedgeRoundRectCallout">
+            <a:avLst>
+              <a:gd name="adj1" fmla="val -30159"/>
+              <a:gd name="adj2" fmla="val -165807"/>
+              <a:gd name="adj3" fmla="val 16667"/>
+            </a:avLst>
+          </a:prstGeom>
+        </p:spPr>
+        <p:style>
+          <a:lnRef idx="1">
+            <a:schemeClr val="accent2"/>
+          </a:lnRef>
+          <a:fillRef idx="2">
+            <a:schemeClr val="accent2"/>
+          </a:fillRef>
+          <a:effectRef idx="1">
+            <a:schemeClr val="accent2"/>
+          </a:effectRef>
+          <a:fontRef idx="minor">
+            <a:schemeClr val="dk1"/>
+          </a:fontRef>
+        </p:style>
+        <p:txBody>
+          <a:bodyPr rtlCol="0" anchor="ctr"/>
+          <a:lstStyle/>
+          <a:p>
+            <a:r>
+              <a:rPr kumimoji="1" lang="en-US" altLang="ja-JP" sz="1200" dirty="0" smtClean="0">
+                <a:latin typeface="Calibri" charset="0"/>
+                <a:ea typeface="Calibri" charset="0"/>
+                <a:cs typeface="Calibri" charset="0"/>
+              </a:rPr>
+              <a:t>If the Farm Owner agrees with the sensor data transfer, actual sensor data is transferred to the restaurant owner.</a:t>
+            </a:r>
+            <a:endParaRPr kumimoji="1" lang="ja-JP" altLang="en-US" sz="1200" dirty="0">
+              <a:latin typeface="Calibri" charset="0"/>
+              <a:ea typeface="Calibri" charset="0"/>
+              <a:cs typeface="Calibri" charset="0"/>
+            </a:endParaRPr>
+          </a:p>
+        </p:txBody>
+      </p:sp>
+    </p:spTree>
+    <p:extLst>
+      <p:ext uri="{BB962C8B-B14F-4D97-AF65-F5344CB8AC3E}">
+        <p14:creationId xmlns:p14="http://schemas.microsoft.com/office/powerpoint/2010/main" val="764667908"/>
       </p:ext>
     </p:extLst>
   </p:cSld>

--- a/tutorial/ja/images/figures.pptx
+++ b/tutorial/ja/images/figures.pptx
@@ -9045,11 +9045,7 @@
           <a:p>
             <a:r>
               <a:rPr lang="ja-JP" altLang="en-US" dirty="0" smtClean="0"/>
-              <a:t>ファームへのデバイス</a:t>
-            </a:r>
-            <a:r>
-              <a:rPr lang="ja-JP" altLang="en-US" smtClean="0"/>
-              <a:t>登録とレシピからのオーダー生成</a:t>
+              <a:t>ファームへのデバイス登録とレシピからのオーダー生成</a:t>
             </a:r>
             <a:endParaRPr kumimoji="1" lang="ja-JP" altLang="en-US" dirty="0"/>
           </a:p>
@@ -12189,11 +12185,7 @@
           <a:p>
             <a:r>
               <a:rPr lang="ja-JP" altLang="en-US" dirty="0" smtClean="0"/>
-              <a:t>オーダーの</a:t>
-            </a:r>
-            <a:r>
-              <a:rPr lang="ja-JP" altLang="en-US" smtClean="0"/>
-              <a:t>承認とセンサデータの送信</a:t>
+              <a:t>オーダーの承認とセンサデータの送信</a:t>
             </a:r>
             <a:endParaRPr kumimoji="1" lang="ja-JP" altLang="en-US" dirty="0"/>
           </a:p>
@@ -15384,6 +15376,36 @@
           </a:p>
         </p:txBody>
       </p:sp>
+      <p:sp>
+        <p:nvSpPr>
+          <p:cNvPr id="13" name="テキスト ボックス 12"/>
+          <p:cNvSpPr txBox="1"/>
+          <p:nvPr/>
+        </p:nvSpPr>
+        <p:spPr>
+          <a:xfrm>
+            <a:off x="2897071" y="5756129"/>
+            <a:ext cx="6997428" cy="369332"/>
+          </a:xfrm>
+          <a:prstGeom prst="rect">
+            <a:avLst/>
+          </a:prstGeom>
+          <a:noFill/>
+        </p:spPr>
+        <p:txBody>
+          <a:bodyPr wrap="none" rtlCol="0">
+            <a:spAutoFit/>
+          </a:bodyPr>
+          <a:lstStyle/>
+          <a:p>
+            <a:r>
+              <a:rPr lang="en-US" altLang="ja-JP"/>
+              <a:t>Register devices into Farms and an Order created from a Recipe</a:t>
+            </a:r>
+            <a:endParaRPr kumimoji="1" lang="ja-JP" altLang="en-US" dirty="0"/>
+          </a:p>
+        </p:txBody>
+      </p:sp>
     </p:spTree>
     <p:extLst>
       <p:ext uri="{BB962C8B-B14F-4D97-AF65-F5344CB8AC3E}">
@@ -18579,6 +18601,44 @@
               <a:ea typeface="Calibri" charset="0"/>
               <a:cs typeface="Calibri" charset="0"/>
             </a:endParaRPr>
+          </a:p>
+        </p:txBody>
+      </p:sp>
+      <p:sp>
+        <p:nvSpPr>
+          <p:cNvPr id="3" name="テキスト ボックス 2"/>
+          <p:cNvSpPr txBox="1"/>
+          <p:nvPr/>
+        </p:nvSpPr>
+        <p:spPr>
+          <a:xfrm>
+            <a:off x="3703787" y="6064889"/>
+            <a:ext cx="4743606" cy="369332"/>
+          </a:xfrm>
+          <a:prstGeom prst="rect">
+            <a:avLst/>
+          </a:prstGeom>
+          <a:noFill/>
+        </p:spPr>
+        <p:txBody>
+          <a:bodyPr wrap="none" rtlCol="0">
+            <a:spAutoFit/>
+          </a:bodyPr>
+          <a:lstStyle/>
+          <a:p>
+            <a:r>
+              <a:rPr lang="en-US" altLang="ja-JP" dirty="0"/>
+              <a:t>Order acceptance and sensor </a:t>
+            </a:r>
+            <a:r>
+              <a:rPr lang="en-US" altLang="ja-JP"/>
+              <a:t>data </a:t>
+            </a:r>
+            <a:r>
+              <a:rPr lang="en-US" altLang="ja-JP" smtClean="0"/>
+              <a:t>transfer</a:t>
+            </a:r>
+            <a:endParaRPr lang="ja-JP" altLang="ja-JP" dirty="0"/>
           </a:p>
         </p:txBody>
       </p:sp>
